--- a/1-2/CB1501010/Introduction to Electrical and Electronic Engineering/013/EE_ch11_AnalogElectronics.pptx
+++ b/1-2/CB1501010/Introduction to Electrical and Electronic Engineering/013/EE_ch11_AnalogElectronics.pptx
@@ -458,6 +458,11 @@
         </p:txBody>
       </p:sp>
     </p:spTree>
+    <p:extLst>
+      <p:ext uri="{BB962C8B-B14F-4D97-AF65-F5344CB8AC3E}">
+        <p14:creationId xmlns:p14="http://schemas.microsoft.com/office/powerpoint/2010/main" val="1"/>
+      </p:ext>
+    </p:extLst>
   </p:cSld>
   <p:clrMap bg1="lt1" tx1="dk1" bg2="lt2" tx2="dk2" accent1="accent1" accent2="accent2" accent3="accent3" accent4="accent4" accent5="accent5" accent6="accent6" hlink="hlink" folHlink="folHlink"/>
 </p:handoutMaster>
@@ -661,35 +666,35 @@
           <a:p>
             <a:pPr lvl="0"/>
             <a:r>
-              <a:rPr lang="ko-KR" altLang="en-US" noProof="0" smtClean="0"/>
+              <a:rPr lang="ko-KR" altLang="en-US" noProof="0"/>
               <a:t>마스터 텍스트 스타일을 편집합니다</a:t>
             </a:r>
           </a:p>
           <a:p>
             <a:pPr lvl="1"/>
             <a:r>
-              <a:rPr lang="ko-KR" altLang="en-US" noProof="0" smtClean="0"/>
+              <a:rPr lang="ko-KR" altLang="en-US" noProof="0"/>
               <a:t>둘째 수준</a:t>
             </a:r>
           </a:p>
           <a:p>
             <a:pPr lvl="2"/>
             <a:r>
-              <a:rPr lang="ko-KR" altLang="en-US" noProof="0" smtClean="0"/>
+              <a:rPr lang="ko-KR" altLang="en-US" noProof="0"/>
               <a:t>셋째 수준</a:t>
             </a:r>
           </a:p>
           <a:p>
             <a:pPr lvl="3"/>
             <a:r>
-              <a:rPr lang="ko-KR" altLang="en-US" noProof="0" smtClean="0"/>
+              <a:rPr lang="ko-KR" altLang="en-US" noProof="0"/>
               <a:t>넷째 수준</a:t>
             </a:r>
           </a:p>
           <a:p>
             <a:pPr lvl="4"/>
             <a:r>
-              <a:rPr lang="ko-KR" altLang="en-US" noProof="0" smtClean="0"/>
+              <a:rPr lang="ko-KR" altLang="en-US" noProof="0"/>
               <a:t>다섯째 수준</a:t>
             </a:r>
           </a:p>
@@ -947,7 +952,97 @@
       </p:grpSpPr>
       <p:sp>
         <p:nvSpPr>
-          <p:cNvPr id="61442" name="슬라이드 이미지 개체 틀 1"/>
+          <p:cNvPr id="2" name="슬라이드 이미지 개체 틀 1"/>
+          <p:cNvSpPr>
+            <a:spLocks noGrp="1" noRot="1" noChangeAspect="1"/>
+          </p:cNvSpPr>
+          <p:nvPr>
+            <p:ph type="sldImg"/>
+          </p:nvPr>
+        </p:nvSpPr>
+        <p:spPr/>
+      </p:sp>
+      <p:sp>
+        <p:nvSpPr>
+          <p:cNvPr id="3" name="슬라이드 노트 개체 틀 2"/>
+          <p:cNvSpPr>
+            <a:spLocks noGrp="1"/>
+          </p:cNvSpPr>
+          <p:nvPr>
+            <p:ph type="body" idx="1"/>
+          </p:nvPr>
+        </p:nvSpPr>
+        <p:spPr/>
+        <p:txBody>
+          <a:bodyPr/>
+          <a:lstStyle/>
+          <a:p>
+            <a:endParaRPr lang="ko-KR" altLang="en-US" dirty="0"/>
+          </a:p>
+        </p:txBody>
+      </p:sp>
+      <p:sp>
+        <p:nvSpPr>
+          <p:cNvPr id="4" name="슬라이드 번호 개체 틀 3"/>
+          <p:cNvSpPr>
+            <a:spLocks noGrp="1"/>
+          </p:cNvSpPr>
+          <p:nvPr>
+            <p:ph type="sldNum" sz="quarter" idx="5"/>
+          </p:nvPr>
+        </p:nvSpPr>
+        <p:spPr/>
+        <p:txBody>
+          <a:bodyPr/>
+          <a:lstStyle/>
+          <a:p>
+            <a:pPr>
+              <a:defRPr/>
+            </a:pPr>
+            <a:fld id="{63F77CA8-EFBD-4465-B3E9-3E00CBF80F71}" type="slidenum">
+              <a:rPr lang="en-US" altLang="ko-KR" smtClean="0"/>
+              <a:pPr>
+                <a:defRPr/>
+              </a:pPr>
+              <a:t>0</a:t>
+            </a:fld>
+            <a:endParaRPr lang="en-US" altLang="ko-KR"/>
+          </a:p>
+        </p:txBody>
+      </p:sp>
+    </p:spTree>
+    <p:extLst>
+      <p:ext uri="{BB962C8B-B14F-4D97-AF65-F5344CB8AC3E}">
+        <p14:creationId xmlns:p14="http://schemas.microsoft.com/office/powerpoint/2010/main" val="2765120711"/>
+      </p:ext>
+    </p:extLst>
+  </p:cSld>
+  <p:clrMapOvr>
+    <a:masterClrMapping/>
+  </p:clrMapOvr>
+</p:notes>
+</file>
+
+<file path=ppt/notesSlides/notesSlide10.xml><?xml version="1.0" encoding="utf-8"?>
+<p:notes xmlns:a="http://schemas.openxmlformats.org/drawingml/2006/main" xmlns:r="http://schemas.openxmlformats.org/officeDocument/2006/relationships" xmlns:p="http://schemas.openxmlformats.org/presentationml/2006/main">
+  <p:cSld>
+    <p:spTree>
+      <p:nvGrpSpPr>
+        <p:cNvPr id="1" name=""/>
+        <p:cNvGrpSpPr/>
+        <p:nvPr/>
+      </p:nvGrpSpPr>
+      <p:grpSpPr>
+        <a:xfrm>
+          <a:off x="0" y="0"/>
+          <a:ext cx="0" cy="0"/>
+          <a:chOff x="0" y="0"/>
+          <a:chExt cx="0" cy="0"/>
+        </a:xfrm>
+      </p:grpSpPr>
+      <p:sp>
+        <p:nvSpPr>
+          <p:cNvPr id="72706" name="슬라이드 이미지 개체 틀 1"/>
           <p:cNvSpPr>
             <a:spLocks noGrp="1" noRot="1" noChangeAspect="1" noTextEdit="1"/>
           </p:cNvSpPr>
@@ -961,7 +1056,7 @@
       </p:sp>
       <p:sp>
         <p:nvSpPr>
-          <p:cNvPr id="61443" name="슬라이드 노트 개체 틀 2"/>
+          <p:cNvPr id="72707" name="슬라이드 노트 개체 틀 2"/>
           <p:cNvSpPr>
             <a:spLocks noGrp="1"/>
           </p:cNvSpPr>
@@ -996,13 +1091,13 @@
           <a:bodyPr/>
           <a:lstStyle/>
           <a:p>
-            <a:endParaRPr lang="ko-KR" altLang="en-US" smtClean="0"/>
+            <a:endParaRPr lang="ko-KR" altLang="en-US"/>
           </a:p>
         </p:txBody>
       </p:sp>
       <p:sp>
         <p:nvSpPr>
-          <p:cNvPr id="61444" name="머리글 개체 틀 3"/>
+          <p:cNvPr id="72708" name="머리글 개체 틀 3"/>
           <p:cNvSpPr>
             <a:spLocks noGrp="1"/>
           </p:cNvSpPr>
@@ -1144,12 +1239,12 @@
           </a:lstStyle>
           <a:p>
             <a:r>
-              <a:rPr lang="ko-KR" altLang="en-US" sz="1400" i="0" smtClean="0">
+              <a:rPr lang="ko-KR" altLang="en-US" sz="1400" i="0">
                 <a:latin typeface="Times New Roman" panose="02020603050405020304" pitchFamily="18" charset="0"/>
               </a:rPr>
               <a:t>EE141</a:t>
             </a:r>
-            <a:endParaRPr lang="en-US" altLang="ko-KR" sz="1400" i="0" smtClean="0">
+            <a:endParaRPr lang="en-US" altLang="ko-KR" sz="1400" i="0">
               <a:latin typeface="Times New Roman" panose="02020603050405020304" pitchFamily="18" charset="0"/>
             </a:endParaRPr>
           </a:p>
@@ -1157,7 +1252,7 @@
       </p:sp>
       <p:sp>
         <p:nvSpPr>
-          <p:cNvPr id="61445" name="슬라이드 번호 개체 틀 4"/>
+          <p:cNvPr id="72709" name="슬라이드 번호 개체 틀 4"/>
           <p:cNvSpPr>
             <a:spLocks noGrp="1"/>
           </p:cNvSpPr>
@@ -1298,12 +1393,12 @@
             </a:lvl9pPr>
           </a:lstStyle>
           <a:p>
-            <a:fld id="{F5E2136D-1C46-473B-BBCB-2551EE6E3DA4}" type="slidenum">
+            <a:fld id="{6BD783DB-E97E-43E8-9614-A723E5875D49}" type="slidenum">
               <a:rPr lang="ko-KR" altLang="en-US" sz="1400" i="0">
                 <a:latin typeface="Times New Roman" panose="02020603050405020304" pitchFamily="18" charset="0"/>
               </a:rPr>
               <a:pPr/>
-              <a:t>8</a:t>
+              <a:t>16</a:t>
             </a:fld>
             <a:endParaRPr lang="en-US" altLang="ko-KR" sz="1400" i="0">
               <a:latin typeface="Times New Roman" panose="02020603050405020304" pitchFamily="18" charset="0"/>
@@ -1314,7 +1409,7 @@
     </p:spTree>
     <p:extLst>
       <p:ext uri="{BB962C8B-B14F-4D97-AF65-F5344CB8AC3E}">
-        <p14:creationId xmlns:p14="http://schemas.microsoft.com/office/powerpoint/2010/main" val="324461063"/>
+        <p14:creationId xmlns:p14="http://schemas.microsoft.com/office/powerpoint/2010/main" val="263302793"/>
       </p:ext>
     </p:extLst>
   </p:cSld>
@@ -1324,7 +1419,7 @@
 </p:notes>
 </file>
 
-<file path=ppt/notesSlides/notesSlide10.xml><?xml version="1.0" encoding="utf-8"?>
+<file path=ppt/notesSlides/notesSlide11.xml><?xml version="1.0" encoding="utf-8"?>
 <p:notes xmlns:a="http://schemas.openxmlformats.org/drawingml/2006/main" xmlns:r="http://schemas.openxmlformats.org/officeDocument/2006/relationships" xmlns:p="http://schemas.openxmlformats.org/presentationml/2006/main">
   <p:cSld>
     <p:spTree>
@@ -1392,7 +1487,7 @@
           <a:bodyPr/>
           <a:lstStyle/>
           <a:p>
-            <a:endParaRPr lang="ko-KR" altLang="en-US" smtClean="0"/>
+            <a:endParaRPr lang="ko-KR" altLang="en-US"/>
           </a:p>
         </p:txBody>
       </p:sp>
@@ -1540,12 +1635,12 @@
           </a:lstStyle>
           <a:p>
             <a:r>
-              <a:rPr lang="ko-KR" altLang="en-US" sz="1400" i="0" smtClean="0">
+              <a:rPr lang="ko-KR" altLang="en-US" sz="1400" i="0">
                 <a:latin typeface="Times New Roman" panose="02020603050405020304" pitchFamily="18" charset="0"/>
               </a:rPr>
               <a:t>EE141</a:t>
             </a:r>
-            <a:endParaRPr lang="en-US" altLang="ko-KR" sz="1400" i="0" smtClean="0">
+            <a:endParaRPr lang="en-US" altLang="ko-KR" sz="1400" i="0">
               <a:latin typeface="Times New Roman" panose="02020603050405020304" pitchFamily="18" charset="0"/>
             </a:endParaRPr>
           </a:p>
@@ -1720,7 +1815,7 @@
 </p:notes>
 </file>
 
-<file path=ppt/notesSlides/notesSlide11.xml><?xml version="1.0" encoding="utf-8"?>
+<file path=ppt/notesSlides/notesSlide12.xml><?xml version="1.0" encoding="utf-8"?>
 <p:notes xmlns:a="http://schemas.openxmlformats.org/drawingml/2006/main" xmlns:r="http://schemas.openxmlformats.org/officeDocument/2006/relationships" xmlns:p="http://schemas.openxmlformats.org/presentationml/2006/main">
   <p:cSld>
     <p:spTree>
@@ -1788,7 +1883,7 @@
           <a:bodyPr/>
           <a:lstStyle/>
           <a:p>
-            <a:endParaRPr lang="ko-KR" altLang="en-US" smtClean="0"/>
+            <a:endParaRPr lang="ko-KR" altLang="en-US"/>
           </a:p>
         </p:txBody>
       </p:sp>
@@ -1936,12 +2031,12 @@
           </a:lstStyle>
           <a:p>
             <a:r>
-              <a:rPr lang="ko-KR" altLang="en-US" sz="1400" i="0" smtClean="0">
+              <a:rPr lang="ko-KR" altLang="en-US" sz="1400" i="0">
                 <a:latin typeface="Times New Roman" panose="02020603050405020304" pitchFamily="18" charset="0"/>
               </a:rPr>
               <a:t>EE141</a:t>
             </a:r>
-            <a:endParaRPr lang="en-US" altLang="ko-KR" sz="1400" i="0" smtClean="0">
+            <a:endParaRPr lang="en-US" altLang="ko-KR" sz="1400" i="0">
               <a:latin typeface="Times New Roman" panose="02020603050405020304" pitchFamily="18" charset="0"/>
             </a:endParaRPr>
           </a:p>
@@ -2107,402 +2202,6 @@
     <p:extLst>
       <p:ext uri="{BB962C8B-B14F-4D97-AF65-F5344CB8AC3E}">
         <p14:creationId xmlns:p14="http://schemas.microsoft.com/office/powerpoint/2010/main" val="2873594385"/>
-      </p:ext>
-    </p:extLst>
-  </p:cSld>
-  <p:clrMapOvr>
-    <a:masterClrMapping/>
-  </p:clrMapOvr>
-</p:notes>
-</file>
-
-<file path=ppt/notesSlides/notesSlide12.xml><?xml version="1.0" encoding="utf-8"?>
-<p:notes xmlns:a="http://schemas.openxmlformats.org/drawingml/2006/main" xmlns:r="http://schemas.openxmlformats.org/officeDocument/2006/relationships" xmlns:p="http://schemas.openxmlformats.org/presentationml/2006/main">
-  <p:cSld>
-    <p:spTree>
-      <p:nvGrpSpPr>
-        <p:cNvPr id="1" name=""/>
-        <p:cNvGrpSpPr/>
-        <p:nvPr/>
-      </p:nvGrpSpPr>
-      <p:grpSpPr>
-        <a:xfrm>
-          <a:off x="0" y="0"/>
-          <a:ext cx="0" cy="0"/>
-          <a:chOff x="0" y="0"/>
-          <a:chExt cx="0" cy="0"/>
-        </a:xfrm>
-      </p:grpSpPr>
-      <p:sp>
-        <p:nvSpPr>
-          <p:cNvPr id="75778" name="슬라이드 이미지 개체 틀 1"/>
-          <p:cNvSpPr>
-            <a:spLocks noGrp="1" noRot="1" noChangeAspect="1" noTextEdit="1"/>
-          </p:cNvSpPr>
-          <p:nvPr>
-            <p:ph type="sldImg"/>
-          </p:nvPr>
-        </p:nvSpPr>
-        <p:spPr>
-          <a:ln/>
-        </p:spPr>
-      </p:sp>
-      <p:sp>
-        <p:nvSpPr>
-          <p:cNvPr id="75779" name="슬라이드 노트 개체 틀 2"/>
-          <p:cNvSpPr>
-            <a:spLocks noGrp="1"/>
-          </p:cNvSpPr>
-          <p:nvPr>
-            <p:ph type="body" idx="1"/>
-          </p:nvPr>
-        </p:nvSpPr>
-        <p:spPr>
-          <a:noFill/>
-          <a:ln w="9525"/>
-          <a:extLst>
-            <a:ext uri="{909E8E84-426E-40DD-AFC4-6F175D3DCCD1}">
-              <a14:hiddenFill xmlns:a14="http://schemas.microsoft.com/office/drawing/2010/main">
-                <a:solidFill>
-                  <a:srgbClr val="FFFFFF"/>
-                </a:solidFill>
-              </a14:hiddenFill>
-            </a:ext>
-            <a:ext uri="{91240B29-F687-4F45-9708-019B960494DF}">
-              <a14:hiddenLine xmlns:a14="http://schemas.microsoft.com/office/drawing/2010/main" w="9525">
-                <a:solidFill>
-                  <a:srgbClr val="000000"/>
-                </a:solidFill>
-                <a:miter lim="800000"/>
-                <a:headEnd/>
-                <a:tailEnd/>
-              </a14:hiddenLine>
-            </a:ext>
-          </a:extLst>
-        </p:spPr>
-        <p:txBody>
-          <a:bodyPr/>
-          <a:lstStyle/>
-          <a:p>
-            <a:endParaRPr lang="ko-KR" altLang="en-US" smtClean="0"/>
-          </a:p>
-        </p:txBody>
-      </p:sp>
-      <p:sp>
-        <p:nvSpPr>
-          <p:cNvPr id="75780" name="머리글 개체 틀 3"/>
-          <p:cNvSpPr>
-            <a:spLocks noGrp="1"/>
-          </p:cNvSpPr>
-          <p:nvPr>
-            <p:ph type="hdr" sz="quarter"/>
-          </p:nvPr>
-        </p:nvSpPr>
-        <p:spPr>
-          <a:noFill/>
-          <a:ln w="9525"/>
-          <a:extLst>
-            <a:ext uri="{909E8E84-426E-40DD-AFC4-6F175D3DCCD1}">
-              <a14:hiddenFill xmlns:a14="http://schemas.microsoft.com/office/drawing/2010/main">
-                <a:solidFill>
-                  <a:srgbClr val="FFFFFF"/>
-                </a:solidFill>
-              </a14:hiddenFill>
-            </a:ext>
-            <a:ext uri="{91240B29-F687-4F45-9708-019B960494DF}">
-              <a14:hiddenLine xmlns:a14="http://schemas.microsoft.com/office/drawing/2010/main" w="12700">
-                <a:solidFill>
-                  <a:srgbClr val="000000"/>
-                </a:solidFill>
-                <a:miter lim="800000"/>
-                <a:headEnd/>
-                <a:tailEnd/>
-              </a14:hiddenLine>
-            </a:ext>
-          </a:extLst>
-        </p:spPr>
-        <p:txBody>
-          <a:bodyPr/>
-          <a:lstStyle>
-            <a:lvl1pPr defTabSz="998538">
-              <a:defRPr sz="2000" i="1">
-                <a:solidFill>
-                  <a:schemeClr val="tx1"/>
-                </a:solidFill>
-                <a:latin typeface="Arial" panose="020B0604020202020204" pitchFamily="34" charset="0"/>
-                <a:ea typeface="굴림" panose="020B0600000101010101" pitchFamily="50" charset="-127"/>
-              </a:defRPr>
-            </a:lvl1pPr>
-            <a:lvl2pPr marL="742950" indent="-285750" defTabSz="998538">
-              <a:defRPr sz="2000" i="1">
-                <a:solidFill>
-                  <a:schemeClr val="tx1"/>
-                </a:solidFill>
-                <a:latin typeface="Arial" panose="020B0604020202020204" pitchFamily="34" charset="0"/>
-                <a:ea typeface="굴림" panose="020B0600000101010101" pitchFamily="50" charset="-127"/>
-              </a:defRPr>
-            </a:lvl2pPr>
-            <a:lvl3pPr marL="1143000" indent="-228600" defTabSz="998538">
-              <a:defRPr sz="2000" i="1">
-                <a:solidFill>
-                  <a:schemeClr val="tx1"/>
-                </a:solidFill>
-                <a:latin typeface="Arial" panose="020B0604020202020204" pitchFamily="34" charset="0"/>
-                <a:ea typeface="굴림" panose="020B0600000101010101" pitchFamily="50" charset="-127"/>
-              </a:defRPr>
-            </a:lvl3pPr>
-            <a:lvl4pPr marL="1600200" indent="-228600" defTabSz="998538">
-              <a:defRPr sz="2000" i="1">
-                <a:solidFill>
-                  <a:schemeClr val="tx1"/>
-                </a:solidFill>
-                <a:latin typeface="Arial" panose="020B0604020202020204" pitchFamily="34" charset="0"/>
-                <a:ea typeface="굴림" panose="020B0600000101010101" pitchFamily="50" charset="-127"/>
-              </a:defRPr>
-            </a:lvl4pPr>
-            <a:lvl5pPr marL="2057400" indent="-228600" defTabSz="998538">
-              <a:defRPr sz="2000" i="1">
-                <a:solidFill>
-                  <a:schemeClr val="tx1"/>
-                </a:solidFill>
-                <a:latin typeface="Arial" panose="020B0604020202020204" pitchFamily="34" charset="0"/>
-                <a:ea typeface="굴림" panose="020B0600000101010101" pitchFamily="50" charset="-127"/>
-              </a:defRPr>
-            </a:lvl5pPr>
-            <a:lvl6pPr marL="2514600" indent="-228600" defTabSz="998538" eaLnBrk="0" fontAlgn="base" hangingPunct="0">
-              <a:spcBef>
-                <a:spcPct val="0"/>
-              </a:spcBef>
-              <a:spcAft>
-                <a:spcPct val="0"/>
-              </a:spcAft>
-              <a:defRPr sz="2000" i="1">
-                <a:solidFill>
-                  <a:schemeClr val="tx1"/>
-                </a:solidFill>
-                <a:latin typeface="Arial" panose="020B0604020202020204" pitchFamily="34" charset="0"/>
-                <a:ea typeface="굴림" panose="020B0600000101010101" pitchFamily="50" charset="-127"/>
-              </a:defRPr>
-            </a:lvl6pPr>
-            <a:lvl7pPr marL="2971800" indent="-228600" defTabSz="998538" eaLnBrk="0" fontAlgn="base" hangingPunct="0">
-              <a:spcBef>
-                <a:spcPct val="0"/>
-              </a:spcBef>
-              <a:spcAft>
-                <a:spcPct val="0"/>
-              </a:spcAft>
-              <a:defRPr sz="2000" i="1">
-                <a:solidFill>
-                  <a:schemeClr val="tx1"/>
-                </a:solidFill>
-                <a:latin typeface="Arial" panose="020B0604020202020204" pitchFamily="34" charset="0"/>
-                <a:ea typeface="굴림" panose="020B0600000101010101" pitchFamily="50" charset="-127"/>
-              </a:defRPr>
-            </a:lvl7pPr>
-            <a:lvl8pPr marL="3429000" indent="-228600" defTabSz="998538" eaLnBrk="0" fontAlgn="base" hangingPunct="0">
-              <a:spcBef>
-                <a:spcPct val="0"/>
-              </a:spcBef>
-              <a:spcAft>
-                <a:spcPct val="0"/>
-              </a:spcAft>
-              <a:defRPr sz="2000" i="1">
-                <a:solidFill>
-                  <a:schemeClr val="tx1"/>
-                </a:solidFill>
-                <a:latin typeface="Arial" panose="020B0604020202020204" pitchFamily="34" charset="0"/>
-                <a:ea typeface="굴림" panose="020B0600000101010101" pitchFamily="50" charset="-127"/>
-              </a:defRPr>
-            </a:lvl8pPr>
-            <a:lvl9pPr marL="3886200" indent="-228600" defTabSz="998538" eaLnBrk="0" fontAlgn="base" hangingPunct="0">
-              <a:spcBef>
-                <a:spcPct val="0"/>
-              </a:spcBef>
-              <a:spcAft>
-                <a:spcPct val="0"/>
-              </a:spcAft>
-              <a:defRPr sz="2000" i="1">
-                <a:solidFill>
-                  <a:schemeClr val="tx1"/>
-                </a:solidFill>
-                <a:latin typeface="Arial" panose="020B0604020202020204" pitchFamily="34" charset="0"/>
-                <a:ea typeface="굴림" panose="020B0600000101010101" pitchFamily="50" charset="-127"/>
-              </a:defRPr>
-            </a:lvl9pPr>
-          </a:lstStyle>
-          <a:p>
-            <a:r>
-              <a:rPr lang="ko-KR" altLang="en-US" sz="1400" i="0" smtClean="0">
-                <a:latin typeface="Times New Roman" panose="02020603050405020304" pitchFamily="18" charset="0"/>
-              </a:rPr>
-              <a:t>EE141</a:t>
-            </a:r>
-            <a:endParaRPr lang="en-US" altLang="ko-KR" sz="1400" i="0" smtClean="0">
-              <a:latin typeface="Times New Roman" panose="02020603050405020304" pitchFamily="18" charset="0"/>
-            </a:endParaRPr>
-          </a:p>
-        </p:txBody>
-      </p:sp>
-      <p:sp>
-        <p:nvSpPr>
-          <p:cNvPr id="75781" name="슬라이드 번호 개체 틀 4"/>
-          <p:cNvSpPr>
-            <a:spLocks noGrp="1"/>
-          </p:cNvSpPr>
-          <p:nvPr>
-            <p:ph type="sldNum" sz="quarter" idx="5"/>
-          </p:nvPr>
-        </p:nvSpPr>
-        <p:spPr>
-          <a:noFill/>
-          <a:ln w="9525"/>
-          <a:extLst>
-            <a:ext uri="{909E8E84-426E-40DD-AFC4-6F175D3DCCD1}">
-              <a14:hiddenFill xmlns:a14="http://schemas.microsoft.com/office/drawing/2010/main">
-                <a:solidFill>
-                  <a:srgbClr val="FFFFFF"/>
-                </a:solidFill>
-              </a14:hiddenFill>
-            </a:ext>
-            <a:ext uri="{91240B29-F687-4F45-9708-019B960494DF}">
-              <a14:hiddenLine xmlns:a14="http://schemas.microsoft.com/office/drawing/2010/main" w="12700">
-                <a:solidFill>
-                  <a:srgbClr val="000000"/>
-                </a:solidFill>
-                <a:miter lim="800000"/>
-                <a:headEnd/>
-                <a:tailEnd/>
-              </a14:hiddenLine>
-            </a:ext>
-          </a:extLst>
-        </p:spPr>
-        <p:txBody>
-          <a:bodyPr/>
-          <a:lstStyle>
-            <a:lvl1pPr defTabSz="998538">
-              <a:defRPr sz="2000" i="1">
-                <a:solidFill>
-                  <a:schemeClr val="tx1"/>
-                </a:solidFill>
-                <a:latin typeface="Arial" panose="020B0604020202020204" pitchFamily="34" charset="0"/>
-                <a:ea typeface="굴림" panose="020B0600000101010101" pitchFamily="50" charset="-127"/>
-              </a:defRPr>
-            </a:lvl1pPr>
-            <a:lvl2pPr marL="742950" indent="-285750" defTabSz="998538">
-              <a:defRPr sz="2000" i="1">
-                <a:solidFill>
-                  <a:schemeClr val="tx1"/>
-                </a:solidFill>
-                <a:latin typeface="Arial" panose="020B0604020202020204" pitchFamily="34" charset="0"/>
-                <a:ea typeface="굴림" panose="020B0600000101010101" pitchFamily="50" charset="-127"/>
-              </a:defRPr>
-            </a:lvl2pPr>
-            <a:lvl3pPr marL="1143000" indent="-228600" defTabSz="998538">
-              <a:defRPr sz="2000" i="1">
-                <a:solidFill>
-                  <a:schemeClr val="tx1"/>
-                </a:solidFill>
-                <a:latin typeface="Arial" panose="020B0604020202020204" pitchFamily="34" charset="0"/>
-                <a:ea typeface="굴림" panose="020B0600000101010101" pitchFamily="50" charset="-127"/>
-              </a:defRPr>
-            </a:lvl3pPr>
-            <a:lvl4pPr marL="1600200" indent="-228600" defTabSz="998538">
-              <a:defRPr sz="2000" i="1">
-                <a:solidFill>
-                  <a:schemeClr val="tx1"/>
-                </a:solidFill>
-                <a:latin typeface="Arial" panose="020B0604020202020204" pitchFamily="34" charset="0"/>
-                <a:ea typeface="굴림" panose="020B0600000101010101" pitchFamily="50" charset="-127"/>
-              </a:defRPr>
-            </a:lvl4pPr>
-            <a:lvl5pPr marL="2057400" indent="-228600" defTabSz="998538">
-              <a:defRPr sz="2000" i="1">
-                <a:solidFill>
-                  <a:schemeClr val="tx1"/>
-                </a:solidFill>
-                <a:latin typeface="Arial" panose="020B0604020202020204" pitchFamily="34" charset="0"/>
-                <a:ea typeface="굴림" panose="020B0600000101010101" pitchFamily="50" charset="-127"/>
-              </a:defRPr>
-            </a:lvl5pPr>
-            <a:lvl6pPr marL="2514600" indent="-228600" defTabSz="998538" eaLnBrk="0" fontAlgn="base" hangingPunct="0">
-              <a:spcBef>
-                <a:spcPct val="0"/>
-              </a:spcBef>
-              <a:spcAft>
-                <a:spcPct val="0"/>
-              </a:spcAft>
-              <a:defRPr sz="2000" i="1">
-                <a:solidFill>
-                  <a:schemeClr val="tx1"/>
-                </a:solidFill>
-                <a:latin typeface="Arial" panose="020B0604020202020204" pitchFamily="34" charset="0"/>
-                <a:ea typeface="굴림" panose="020B0600000101010101" pitchFamily="50" charset="-127"/>
-              </a:defRPr>
-            </a:lvl6pPr>
-            <a:lvl7pPr marL="2971800" indent="-228600" defTabSz="998538" eaLnBrk="0" fontAlgn="base" hangingPunct="0">
-              <a:spcBef>
-                <a:spcPct val="0"/>
-              </a:spcBef>
-              <a:spcAft>
-                <a:spcPct val="0"/>
-              </a:spcAft>
-              <a:defRPr sz="2000" i="1">
-                <a:solidFill>
-                  <a:schemeClr val="tx1"/>
-                </a:solidFill>
-                <a:latin typeface="Arial" panose="020B0604020202020204" pitchFamily="34" charset="0"/>
-                <a:ea typeface="굴림" panose="020B0600000101010101" pitchFamily="50" charset="-127"/>
-              </a:defRPr>
-            </a:lvl7pPr>
-            <a:lvl8pPr marL="3429000" indent="-228600" defTabSz="998538" eaLnBrk="0" fontAlgn="base" hangingPunct="0">
-              <a:spcBef>
-                <a:spcPct val="0"/>
-              </a:spcBef>
-              <a:spcAft>
-                <a:spcPct val="0"/>
-              </a:spcAft>
-              <a:defRPr sz="2000" i="1">
-                <a:solidFill>
-                  <a:schemeClr val="tx1"/>
-                </a:solidFill>
-                <a:latin typeface="Arial" panose="020B0604020202020204" pitchFamily="34" charset="0"/>
-                <a:ea typeface="굴림" panose="020B0600000101010101" pitchFamily="50" charset="-127"/>
-              </a:defRPr>
-            </a:lvl8pPr>
-            <a:lvl9pPr marL="3886200" indent="-228600" defTabSz="998538" eaLnBrk="0" fontAlgn="base" hangingPunct="0">
-              <a:spcBef>
-                <a:spcPct val="0"/>
-              </a:spcBef>
-              <a:spcAft>
-                <a:spcPct val="0"/>
-              </a:spcAft>
-              <a:defRPr sz="2000" i="1">
-                <a:solidFill>
-                  <a:schemeClr val="tx1"/>
-                </a:solidFill>
-                <a:latin typeface="Arial" panose="020B0604020202020204" pitchFamily="34" charset="0"/>
-                <a:ea typeface="굴림" panose="020B0600000101010101" pitchFamily="50" charset="-127"/>
-              </a:defRPr>
-            </a:lvl9pPr>
-          </a:lstStyle>
-          <a:p>
-            <a:fld id="{F9FE7D21-625A-41BC-836F-4D4B56205CC9}" type="slidenum">
-              <a:rPr lang="ko-KR" altLang="en-US" sz="1400" i="0">
-                <a:latin typeface="Times New Roman" panose="02020603050405020304" pitchFamily="18" charset="0"/>
-              </a:rPr>
-              <a:pPr/>
-              <a:t>19</a:t>
-            </a:fld>
-            <a:endParaRPr lang="en-US" altLang="ko-KR" sz="1400" i="0">
-              <a:latin typeface="Times New Roman" panose="02020603050405020304" pitchFamily="18" charset="0"/>
-            </a:endParaRPr>
-          </a:p>
-        </p:txBody>
-      </p:sp>
-    </p:spTree>
-    <p:extLst>
-      <p:ext uri="{BB962C8B-B14F-4D97-AF65-F5344CB8AC3E}">
-        <p14:creationId xmlns:p14="http://schemas.microsoft.com/office/powerpoint/2010/main" val="1462459694"/>
       </p:ext>
     </p:extLst>
   </p:cSld>
@@ -2580,7 +2279,7 @@
           <a:bodyPr/>
           <a:lstStyle/>
           <a:p>
-            <a:endParaRPr lang="ko-KR" altLang="en-US" smtClean="0"/>
+            <a:endParaRPr lang="ko-KR" altLang="en-US"/>
           </a:p>
         </p:txBody>
       </p:sp>
@@ -2728,12 +2427,12 @@
           </a:lstStyle>
           <a:p>
             <a:r>
-              <a:rPr lang="ko-KR" altLang="en-US" sz="1400" i="0" smtClean="0">
+              <a:rPr lang="ko-KR" altLang="en-US" sz="1400" i="0">
                 <a:latin typeface="Times New Roman" panose="02020603050405020304" pitchFamily="18" charset="0"/>
               </a:rPr>
               <a:t>EE141</a:t>
             </a:r>
-            <a:endParaRPr lang="en-US" altLang="ko-KR" sz="1400" i="0" smtClean="0">
+            <a:endParaRPr lang="en-US" altLang="ko-KR" sz="1400" i="0">
               <a:latin typeface="Times New Roman" panose="02020603050405020304" pitchFamily="18" charset="0"/>
             </a:endParaRPr>
           </a:p>
@@ -2887,6 +2586,402 @@
                 <a:latin typeface="Times New Roman" panose="02020603050405020304" pitchFamily="18" charset="0"/>
               </a:rPr>
               <a:pPr/>
+              <a:t>19</a:t>
+            </a:fld>
+            <a:endParaRPr lang="en-US" altLang="ko-KR" sz="1400" i="0">
+              <a:latin typeface="Times New Roman" panose="02020603050405020304" pitchFamily="18" charset="0"/>
+            </a:endParaRPr>
+          </a:p>
+        </p:txBody>
+      </p:sp>
+    </p:spTree>
+    <p:extLst>
+      <p:ext uri="{BB962C8B-B14F-4D97-AF65-F5344CB8AC3E}">
+        <p14:creationId xmlns:p14="http://schemas.microsoft.com/office/powerpoint/2010/main" val="1462459694"/>
+      </p:ext>
+    </p:extLst>
+  </p:cSld>
+  <p:clrMapOvr>
+    <a:masterClrMapping/>
+  </p:clrMapOvr>
+</p:notes>
+</file>
+
+<file path=ppt/notesSlides/notesSlide14.xml><?xml version="1.0" encoding="utf-8"?>
+<p:notes xmlns:a="http://schemas.openxmlformats.org/drawingml/2006/main" xmlns:r="http://schemas.openxmlformats.org/officeDocument/2006/relationships" xmlns:p="http://schemas.openxmlformats.org/presentationml/2006/main">
+  <p:cSld>
+    <p:spTree>
+      <p:nvGrpSpPr>
+        <p:cNvPr id="1" name=""/>
+        <p:cNvGrpSpPr/>
+        <p:nvPr/>
+      </p:nvGrpSpPr>
+      <p:grpSpPr>
+        <a:xfrm>
+          <a:off x="0" y="0"/>
+          <a:ext cx="0" cy="0"/>
+          <a:chOff x="0" y="0"/>
+          <a:chExt cx="0" cy="0"/>
+        </a:xfrm>
+      </p:grpSpPr>
+      <p:sp>
+        <p:nvSpPr>
+          <p:cNvPr id="75778" name="슬라이드 이미지 개체 틀 1"/>
+          <p:cNvSpPr>
+            <a:spLocks noGrp="1" noRot="1" noChangeAspect="1" noTextEdit="1"/>
+          </p:cNvSpPr>
+          <p:nvPr>
+            <p:ph type="sldImg"/>
+          </p:nvPr>
+        </p:nvSpPr>
+        <p:spPr>
+          <a:ln/>
+        </p:spPr>
+      </p:sp>
+      <p:sp>
+        <p:nvSpPr>
+          <p:cNvPr id="75779" name="슬라이드 노트 개체 틀 2"/>
+          <p:cNvSpPr>
+            <a:spLocks noGrp="1"/>
+          </p:cNvSpPr>
+          <p:nvPr>
+            <p:ph type="body" idx="1"/>
+          </p:nvPr>
+        </p:nvSpPr>
+        <p:spPr>
+          <a:noFill/>
+          <a:ln w="9525"/>
+          <a:extLst>
+            <a:ext uri="{909E8E84-426E-40DD-AFC4-6F175D3DCCD1}">
+              <a14:hiddenFill xmlns:a14="http://schemas.microsoft.com/office/drawing/2010/main">
+                <a:solidFill>
+                  <a:srgbClr val="FFFFFF"/>
+                </a:solidFill>
+              </a14:hiddenFill>
+            </a:ext>
+            <a:ext uri="{91240B29-F687-4F45-9708-019B960494DF}">
+              <a14:hiddenLine xmlns:a14="http://schemas.microsoft.com/office/drawing/2010/main" w="9525">
+                <a:solidFill>
+                  <a:srgbClr val="000000"/>
+                </a:solidFill>
+                <a:miter lim="800000"/>
+                <a:headEnd/>
+                <a:tailEnd/>
+              </a14:hiddenLine>
+            </a:ext>
+          </a:extLst>
+        </p:spPr>
+        <p:txBody>
+          <a:bodyPr/>
+          <a:lstStyle/>
+          <a:p>
+            <a:endParaRPr lang="ko-KR" altLang="en-US"/>
+          </a:p>
+        </p:txBody>
+      </p:sp>
+      <p:sp>
+        <p:nvSpPr>
+          <p:cNvPr id="75780" name="머리글 개체 틀 3"/>
+          <p:cNvSpPr>
+            <a:spLocks noGrp="1"/>
+          </p:cNvSpPr>
+          <p:nvPr>
+            <p:ph type="hdr" sz="quarter"/>
+          </p:nvPr>
+        </p:nvSpPr>
+        <p:spPr>
+          <a:noFill/>
+          <a:ln w="9525"/>
+          <a:extLst>
+            <a:ext uri="{909E8E84-426E-40DD-AFC4-6F175D3DCCD1}">
+              <a14:hiddenFill xmlns:a14="http://schemas.microsoft.com/office/drawing/2010/main">
+                <a:solidFill>
+                  <a:srgbClr val="FFFFFF"/>
+                </a:solidFill>
+              </a14:hiddenFill>
+            </a:ext>
+            <a:ext uri="{91240B29-F687-4F45-9708-019B960494DF}">
+              <a14:hiddenLine xmlns:a14="http://schemas.microsoft.com/office/drawing/2010/main" w="12700">
+                <a:solidFill>
+                  <a:srgbClr val="000000"/>
+                </a:solidFill>
+                <a:miter lim="800000"/>
+                <a:headEnd/>
+                <a:tailEnd/>
+              </a14:hiddenLine>
+            </a:ext>
+          </a:extLst>
+        </p:spPr>
+        <p:txBody>
+          <a:bodyPr/>
+          <a:lstStyle>
+            <a:lvl1pPr defTabSz="998538">
+              <a:defRPr sz="2000" i="1">
+                <a:solidFill>
+                  <a:schemeClr val="tx1"/>
+                </a:solidFill>
+                <a:latin typeface="Arial" panose="020B0604020202020204" pitchFamily="34" charset="0"/>
+                <a:ea typeface="굴림" panose="020B0600000101010101" pitchFamily="50" charset="-127"/>
+              </a:defRPr>
+            </a:lvl1pPr>
+            <a:lvl2pPr marL="742950" indent="-285750" defTabSz="998538">
+              <a:defRPr sz="2000" i="1">
+                <a:solidFill>
+                  <a:schemeClr val="tx1"/>
+                </a:solidFill>
+                <a:latin typeface="Arial" panose="020B0604020202020204" pitchFamily="34" charset="0"/>
+                <a:ea typeface="굴림" panose="020B0600000101010101" pitchFamily="50" charset="-127"/>
+              </a:defRPr>
+            </a:lvl2pPr>
+            <a:lvl3pPr marL="1143000" indent="-228600" defTabSz="998538">
+              <a:defRPr sz="2000" i="1">
+                <a:solidFill>
+                  <a:schemeClr val="tx1"/>
+                </a:solidFill>
+                <a:latin typeface="Arial" panose="020B0604020202020204" pitchFamily="34" charset="0"/>
+                <a:ea typeface="굴림" panose="020B0600000101010101" pitchFamily="50" charset="-127"/>
+              </a:defRPr>
+            </a:lvl3pPr>
+            <a:lvl4pPr marL="1600200" indent="-228600" defTabSz="998538">
+              <a:defRPr sz="2000" i="1">
+                <a:solidFill>
+                  <a:schemeClr val="tx1"/>
+                </a:solidFill>
+                <a:latin typeface="Arial" panose="020B0604020202020204" pitchFamily="34" charset="0"/>
+                <a:ea typeface="굴림" panose="020B0600000101010101" pitchFamily="50" charset="-127"/>
+              </a:defRPr>
+            </a:lvl4pPr>
+            <a:lvl5pPr marL="2057400" indent="-228600" defTabSz="998538">
+              <a:defRPr sz="2000" i="1">
+                <a:solidFill>
+                  <a:schemeClr val="tx1"/>
+                </a:solidFill>
+                <a:latin typeface="Arial" panose="020B0604020202020204" pitchFamily="34" charset="0"/>
+                <a:ea typeface="굴림" panose="020B0600000101010101" pitchFamily="50" charset="-127"/>
+              </a:defRPr>
+            </a:lvl5pPr>
+            <a:lvl6pPr marL="2514600" indent="-228600" defTabSz="998538" eaLnBrk="0" fontAlgn="base" hangingPunct="0">
+              <a:spcBef>
+                <a:spcPct val="0"/>
+              </a:spcBef>
+              <a:spcAft>
+                <a:spcPct val="0"/>
+              </a:spcAft>
+              <a:defRPr sz="2000" i="1">
+                <a:solidFill>
+                  <a:schemeClr val="tx1"/>
+                </a:solidFill>
+                <a:latin typeface="Arial" panose="020B0604020202020204" pitchFamily="34" charset="0"/>
+                <a:ea typeface="굴림" panose="020B0600000101010101" pitchFamily="50" charset="-127"/>
+              </a:defRPr>
+            </a:lvl6pPr>
+            <a:lvl7pPr marL="2971800" indent="-228600" defTabSz="998538" eaLnBrk="0" fontAlgn="base" hangingPunct="0">
+              <a:spcBef>
+                <a:spcPct val="0"/>
+              </a:spcBef>
+              <a:spcAft>
+                <a:spcPct val="0"/>
+              </a:spcAft>
+              <a:defRPr sz="2000" i="1">
+                <a:solidFill>
+                  <a:schemeClr val="tx1"/>
+                </a:solidFill>
+                <a:latin typeface="Arial" panose="020B0604020202020204" pitchFamily="34" charset="0"/>
+                <a:ea typeface="굴림" panose="020B0600000101010101" pitchFamily="50" charset="-127"/>
+              </a:defRPr>
+            </a:lvl7pPr>
+            <a:lvl8pPr marL="3429000" indent="-228600" defTabSz="998538" eaLnBrk="0" fontAlgn="base" hangingPunct="0">
+              <a:spcBef>
+                <a:spcPct val="0"/>
+              </a:spcBef>
+              <a:spcAft>
+                <a:spcPct val="0"/>
+              </a:spcAft>
+              <a:defRPr sz="2000" i="1">
+                <a:solidFill>
+                  <a:schemeClr val="tx1"/>
+                </a:solidFill>
+                <a:latin typeface="Arial" panose="020B0604020202020204" pitchFamily="34" charset="0"/>
+                <a:ea typeface="굴림" panose="020B0600000101010101" pitchFamily="50" charset="-127"/>
+              </a:defRPr>
+            </a:lvl8pPr>
+            <a:lvl9pPr marL="3886200" indent="-228600" defTabSz="998538" eaLnBrk="0" fontAlgn="base" hangingPunct="0">
+              <a:spcBef>
+                <a:spcPct val="0"/>
+              </a:spcBef>
+              <a:spcAft>
+                <a:spcPct val="0"/>
+              </a:spcAft>
+              <a:defRPr sz="2000" i="1">
+                <a:solidFill>
+                  <a:schemeClr val="tx1"/>
+                </a:solidFill>
+                <a:latin typeface="Arial" panose="020B0604020202020204" pitchFamily="34" charset="0"/>
+                <a:ea typeface="굴림" panose="020B0600000101010101" pitchFamily="50" charset="-127"/>
+              </a:defRPr>
+            </a:lvl9pPr>
+          </a:lstStyle>
+          <a:p>
+            <a:r>
+              <a:rPr lang="ko-KR" altLang="en-US" sz="1400" i="0">
+                <a:latin typeface="Times New Roman" panose="02020603050405020304" pitchFamily="18" charset="0"/>
+              </a:rPr>
+              <a:t>EE141</a:t>
+            </a:r>
+            <a:endParaRPr lang="en-US" altLang="ko-KR" sz="1400" i="0">
+              <a:latin typeface="Times New Roman" panose="02020603050405020304" pitchFamily="18" charset="0"/>
+            </a:endParaRPr>
+          </a:p>
+        </p:txBody>
+      </p:sp>
+      <p:sp>
+        <p:nvSpPr>
+          <p:cNvPr id="75781" name="슬라이드 번호 개체 틀 4"/>
+          <p:cNvSpPr>
+            <a:spLocks noGrp="1"/>
+          </p:cNvSpPr>
+          <p:nvPr>
+            <p:ph type="sldNum" sz="quarter" idx="5"/>
+          </p:nvPr>
+        </p:nvSpPr>
+        <p:spPr>
+          <a:noFill/>
+          <a:ln w="9525"/>
+          <a:extLst>
+            <a:ext uri="{909E8E84-426E-40DD-AFC4-6F175D3DCCD1}">
+              <a14:hiddenFill xmlns:a14="http://schemas.microsoft.com/office/drawing/2010/main">
+                <a:solidFill>
+                  <a:srgbClr val="FFFFFF"/>
+                </a:solidFill>
+              </a14:hiddenFill>
+            </a:ext>
+            <a:ext uri="{91240B29-F687-4F45-9708-019B960494DF}">
+              <a14:hiddenLine xmlns:a14="http://schemas.microsoft.com/office/drawing/2010/main" w="12700">
+                <a:solidFill>
+                  <a:srgbClr val="000000"/>
+                </a:solidFill>
+                <a:miter lim="800000"/>
+                <a:headEnd/>
+                <a:tailEnd/>
+              </a14:hiddenLine>
+            </a:ext>
+          </a:extLst>
+        </p:spPr>
+        <p:txBody>
+          <a:bodyPr/>
+          <a:lstStyle>
+            <a:lvl1pPr defTabSz="998538">
+              <a:defRPr sz="2000" i="1">
+                <a:solidFill>
+                  <a:schemeClr val="tx1"/>
+                </a:solidFill>
+                <a:latin typeface="Arial" panose="020B0604020202020204" pitchFamily="34" charset="0"/>
+                <a:ea typeface="굴림" panose="020B0600000101010101" pitchFamily="50" charset="-127"/>
+              </a:defRPr>
+            </a:lvl1pPr>
+            <a:lvl2pPr marL="742950" indent="-285750" defTabSz="998538">
+              <a:defRPr sz="2000" i="1">
+                <a:solidFill>
+                  <a:schemeClr val="tx1"/>
+                </a:solidFill>
+                <a:latin typeface="Arial" panose="020B0604020202020204" pitchFamily="34" charset="0"/>
+                <a:ea typeface="굴림" panose="020B0600000101010101" pitchFamily="50" charset="-127"/>
+              </a:defRPr>
+            </a:lvl2pPr>
+            <a:lvl3pPr marL="1143000" indent="-228600" defTabSz="998538">
+              <a:defRPr sz="2000" i="1">
+                <a:solidFill>
+                  <a:schemeClr val="tx1"/>
+                </a:solidFill>
+                <a:latin typeface="Arial" panose="020B0604020202020204" pitchFamily="34" charset="0"/>
+                <a:ea typeface="굴림" panose="020B0600000101010101" pitchFamily="50" charset="-127"/>
+              </a:defRPr>
+            </a:lvl3pPr>
+            <a:lvl4pPr marL="1600200" indent="-228600" defTabSz="998538">
+              <a:defRPr sz="2000" i="1">
+                <a:solidFill>
+                  <a:schemeClr val="tx1"/>
+                </a:solidFill>
+                <a:latin typeface="Arial" panose="020B0604020202020204" pitchFamily="34" charset="0"/>
+                <a:ea typeface="굴림" panose="020B0600000101010101" pitchFamily="50" charset="-127"/>
+              </a:defRPr>
+            </a:lvl4pPr>
+            <a:lvl5pPr marL="2057400" indent="-228600" defTabSz="998538">
+              <a:defRPr sz="2000" i="1">
+                <a:solidFill>
+                  <a:schemeClr val="tx1"/>
+                </a:solidFill>
+                <a:latin typeface="Arial" panose="020B0604020202020204" pitchFamily="34" charset="0"/>
+                <a:ea typeface="굴림" panose="020B0600000101010101" pitchFamily="50" charset="-127"/>
+              </a:defRPr>
+            </a:lvl5pPr>
+            <a:lvl6pPr marL="2514600" indent="-228600" defTabSz="998538" eaLnBrk="0" fontAlgn="base" hangingPunct="0">
+              <a:spcBef>
+                <a:spcPct val="0"/>
+              </a:spcBef>
+              <a:spcAft>
+                <a:spcPct val="0"/>
+              </a:spcAft>
+              <a:defRPr sz="2000" i="1">
+                <a:solidFill>
+                  <a:schemeClr val="tx1"/>
+                </a:solidFill>
+                <a:latin typeface="Arial" panose="020B0604020202020204" pitchFamily="34" charset="0"/>
+                <a:ea typeface="굴림" panose="020B0600000101010101" pitchFamily="50" charset="-127"/>
+              </a:defRPr>
+            </a:lvl6pPr>
+            <a:lvl7pPr marL="2971800" indent="-228600" defTabSz="998538" eaLnBrk="0" fontAlgn="base" hangingPunct="0">
+              <a:spcBef>
+                <a:spcPct val="0"/>
+              </a:spcBef>
+              <a:spcAft>
+                <a:spcPct val="0"/>
+              </a:spcAft>
+              <a:defRPr sz="2000" i="1">
+                <a:solidFill>
+                  <a:schemeClr val="tx1"/>
+                </a:solidFill>
+                <a:latin typeface="Arial" panose="020B0604020202020204" pitchFamily="34" charset="0"/>
+                <a:ea typeface="굴림" panose="020B0600000101010101" pitchFamily="50" charset="-127"/>
+              </a:defRPr>
+            </a:lvl7pPr>
+            <a:lvl8pPr marL="3429000" indent="-228600" defTabSz="998538" eaLnBrk="0" fontAlgn="base" hangingPunct="0">
+              <a:spcBef>
+                <a:spcPct val="0"/>
+              </a:spcBef>
+              <a:spcAft>
+                <a:spcPct val="0"/>
+              </a:spcAft>
+              <a:defRPr sz="2000" i="1">
+                <a:solidFill>
+                  <a:schemeClr val="tx1"/>
+                </a:solidFill>
+                <a:latin typeface="Arial" panose="020B0604020202020204" pitchFamily="34" charset="0"/>
+                <a:ea typeface="굴림" panose="020B0600000101010101" pitchFamily="50" charset="-127"/>
+              </a:defRPr>
+            </a:lvl8pPr>
+            <a:lvl9pPr marL="3886200" indent="-228600" defTabSz="998538" eaLnBrk="0" fontAlgn="base" hangingPunct="0">
+              <a:spcBef>
+                <a:spcPct val="0"/>
+              </a:spcBef>
+              <a:spcAft>
+                <a:spcPct val="0"/>
+              </a:spcAft>
+              <a:defRPr sz="2000" i="1">
+                <a:solidFill>
+                  <a:schemeClr val="tx1"/>
+                </a:solidFill>
+                <a:latin typeface="Arial" panose="020B0604020202020204" pitchFamily="34" charset="0"/>
+                <a:ea typeface="굴림" panose="020B0600000101010101" pitchFamily="50" charset="-127"/>
+              </a:defRPr>
+            </a:lvl9pPr>
+          </a:lstStyle>
+          <a:p>
+            <a:fld id="{F9FE7D21-625A-41BC-836F-4D4B56205CC9}" type="slidenum">
+              <a:rPr lang="ko-KR" altLang="en-US" sz="1400" i="0">
+                <a:latin typeface="Times New Roman" panose="02020603050405020304" pitchFamily="18" charset="0"/>
+              </a:rPr>
+              <a:pPr/>
               <a:t>20</a:t>
             </a:fld>
             <a:endParaRPr lang="en-US" altLang="ko-KR" sz="1400" i="0">
@@ -2908,7 +3003,7 @@
 </p:notes>
 </file>
 
-<file path=ppt/notesSlides/notesSlide14.xml><?xml version="1.0" encoding="utf-8"?>
+<file path=ppt/notesSlides/notesSlide15.xml><?xml version="1.0" encoding="utf-8"?>
 <p:notes xmlns:a="http://schemas.openxmlformats.org/drawingml/2006/main" xmlns:r="http://schemas.openxmlformats.org/officeDocument/2006/relationships" xmlns:p="http://schemas.openxmlformats.org/presentationml/2006/main">
   <p:cSld>
     <p:spTree>
@@ -2976,7 +3071,7 @@
           <a:bodyPr/>
           <a:lstStyle/>
           <a:p>
-            <a:endParaRPr lang="ko-KR" altLang="en-US" smtClean="0"/>
+            <a:endParaRPr lang="ko-KR" altLang="en-US"/>
           </a:p>
         </p:txBody>
       </p:sp>
@@ -3124,12 +3219,12 @@
           </a:lstStyle>
           <a:p>
             <a:r>
-              <a:rPr lang="ko-KR" altLang="en-US" sz="1400" i="0" smtClean="0">
+              <a:rPr lang="ko-KR" altLang="en-US" sz="1400" i="0">
                 <a:latin typeface="Times New Roman" panose="02020603050405020304" pitchFamily="18" charset="0"/>
               </a:rPr>
               <a:t>EE141</a:t>
             </a:r>
-            <a:endParaRPr lang="en-US" altLang="ko-KR" sz="1400" i="0" smtClean="0">
+            <a:endParaRPr lang="en-US" altLang="ko-KR" sz="1400" i="0">
               <a:latin typeface="Times New Roman" panose="02020603050405020304" pitchFamily="18" charset="0"/>
             </a:endParaRPr>
           </a:p>
@@ -3295,402 +3390,6 @@
     <p:extLst>
       <p:ext uri="{BB962C8B-B14F-4D97-AF65-F5344CB8AC3E}">
         <p14:creationId xmlns:p14="http://schemas.microsoft.com/office/powerpoint/2010/main" val="2962610004"/>
-      </p:ext>
-    </p:extLst>
-  </p:cSld>
-  <p:clrMapOvr>
-    <a:masterClrMapping/>
-  </p:clrMapOvr>
-</p:notes>
-</file>
-
-<file path=ppt/notesSlides/notesSlide15.xml><?xml version="1.0" encoding="utf-8"?>
-<p:notes xmlns:a="http://schemas.openxmlformats.org/drawingml/2006/main" xmlns:r="http://schemas.openxmlformats.org/officeDocument/2006/relationships" xmlns:p="http://schemas.openxmlformats.org/presentationml/2006/main">
-  <p:cSld>
-    <p:spTree>
-      <p:nvGrpSpPr>
-        <p:cNvPr id="1" name=""/>
-        <p:cNvGrpSpPr/>
-        <p:nvPr/>
-      </p:nvGrpSpPr>
-      <p:grpSpPr>
-        <a:xfrm>
-          <a:off x="0" y="0"/>
-          <a:ext cx="0" cy="0"/>
-          <a:chOff x="0" y="0"/>
-          <a:chExt cx="0" cy="0"/>
-        </a:xfrm>
-      </p:grpSpPr>
-      <p:sp>
-        <p:nvSpPr>
-          <p:cNvPr id="76802" name="슬라이드 이미지 개체 틀 1"/>
-          <p:cNvSpPr>
-            <a:spLocks noGrp="1" noRot="1" noChangeAspect="1" noTextEdit="1"/>
-          </p:cNvSpPr>
-          <p:nvPr>
-            <p:ph type="sldImg"/>
-          </p:nvPr>
-        </p:nvSpPr>
-        <p:spPr>
-          <a:ln/>
-        </p:spPr>
-      </p:sp>
-      <p:sp>
-        <p:nvSpPr>
-          <p:cNvPr id="76803" name="슬라이드 노트 개체 틀 2"/>
-          <p:cNvSpPr>
-            <a:spLocks noGrp="1"/>
-          </p:cNvSpPr>
-          <p:nvPr>
-            <p:ph type="body" idx="1"/>
-          </p:nvPr>
-        </p:nvSpPr>
-        <p:spPr>
-          <a:noFill/>
-          <a:ln w="9525"/>
-          <a:extLst>
-            <a:ext uri="{909E8E84-426E-40DD-AFC4-6F175D3DCCD1}">
-              <a14:hiddenFill xmlns:a14="http://schemas.microsoft.com/office/drawing/2010/main">
-                <a:solidFill>
-                  <a:srgbClr val="FFFFFF"/>
-                </a:solidFill>
-              </a14:hiddenFill>
-            </a:ext>
-            <a:ext uri="{91240B29-F687-4F45-9708-019B960494DF}">
-              <a14:hiddenLine xmlns:a14="http://schemas.microsoft.com/office/drawing/2010/main" w="9525">
-                <a:solidFill>
-                  <a:srgbClr val="000000"/>
-                </a:solidFill>
-                <a:miter lim="800000"/>
-                <a:headEnd/>
-                <a:tailEnd/>
-              </a14:hiddenLine>
-            </a:ext>
-          </a:extLst>
-        </p:spPr>
-        <p:txBody>
-          <a:bodyPr/>
-          <a:lstStyle/>
-          <a:p>
-            <a:endParaRPr lang="ko-KR" altLang="en-US" smtClean="0"/>
-          </a:p>
-        </p:txBody>
-      </p:sp>
-      <p:sp>
-        <p:nvSpPr>
-          <p:cNvPr id="76804" name="머리글 개체 틀 3"/>
-          <p:cNvSpPr>
-            <a:spLocks noGrp="1"/>
-          </p:cNvSpPr>
-          <p:nvPr>
-            <p:ph type="hdr" sz="quarter"/>
-          </p:nvPr>
-        </p:nvSpPr>
-        <p:spPr>
-          <a:noFill/>
-          <a:ln w="9525"/>
-          <a:extLst>
-            <a:ext uri="{909E8E84-426E-40DD-AFC4-6F175D3DCCD1}">
-              <a14:hiddenFill xmlns:a14="http://schemas.microsoft.com/office/drawing/2010/main">
-                <a:solidFill>
-                  <a:srgbClr val="FFFFFF"/>
-                </a:solidFill>
-              </a14:hiddenFill>
-            </a:ext>
-            <a:ext uri="{91240B29-F687-4F45-9708-019B960494DF}">
-              <a14:hiddenLine xmlns:a14="http://schemas.microsoft.com/office/drawing/2010/main" w="12700">
-                <a:solidFill>
-                  <a:srgbClr val="000000"/>
-                </a:solidFill>
-                <a:miter lim="800000"/>
-                <a:headEnd/>
-                <a:tailEnd/>
-              </a14:hiddenLine>
-            </a:ext>
-          </a:extLst>
-        </p:spPr>
-        <p:txBody>
-          <a:bodyPr/>
-          <a:lstStyle>
-            <a:lvl1pPr defTabSz="998538">
-              <a:defRPr sz="2000" i="1">
-                <a:solidFill>
-                  <a:schemeClr val="tx1"/>
-                </a:solidFill>
-                <a:latin typeface="Arial" panose="020B0604020202020204" pitchFamily="34" charset="0"/>
-                <a:ea typeface="굴림" panose="020B0600000101010101" pitchFamily="50" charset="-127"/>
-              </a:defRPr>
-            </a:lvl1pPr>
-            <a:lvl2pPr marL="742950" indent="-285750" defTabSz="998538">
-              <a:defRPr sz="2000" i="1">
-                <a:solidFill>
-                  <a:schemeClr val="tx1"/>
-                </a:solidFill>
-                <a:latin typeface="Arial" panose="020B0604020202020204" pitchFamily="34" charset="0"/>
-                <a:ea typeface="굴림" panose="020B0600000101010101" pitchFamily="50" charset="-127"/>
-              </a:defRPr>
-            </a:lvl2pPr>
-            <a:lvl3pPr marL="1143000" indent="-228600" defTabSz="998538">
-              <a:defRPr sz="2000" i="1">
-                <a:solidFill>
-                  <a:schemeClr val="tx1"/>
-                </a:solidFill>
-                <a:latin typeface="Arial" panose="020B0604020202020204" pitchFamily="34" charset="0"/>
-                <a:ea typeface="굴림" panose="020B0600000101010101" pitchFamily="50" charset="-127"/>
-              </a:defRPr>
-            </a:lvl3pPr>
-            <a:lvl4pPr marL="1600200" indent="-228600" defTabSz="998538">
-              <a:defRPr sz="2000" i="1">
-                <a:solidFill>
-                  <a:schemeClr val="tx1"/>
-                </a:solidFill>
-                <a:latin typeface="Arial" panose="020B0604020202020204" pitchFamily="34" charset="0"/>
-                <a:ea typeface="굴림" panose="020B0600000101010101" pitchFamily="50" charset="-127"/>
-              </a:defRPr>
-            </a:lvl4pPr>
-            <a:lvl5pPr marL="2057400" indent="-228600" defTabSz="998538">
-              <a:defRPr sz="2000" i="1">
-                <a:solidFill>
-                  <a:schemeClr val="tx1"/>
-                </a:solidFill>
-                <a:latin typeface="Arial" panose="020B0604020202020204" pitchFamily="34" charset="0"/>
-                <a:ea typeface="굴림" panose="020B0600000101010101" pitchFamily="50" charset="-127"/>
-              </a:defRPr>
-            </a:lvl5pPr>
-            <a:lvl6pPr marL="2514600" indent="-228600" defTabSz="998538" eaLnBrk="0" fontAlgn="base" hangingPunct="0">
-              <a:spcBef>
-                <a:spcPct val="0"/>
-              </a:spcBef>
-              <a:spcAft>
-                <a:spcPct val="0"/>
-              </a:spcAft>
-              <a:defRPr sz="2000" i="1">
-                <a:solidFill>
-                  <a:schemeClr val="tx1"/>
-                </a:solidFill>
-                <a:latin typeface="Arial" panose="020B0604020202020204" pitchFamily="34" charset="0"/>
-                <a:ea typeface="굴림" panose="020B0600000101010101" pitchFamily="50" charset="-127"/>
-              </a:defRPr>
-            </a:lvl6pPr>
-            <a:lvl7pPr marL="2971800" indent="-228600" defTabSz="998538" eaLnBrk="0" fontAlgn="base" hangingPunct="0">
-              <a:spcBef>
-                <a:spcPct val="0"/>
-              </a:spcBef>
-              <a:spcAft>
-                <a:spcPct val="0"/>
-              </a:spcAft>
-              <a:defRPr sz="2000" i="1">
-                <a:solidFill>
-                  <a:schemeClr val="tx1"/>
-                </a:solidFill>
-                <a:latin typeface="Arial" panose="020B0604020202020204" pitchFamily="34" charset="0"/>
-                <a:ea typeface="굴림" panose="020B0600000101010101" pitchFamily="50" charset="-127"/>
-              </a:defRPr>
-            </a:lvl7pPr>
-            <a:lvl8pPr marL="3429000" indent="-228600" defTabSz="998538" eaLnBrk="0" fontAlgn="base" hangingPunct="0">
-              <a:spcBef>
-                <a:spcPct val="0"/>
-              </a:spcBef>
-              <a:spcAft>
-                <a:spcPct val="0"/>
-              </a:spcAft>
-              <a:defRPr sz="2000" i="1">
-                <a:solidFill>
-                  <a:schemeClr val="tx1"/>
-                </a:solidFill>
-                <a:latin typeface="Arial" panose="020B0604020202020204" pitchFamily="34" charset="0"/>
-                <a:ea typeface="굴림" panose="020B0600000101010101" pitchFamily="50" charset="-127"/>
-              </a:defRPr>
-            </a:lvl8pPr>
-            <a:lvl9pPr marL="3886200" indent="-228600" defTabSz="998538" eaLnBrk="0" fontAlgn="base" hangingPunct="0">
-              <a:spcBef>
-                <a:spcPct val="0"/>
-              </a:spcBef>
-              <a:spcAft>
-                <a:spcPct val="0"/>
-              </a:spcAft>
-              <a:defRPr sz="2000" i="1">
-                <a:solidFill>
-                  <a:schemeClr val="tx1"/>
-                </a:solidFill>
-                <a:latin typeface="Arial" panose="020B0604020202020204" pitchFamily="34" charset="0"/>
-                <a:ea typeface="굴림" panose="020B0600000101010101" pitchFamily="50" charset="-127"/>
-              </a:defRPr>
-            </a:lvl9pPr>
-          </a:lstStyle>
-          <a:p>
-            <a:r>
-              <a:rPr lang="ko-KR" altLang="en-US" sz="1400" i="0" smtClean="0">
-                <a:latin typeface="Times New Roman" panose="02020603050405020304" pitchFamily="18" charset="0"/>
-              </a:rPr>
-              <a:t>EE141</a:t>
-            </a:r>
-            <a:endParaRPr lang="en-US" altLang="ko-KR" sz="1400" i="0" smtClean="0">
-              <a:latin typeface="Times New Roman" panose="02020603050405020304" pitchFamily="18" charset="0"/>
-            </a:endParaRPr>
-          </a:p>
-        </p:txBody>
-      </p:sp>
-      <p:sp>
-        <p:nvSpPr>
-          <p:cNvPr id="76805" name="슬라이드 번호 개체 틀 4"/>
-          <p:cNvSpPr>
-            <a:spLocks noGrp="1"/>
-          </p:cNvSpPr>
-          <p:nvPr>
-            <p:ph type="sldNum" sz="quarter" idx="5"/>
-          </p:nvPr>
-        </p:nvSpPr>
-        <p:spPr>
-          <a:noFill/>
-          <a:ln w="9525"/>
-          <a:extLst>
-            <a:ext uri="{909E8E84-426E-40DD-AFC4-6F175D3DCCD1}">
-              <a14:hiddenFill xmlns:a14="http://schemas.microsoft.com/office/drawing/2010/main">
-                <a:solidFill>
-                  <a:srgbClr val="FFFFFF"/>
-                </a:solidFill>
-              </a14:hiddenFill>
-            </a:ext>
-            <a:ext uri="{91240B29-F687-4F45-9708-019B960494DF}">
-              <a14:hiddenLine xmlns:a14="http://schemas.microsoft.com/office/drawing/2010/main" w="12700">
-                <a:solidFill>
-                  <a:srgbClr val="000000"/>
-                </a:solidFill>
-                <a:miter lim="800000"/>
-                <a:headEnd/>
-                <a:tailEnd/>
-              </a14:hiddenLine>
-            </a:ext>
-          </a:extLst>
-        </p:spPr>
-        <p:txBody>
-          <a:bodyPr/>
-          <a:lstStyle>
-            <a:lvl1pPr defTabSz="998538">
-              <a:defRPr sz="2000" i="1">
-                <a:solidFill>
-                  <a:schemeClr val="tx1"/>
-                </a:solidFill>
-                <a:latin typeface="Arial" panose="020B0604020202020204" pitchFamily="34" charset="0"/>
-                <a:ea typeface="굴림" panose="020B0600000101010101" pitchFamily="50" charset="-127"/>
-              </a:defRPr>
-            </a:lvl1pPr>
-            <a:lvl2pPr marL="742950" indent="-285750" defTabSz="998538">
-              <a:defRPr sz="2000" i="1">
-                <a:solidFill>
-                  <a:schemeClr val="tx1"/>
-                </a:solidFill>
-                <a:latin typeface="Arial" panose="020B0604020202020204" pitchFamily="34" charset="0"/>
-                <a:ea typeface="굴림" panose="020B0600000101010101" pitchFamily="50" charset="-127"/>
-              </a:defRPr>
-            </a:lvl2pPr>
-            <a:lvl3pPr marL="1143000" indent="-228600" defTabSz="998538">
-              <a:defRPr sz="2000" i="1">
-                <a:solidFill>
-                  <a:schemeClr val="tx1"/>
-                </a:solidFill>
-                <a:latin typeface="Arial" panose="020B0604020202020204" pitchFamily="34" charset="0"/>
-                <a:ea typeface="굴림" panose="020B0600000101010101" pitchFamily="50" charset="-127"/>
-              </a:defRPr>
-            </a:lvl3pPr>
-            <a:lvl4pPr marL="1600200" indent="-228600" defTabSz="998538">
-              <a:defRPr sz="2000" i="1">
-                <a:solidFill>
-                  <a:schemeClr val="tx1"/>
-                </a:solidFill>
-                <a:latin typeface="Arial" panose="020B0604020202020204" pitchFamily="34" charset="0"/>
-                <a:ea typeface="굴림" panose="020B0600000101010101" pitchFamily="50" charset="-127"/>
-              </a:defRPr>
-            </a:lvl4pPr>
-            <a:lvl5pPr marL="2057400" indent="-228600" defTabSz="998538">
-              <a:defRPr sz="2000" i="1">
-                <a:solidFill>
-                  <a:schemeClr val="tx1"/>
-                </a:solidFill>
-                <a:latin typeface="Arial" panose="020B0604020202020204" pitchFamily="34" charset="0"/>
-                <a:ea typeface="굴림" panose="020B0600000101010101" pitchFamily="50" charset="-127"/>
-              </a:defRPr>
-            </a:lvl5pPr>
-            <a:lvl6pPr marL="2514600" indent="-228600" defTabSz="998538" eaLnBrk="0" fontAlgn="base" hangingPunct="0">
-              <a:spcBef>
-                <a:spcPct val="0"/>
-              </a:spcBef>
-              <a:spcAft>
-                <a:spcPct val="0"/>
-              </a:spcAft>
-              <a:defRPr sz="2000" i="1">
-                <a:solidFill>
-                  <a:schemeClr val="tx1"/>
-                </a:solidFill>
-                <a:latin typeface="Arial" panose="020B0604020202020204" pitchFamily="34" charset="0"/>
-                <a:ea typeface="굴림" panose="020B0600000101010101" pitchFamily="50" charset="-127"/>
-              </a:defRPr>
-            </a:lvl6pPr>
-            <a:lvl7pPr marL="2971800" indent="-228600" defTabSz="998538" eaLnBrk="0" fontAlgn="base" hangingPunct="0">
-              <a:spcBef>
-                <a:spcPct val="0"/>
-              </a:spcBef>
-              <a:spcAft>
-                <a:spcPct val="0"/>
-              </a:spcAft>
-              <a:defRPr sz="2000" i="1">
-                <a:solidFill>
-                  <a:schemeClr val="tx1"/>
-                </a:solidFill>
-                <a:latin typeface="Arial" panose="020B0604020202020204" pitchFamily="34" charset="0"/>
-                <a:ea typeface="굴림" panose="020B0600000101010101" pitchFamily="50" charset="-127"/>
-              </a:defRPr>
-            </a:lvl7pPr>
-            <a:lvl8pPr marL="3429000" indent="-228600" defTabSz="998538" eaLnBrk="0" fontAlgn="base" hangingPunct="0">
-              <a:spcBef>
-                <a:spcPct val="0"/>
-              </a:spcBef>
-              <a:spcAft>
-                <a:spcPct val="0"/>
-              </a:spcAft>
-              <a:defRPr sz="2000" i="1">
-                <a:solidFill>
-                  <a:schemeClr val="tx1"/>
-                </a:solidFill>
-                <a:latin typeface="Arial" panose="020B0604020202020204" pitchFamily="34" charset="0"/>
-                <a:ea typeface="굴림" panose="020B0600000101010101" pitchFamily="50" charset="-127"/>
-              </a:defRPr>
-            </a:lvl8pPr>
-            <a:lvl9pPr marL="3886200" indent="-228600" defTabSz="998538" eaLnBrk="0" fontAlgn="base" hangingPunct="0">
-              <a:spcBef>
-                <a:spcPct val="0"/>
-              </a:spcBef>
-              <a:spcAft>
-                <a:spcPct val="0"/>
-              </a:spcAft>
-              <a:defRPr sz="2000" i="1">
-                <a:solidFill>
-                  <a:schemeClr val="tx1"/>
-                </a:solidFill>
-                <a:latin typeface="Arial" panose="020B0604020202020204" pitchFamily="34" charset="0"/>
-                <a:ea typeface="굴림" panose="020B0600000101010101" pitchFamily="50" charset="-127"/>
-              </a:defRPr>
-            </a:lvl9pPr>
-          </a:lstStyle>
-          <a:p>
-            <a:fld id="{F8634D88-A6F1-492F-8C8D-8158CB70A2EB}" type="slidenum">
-              <a:rPr lang="ko-KR" altLang="en-US" sz="1400" i="0">
-                <a:latin typeface="Times New Roman" panose="02020603050405020304" pitchFamily="18" charset="0"/>
-              </a:rPr>
-              <a:pPr/>
-              <a:t>22</a:t>
-            </a:fld>
-            <a:endParaRPr lang="en-US" altLang="ko-KR" sz="1400" i="0">
-              <a:latin typeface="Times New Roman" panose="02020603050405020304" pitchFamily="18" charset="0"/>
-            </a:endParaRPr>
-          </a:p>
-        </p:txBody>
-      </p:sp>
-    </p:spTree>
-    <p:extLst>
-      <p:ext uri="{BB962C8B-B14F-4D97-AF65-F5344CB8AC3E}">
-        <p14:creationId xmlns:p14="http://schemas.microsoft.com/office/powerpoint/2010/main" val="3509304453"/>
       </p:ext>
     </p:extLst>
   </p:cSld>
@@ -3768,7 +3467,7 @@
           <a:bodyPr/>
           <a:lstStyle/>
           <a:p>
-            <a:endParaRPr lang="ko-KR" altLang="en-US" smtClean="0"/>
+            <a:endParaRPr lang="ko-KR" altLang="en-US"/>
           </a:p>
         </p:txBody>
       </p:sp>
@@ -3916,12 +3615,12 @@
           </a:lstStyle>
           <a:p>
             <a:r>
-              <a:rPr lang="ko-KR" altLang="en-US" sz="1400" i="0" smtClean="0">
+              <a:rPr lang="ko-KR" altLang="en-US" sz="1400" i="0">
                 <a:latin typeface="Times New Roman" panose="02020603050405020304" pitchFamily="18" charset="0"/>
               </a:rPr>
               <a:t>EE141</a:t>
             </a:r>
-            <a:endParaRPr lang="en-US" altLang="ko-KR" sz="1400" i="0" smtClean="0">
+            <a:endParaRPr lang="en-US" altLang="ko-KR" sz="1400" i="0">
               <a:latin typeface="Times New Roman" panose="02020603050405020304" pitchFamily="18" charset="0"/>
             </a:endParaRPr>
           </a:p>
@@ -4075,6 +3774,402 @@
                 <a:latin typeface="Times New Roman" panose="02020603050405020304" pitchFamily="18" charset="0"/>
               </a:rPr>
               <a:pPr/>
+              <a:t>22</a:t>
+            </a:fld>
+            <a:endParaRPr lang="en-US" altLang="ko-KR" sz="1400" i="0">
+              <a:latin typeface="Times New Roman" panose="02020603050405020304" pitchFamily="18" charset="0"/>
+            </a:endParaRPr>
+          </a:p>
+        </p:txBody>
+      </p:sp>
+    </p:spTree>
+    <p:extLst>
+      <p:ext uri="{BB962C8B-B14F-4D97-AF65-F5344CB8AC3E}">
+        <p14:creationId xmlns:p14="http://schemas.microsoft.com/office/powerpoint/2010/main" val="3509304453"/>
+      </p:ext>
+    </p:extLst>
+  </p:cSld>
+  <p:clrMapOvr>
+    <a:masterClrMapping/>
+  </p:clrMapOvr>
+</p:notes>
+</file>
+
+<file path=ppt/notesSlides/notesSlide17.xml><?xml version="1.0" encoding="utf-8"?>
+<p:notes xmlns:a="http://schemas.openxmlformats.org/drawingml/2006/main" xmlns:r="http://schemas.openxmlformats.org/officeDocument/2006/relationships" xmlns:p="http://schemas.openxmlformats.org/presentationml/2006/main">
+  <p:cSld>
+    <p:spTree>
+      <p:nvGrpSpPr>
+        <p:cNvPr id="1" name=""/>
+        <p:cNvGrpSpPr/>
+        <p:nvPr/>
+      </p:nvGrpSpPr>
+      <p:grpSpPr>
+        <a:xfrm>
+          <a:off x="0" y="0"/>
+          <a:ext cx="0" cy="0"/>
+          <a:chOff x="0" y="0"/>
+          <a:chExt cx="0" cy="0"/>
+        </a:xfrm>
+      </p:grpSpPr>
+      <p:sp>
+        <p:nvSpPr>
+          <p:cNvPr id="76802" name="슬라이드 이미지 개체 틀 1"/>
+          <p:cNvSpPr>
+            <a:spLocks noGrp="1" noRot="1" noChangeAspect="1" noTextEdit="1"/>
+          </p:cNvSpPr>
+          <p:nvPr>
+            <p:ph type="sldImg"/>
+          </p:nvPr>
+        </p:nvSpPr>
+        <p:spPr>
+          <a:ln/>
+        </p:spPr>
+      </p:sp>
+      <p:sp>
+        <p:nvSpPr>
+          <p:cNvPr id="76803" name="슬라이드 노트 개체 틀 2"/>
+          <p:cNvSpPr>
+            <a:spLocks noGrp="1"/>
+          </p:cNvSpPr>
+          <p:nvPr>
+            <p:ph type="body" idx="1"/>
+          </p:nvPr>
+        </p:nvSpPr>
+        <p:spPr>
+          <a:noFill/>
+          <a:ln w="9525"/>
+          <a:extLst>
+            <a:ext uri="{909E8E84-426E-40DD-AFC4-6F175D3DCCD1}">
+              <a14:hiddenFill xmlns:a14="http://schemas.microsoft.com/office/drawing/2010/main">
+                <a:solidFill>
+                  <a:srgbClr val="FFFFFF"/>
+                </a:solidFill>
+              </a14:hiddenFill>
+            </a:ext>
+            <a:ext uri="{91240B29-F687-4F45-9708-019B960494DF}">
+              <a14:hiddenLine xmlns:a14="http://schemas.microsoft.com/office/drawing/2010/main" w="9525">
+                <a:solidFill>
+                  <a:srgbClr val="000000"/>
+                </a:solidFill>
+                <a:miter lim="800000"/>
+                <a:headEnd/>
+                <a:tailEnd/>
+              </a14:hiddenLine>
+            </a:ext>
+          </a:extLst>
+        </p:spPr>
+        <p:txBody>
+          <a:bodyPr/>
+          <a:lstStyle/>
+          <a:p>
+            <a:endParaRPr lang="ko-KR" altLang="en-US"/>
+          </a:p>
+        </p:txBody>
+      </p:sp>
+      <p:sp>
+        <p:nvSpPr>
+          <p:cNvPr id="76804" name="머리글 개체 틀 3"/>
+          <p:cNvSpPr>
+            <a:spLocks noGrp="1"/>
+          </p:cNvSpPr>
+          <p:nvPr>
+            <p:ph type="hdr" sz="quarter"/>
+          </p:nvPr>
+        </p:nvSpPr>
+        <p:spPr>
+          <a:noFill/>
+          <a:ln w="9525"/>
+          <a:extLst>
+            <a:ext uri="{909E8E84-426E-40DD-AFC4-6F175D3DCCD1}">
+              <a14:hiddenFill xmlns:a14="http://schemas.microsoft.com/office/drawing/2010/main">
+                <a:solidFill>
+                  <a:srgbClr val="FFFFFF"/>
+                </a:solidFill>
+              </a14:hiddenFill>
+            </a:ext>
+            <a:ext uri="{91240B29-F687-4F45-9708-019B960494DF}">
+              <a14:hiddenLine xmlns:a14="http://schemas.microsoft.com/office/drawing/2010/main" w="12700">
+                <a:solidFill>
+                  <a:srgbClr val="000000"/>
+                </a:solidFill>
+                <a:miter lim="800000"/>
+                <a:headEnd/>
+                <a:tailEnd/>
+              </a14:hiddenLine>
+            </a:ext>
+          </a:extLst>
+        </p:spPr>
+        <p:txBody>
+          <a:bodyPr/>
+          <a:lstStyle>
+            <a:lvl1pPr defTabSz="998538">
+              <a:defRPr sz="2000" i="1">
+                <a:solidFill>
+                  <a:schemeClr val="tx1"/>
+                </a:solidFill>
+                <a:latin typeface="Arial" panose="020B0604020202020204" pitchFamily="34" charset="0"/>
+                <a:ea typeface="굴림" panose="020B0600000101010101" pitchFamily="50" charset="-127"/>
+              </a:defRPr>
+            </a:lvl1pPr>
+            <a:lvl2pPr marL="742950" indent="-285750" defTabSz="998538">
+              <a:defRPr sz="2000" i="1">
+                <a:solidFill>
+                  <a:schemeClr val="tx1"/>
+                </a:solidFill>
+                <a:latin typeface="Arial" panose="020B0604020202020204" pitchFamily="34" charset="0"/>
+                <a:ea typeface="굴림" panose="020B0600000101010101" pitchFamily="50" charset="-127"/>
+              </a:defRPr>
+            </a:lvl2pPr>
+            <a:lvl3pPr marL="1143000" indent="-228600" defTabSz="998538">
+              <a:defRPr sz="2000" i="1">
+                <a:solidFill>
+                  <a:schemeClr val="tx1"/>
+                </a:solidFill>
+                <a:latin typeface="Arial" panose="020B0604020202020204" pitchFamily="34" charset="0"/>
+                <a:ea typeface="굴림" panose="020B0600000101010101" pitchFamily="50" charset="-127"/>
+              </a:defRPr>
+            </a:lvl3pPr>
+            <a:lvl4pPr marL="1600200" indent="-228600" defTabSz="998538">
+              <a:defRPr sz="2000" i="1">
+                <a:solidFill>
+                  <a:schemeClr val="tx1"/>
+                </a:solidFill>
+                <a:latin typeface="Arial" panose="020B0604020202020204" pitchFamily="34" charset="0"/>
+                <a:ea typeface="굴림" panose="020B0600000101010101" pitchFamily="50" charset="-127"/>
+              </a:defRPr>
+            </a:lvl4pPr>
+            <a:lvl5pPr marL="2057400" indent="-228600" defTabSz="998538">
+              <a:defRPr sz="2000" i="1">
+                <a:solidFill>
+                  <a:schemeClr val="tx1"/>
+                </a:solidFill>
+                <a:latin typeface="Arial" panose="020B0604020202020204" pitchFamily="34" charset="0"/>
+                <a:ea typeface="굴림" panose="020B0600000101010101" pitchFamily="50" charset="-127"/>
+              </a:defRPr>
+            </a:lvl5pPr>
+            <a:lvl6pPr marL="2514600" indent="-228600" defTabSz="998538" eaLnBrk="0" fontAlgn="base" hangingPunct="0">
+              <a:spcBef>
+                <a:spcPct val="0"/>
+              </a:spcBef>
+              <a:spcAft>
+                <a:spcPct val="0"/>
+              </a:spcAft>
+              <a:defRPr sz="2000" i="1">
+                <a:solidFill>
+                  <a:schemeClr val="tx1"/>
+                </a:solidFill>
+                <a:latin typeface="Arial" panose="020B0604020202020204" pitchFamily="34" charset="0"/>
+                <a:ea typeface="굴림" panose="020B0600000101010101" pitchFamily="50" charset="-127"/>
+              </a:defRPr>
+            </a:lvl6pPr>
+            <a:lvl7pPr marL="2971800" indent="-228600" defTabSz="998538" eaLnBrk="0" fontAlgn="base" hangingPunct="0">
+              <a:spcBef>
+                <a:spcPct val="0"/>
+              </a:spcBef>
+              <a:spcAft>
+                <a:spcPct val="0"/>
+              </a:spcAft>
+              <a:defRPr sz="2000" i="1">
+                <a:solidFill>
+                  <a:schemeClr val="tx1"/>
+                </a:solidFill>
+                <a:latin typeface="Arial" panose="020B0604020202020204" pitchFamily="34" charset="0"/>
+                <a:ea typeface="굴림" panose="020B0600000101010101" pitchFamily="50" charset="-127"/>
+              </a:defRPr>
+            </a:lvl7pPr>
+            <a:lvl8pPr marL="3429000" indent="-228600" defTabSz="998538" eaLnBrk="0" fontAlgn="base" hangingPunct="0">
+              <a:spcBef>
+                <a:spcPct val="0"/>
+              </a:spcBef>
+              <a:spcAft>
+                <a:spcPct val="0"/>
+              </a:spcAft>
+              <a:defRPr sz="2000" i="1">
+                <a:solidFill>
+                  <a:schemeClr val="tx1"/>
+                </a:solidFill>
+                <a:latin typeface="Arial" panose="020B0604020202020204" pitchFamily="34" charset="0"/>
+                <a:ea typeface="굴림" panose="020B0600000101010101" pitchFamily="50" charset="-127"/>
+              </a:defRPr>
+            </a:lvl8pPr>
+            <a:lvl9pPr marL="3886200" indent="-228600" defTabSz="998538" eaLnBrk="0" fontAlgn="base" hangingPunct="0">
+              <a:spcBef>
+                <a:spcPct val="0"/>
+              </a:spcBef>
+              <a:spcAft>
+                <a:spcPct val="0"/>
+              </a:spcAft>
+              <a:defRPr sz="2000" i="1">
+                <a:solidFill>
+                  <a:schemeClr val="tx1"/>
+                </a:solidFill>
+                <a:latin typeface="Arial" panose="020B0604020202020204" pitchFamily="34" charset="0"/>
+                <a:ea typeface="굴림" panose="020B0600000101010101" pitchFamily="50" charset="-127"/>
+              </a:defRPr>
+            </a:lvl9pPr>
+          </a:lstStyle>
+          <a:p>
+            <a:r>
+              <a:rPr lang="ko-KR" altLang="en-US" sz="1400" i="0">
+                <a:latin typeface="Times New Roman" panose="02020603050405020304" pitchFamily="18" charset="0"/>
+              </a:rPr>
+              <a:t>EE141</a:t>
+            </a:r>
+            <a:endParaRPr lang="en-US" altLang="ko-KR" sz="1400" i="0">
+              <a:latin typeface="Times New Roman" panose="02020603050405020304" pitchFamily="18" charset="0"/>
+            </a:endParaRPr>
+          </a:p>
+        </p:txBody>
+      </p:sp>
+      <p:sp>
+        <p:nvSpPr>
+          <p:cNvPr id="76805" name="슬라이드 번호 개체 틀 4"/>
+          <p:cNvSpPr>
+            <a:spLocks noGrp="1"/>
+          </p:cNvSpPr>
+          <p:nvPr>
+            <p:ph type="sldNum" sz="quarter" idx="5"/>
+          </p:nvPr>
+        </p:nvSpPr>
+        <p:spPr>
+          <a:noFill/>
+          <a:ln w="9525"/>
+          <a:extLst>
+            <a:ext uri="{909E8E84-426E-40DD-AFC4-6F175D3DCCD1}">
+              <a14:hiddenFill xmlns:a14="http://schemas.microsoft.com/office/drawing/2010/main">
+                <a:solidFill>
+                  <a:srgbClr val="FFFFFF"/>
+                </a:solidFill>
+              </a14:hiddenFill>
+            </a:ext>
+            <a:ext uri="{91240B29-F687-4F45-9708-019B960494DF}">
+              <a14:hiddenLine xmlns:a14="http://schemas.microsoft.com/office/drawing/2010/main" w="12700">
+                <a:solidFill>
+                  <a:srgbClr val="000000"/>
+                </a:solidFill>
+                <a:miter lim="800000"/>
+                <a:headEnd/>
+                <a:tailEnd/>
+              </a14:hiddenLine>
+            </a:ext>
+          </a:extLst>
+        </p:spPr>
+        <p:txBody>
+          <a:bodyPr/>
+          <a:lstStyle>
+            <a:lvl1pPr defTabSz="998538">
+              <a:defRPr sz="2000" i="1">
+                <a:solidFill>
+                  <a:schemeClr val="tx1"/>
+                </a:solidFill>
+                <a:latin typeface="Arial" panose="020B0604020202020204" pitchFamily="34" charset="0"/>
+                <a:ea typeface="굴림" panose="020B0600000101010101" pitchFamily="50" charset="-127"/>
+              </a:defRPr>
+            </a:lvl1pPr>
+            <a:lvl2pPr marL="742950" indent="-285750" defTabSz="998538">
+              <a:defRPr sz="2000" i="1">
+                <a:solidFill>
+                  <a:schemeClr val="tx1"/>
+                </a:solidFill>
+                <a:latin typeface="Arial" panose="020B0604020202020204" pitchFamily="34" charset="0"/>
+                <a:ea typeface="굴림" panose="020B0600000101010101" pitchFamily="50" charset="-127"/>
+              </a:defRPr>
+            </a:lvl2pPr>
+            <a:lvl3pPr marL="1143000" indent="-228600" defTabSz="998538">
+              <a:defRPr sz="2000" i="1">
+                <a:solidFill>
+                  <a:schemeClr val="tx1"/>
+                </a:solidFill>
+                <a:latin typeface="Arial" panose="020B0604020202020204" pitchFamily="34" charset="0"/>
+                <a:ea typeface="굴림" panose="020B0600000101010101" pitchFamily="50" charset="-127"/>
+              </a:defRPr>
+            </a:lvl3pPr>
+            <a:lvl4pPr marL="1600200" indent="-228600" defTabSz="998538">
+              <a:defRPr sz="2000" i="1">
+                <a:solidFill>
+                  <a:schemeClr val="tx1"/>
+                </a:solidFill>
+                <a:latin typeface="Arial" panose="020B0604020202020204" pitchFamily="34" charset="0"/>
+                <a:ea typeface="굴림" panose="020B0600000101010101" pitchFamily="50" charset="-127"/>
+              </a:defRPr>
+            </a:lvl4pPr>
+            <a:lvl5pPr marL="2057400" indent="-228600" defTabSz="998538">
+              <a:defRPr sz="2000" i="1">
+                <a:solidFill>
+                  <a:schemeClr val="tx1"/>
+                </a:solidFill>
+                <a:latin typeface="Arial" panose="020B0604020202020204" pitchFamily="34" charset="0"/>
+                <a:ea typeface="굴림" panose="020B0600000101010101" pitchFamily="50" charset="-127"/>
+              </a:defRPr>
+            </a:lvl5pPr>
+            <a:lvl6pPr marL="2514600" indent="-228600" defTabSz="998538" eaLnBrk="0" fontAlgn="base" hangingPunct="0">
+              <a:spcBef>
+                <a:spcPct val="0"/>
+              </a:spcBef>
+              <a:spcAft>
+                <a:spcPct val="0"/>
+              </a:spcAft>
+              <a:defRPr sz="2000" i="1">
+                <a:solidFill>
+                  <a:schemeClr val="tx1"/>
+                </a:solidFill>
+                <a:latin typeface="Arial" panose="020B0604020202020204" pitchFamily="34" charset="0"/>
+                <a:ea typeface="굴림" panose="020B0600000101010101" pitchFamily="50" charset="-127"/>
+              </a:defRPr>
+            </a:lvl6pPr>
+            <a:lvl7pPr marL="2971800" indent="-228600" defTabSz="998538" eaLnBrk="0" fontAlgn="base" hangingPunct="0">
+              <a:spcBef>
+                <a:spcPct val="0"/>
+              </a:spcBef>
+              <a:spcAft>
+                <a:spcPct val="0"/>
+              </a:spcAft>
+              <a:defRPr sz="2000" i="1">
+                <a:solidFill>
+                  <a:schemeClr val="tx1"/>
+                </a:solidFill>
+                <a:latin typeface="Arial" panose="020B0604020202020204" pitchFamily="34" charset="0"/>
+                <a:ea typeface="굴림" panose="020B0600000101010101" pitchFamily="50" charset="-127"/>
+              </a:defRPr>
+            </a:lvl7pPr>
+            <a:lvl8pPr marL="3429000" indent="-228600" defTabSz="998538" eaLnBrk="0" fontAlgn="base" hangingPunct="0">
+              <a:spcBef>
+                <a:spcPct val="0"/>
+              </a:spcBef>
+              <a:spcAft>
+                <a:spcPct val="0"/>
+              </a:spcAft>
+              <a:defRPr sz="2000" i="1">
+                <a:solidFill>
+                  <a:schemeClr val="tx1"/>
+                </a:solidFill>
+                <a:latin typeface="Arial" panose="020B0604020202020204" pitchFamily="34" charset="0"/>
+                <a:ea typeface="굴림" panose="020B0600000101010101" pitchFamily="50" charset="-127"/>
+              </a:defRPr>
+            </a:lvl8pPr>
+            <a:lvl9pPr marL="3886200" indent="-228600" defTabSz="998538" eaLnBrk="0" fontAlgn="base" hangingPunct="0">
+              <a:spcBef>
+                <a:spcPct val="0"/>
+              </a:spcBef>
+              <a:spcAft>
+                <a:spcPct val="0"/>
+              </a:spcAft>
+              <a:defRPr sz="2000" i="1">
+                <a:solidFill>
+                  <a:schemeClr val="tx1"/>
+                </a:solidFill>
+                <a:latin typeface="Arial" panose="020B0604020202020204" pitchFamily="34" charset="0"/>
+                <a:ea typeface="굴림" panose="020B0600000101010101" pitchFamily="50" charset="-127"/>
+              </a:defRPr>
+            </a:lvl9pPr>
+          </a:lstStyle>
+          <a:p>
+            <a:fld id="{F8634D88-A6F1-492F-8C8D-8158CB70A2EB}" type="slidenum">
+              <a:rPr lang="ko-KR" altLang="en-US" sz="1400" i="0">
+                <a:latin typeface="Times New Roman" panose="02020603050405020304" pitchFamily="18" charset="0"/>
+              </a:rPr>
+              <a:pPr/>
               <a:t>23</a:t>
             </a:fld>
             <a:endParaRPr lang="en-US" altLang="ko-KR" sz="1400" i="0">
@@ -4096,7 +4191,7 @@
 </p:notes>
 </file>
 
-<file path=ppt/notesSlides/notesSlide17.xml><?xml version="1.0" encoding="utf-8"?>
+<file path=ppt/notesSlides/notesSlide18.xml><?xml version="1.0" encoding="utf-8"?>
 <p:notes xmlns:a="http://schemas.openxmlformats.org/drawingml/2006/main" xmlns:r="http://schemas.openxmlformats.org/officeDocument/2006/relationships" xmlns:p="http://schemas.openxmlformats.org/presentationml/2006/main">
   <p:cSld>
     <p:spTree>
@@ -4164,7 +4259,7 @@
           <a:bodyPr/>
           <a:lstStyle/>
           <a:p>
-            <a:endParaRPr lang="ko-KR" altLang="en-US" smtClean="0"/>
+            <a:endParaRPr lang="ko-KR" altLang="en-US"/>
           </a:p>
         </p:txBody>
       </p:sp>
@@ -4312,12 +4407,12 @@
           </a:lstStyle>
           <a:p>
             <a:r>
-              <a:rPr lang="ko-KR" altLang="en-US" sz="1400" i="0" smtClean="0">
+              <a:rPr lang="ko-KR" altLang="en-US" sz="1400" i="0">
                 <a:latin typeface="Times New Roman" panose="02020603050405020304" pitchFamily="18" charset="0"/>
               </a:rPr>
               <a:t>EE141</a:t>
             </a:r>
-            <a:endParaRPr lang="en-US" altLang="ko-KR" sz="1400" i="0" smtClean="0">
+            <a:endParaRPr lang="en-US" altLang="ko-KR" sz="1400" i="0">
               <a:latin typeface="Times New Roman" panose="02020603050405020304" pitchFamily="18" charset="0"/>
             </a:endParaRPr>
           </a:p>
@@ -4492,7 +4587,7 @@
 </p:notes>
 </file>
 
-<file path=ppt/notesSlides/notesSlide18.xml><?xml version="1.0" encoding="utf-8"?>
+<file path=ppt/notesSlides/notesSlide19.xml><?xml version="1.0" encoding="utf-8"?>
 <p:notes xmlns:a="http://schemas.openxmlformats.org/drawingml/2006/main" xmlns:r="http://schemas.openxmlformats.org/officeDocument/2006/relationships" xmlns:p="http://schemas.openxmlformats.org/presentationml/2006/main">
   <p:cSld>
     <p:spTree>
@@ -4560,7 +4655,7 @@
           <a:bodyPr/>
           <a:lstStyle/>
           <a:p>
-            <a:endParaRPr lang="ko-KR" altLang="en-US" smtClean="0"/>
+            <a:endParaRPr lang="ko-KR" altLang="en-US"/>
           </a:p>
         </p:txBody>
       </p:sp>
@@ -4708,12 +4803,12 @@
           </a:lstStyle>
           <a:p>
             <a:r>
-              <a:rPr lang="ko-KR" altLang="en-US" sz="1400" i="0" smtClean="0">
+              <a:rPr lang="ko-KR" altLang="en-US" sz="1400" i="0">
                 <a:latin typeface="Times New Roman" panose="02020603050405020304" pitchFamily="18" charset="0"/>
               </a:rPr>
               <a:t>EE141</a:t>
             </a:r>
-            <a:endParaRPr lang="en-US" altLang="ko-KR" sz="1400" i="0" smtClean="0">
+            <a:endParaRPr lang="en-US" altLang="ko-KR" sz="1400" i="0">
               <a:latin typeface="Times New Roman" panose="02020603050405020304" pitchFamily="18" charset="0"/>
             </a:endParaRPr>
           </a:p>
@@ -4888,7 +4983,403 @@
 </p:notes>
 </file>
 
-<file path=ppt/notesSlides/notesSlide19.xml><?xml version="1.0" encoding="utf-8"?>
+<file path=ppt/notesSlides/notesSlide2.xml><?xml version="1.0" encoding="utf-8"?>
+<p:notes xmlns:a="http://schemas.openxmlformats.org/drawingml/2006/main" xmlns:r="http://schemas.openxmlformats.org/officeDocument/2006/relationships" xmlns:p="http://schemas.openxmlformats.org/presentationml/2006/main">
+  <p:cSld>
+    <p:spTree>
+      <p:nvGrpSpPr>
+        <p:cNvPr id="1" name=""/>
+        <p:cNvGrpSpPr/>
+        <p:nvPr/>
+      </p:nvGrpSpPr>
+      <p:grpSpPr>
+        <a:xfrm>
+          <a:off x="0" y="0"/>
+          <a:ext cx="0" cy="0"/>
+          <a:chOff x="0" y="0"/>
+          <a:chExt cx="0" cy="0"/>
+        </a:xfrm>
+      </p:grpSpPr>
+      <p:sp>
+        <p:nvSpPr>
+          <p:cNvPr id="61442" name="슬라이드 이미지 개체 틀 1"/>
+          <p:cNvSpPr>
+            <a:spLocks noGrp="1" noRot="1" noChangeAspect="1" noTextEdit="1"/>
+          </p:cNvSpPr>
+          <p:nvPr>
+            <p:ph type="sldImg"/>
+          </p:nvPr>
+        </p:nvSpPr>
+        <p:spPr>
+          <a:ln/>
+        </p:spPr>
+      </p:sp>
+      <p:sp>
+        <p:nvSpPr>
+          <p:cNvPr id="61443" name="슬라이드 노트 개체 틀 2"/>
+          <p:cNvSpPr>
+            <a:spLocks noGrp="1"/>
+          </p:cNvSpPr>
+          <p:nvPr>
+            <p:ph type="body" idx="1"/>
+          </p:nvPr>
+        </p:nvSpPr>
+        <p:spPr>
+          <a:noFill/>
+          <a:ln w="9525"/>
+          <a:extLst>
+            <a:ext uri="{909E8E84-426E-40DD-AFC4-6F175D3DCCD1}">
+              <a14:hiddenFill xmlns:a14="http://schemas.microsoft.com/office/drawing/2010/main">
+                <a:solidFill>
+                  <a:srgbClr val="FFFFFF"/>
+                </a:solidFill>
+              </a14:hiddenFill>
+            </a:ext>
+            <a:ext uri="{91240B29-F687-4F45-9708-019B960494DF}">
+              <a14:hiddenLine xmlns:a14="http://schemas.microsoft.com/office/drawing/2010/main" w="9525">
+                <a:solidFill>
+                  <a:srgbClr val="000000"/>
+                </a:solidFill>
+                <a:miter lim="800000"/>
+                <a:headEnd/>
+                <a:tailEnd/>
+              </a14:hiddenLine>
+            </a:ext>
+          </a:extLst>
+        </p:spPr>
+        <p:txBody>
+          <a:bodyPr/>
+          <a:lstStyle/>
+          <a:p>
+            <a:endParaRPr lang="ko-KR" altLang="en-US"/>
+          </a:p>
+        </p:txBody>
+      </p:sp>
+      <p:sp>
+        <p:nvSpPr>
+          <p:cNvPr id="61444" name="머리글 개체 틀 3"/>
+          <p:cNvSpPr>
+            <a:spLocks noGrp="1"/>
+          </p:cNvSpPr>
+          <p:nvPr>
+            <p:ph type="hdr" sz="quarter"/>
+          </p:nvPr>
+        </p:nvSpPr>
+        <p:spPr>
+          <a:noFill/>
+          <a:ln w="9525"/>
+          <a:extLst>
+            <a:ext uri="{909E8E84-426E-40DD-AFC4-6F175D3DCCD1}">
+              <a14:hiddenFill xmlns:a14="http://schemas.microsoft.com/office/drawing/2010/main">
+                <a:solidFill>
+                  <a:srgbClr val="FFFFFF"/>
+                </a:solidFill>
+              </a14:hiddenFill>
+            </a:ext>
+            <a:ext uri="{91240B29-F687-4F45-9708-019B960494DF}">
+              <a14:hiddenLine xmlns:a14="http://schemas.microsoft.com/office/drawing/2010/main" w="12700">
+                <a:solidFill>
+                  <a:srgbClr val="000000"/>
+                </a:solidFill>
+                <a:miter lim="800000"/>
+                <a:headEnd/>
+                <a:tailEnd/>
+              </a14:hiddenLine>
+            </a:ext>
+          </a:extLst>
+        </p:spPr>
+        <p:txBody>
+          <a:bodyPr/>
+          <a:lstStyle>
+            <a:lvl1pPr defTabSz="998538">
+              <a:defRPr sz="2000" i="1">
+                <a:solidFill>
+                  <a:schemeClr val="tx1"/>
+                </a:solidFill>
+                <a:latin typeface="Arial" panose="020B0604020202020204" pitchFamily="34" charset="0"/>
+                <a:ea typeface="굴림" panose="020B0600000101010101" pitchFamily="50" charset="-127"/>
+              </a:defRPr>
+            </a:lvl1pPr>
+            <a:lvl2pPr marL="742950" indent="-285750" defTabSz="998538">
+              <a:defRPr sz="2000" i="1">
+                <a:solidFill>
+                  <a:schemeClr val="tx1"/>
+                </a:solidFill>
+                <a:latin typeface="Arial" panose="020B0604020202020204" pitchFamily="34" charset="0"/>
+                <a:ea typeface="굴림" panose="020B0600000101010101" pitchFamily="50" charset="-127"/>
+              </a:defRPr>
+            </a:lvl2pPr>
+            <a:lvl3pPr marL="1143000" indent="-228600" defTabSz="998538">
+              <a:defRPr sz="2000" i="1">
+                <a:solidFill>
+                  <a:schemeClr val="tx1"/>
+                </a:solidFill>
+                <a:latin typeface="Arial" panose="020B0604020202020204" pitchFamily="34" charset="0"/>
+                <a:ea typeface="굴림" panose="020B0600000101010101" pitchFamily="50" charset="-127"/>
+              </a:defRPr>
+            </a:lvl3pPr>
+            <a:lvl4pPr marL="1600200" indent="-228600" defTabSz="998538">
+              <a:defRPr sz="2000" i="1">
+                <a:solidFill>
+                  <a:schemeClr val="tx1"/>
+                </a:solidFill>
+                <a:latin typeface="Arial" panose="020B0604020202020204" pitchFamily="34" charset="0"/>
+                <a:ea typeface="굴림" panose="020B0600000101010101" pitchFamily="50" charset="-127"/>
+              </a:defRPr>
+            </a:lvl4pPr>
+            <a:lvl5pPr marL="2057400" indent="-228600" defTabSz="998538">
+              <a:defRPr sz="2000" i="1">
+                <a:solidFill>
+                  <a:schemeClr val="tx1"/>
+                </a:solidFill>
+                <a:latin typeface="Arial" panose="020B0604020202020204" pitchFamily="34" charset="0"/>
+                <a:ea typeface="굴림" panose="020B0600000101010101" pitchFamily="50" charset="-127"/>
+              </a:defRPr>
+            </a:lvl5pPr>
+            <a:lvl6pPr marL="2514600" indent="-228600" defTabSz="998538" eaLnBrk="0" fontAlgn="base" hangingPunct="0">
+              <a:spcBef>
+                <a:spcPct val="0"/>
+              </a:spcBef>
+              <a:spcAft>
+                <a:spcPct val="0"/>
+              </a:spcAft>
+              <a:defRPr sz="2000" i="1">
+                <a:solidFill>
+                  <a:schemeClr val="tx1"/>
+                </a:solidFill>
+                <a:latin typeface="Arial" panose="020B0604020202020204" pitchFamily="34" charset="0"/>
+                <a:ea typeface="굴림" panose="020B0600000101010101" pitchFamily="50" charset="-127"/>
+              </a:defRPr>
+            </a:lvl6pPr>
+            <a:lvl7pPr marL="2971800" indent="-228600" defTabSz="998538" eaLnBrk="0" fontAlgn="base" hangingPunct="0">
+              <a:spcBef>
+                <a:spcPct val="0"/>
+              </a:spcBef>
+              <a:spcAft>
+                <a:spcPct val="0"/>
+              </a:spcAft>
+              <a:defRPr sz="2000" i="1">
+                <a:solidFill>
+                  <a:schemeClr val="tx1"/>
+                </a:solidFill>
+                <a:latin typeface="Arial" panose="020B0604020202020204" pitchFamily="34" charset="0"/>
+                <a:ea typeface="굴림" panose="020B0600000101010101" pitchFamily="50" charset="-127"/>
+              </a:defRPr>
+            </a:lvl7pPr>
+            <a:lvl8pPr marL="3429000" indent="-228600" defTabSz="998538" eaLnBrk="0" fontAlgn="base" hangingPunct="0">
+              <a:spcBef>
+                <a:spcPct val="0"/>
+              </a:spcBef>
+              <a:spcAft>
+                <a:spcPct val="0"/>
+              </a:spcAft>
+              <a:defRPr sz="2000" i="1">
+                <a:solidFill>
+                  <a:schemeClr val="tx1"/>
+                </a:solidFill>
+                <a:latin typeface="Arial" panose="020B0604020202020204" pitchFamily="34" charset="0"/>
+                <a:ea typeface="굴림" panose="020B0600000101010101" pitchFamily="50" charset="-127"/>
+              </a:defRPr>
+            </a:lvl8pPr>
+            <a:lvl9pPr marL="3886200" indent="-228600" defTabSz="998538" eaLnBrk="0" fontAlgn="base" hangingPunct="0">
+              <a:spcBef>
+                <a:spcPct val="0"/>
+              </a:spcBef>
+              <a:spcAft>
+                <a:spcPct val="0"/>
+              </a:spcAft>
+              <a:defRPr sz="2000" i="1">
+                <a:solidFill>
+                  <a:schemeClr val="tx1"/>
+                </a:solidFill>
+                <a:latin typeface="Arial" panose="020B0604020202020204" pitchFamily="34" charset="0"/>
+                <a:ea typeface="굴림" panose="020B0600000101010101" pitchFamily="50" charset="-127"/>
+              </a:defRPr>
+            </a:lvl9pPr>
+          </a:lstStyle>
+          <a:p>
+            <a:r>
+              <a:rPr lang="ko-KR" altLang="en-US" sz="1400" i="0">
+                <a:latin typeface="Times New Roman" panose="02020603050405020304" pitchFamily="18" charset="0"/>
+              </a:rPr>
+              <a:t>EE141</a:t>
+            </a:r>
+            <a:endParaRPr lang="en-US" altLang="ko-KR" sz="1400" i="0">
+              <a:latin typeface="Times New Roman" panose="02020603050405020304" pitchFamily="18" charset="0"/>
+            </a:endParaRPr>
+          </a:p>
+        </p:txBody>
+      </p:sp>
+      <p:sp>
+        <p:nvSpPr>
+          <p:cNvPr id="61445" name="슬라이드 번호 개체 틀 4"/>
+          <p:cNvSpPr>
+            <a:spLocks noGrp="1"/>
+          </p:cNvSpPr>
+          <p:nvPr>
+            <p:ph type="sldNum" sz="quarter" idx="5"/>
+          </p:nvPr>
+        </p:nvSpPr>
+        <p:spPr>
+          <a:noFill/>
+          <a:ln w="9525"/>
+          <a:extLst>
+            <a:ext uri="{909E8E84-426E-40DD-AFC4-6F175D3DCCD1}">
+              <a14:hiddenFill xmlns:a14="http://schemas.microsoft.com/office/drawing/2010/main">
+                <a:solidFill>
+                  <a:srgbClr val="FFFFFF"/>
+                </a:solidFill>
+              </a14:hiddenFill>
+            </a:ext>
+            <a:ext uri="{91240B29-F687-4F45-9708-019B960494DF}">
+              <a14:hiddenLine xmlns:a14="http://schemas.microsoft.com/office/drawing/2010/main" w="12700">
+                <a:solidFill>
+                  <a:srgbClr val="000000"/>
+                </a:solidFill>
+                <a:miter lim="800000"/>
+                <a:headEnd/>
+                <a:tailEnd/>
+              </a14:hiddenLine>
+            </a:ext>
+          </a:extLst>
+        </p:spPr>
+        <p:txBody>
+          <a:bodyPr/>
+          <a:lstStyle>
+            <a:lvl1pPr defTabSz="998538">
+              <a:defRPr sz="2000" i="1">
+                <a:solidFill>
+                  <a:schemeClr val="tx1"/>
+                </a:solidFill>
+                <a:latin typeface="Arial" panose="020B0604020202020204" pitchFamily="34" charset="0"/>
+                <a:ea typeface="굴림" panose="020B0600000101010101" pitchFamily="50" charset="-127"/>
+              </a:defRPr>
+            </a:lvl1pPr>
+            <a:lvl2pPr marL="742950" indent="-285750" defTabSz="998538">
+              <a:defRPr sz="2000" i="1">
+                <a:solidFill>
+                  <a:schemeClr val="tx1"/>
+                </a:solidFill>
+                <a:latin typeface="Arial" panose="020B0604020202020204" pitchFamily="34" charset="0"/>
+                <a:ea typeface="굴림" panose="020B0600000101010101" pitchFamily="50" charset="-127"/>
+              </a:defRPr>
+            </a:lvl2pPr>
+            <a:lvl3pPr marL="1143000" indent="-228600" defTabSz="998538">
+              <a:defRPr sz="2000" i="1">
+                <a:solidFill>
+                  <a:schemeClr val="tx1"/>
+                </a:solidFill>
+                <a:latin typeface="Arial" panose="020B0604020202020204" pitchFamily="34" charset="0"/>
+                <a:ea typeface="굴림" panose="020B0600000101010101" pitchFamily="50" charset="-127"/>
+              </a:defRPr>
+            </a:lvl3pPr>
+            <a:lvl4pPr marL="1600200" indent="-228600" defTabSz="998538">
+              <a:defRPr sz="2000" i="1">
+                <a:solidFill>
+                  <a:schemeClr val="tx1"/>
+                </a:solidFill>
+                <a:latin typeface="Arial" panose="020B0604020202020204" pitchFamily="34" charset="0"/>
+                <a:ea typeface="굴림" panose="020B0600000101010101" pitchFamily="50" charset="-127"/>
+              </a:defRPr>
+            </a:lvl4pPr>
+            <a:lvl5pPr marL="2057400" indent="-228600" defTabSz="998538">
+              <a:defRPr sz="2000" i="1">
+                <a:solidFill>
+                  <a:schemeClr val="tx1"/>
+                </a:solidFill>
+                <a:latin typeface="Arial" panose="020B0604020202020204" pitchFamily="34" charset="0"/>
+                <a:ea typeface="굴림" panose="020B0600000101010101" pitchFamily="50" charset="-127"/>
+              </a:defRPr>
+            </a:lvl5pPr>
+            <a:lvl6pPr marL="2514600" indent="-228600" defTabSz="998538" eaLnBrk="0" fontAlgn="base" hangingPunct="0">
+              <a:spcBef>
+                <a:spcPct val="0"/>
+              </a:spcBef>
+              <a:spcAft>
+                <a:spcPct val="0"/>
+              </a:spcAft>
+              <a:defRPr sz="2000" i="1">
+                <a:solidFill>
+                  <a:schemeClr val="tx1"/>
+                </a:solidFill>
+                <a:latin typeface="Arial" panose="020B0604020202020204" pitchFamily="34" charset="0"/>
+                <a:ea typeface="굴림" panose="020B0600000101010101" pitchFamily="50" charset="-127"/>
+              </a:defRPr>
+            </a:lvl6pPr>
+            <a:lvl7pPr marL="2971800" indent="-228600" defTabSz="998538" eaLnBrk="0" fontAlgn="base" hangingPunct="0">
+              <a:spcBef>
+                <a:spcPct val="0"/>
+              </a:spcBef>
+              <a:spcAft>
+                <a:spcPct val="0"/>
+              </a:spcAft>
+              <a:defRPr sz="2000" i="1">
+                <a:solidFill>
+                  <a:schemeClr val="tx1"/>
+                </a:solidFill>
+                <a:latin typeface="Arial" panose="020B0604020202020204" pitchFamily="34" charset="0"/>
+                <a:ea typeface="굴림" panose="020B0600000101010101" pitchFamily="50" charset="-127"/>
+              </a:defRPr>
+            </a:lvl7pPr>
+            <a:lvl8pPr marL="3429000" indent="-228600" defTabSz="998538" eaLnBrk="0" fontAlgn="base" hangingPunct="0">
+              <a:spcBef>
+                <a:spcPct val="0"/>
+              </a:spcBef>
+              <a:spcAft>
+                <a:spcPct val="0"/>
+              </a:spcAft>
+              <a:defRPr sz="2000" i="1">
+                <a:solidFill>
+                  <a:schemeClr val="tx1"/>
+                </a:solidFill>
+                <a:latin typeface="Arial" panose="020B0604020202020204" pitchFamily="34" charset="0"/>
+                <a:ea typeface="굴림" panose="020B0600000101010101" pitchFamily="50" charset="-127"/>
+              </a:defRPr>
+            </a:lvl8pPr>
+            <a:lvl9pPr marL="3886200" indent="-228600" defTabSz="998538" eaLnBrk="0" fontAlgn="base" hangingPunct="0">
+              <a:spcBef>
+                <a:spcPct val="0"/>
+              </a:spcBef>
+              <a:spcAft>
+                <a:spcPct val="0"/>
+              </a:spcAft>
+              <a:defRPr sz="2000" i="1">
+                <a:solidFill>
+                  <a:schemeClr val="tx1"/>
+                </a:solidFill>
+                <a:latin typeface="Arial" panose="020B0604020202020204" pitchFamily="34" charset="0"/>
+                <a:ea typeface="굴림" panose="020B0600000101010101" pitchFamily="50" charset="-127"/>
+              </a:defRPr>
+            </a:lvl9pPr>
+          </a:lstStyle>
+          <a:p>
+            <a:fld id="{F5E2136D-1C46-473B-BBCB-2551EE6E3DA4}" type="slidenum">
+              <a:rPr lang="ko-KR" altLang="en-US" sz="1400" i="0">
+                <a:latin typeface="Times New Roman" panose="02020603050405020304" pitchFamily="18" charset="0"/>
+              </a:rPr>
+              <a:pPr/>
+              <a:t>8</a:t>
+            </a:fld>
+            <a:endParaRPr lang="en-US" altLang="ko-KR" sz="1400" i="0">
+              <a:latin typeface="Times New Roman" panose="02020603050405020304" pitchFamily="18" charset="0"/>
+            </a:endParaRPr>
+          </a:p>
+        </p:txBody>
+      </p:sp>
+    </p:spTree>
+    <p:extLst>
+      <p:ext uri="{BB962C8B-B14F-4D97-AF65-F5344CB8AC3E}">
+        <p14:creationId xmlns:p14="http://schemas.microsoft.com/office/powerpoint/2010/main" val="324461063"/>
+      </p:ext>
+    </p:extLst>
+  </p:cSld>
+  <p:clrMapOvr>
+    <a:masterClrMapping/>
+  </p:clrMapOvr>
+</p:notes>
+</file>
+
+<file path=ppt/notesSlides/notesSlide20.xml><?xml version="1.0" encoding="utf-8"?>
 <p:notes xmlns:a="http://schemas.openxmlformats.org/drawingml/2006/main" xmlns:r="http://schemas.openxmlformats.org/officeDocument/2006/relationships" xmlns:p="http://schemas.openxmlformats.org/presentationml/2006/main">
   <p:cSld>
     <p:spTree>
@@ -4956,7 +5447,7 @@
           <a:bodyPr/>
           <a:lstStyle/>
           <a:p>
-            <a:endParaRPr lang="ko-KR" altLang="en-US" smtClean="0"/>
+            <a:endParaRPr lang="ko-KR" altLang="en-US"/>
           </a:p>
         </p:txBody>
       </p:sp>
@@ -5104,12 +5595,12 @@
           </a:lstStyle>
           <a:p>
             <a:r>
-              <a:rPr lang="ko-KR" altLang="en-US" sz="1400" i="0" smtClean="0">
+              <a:rPr lang="ko-KR" altLang="en-US" sz="1400" i="0">
                 <a:latin typeface="Times New Roman" panose="02020603050405020304" pitchFamily="18" charset="0"/>
               </a:rPr>
               <a:t>EE141</a:t>
             </a:r>
-            <a:endParaRPr lang="en-US" altLang="ko-KR" sz="1400" i="0" smtClean="0">
+            <a:endParaRPr lang="en-US" altLang="ko-KR" sz="1400" i="0">
               <a:latin typeface="Times New Roman" panose="02020603050405020304" pitchFamily="18" charset="0"/>
             </a:endParaRPr>
           </a:p>
@@ -5284,7 +5775,403 @@
 </p:notes>
 </file>
 
-<file path=ppt/notesSlides/notesSlide2.xml><?xml version="1.0" encoding="utf-8"?>
+<file path=ppt/notesSlides/notesSlide21.xml><?xml version="1.0" encoding="utf-8"?>
+<p:notes xmlns:a="http://schemas.openxmlformats.org/drawingml/2006/main" xmlns:r="http://schemas.openxmlformats.org/officeDocument/2006/relationships" xmlns:p="http://schemas.openxmlformats.org/presentationml/2006/main">
+  <p:cSld>
+    <p:spTree>
+      <p:nvGrpSpPr>
+        <p:cNvPr id="1" name=""/>
+        <p:cNvGrpSpPr/>
+        <p:nvPr/>
+      </p:nvGrpSpPr>
+      <p:grpSpPr>
+        <a:xfrm>
+          <a:off x="0" y="0"/>
+          <a:ext cx="0" cy="0"/>
+          <a:chOff x="0" y="0"/>
+          <a:chExt cx="0" cy="0"/>
+        </a:xfrm>
+      </p:grpSpPr>
+      <p:sp>
+        <p:nvSpPr>
+          <p:cNvPr id="93186" name="슬라이드 이미지 개체 틀 1"/>
+          <p:cNvSpPr>
+            <a:spLocks noGrp="1" noRot="1" noChangeAspect="1" noTextEdit="1"/>
+          </p:cNvSpPr>
+          <p:nvPr>
+            <p:ph type="sldImg"/>
+          </p:nvPr>
+        </p:nvSpPr>
+        <p:spPr>
+          <a:ln/>
+        </p:spPr>
+      </p:sp>
+      <p:sp>
+        <p:nvSpPr>
+          <p:cNvPr id="93187" name="슬라이드 노트 개체 틀 2"/>
+          <p:cNvSpPr>
+            <a:spLocks noGrp="1"/>
+          </p:cNvSpPr>
+          <p:nvPr>
+            <p:ph type="body" idx="1"/>
+          </p:nvPr>
+        </p:nvSpPr>
+        <p:spPr>
+          <a:noFill/>
+          <a:ln w="9525"/>
+          <a:extLst>
+            <a:ext uri="{909E8E84-426E-40DD-AFC4-6F175D3DCCD1}">
+              <a14:hiddenFill xmlns:a14="http://schemas.microsoft.com/office/drawing/2010/main">
+                <a:solidFill>
+                  <a:srgbClr val="FFFFFF"/>
+                </a:solidFill>
+              </a14:hiddenFill>
+            </a:ext>
+            <a:ext uri="{91240B29-F687-4F45-9708-019B960494DF}">
+              <a14:hiddenLine xmlns:a14="http://schemas.microsoft.com/office/drawing/2010/main" w="9525">
+                <a:solidFill>
+                  <a:srgbClr val="000000"/>
+                </a:solidFill>
+                <a:miter lim="800000"/>
+                <a:headEnd/>
+                <a:tailEnd/>
+              </a14:hiddenLine>
+            </a:ext>
+          </a:extLst>
+        </p:spPr>
+        <p:txBody>
+          <a:bodyPr/>
+          <a:lstStyle/>
+          <a:p>
+            <a:endParaRPr lang="ko-KR" altLang="en-US"/>
+          </a:p>
+        </p:txBody>
+      </p:sp>
+      <p:sp>
+        <p:nvSpPr>
+          <p:cNvPr id="93188" name="머리글 개체 틀 3"/>
+          <p:cNvSpPr>
+            <a:spLocks noGrp="1"/>
+          </p:cNvSpPr>
+          <p:nvPr>
+            <p:ph type="hdr" sz="quarter"/>
+          </p:nvPr>
+        </p:nvSpPr>
+        <p:spPr>
+          <a:noFill/>
+          <a:ln w="9525"/>
+          <a:extLst>
+            <a:ext uri="{909E8E84-426E-40DD-AFC4-6F175D3DCCD1}">
+              <a14:hiddenFill xmlns:a14="http://schemas.microsoft.com/office/drawing/2010/main">
+                <a:solidFill>
+                  <a:srgbClr val="FFFFFF"/>
+                </a:solidFill>
+              </a14:hiddenFill>
+            </a:ext>
+            <a:ext uri="{91240B29-F687-4F45-9708-019B960494DF}">
+              <a14:hiddenLine xmlns:a14="http://schemas.microsoft.com/office/drawing/2010/main" w="12700">
+                <a:solidFill>
+                  <a:srgbClr val="000000"/>
+                </a:solidFill>
+                <a:miter lim="800000"/>
+                <a:headEnd/>
+                <a:tailEnd/>
+              </a14:hiddenLine>
+            </a:ext>
+          </a:extLst>
+        </p:spPr>
+        <p:txBody>
+          <a:bodyPr/>
+          <a:lstStyle>
+            <a:lvl1pPr defTabSz="998538">
+              <a:defRPr sz="2000" i="1">
+                <a:solidFill>
+                  <a:schemeClr val="tx1"/>
+                </a:solidFill>
+                <a:latin typeface="Arial" panose="020B0604020202020204" pitchFamily="34" charset="0"/>
+                <a:ea typeface="굴림" panose="020B0600000101010101" pitchFamily="50" charset="-127"/>
+              </a:defRPr>
+            </a:lvl1pPr>
+            <a:lvl2pPr marL="742950" indent="-285750" defTabSz="998538">
+              <a:defRPr sz="2000" i="1">
+                <a:solidFill>
+                  <a:schemeClr val="tx1"/>
+                </a:solidFill>
+                <a:latin typeface="Arial" panose="020B0604020202020204" pitchFamily="34" charset="0"/>
+                <a:ea typeface="굴림" panose="020B0600000101010101" pitchFamily="50" charset="-127"/>
+              </a:defRPr>
+            </a:lvl2pPr>
+            <a:lvl3pPr marL="1143000" indent="-228600" defTabSz="998538">
+              <a:defRPr sz="2000" i="1">
+                <a:solidFill>
+                  <a:schemeClr val="tx1"/>
+                </a:solidFill>
+                <a:latin typeface="Arial" panose="020B0604020202020204" pitchFamily="34" charset="0"/>
+                <a:ea typeface="굴림" panose="020B0600000101010101" pitchFamily="50" charset="-127"/>
+              </a:defRPr>
+            </a:lvl3pPr>
+            <a:lvl4pPr marL="1600200" indent="-228600" defTabSz="998538">
+              <a:defRPr sz="2000" i="1">
+                <a:solidFill>
+                  <a:schemeClr val="tx1"/>
+                </a:solidFill>
+                <a:latin typeface="Arial" panose="020B0604020202020204" pitchFamily="34" charset="0"/>
+                <a:ea typeface="굴림" panose="020B0600000101010101" pitchFamily="50" charset="-127"/>
+              </a:defRPr>
+            </a:lvl4pPr>
+            <a:lvl5pPr marL="2057400" indent="-228600" defTabSz="998538">
+              <a:defRPr sz="2000" i="1">
+                <a:solidFill>
+                  <a:schemeClr val="tx1"/>
+                </a:solidFill>
+                <a:latin typeface="Arial" panose="020B0604020202020204" pitchFamily="34" charset="0"/>
+                <a:ea typeface="굴림" panose="020B0600000101010101" pitchFamily="50" charset="-127"/>
+              </a:defRPr>
+            </a:lvl5pPr>
+            <a:lvl6pPr marL="2514600" indent="-228600" defTabSz="998538" eaLnBrk="0" fontAlgn="base" hangingPunct="0">
+              <a:spcBef>
+                <a:spcPct val="0"/>
+              </a:spcBef>
+              <a:spcAft>
+                <a:spcPct val="0"/>
+              </a:spcAft>
+              <a:defRPr sz="2000" i="1">
+                <a:solidFill>
+                  <a:schemeClr val="tx1"/>
+                </a:solidFill>
+                <a:latin typeface="Arial" panose="020B0604020202020204" pitchFamily="34" charset="0"/>
+                <a:ea typeface="굴림" panose="020B0600000101010101" pitchFamily="50" charset="-127"/>
+              </a:defRPr>
+            </a:lvl6pPr>
+            <a:lvl7pPr marL="2971800" indent="-228600" defTabSz="998538" eaLnBrk="0" fontAlgn="base" hangingPunct="0">
+              <a:spcBef>
+                <a:spcPct val="0"/>
+              </a:spcBef>
+              <a:spcAft>
+                <a:spcPct val="0"/>
+              </a:spcAft>
+              <a:defRPr sz="2000" i="1">
+                <a:solidFill>
+                  <a:schemeClr val="tx1"/>
+                </a:solidFill>
+                <a:latin typeface="Arial" panose="020B0604020202020204" pitchFamily="34" charset="0"/>
+                <a:ea typeface="굴림" panose="020B0600000101010101" pitchFamily="50" charset="-127"/>
+              </a:defRPr>
+            </a:lvl7pPr>
+            <a:lvl8pPr marL="3429000" indent="-228600" defTabSz="998538" eaLnBrk="0" fontAlgn="base" hangingPunct="0">
+              <a:spcBef>
+                <a:spcPct val="0"/>
+              </a:spcBef>
+              <a:spcAft>
+                <a:spcPct val="0"/>
+              </a:spcAft>
+              <a:defRPr sz="2000" i="1">
+                <a:solidFill>
+                  <a:schemeClr val="tx1"/>
+                </a:solidFill>
+                <a:latin typeface="Arial" panose="020B0604020202020204" pitchFamily="34" charset="0"/>
+                <a:ea typeface="굴림" panose="020B0600000101010101" pitchFamily="50" charset="-127"/>
+              </a:defRPr>
+            </a:lvl8pPr>
+            <a:lvl9pPr marL="3886200" indent="-228600" defTabSz="998538" eaLnBrk="0" fontAlgn="base" hangingPunct="0">
+              <a:spcBef>
+                <a:spcPct val="0"/>
+              </a:spcBef>
+              <a:spcAft>
+                <a:spcPct val="0"/>
+              </a:spcAft>
+              <a:defRPr sz="2000" i="1">
+                <a:solidFill>
+                  <a:schemeClr val="tx1"/>
+                </a:solidFill>
+                <a:latin typeface="Arial" panose="020B0604020202020204" pitchFamily="34" charset="0"/>
+                <a:ea typeface="굴림" panose="020B0600000101010101" pitchFamily="50" charset="-127"/>
+              </a:defRPr>
+            </a:lvl9pPr>
+          </a:lstStyle>
+          <a:p>
+            <a:r>
+              <a:rPr lang="ko-KR" altLang="en-US" sz="1400" i="0">
+                <a:latin typeface="Times New Roman" panose="02020603050405020304" pitchFamily="18" charset="0"/>
+              </a:rPr>
+              <a:t>EE141</a:t>
+            </a:r>
+            <a:endParaRPr lang="en-US" altLang="ko-KR" sz="1400" i="0">
+              <a:latin typeface="Times New Roman" panose="02020603050405020304" pitchFamily="18" charset="0"/>
+            </a:endParaRPr>
+          </a:p>
+        </p:txBody>
+      </p:sp>
+      <p:sp>
+        <p:nvSpPr>
+          <p:cNvPr id="93189" name="슬라이드 번호 개체 틀 4"/>
+          <p:cNvSpPr>
+            <a:spLocks noGrp="1"/>
+          </p:cNvSpPr>
+          <p:nvPr>
+            <p:ph type="sldNum" sz="quarter" idx="5"/>
+          </p:nvPr>
+        </p:nvSpPr>
+        <p:spPr>
+          <a:noFill/>
+          <a:ln w="9525"/>
+          <a:extLst>
+            <a:ext uri="{909E8E84-426E-40DD-AFC4-6F175D3DCCD1}">
+              <a14:hiddenFill xmlns:a14="http://schemas.microsoft.com/office/drawing/2010/main">
+                <a:solidFill>
+                  <a:srgbClr val="FFFFFF"/>
+                </a:solidFill>
+              </a14:hiddenFill>
+            </a:ext>
+            <a:ext uri="{91240B29-F687-4F45-9708-019B960494DF}">
+              <a14:hiddenLine xmlns:a14="http://schemas.microsoft.com/office/drawing/2010/main" w="12700">
+                <a:solidFill>
+                  <a:srgbClr val="000000"/>
+                </a:solidFill>
+                <a:miter lim="800000"/>
+                <a:headEnd/>
+                <a:tailEnd/>
+              </a14:hiddenLine>
+            </a:ext>
+          </a:extLst>
+        </p:spPr>
+        <p:txBody>
+          <a:bodyPr/>
+          <a:lstStyle>
+            <a:lvl1pPr defTabSz="998538">
+              <a:defRPr sz="2000" i="1">
+                <a:solidFill>
+                  <a:schemeClr val="tx1"/>
+                </a:solidFill>
+                <a:latin typeface="Arial" panose="020B0604020202020204" pitchFamily="34" charset="0"/>
+                <a:ea typeface="굴림" panose="020B0600000101010101" pitchFamily="50" charset="-127"/>
+              </a:defRPr>
+            </a:lvl1pPr>
+            <a:lvl2pPr marL="742950" indent="-285750" defTabSz="998538">
+              <a:defRPr sz="2000" i="1">
+                <a:solidFill>
+                  <a:schemeClr val="tx1"/>
+                </a:solidFill>
+                <a:latin typeface="Arial" panose="020B0604020202020204" pitchFamily="34" charset="0"/>
+                <a:ea typeface="굴림" panose="020B0600000101010101" pitchFamily="50" charset="-127"/>
+              </a:defRPr>
+            </a:lvl2pPr>
+            <a:lvl3pPr marL="1143000" indent="-228600" defTabSz="998538">
+              <a:defRPr sz="2000" i="1">
+                <a:solidFill>
+                  <a:schemeClr val="tx1"/>
+                </a:solidFill>
+                <a:latin typeface="Arial" panose="020B0604020202020204" pitchFamily="34" charset="0"/>
+                <a:ea typeface="굴림" panose="020B0600000101010101" pitchFamily="50" charset="-127"/>
+              </a:defRPr>
+            </a:lvl3pPr>
+            <a:lvl4pPr marL="1600200" indent="-228600" defTabSz="998538">
+              <a:defRPr sz="2000" i="1">
+                <a:solidFill>
+                  <a:schemeClr val="tx1"/>
+                </a:solidFill>
+                <a:latin typeface="Arial" panose="020B0604020202020204" pitchFamily="34" charset="0"/>
+                <a:ea typeface="굴림" panose="020B0600000101010101" pitchFamily="50" charset="-127"/>
+              </a:defRPr>
+            </a:lvl4pPr>
+            <a:lvl5pPr marL="2057400" indent="-228600" defTabSz="998538">
+              <a:defRPr sz="2000" i="1">
+                <a:solidFill>
+                  <a:schemeClr val="tx1"/>
+                </a:solidFill>
+                <a:latin typeface="Arial" panose="020B0604020202020204" pitchFamily="34" charset="0"/>
+                <a:ea typeface="굴림" panose="020B0600000101010101" pitchFamily="50" charset="-127"/>
+              </a:defRPr>
+            </a:lvl5pPr>
+            <a:lvl6pPr marL="2514600" indent="-228600" defTabSz="998538" eaLnBrk="0" fontAlgn="base" hangingPunct="0">
+              <a:spcBef>
+                <a:spcPct val="0"/>
+              </a:spcBef>
+              <a:spcAft>
+                <a:spcPct val="0"/>
+              </a:spcAft>
+              <a:defRPr sz="2000" i="1">
+                <a:solidFill>
+                  <a:schemeClr val="tx1"/>
+                </a:solidFill>
+                <a:latin typeface="Arial" panose="020B0604020202020204" pitchFamily="34" charset="0"/>
+                <a:ea typeface="굴림" panose="020B0600000101010101" pitchFamily="50" charset="-127"/>
+              </a:defRPr>
+            </a:lvl6pPr>
+            <a:lvl7pPr marL="2971800" indent="-228600" defTabSz="998538" eaLnBrk="0" fontAlgn="base" hangingPunct="0">
+              <a:spcBef>
+                <a:spcPct val="0"/>
+              </a:spcBef>
+              <a:spcAft>
+                <a:spcPct val="0"/>
+              </a:spcAft>
+              <a:defRPr sz="2000" i="1">
+                <a:solidFill>
+                  <a:schemeClr val="tx1"/>
+                </a:solidFill>
+                <a:latin typeface="Arial" panose="020B0604020202020204" pitchFamily="34" charset="0"/>
+                <a:ea typeface="굴림" panose="020B0600000101010101" pitchFamily="50" charset="-127"/>
+              </a:defRPr>
+            </a:lvl7pPr>
+            <a:lvl8pPr marL="3429000" indent="-228600" defTabSz="998538" eaLnBrk="0" fontAlgn="base" hangingPunct="0">
+              <a:spcBef>
+                <a:spcPct val="0"/>
+              </a:spcBef>
+              <a:spcAft>
+                <a:spcPct val="0"/>
+              </a:spcAft>
+              <a:defRPr sz="2000" i="1">
+                <a:solidFill>
+                  <a:schemeClr val="tx1"/>
+                </a:solidFill>
+                <a:latin typeface="Arial" panose="020B0604020202020204" pitchFamily="34" charset="0"/>
+                <a:ea typeface="굴림" panose="020B0600000101010101" pitchFamily="50" charset="-127"/>
+              </a:defRPr>
+            </a:lvl8pPr>
+            <a:lvl9pPr marL="3886200" indent="-228600" defTabSz="998538" eaLnBrk="0" fontAlgn="base" hangingPunct="0">
+              <a:spcBef>
+                <a:spcPct val="0"/>
+              </a:spcBef>
+              <a:spcAft>
+                <a:spcPct val="0"/>
+              </a:spcAft>
+              <a:defRPr sz="2000" i="1">
+                <a:solidFill>
+                  <a:schemeClr val="tx1"/>
+                </a:solidFill>
+                <a:latin typeface="Arial" panose="020B0604020202020204" pitchFamily="34" charset="0"/>
+                <a:ea typeface="굴림" panose="020B0600000101010101" pitchFamily="50" charset="-127"/>
+              </a:defRPr>
+            </a:lvl9pPr>
+          </a:lstStyle>
+          <a:p>
+            <a:fld id="{19545AFF-9CEA-4145-A200-8F9B857A3785}" type="slidenum">
+              <a:rPr lang="ko-KR" altLang="en-US" sz="1400" i="0">
+                <a:latin typeface="Times New Roman" panose="02020603050405020304" pitchFamily="18" charset="0"/>
+              </a:rPr>
+              <a:pPr/>
+              <a:t>27</a:t>
+            </a:fld>
+            <a:endParaRPr lang="en-US" altLang="ko-KR" sz="1400" i="0">
+              <a:latin typeface="Times New Roman" panose="02020603050405020304" pitchFamily="18" charset="0"/>
+            </a:endParaRPr>
+          </a:p>
+        </p:txBody>
+      </p:sp>
+    </p:spTree>
+    <p:extLst>
+      <p:ext uri="{BB962C8B-B14F-4D97-AF65-F5344CB8AC3E}">
+        <p14:creationId xmlns:p14="http://schemas.microsoft.com/office/powerpoint/2010/main" val="2653202593"/>
+      </p:ext>
+    </p:extLst>
+  </p:cSld>
+  <p:clrMapOvr>
+    <a:masterClrMapping/>
+  </p:clrMapOvr>
+</p:notes>
+</file>
+
+<file path=ppt/notesSlides/notesSlide3.xml><?xml version="1.0" encoding="utf-8"?>
 <p:notes xmlns:a="http://schemas.openxmlformats.org/drawingml/2006/main" xmlns:r="http://schemas.openxmlformats.org/officeDocument/2006/relationships" xmlns:p="http://schemas.openxmlformats.org/presentationml/2006/main">
   <p:cSld>
     <p:spTree>
@@ -5352,7 +6239,7 @@
           <a:bodyPr/>
           <a:lstStyle/>
           <a:p>
-            <a:endParaRPr lang="ko-KR" altLang="en-US" smtClean="0"/>
+            <a:endParaRPr lang="ko-KR" altLang="en-US"/>
           </a:p>
         </p:txBody>
       </p:sp>
@@ -5500,12 +6387,12 @@
           </a:lstStyle>
           <a:p>
             <a:r>
-              <a:rPr lang="ko-KR" altLang="en-US" sz="1400" i="0" smtClean="0">
+              <a:rPr lang="ko-KR" altLang="en-US" sz="1400" i="0">
                 <a:latin typeface="Times New Roman" panose="02020603050405020304" pitchFamily="18" charset="0"/>
               </a:rPr>
               <a:t>EE141</a:t>
             </a:r>
-            <a:endParaRPr lang="en-US" altLang="ko-KR" sz="1400" i="0" smtClean="0">
+            <a:endParaRPr lang="en-US" altLang="ko-KR" sz="1400" i="0">
               <a:latin typeface="Times New Roman" panose="02020603050405020304" pitchFamily="18" charset="0"/>
             </a:endParaRPr>
           </a:p>
@@ -5671,798 +6558,6 @@
     <p:extLst>
       <p:ext uri="{BB962C8B-B14F-4D97-AF65-F5344CB8AC3E}">
         <p14:creationId xmlns:p14="http://schemas.microsoft.com/office/powerpoint/2010/main" val="858974382"/>
-      </p:ext>
-    </p:extLst>
-  </p:cSld>
-  <p:clrMapOvr>
-    <a:masterClrMapping/>
-  </p:clrMapOvr>
-</p:notes>
-</file>
-
-<file path=ppt/notesSlides/notesSlide20.xml><?xml version="1.0" encoding="utf-8"?>
-<p:notes xmlns:a="http://schemas.openxmlformats.org/drawingml/2006/main" xmlns:r="http://schemas.openxmlformats.org/officeDocument/2006/relationships" xmlns:p="http://schemas.openxmlformats.org/presentationml/2006/main">
-  <p:cSld>
-    <p:spTree>
-      <p:nvGrpSpPr>
-        <p:cNvPr id="1" name=""/>
-        <p:cNvGrpSpPr/>
-        <p:nvPr/>
-      </p:nvGrpSpPr>
-      <p:grpSpPr>
-        <a:xfrm>
-          <a:off x="0" y="0"/>
-          <a:ext cx="0" cy="0"/>
-          <a:chOff x="0" y="0"/>
-          <a:chExt cx="0" cy="0"/>
-        </a:xfrm>
-      </p:grpSpPr>
-      <p:sp>
-        <p:nvSpPr>
-          <p:cNvPr id="93186" name="슬라이드 이미지 개체 틀 1"/>
-          <p:cNvSpPr>
-            <a:spLocks noGrp="1" noRot="1" noChangeAspect="1" noTextEdit="1"/>
-          </p:cNvSpPr>
-          <p:nvPr>
-            <p:ph type="sldImg"/>
-          </p:nvPr>
-        </p:nvSpPr>
-        <p:spPr>
-          <a:ln/>
-        </p:spPr>
-      </p:sp>
-      <p:sp>
-        <p:nvSpPr>
-          <p:cNvPr id="93187" name="슬라이드 노트 개체 틀 2"/>
-          <p:cNvSpPr>
-            <a:spLocks noGrp="1"/>
-          </p:cNvSpPr>
-          <p:nvPr>
-            <p:ph type="body" idx="1"/>
-          </p:nvPr>
-        </p:nvSpPr>
-        <p:spPr>
-          <a:noFill/>
-          <a:ln w="9525"/>
-          <a:extLst>
-            <a:ext uri="{909E8E84-426E-40DD-AFC4-6F175D3DCCD1}">
-              <a14:hiddenFill xmlns:a14="http://schemas.microsoft.com/office/drawing/2010/main">
-                <a:solidFill>
-                  <a:srgbClr val="FFFFFF"/>
-                </a:solidFill>
-              </a14:hiddenFill>
-            </a:ext>
-            <a:ext uri="{91240B29-F687-4F45-9708-019B960494DF}">
-              <a14:hiddenLine xmlns:a14="http://schemas.microsoft.com/office/drawing/2010/main" w="9525">
-                <a:solidFill>
-                  <a:srgbClr val="000000"/>
-                </a:solidFill>
-                <a:miter lim="800000"/>
-                <a:headEnd/>
-                <a:tailEnd/>
-              </a14:hiddenLine>
-            </a:ext>
-          </a:extLst>
-        </p:spPr>
-        <p:txBody>
-          <a:bodyPr/>
-          <a:lstStyle/>
-          <a:p>
-            <a:endParaRPr lang="ko-KR" altLang="en-US" smtClean="0"/>
-          </a:p>
-        </p:txBody>
-      </p:sp>
-      <p:sp>
-        <p:nvSpPr>
-          <p:cNvPr id="93188" name="머리글 개체 틀 3"/>
-          <p:cNvSpPr>
-            <a:spLocks noGrp="1"/>
-          </p:cNvSpPr>
-          <p:nvPr>
-            <p:ph type="hdr" sz="quarter"/>
-          </p:nvPr>
-        </p:nvSpPr>
-        <p:spPr>
-          <a:noFill/>
-          <a:ln w="9525"/>
-          <a:extLst>
-            <a:ext uri="{909E8E84-426E-40DD-AFC4-6F175D3DCCD1}">
-              <a14:hiddenFill xmlns:a14="http://schemas.microsoft.com/office/drawing/2010/main">
-                <a:solidFill>
-                  <a:srgbClr val="FFFFFF"/>
-                </a:solidFill>
-              </a14:hiddenFill>
-            </a:ext>
-            <a:ext uri="{91240B29-F687-4F45-9708-019B960494DF}">
-              <a14:hiddenLine xmlns:a14="http://schemas.microsoft.com/office/drawing/2010/main" w="12700">
-                <a:solidFill>
-                  <a:srgbClr val="000000"/>
-                </a:solidFill>
-                <a:miter lim="800000"/>
-                <a:headEnd/>
-                <a:tailEnd/>
-              </a14:hiddenLine>
-            </a:ext>
-          </a:extLst>
-        </p:spPr>
-        <p:txBody>
-          <a:bodyPr/>
-          <a:lstStyle>
-            <a:lvl1pPr defTabSz="998538">
-              <a:defRPr sz="2000" i="1">
-                <a:solidFill>
-                  <a:schemeClr val="tx1"/>
-                </a:solidFill>
-                <a:latin typeface="Arial" panose="020B0604020202020204" pitchFamily="34" charset="0"/>
-                <a:ea typeface="굴림" panose="020B0600000101010101" pitchFamily="50" charset="-127"/>
-              </a:defRPr>
-            </a:lvl1pPr>
-            <a:lvl2pPr marL="742950" indent="-285750" defTabSz="998538">
-              <a:defRPr sz="2000" i="1">
-                <a:solidFill>
-                  <a:schemeClr val="tx1"/>
-                </a:solidFill>
-                <a:latin typeface="Arial" panose="020B0604020202020204" pitchFamily="34" charset="0"/>
-                <a:ea typeface="굴림" panose="020B0600000101010101" pitchFamily="50" charset="-127"/>
-              </a:defRPr>
-            </a:lvl2pPr>
-            <a:lvl3pPr marL="1143000" indent="-228600" defTabSz="998538">
-              <a:defRPr sz="2000" i="1">
-                <a:solidFill>
-                  <a:schemeClr val="tx1"/>
-                </a:solidFill>
-                <a:latin typeface="Arial" panose="020B0604020202020204" pitchFamily="34" charset="0"/>
-                <a:ea typeface="굴림" panose="020B0600000101010101" pitchFamily="50" charset="-127"/>
-              </a:defRPr>
-            </a:lvl3pPr>
-            <a:lvl4pPr marL="1600200" indent="-228600" defTabSz="998538">
-              <a:defRPr sz="2000" i="1">
-                <a:solidFill>
-                  <a:schemeClr val="tx1"/>
-                </a:solidFill>
-                <a:latin typeface="Arial" panose="020B0604020202020204" pitchFamily="34" charset="0"/>
-                <a:ea typeface="굴림" panose="020B0600000101010101" pitchFamily="50" charset="-127"/>
-              </a:defRPr>
-            </a:lvl4pPr>
-            <a:lvl5pPr marL="2057400" indent="-228600" defTabSz="998538">
-              <a:defRPr sz="2000" i="1">
-                <a:solidFill>
-                  <a:schemeClr val="tx1"/>
-                </a:solidFill>
-                <a:latin typeface="Arial" panose="020B0604020202020204" pitchFamily="34" charset="0"/>
-                <a:ea typeface="굴림" panose="020B0600000101010101" pitchFamily="50" charset="-127"/>
-              </a:defRPr>
-            </a:lvl5pPr>
-            <a:lvl6pPr marL="2514600" indent="-228600" defTabSz="998538" eaLnBrk="0" fontAlgn="base" hangingPunct="0">
-              <a:spcBef>
-                <a:spcPct val="0"/>
-              </a:spcBef>
-              <a:spcAft>
-                <a:spcPct val="0"/>
-              </a:spcAft>
-              <a:defRPr sz="2000" i="1">
-                <a:solidFill>
-                  <a:schemeClr val="tx1"/>
-                </a:solidFill>
-                <a:latin typeface="Arial" panose="020B0604020202020204" pitchFamily="34" charset="0"/>
-                <a:ea typeface="굴림" panose="020B0600000101010101" pitchFamily="50" charset="-127"/>
-              </a:defRPr>
-            </a:lvl6pPr>
-            <a:lvl7pPr marL="2971800" indent="-228600" defTabSz="998538" eaLnBrk="0" fontAlgn="base" hangingPunct="0">
-              <a:spcBef>
-                <a:spcPct val="0"/>
-              </a:spcBef>
-              <a:spcAft>
-                <a:spcPct val="0"/>
-              </a:spcAft>
-              <a:defRPr sz="2000" i="1">
-                <a:solidFill>
-                  <a:schemeClr val="tx1"/>
-                </a:solidFill>
-                <a:latin typeface="Arial" panose="020B0604020202020204" pitchFamily="34" charset="0"/>
-                <a:ea typeface="굴림" panose="020B0600000101010101" pitchFamily="50" charset="-127"/>
-              </a:defRPr>
-            </a:lvl7pPr>
-            <a:lvl8pPr marL="3429000" indent="-228600" defTabSz="998538" eaLnBrk="0" fontAlgn="base" hangingPunct="0">
-              <a:spcBef>
-                <a:spcPct val="0"/>
-              </a:spcBef>
-              <a:spcAft>
-                <a:spcPct val="0"/>
-              </a:spcAft>
-              <a:defRPr sz="2000" i="1">
-                <a:solidFill>
-                  <a:schemeClr val="tx1"/>
-                </a:solidFill>
-                <a:latin typeface="Arial" panose="020B0604020202020204" pitchFamily="34" charset="0"/>
-                <a:ea typeface="굴림" panose="020B0600000101010101" pitchFamily="50" charset="-127"/>
-              </a:defRPr>
-            </a:lvl8pPr>
-            <a:lvl9pPr marL="3886200" indent="-228600" defTabSz="998538" eaLnBrk="0" fontAlgn="base" hangingPunct="0">
-              <a:spcBef>
-                <a:spcPct val="0"/>
-              </a:spcBef>
-              <a:spcAft>
-                <a:spcPct val="0"/>
-              </a:spcAft>
-              <a:defRPr sz="2000" i="1">
-                <a:solidFill>
-                  <a:schemeClr val="tx1"/>
-                </a:solidFill>
-                <a:latin typeface="Arial" panose="020B0604020202020204" pitchFamily="34" charset="0"/>
-                <a:ea typeface="굴림" panose="020B0600000101010101" pitchFamily="50" charset="-127"/>
-              </a:defRPr>
-            </a:lvl9pPr>
-          </a:lstStyle>
-          <a:p>
-            <a:r>
-              <a:rPr lang="ko-KR" altLang="en-US" sz="1400" i="0" smtClean="0">
-                <a:latin typeface="Times New Roman" panose="02020603050405020304" pitchFamily="18" charset="0"/>
-              </a:rPr>
-              <a:t>EE141</a:t>
-            </a:r>
-            <a:endParaRPr lang="en-US" altLang="ko-KR" sz="1400" i="0" smtClean="0">
-              <a:latin typeface="Times New Roman" panose="02020603050405020304" pitchFamily="18" charset="0"/>
-            </a:endParaRPr>
-          </a:p>
-        </p:txBody>
-      </p:sp>
-      <p:sp>
-        <p:nvSpPr>
-          <p:cNvPr id="93189" name="슬라이드 번호 개체 틀 4"/>
-          <p:cNvSpPr>
-            <a:spLocks noGrp="1"/>
-          </p:cNvSpPr>
-          <p:nvPr>
-            <p:ph type="sldNum" sz="quarter" idx="5"/>
-          </p:nvPr>
-        </p:nvSpPr>
-        <p:spPr>
-          <a:noFill/>
-          <a:ln w="9525"/>
-          <a:extLst>
-            <a:ext uri="{909E8E84-426E-40DD-AFC4-6F175D3DCCD1}">
-              <a14:hiddenFill xmlns:a14="http://schemas.microsoft.com/office/drawing/2010/main">
-                <a:solidFill>
-                  <a:srgbClr val="FFFFFF"/>
-                </a:solidFill>
-              </a14:hiddenFill>
-            </a:ext>
-            <a:ext uri="{91240B29-F687-4F45-9708-019B960494DF}">
-              <a14:hiddenLine xmlns:a14="http://schemas.microsoft.com/office/drawing/2010/main" w="12700">
-                <a:solidFill>
-                  <a:srgbClr val="000000"/>
-                </a:solidFill>
-                <a:miter lim="800000"/>
-                <a:headEnd/>
-                <a:tailEnd/>
-              </a14:hiddenLine>
-            </a:ext>
-          </a:extLst>
-        </p:spPr>
-        <p:txBody>
-          <a:bodyPr/>
-          <a:lstStyle>
-            <a:lvl1pPr defTabSz="998538">
-              <a:defRPr sz="2000" i="1">
-                <a:solidFill>
-                  <a:schemeClr val="tx1"/>
-                </a:solidFill>
-                <a:latin typeface="Arial" panose="020B0604020202020204" pitchFamily="34" charset="0"/>
-                <a:ea typeface="굴림" panose="020B0600000101010101" pitchFamily="50" charset="-127"/>
-              </a:defRPr>
-            </a:lvl1pPr>
-            <a:lvl2pPr marL="742950" indent="-285750" defTabSz="998538">
-              <a:defRPr sz="2000" i="1">
-                <a:solidFill>
-                  <a:schemeClr val="tx1"/>
-                </a:solidFill>
-                <a:latin typeface="Arial" panose="020B0604020202020204" pitchFamily="34" charset="0"/>
-                <a:ea typeface="굴림" panose="020B0600000101010101" pitchFamily="50" charset="-127"/>
-              </a:defRPr>
-            </a:lvl2pPr>
-            <a:lvl3pPr marL="1143000" indent="-228600" defTabSz="998538">
-              <a:defRPr sz="2000" i="1">
-                <a:solidFill>
-                  <a:schemeClr val="tx1"/>
-                </a:solidFill>
-                <a:latin typeface="Arial" panose="020B0604020202020204" pitchFamily="34" charset="0"/>
-                <a:ea typeface="굴림" panose="020B0600000101010101" pitchFamily="50" charset="-127"/>
-              </a:defRPr>
-            </a:lvl3pPr>
-            <a:lvl4pPr marL="1600200" indent="-228600" defTabSz="998538">
-              <a:defRPr sz="2000" i="1">
-                <a:solidFill>
-                  <a:schemeClr val="tx1"/>
-                </a:solidFill>
-                <a:latin typeface="Arial" panose="020B0604020202020204" pitchFamily="34" charset="0"/>
-                <a:ea typeface="굴림" panose="020B0600000101010101" pitchFamily="50" charset="-127"/>
-              </a:defRPr>
-            </a:lvl4pPr>
-            <a:lvl5pPr marL="2057400" indent="-228600" defTabSz="998538">
-              <a:defRPr sz="2000" i="1">
-                <a:solidFill>
-                  <a:schemeClr val="tx1"/>
-                </a:solidFill>
-                <a:latin typeface="Arial" panose="020B0604020202020204" pitchFamily="34" charset="0"/>
-                <a:ea typeface="굴림" panose="020B0600000101010101" pitchFamily="50" charset="-127"/>
-              </a:defRPr>
-            </a:lvl5pPr>
-            <a:lvl6pPr marL="2514600" indent="-228600" defTabSz="998538" eaLnBrk="0" fontAlgn="base" hangingPunct="0">
-              <a:spcBef>
-                <a:spcPct val="0"/>
-              </a:spcBef>
-              <a:spcAft>
-                <a:spcPct val="0"/>
-              </a:spcAft>
-              <a:defRPr sz="2000" i="1">
-                <a:solidFill>
-                  <a:schemeClr val="tx1"/>
-                </a:solidFill>
-                <a:latin typeface="Arial" panose="020B0604020202020204" pitchFamily="34" charset="0"/>
-                <a:ea typeface="굴림" panose="020B0600000101010101" pitchFamily="50" charset="-127"/>
-              </a:defRPr>
-            </a:lvl6pPr>
-            <a:lvl7pPr marL="2971800" indent="-228600" defTabSz="998538" eaLnBrk="0" fontAlgn="base" hangingPunct="0">
-              <a:spcBef>
-                <a:spcPct val="0"/>
-              </a:spcBef>
-              <a:spcAft>
-                <a:spcPct val="0"/>
-              </a:spcAft>
-              <a:defRPr sz="2000" i="1">
-                <a:solidFill>
-                  <a:schemeClr val="tx1"/>
-                </a:solidFill>
-                <a:latin typeface="Arial" panose="020B0604020202020204" pitchFamily="34" charset="0"/>
-                <a:ea typeface="굴림" panose="020B0600000101010101" pitchFamily="50" charset="-127"/>
-              </a:defRPr>
-            </a:lvl7pPr>
-            <a:lvl8pPr marL="3429000" indent="-228600" defTabSz="998538" eaLnBrk="0" fontAlgn="base" hangingPunct="0">
-              <a:spcBef>
-                <a:spcPct val="0"/>
-              </a:spcBef>
-              <a:spcAft>
-                <a:spcPct val="0"/>
-              </a:spcAft>
-              <a:defRPr sz="2000" i="1">
-                <a:solidFill>
-                  <a:schemeClr val="tx1"/>
-                </a:solidFill>
-                <a:latin typeface="Arial" panose="020B0604020202020204" pitchFamily="34" charset="0"/>
-                <a:ea typeface="굴림" panose="020B0600000101010101" pitchFamily="50" charset="-127"/>
-              </a:defRPr>
-            </a:lvl8pPr>
-            <a:lvl9pPr marL="3886200" indent="-228600" defTabSz="998538" eaLnBrk="0" fontAlgn="base" hangingPunct="0">
-              <a:spcBef>
-                <a:spcPct val="0"/>
-              </a:spcBef>
-              <a:spcAft>
-                <a:spcPct val="0"/>
-              </a:spcAft>
-              <a:defRPr sz="2000" i="1">
-                <a:solidFill>
-                  <a:schemeClr val="tx1"/>
-                </a:solidFill>
-                <a:latin typeface="Arial" panose="020B0604020202020204" pitchFamily="34" charset="0"/>
-                <a:ea typeface="굴림" panose="020B0600000101010101" pitchFamily="50" charset="-127"/>
-              </a:defRPr>
-            </a:lvl9pPr>
-          </a:lstStyle>
-          <a:p>
-            <a:fld id="{19545AFF-9CEA-4145-A200-8F9B857A3785}" type="slidenum">
-              <a:rPr lang="ko-KR" altLang="en-US" sz="1400" i="0">
-                <a:latin typeface="Times New Roman" panose="02020603050405020304" pitchFamily="18" charset="0"/>
-              </a:rPr>
-              <a:pPr/>
-              <a:t>27</a:t>
-            </a:fld>
-            <a:endParaRPr lang="en-US" altLang="ko-KR" sz="1400" i="0">
-              <a:latin typeface="Times New Roman" panose="02020603050405020304" pitchFamily="18" charset="0"/>
-            </a:endParaRPr>
-          </a:p>
-        </p:txBody>
-      </p:sp>
-    </p:spTree>
-    <p:extLst>
-      <p:ext uri="{BB962C8B-B14F-4D97-AF65-F5344CB8AC3E}">
-        <p14:creationId xmlns:p14="http://schemas.microsoft.com/office/powerpoint/2010/main" val="2653202593"/>
-      </p:ext>
-    </p:extLst>
-  </p:cSld>
-  <p:clrMapOvr>
-    <a:masterClrMapping/>
-  </p:clrMapOvr>
-</p:notes>
-</file>
-
-<file path=ppt/notesSlides/notesSlide3.xml><?xml version="1.0" encoding="utf-8"?>
-<p:notes xmlns:a="http://schemas.openxmlformats.org/drawingml/2006/main" xmlns:r="http://schemas.openxmlformats.org/officeDocument/2006/relationships" xmlns:p="http://schemas.openxmlformats.org/presentationml/2006/main">
-  <p:cSld>
-    <p:spTree>
-      <p:nvGrpSpPr>
-        <p:cNvPr id="1" name=""/>
-        <p:cNvGrpSpPr/>
-        <p:nvPr/>
-      </p:nvGrpSpPr>
-      <p:grpSpPr>
-        <a:xfrm>
-          <a:off x="0" y="0"/>
-          <a:ext cx="0" cy="0"/>
-          <a:chOff x="0" y="0"/>
-          <a:chExt cx="0" cy="0"/>
-        </a:xfrm>
-      </p:grpSpPr>
-      <p:sp>
-        <p:nvSpPr>
-          <p:cNvPr id="61442" name="슬라이드 이미지 개체 틀 1"/>
-          <p:cNvSpPr>
-            <a:spLocks noGrp="1" noRot="1" noChangeAspect="1" noTextEdit="1"/>
-          </p:cNvSpPr>
-          <p:nvPr>
-            <p:ph type="sldImg"/>
-          </p:nvPr>
-        </p:nvSpPr>
-        <p:spPr>
-          <a:ln/>
-        </p:spPr>
-      </p:sp>
-      <p:sp>
-        <p:nvSpPr>
-          <p:cNvPr id="61443" name="슬라이드 노트 개체 틀 2"/>
-          <p:cNvSpPr>
-            <a:spLocks noGrp="1"/>
-          </p:cNvSpPr>
-          <p:nvPr>
-            <p:ph type="body" idx="1"/>
-          </p:nvPr>
-        </p:nvSpPr>
-        <p:spPr>
-          <a:noFill/>
-          <a:ln w="9525"/>
-          <a:extLst>
-            <a:ext uri="{909E8E84-426E-40DD-AFC4-6F175D3DCCD1}">
-              <a14:hiddenFill xmlns:a14="http://schemas.microsoft.com/office/drawing/2010/main">
-                <a:solidFill>
-                  <a:srgbClr val="FFFFFF"/>
-                </a:solidFill>
-              </a14:hiddenFill>
-            </a:ext>
-            <a:ext uri="{91240B29-F687-4F45-9708-019B960494DF}">
-              <a14:hiddenLine xmlns:a14="http://schemas.microsoft.com/office/drawing/2010/main" w="9525">
-                <a:solidFill>
-                  <a:srgbClr val="000000"/>
-                </a:solidFill>
-                <a:miter lim="800000"/>
-                <a:headEnd/>
-                <a:tailEnd/>
-              </a14:hiddenLine>
-            </a:ext>
-          </a:extLst>
-        </p:spPr>
-        <p:txBody>
-          <a:bodyPr/>
-          <a:lstStyle/>
-          <a:p>
-            <a:endParaRPr lang="ko-KR" altLang="en-US" smtClean="0"/>
-          </a:p>
-        </p:txBody>
-      </p:sp>
-      <p:sp>
-        <p:nvSpPr>
-          <p:cNvPr id="61444" name="머리글 개체 틀 3"/>
-          <p:cNvSpPr>
-            <a:spLocks noGrp="1"/>
-          </p:cNvSpPr>
-          <p:nvPr>
-            <p:ph type="hdr" sz="quarter"/>
-          </p:nvPr>
-        </p:nvSpPr>
-        <p:spPr>
-          <a:noFill/>
-          <a:ln w="9525"/>
-          <a:extLst>
-            <a:ext uri="{909E8E84-426E-40DD-AFC4-6F175D3DCCD1}">
-              <a14:hiddenFill xmlns:a14="http://schemas.microsoft.com/office/drawing/2010/main">
-                <a:solidFill>
-                  <a:srgbClr val="FFFFFF"/>
-                </a:solidFill>
-              </a14:hiddenFill>
-            </a:ext>
-            <a:ext uri="{91240B29-F687-4F45-9708-019B960494DF}">
-              <a14:hiddenLine xmlns:a14="http://schemas.microsoft.com/office/drawing/2010/main" w="12700">
-                <a:solidFill>
-                  <a:srgbClr val="000000"/>
-                </a:solidFill>
-                <a:miter lim="800000"/>
-                <a:headEnd/>
-                <a:tailEnd/>
-              </a14:hiddenLine>
-            </a:ext>
-          </a:extLst>
-        </p:spPr>
-        <p:txBody>
-          <a:bodyPr/>
-          <a:lstStyle>
-            <a:lvl1pPr defTabSz="998538">
-              <a:defRPr sz="2000" i="1">
-                <a:solidFill>
-                  <a:schemeClr val="tx1"/>
-                </a:solidFill>
-                <a:latin typeface="Arial" panose="020B0604020202020204" pitchFamily="34" charset="0"/>
-                <a:ea typeface="굴림" panose="020B0600000101010101" pitchFamily="50" charset="-127"/>
-              </a:defRPr>
-            </a:lvl1pPr>
-            <a:lvl2pPr marL="742950" indent="-285750" defTabSz="998538">
-              <a:defRPr sz="2000" i="1">
-                <a:solidFill>
-                  <a:schemeClr val="tx1"/>
-                </a:solidFill>
-                <a:latin typeface="Arial" panose="020B0604020202020204" pitchFamily="34" charset="0"/>
-                <a:ea typeface="굴림" panose="020B0600000101010101" pitchFamily="50" charset="-127"/>
-              </a:defRPr>
-            </a:lvl2pPr>
-            <a:lvl3pPr marL="1143000" indent="-228600" defTabSz="998538">
-              <a:defRPr sz="2000" i="1">
-                <a:solidFill>
-                  <a:schemeClr val="tx1"/>
-                </a:solidFill>
-                <a:latin typeface="Arial" panose="020B0604020202020204" pitchFamily="34" charset="0"/>
-                <a:ea typeface="굴림" panose="020B0600000101010101" pitchFamily="50" charset="-127"/>
-              </a:defRPr>
-            </a:lvl3pPr>
-            <a:lvl4pPr marL="1600200" indent="-228600" defTabSz="998538">
-              <a:defRPr sz="2000" i="1">
-                <a:solidFill>
-                  <a:schemeClr val="tx1"/>
-                </a:solidFill>
-                <a:latin typeface="Arial" panose="020B0604020202020204" pitchFamily="34" charset="0"/>
-                <a:ea typeface="굴림" panose="020B0600000101010101" pitchFamily="50" charset="-127"/>
-              </a:defRPr>
-            </a:lvl4pPr>
-            <a:lvl5pPr marL="2057400" indent="-228600" defTabSz="998538">
-              <a:defRPr sz="2000" i="1">
-                <a:solidFill>
-                  <a:schemeClr val="tx1"/>
-                </a:solidFill>
-                <a:latin typeface="Arial" panose="020B0604020202020204" pitchFamily="34" charset="0"/>
-                <a:ea typeface="굴림" panose="020B0600000101010101" pitchFamily="50" charset="-127"/>
-              </a:defRPr>
-            </a:lvl5pPr>
-            <a:lvl6pPr marL="2514600" indent="-228600" defTabSz="998538" eaLnBrk="0" fontAlgn="base" hangingPunct="0">
-              <a:spcBef>
-                <a:spcPct val="0"/>
-              </a:spcBef>
-              <a:spcAft>
-                <a:spcPct val="0"/>
-              </a:spcAft>
-              <a:defRPr sz="2000" i="1">
-                <a:solidFill>
-                  <a:schemeClr val="tx1"/>
-                </a:solidFill>
-                <a:latin typeface="Arial" panose="020B0604020202020204" pitchFamily="34" charset="0"/>
-                <a:ea typeface="굴림" panose="020B0600000101010101" pitchFamily="50" charset="-127"/>
-              </a:defRPr>
-            </a:lvl6pPr>
-            <a:lvl7pPr marL="2971800" indent="-228600" defTabSz="998538" eaLnBrk="0" fontAlgn="base" hangingPunct="0">
-              <a:spcBef>
-                <a:spcPct val="0"/>
-              </a:spcBef>
-              <a:spcAft>
-                <a:spcPct val="0"/>
-              </a:spcAft>
-              <a:defRPr sz="2000" i="1">
-                <a:solidFill>
-                  <a:schemeClr val="tx1"/>
-                </a:solidFill>
-                <a:latin typeface="Arial" panose="020B0604020202020204" pitchFamily="34" charset="0"/>
-                <a:ea typeface="굴림" panose="020B0600000101010101" pitchFamily="50" charset="-127"/>
-              </a:defRPr>
-            </a:lvl7pPr>
-            <a:lvl8pPr marL="3429000" indent="-228600" defTabSz="998538" eaLnBrk="0" fontAlgn="base" hangingPunct="0">
-              <a:spcBef>
-                <a:spcPct val="0"/>
-              </a:spcBef>
-              <a:spcAft>
-                <a:spcPct val="0"/>
-              </a:spcAft>
-              <a:defRPr sz="2000" i="1">
-                <a:solidFill>
-                  <a:schemeClr val="tx1"/>
-                </a:solidFill>
-                <a:latin typeface="Arial" panose="020B0604020202020204" pitchFamily="34" charset="0"/>
-                <a:ea typeface="굴림" panose="020B0600000101010101" pitchFamily="50" charset="-127"/>
-              </a:defRPr>
-            </a:lvl8pPr>
-            <a:lvl9pPr marL="3886200" indent="-228600" defTabSz="998538" eaLnBrk="0" fontAlgn="base" hangingPunct="0">
-              <a:spcBef>
-                <a:spcPct val="0"/>
-              </a:spcBef>
-              <a:spcAft>
-                <a:spcPct val="0"/>
-              </a:spcAft>
-              <a:defRPr sz="2000" i="1">
-                <a:solidFill>
-                  <a:schemeClr val="tx1"/>
-                </a:solidFill>
-                <a:latin typeface="Arial" panose="020B0604020202020204" pitchFamily="34" charset="0"/>
-                <a:ea typeface="굴림" panose="020B0600000101010101" pitchFamily="50" charset="-127"/>
-              </a:defRPr>
-            </a:lvl9pPr>
-          </a:lstStyle>
-          <a:p>
-            <a:r>
-              <a:rPr lang="ko-KR" altLang="en-US" sz="1400" i="0" smtClean="0">
-                <a:latin typeface="Times New Roman" panose="02020603050405020304" pitchFamily="18" charset="0"/>
-              </a:rPr>
-              <a:t>EE141</a:t>
-            </a:r>
-            <a:endParaRPr lang="en-US" altLang="ko-KR" sz="1400" i="0" smtClean="0">
-              <a:latin typeface="Times New Roman" panose="02020603050405020304" pitchFamily="18" charset="0"/>
-            </a:endParaRPr>
-          </a:p>
-        </p:txBody>
-      </p:sp>
-      <p:sp>
-        <p:nvSpPr>
-          <p:cNvPr id="61445" name="슬라이드 번호 개체 틀 4"/>
-          <p:cNvSpPr>
-            <a:spLocks noGrp="1"/>
-          </p:cNvSpPr>
-          <p:nvPr>
-            <p:ph type="sldNum" sz="quarter" idx="5"/>
-          </p:nvPr>
-        </p:nvSpPr>
-        <p:spPr>
-          <a:noFill/>
-          <a:ln w="9525"/>
-          <a:extLst>
-            <a:ext uri="{909E8E84-426E-40DD-AFC4-6F175D3DCCD1}">
-              <a14:hiddenFill xmlns:a14="http://schemas.microsoft.com/office/drawing/2010/main">
-                <a:solidFill>
-                  <a:srgbClr val="FFFFFF"/>
-                </a:solidFill>
-              </a14:hiddenFill>
-            </a:ext>
-            <a:ext uri="{91240B29-F687-4F45-9708-019B960494DF}">
-              <a14:hiddenLine xmlns:a14="http://schemas.microsoft.com/office/drawing/2010/main" w="12700">
-                <a:solidFill>
-                  <a:srgbClr val="000000"/>
-                </a:solidFill>
-                <a:miter lim="800000"/>
-                <a:headEnd/>
-                <a:tailEnd/>
-              </a14:hiddenLine>
-            </a:ext>
-          </a:extLst>
-        </p:spPr>
-        <p:txBody>
-          <a:bodyPr/>
-          <a:lstStyle>
-            <a:lvl1pPr defTabSz="998538">
-              <a:defRPr sz="2000" i="1">
-                <a:solidFill>
-                  <a:schemeClr val="tx1"/>
-                </a:solidFill>
-                <a:latin typeface="Arial" panose="020B0604020202020204" pitchFamily="34" charset="0"/>
-                <a:ea typeface="굴림" panose="020B0600000101010101" pitchFamily="50" charset="-127"/>
-              </a:defRPr>
-            </a:lvl1pPr>
-            <a:lvl2pPr marL="742950" indent="-285750" defTabSz="998538">
-              <a:defRPr sz="2000" i="1">
-                <a:solidFill>
-                  <a:schemeClr val="tx1"/>
-                </a:solidFill>
-                <a:latin typeface="Arial" panose="020B0604020202020204" pitchFamily="34" charset="0"/>
-                <a:ea typeface="굴림" panose="020B0600000101010101" pitchFamily="50" charset="-127"/>
-              </a:defRPr>
-            </a:lvl2pPr>
-            <a:lvl3pPr marL="1143000" indent="-228600" defTabSz="998538">
-              <a:defRPr sz="2000" i="1">
-                <a:solidFill>
-                  <a:schemeClr val="tx1"/>
-                </a:solidFill>
-                <a:latin typeface="Arial" panose="020B0604020202020204" pitchFamily="34" charset="0"/>
-                <a:ea typeface="굴림" panose="020B0600000101010101" pitchFamily="50" charset="-127"/>
-              </a:defRPr>
-            </a:lvl3pPr>
-            <a:lvl4pPr marL="1600200" indent="-228600" defTabSz="998538">
-              <a:defRPr sz="2000" i="1">
-                <a:solidFill>
-                  <a:schemeClr val="tx1"/>
-                </a:solidFill>
-                <a:latin typeface="Arial" panose="020B0604020202020204" pitchFamily="34" charset="0"/>
-                <a:ea typeface="굴림" panose="020B0600000101010101" pitchFamily="50" charset="-127"/>
-              </a:defRPr>
-            </a:lvl4pPr>
-            <a:lvl5pPr marL="2057400" indent="-228600" defTabSz="998538">
-              <a:defRPr sz="2000" i="1">
-                <a:solidFill>
-                  <a:schemeClr val="tx1"/>
-                </a:solidFill>
-                <a:latin typeface="Arial" panose="020B0604020202020204" pitchFamily="34" charset="0"/>
-                <a:ea typeface="굴림" panose="020B0600000101010101" pitchFamily="50" charset="-127"/>
-              </a:defRPr>
-            </a:lvl5pPr>
-            <a:lvl6pPr marL="2514600" indent="-228600" defTabSz="998538" eaLnBrk="0" fontAlgn="base" hangingPunct="0">
-              <a:spcBef>
-                <a:spcPct val="0"/>
-              </a:spcBef>
-              <a:spcAft>
-                <a:spcPct val="0"/>
-              </a:spcAft>
-              <a:defRPr sz="2000" i="1">
-                <a:solidFill>
-                  <a:schemeClr val="tx1"/>
-                </a:solidFill>
-                <a:latin typeface="Arial" panose="020B0604020202020204" pitchFamily="34" charset="0"/>
-                <a:ea typeface="굴림" panose="020B0600000101010101" pitchFamily="50" charset="-127"/>
-              </a:defRPr>
-            </a:lvl6pPr>
-            <a:lvl7pPr marL="2971800" indent="-228600" defTabSz="998538" eaLnBrk="0" fontAlgn="base" hangingPunct="0">
-              <a:spcBef>
-                <a:spcPct val="0"/>
-              </a:spcBef>
-              <a:spcAft>
-                <a:spcPct val="0"/>
-              </a:spcAft>
-              <a:defRPr sz="2000" i="1">
-                <a:solidFill>
-                  <a:schemeClr val="tx1"/>
-                </a:solidFill>
-                <a:latin typeface="Arial" panose="020B0604020202020204" pitchFamily="34" charset="0"/>
-                <a:ea typeface="굴림" panose="020B0600000101010101" pitchFamily="50" charset="-127"/>
-              </a:defRPr>
-            </a:lvl7pPr>
-            <a:lvl8pPr marL="3429000" indent="-228600" defTabSz="998538" eaLnBrk="0" fontAlgn="base" hangingPunct="0">
-              <a:spcBef>
-                <a:spcPct val="0"/>
-              </a:spcBef>
-              <a:spcAft>
-                <a:spcPct val="0"/>
-              </a:spcAft>
-              <a:defRPr sz="2000" i="1">
-                <a:solidFill>
-                  <a:schemeClr val="tx1"/>
-                </a:solidFill>
-                <a:latin typeface="Arial" panose="020B0604020202020204" pitchFamily="34" charset="0"/>
-                <a:ea typeface="굴림" panose="020B0600000101010101" pitchFamily="50" charset="-127"/>
-              </a:defRPr>
-            </a:lvl8pPr>
-            <a:lvl9pPr marL="3886200" indent="-228600" defTabSz="998538" eaLnBrk="0" fontAlgn="base" hangingPunct="0">
-              <a:spcBef>
-                <a:spcPct val="0"/>
-              </a:spcBef>
-              <a:spcAft>
-                <a:spcPct val="0"/>
-              </a:spcAft>
-              <a:defRPr sz="2000" i="1">
-                <a:solidFill>
-                  <a:schemeClr val="tx1"/>
-                </a:solidFill>
-                <a:latin typeface="Arial" panose="020B0604020202020204" pitchFamily="34" charset="0"/>
-                <a:ea typeface="굴림" panose="020B0600000101010101" pitchFamily="50" charset="-127"/>
-              </a:defRPr>
-            </a:lvl9pPr>
-          </a:lstStyle>
-          <a:p>
-            <a:fld id="{F5E2136D-1C46-473B-BBCB-2551EE6E3DA4}" type="slidenum">
-              <a:rPr lang="ko-KR" altLang="en-US" sz="1400" i="0">
-                <a:latin typeface="Times New Roman" panose="02020603050405020304" pitchFamily="18" charset="0"/>
-              </a:rPr>
-              <a:pPr/>
-              <a:t>10</a:t>
-            </a:fld>
-            <a:endParaRPr lang="en-US" altLang="ko-KR" sz="1400" i="0">
-              <a:latin typeface="Times New Roman" panose="02020603050405020304" pitchFamily="18" charset="0"/>
-            </a:endParaRPr>
-          </a:p>
-        </p:txBody>
-      </p:sp>
-    </p:spTree>
-    <p:extLst>
-      <p:ext uri="{BB962C8B-B14F-4D97-AF65-F5344CB8AC3E}">
-        <p14:creationId xmlns:p14="http://schemas.microsoft.com/office/powerpoint/2010/main" val="585963645"/>
       </p:ext>
     </p:extLst>
   </p:cSld>
@@ -6540,7 +6635,7 @@
           <a:bodyPr/>
           <a:lstStyle/>
           <a:p>
-            <a:endParaRPr lang="ko-KR" altLang="en-US" smtClean="0"/>
+            <a:endParaRPr lang="ko-KR" altLang="en-US"/>
           </a:p>
         </p:txBody>
       </p:sp>
@@ -6688,12 +6783,12 @@
           </a:lstStyle>
           <a:p>
             <a:r>
-              <a:rPr lang="ko-KR" altLang="en-US" sz="1400" i="0" smtClean="0">
+              <a:rPr lang="ko-KR" altLang="en-US" sz="1400" i="0">
                 <a:latin typeface="Times New Roman" panose="02020603050405020304" pitchFamily="18" charset="0"/>
               </a:rPr>
               <a:t>EE141</a:t>
             </a:r>
-            <a:endParaRPr lang="en-US" altLang="ko-KR" sz="1400" i="0" smtClean="0">
+            <a:endParaRPr lang="en-US" altLang="ko-KR" sz="1400" i="0">
               <a:latin typeface="Times New Roman" panose="02020603050405020304" pitchFamily="18" charset="0"/>
             </a:endParaRPr>
           </a:p>
@@ -6847,7 +6942,7 @@
                 <a:latin typeface="Times New Roman" panose="02020603050405020304" pitchFamily="18" charset="0"/>
               </a:rPr>
               <a:pPr/>
-              <a:t>11</a:t>
+              <a:t>10</a:t>
             </a:fld>
             <a:endParaRPr lang="en-US" altLang="ko-KR" sz="1400" i="0">
               <a:latin typeface="Times New Roman" panose="02020603050405020304" pitchFamily="18" charset="0"/>
@@ -6858,7 +6953,7 @@
     </p:spTree>
     <p:extLst>
       <p:ext uri="{BB962C8B-B14F-4D97-AF65-F5344CB8AC3E}">
-        <p14:creationId xmlns:p14="http://schemas.microsoft.com/office/powerpoint/2010/main" val="2756944012"/>
+        <p14:creationId xmlns:p14="http://schemas.microsoft.com/office/powerpoint/2010/main" val="585963645"/>
       </p:ext>
     </p:extLst>
   </p:cSld>
@@ -6887,7 +6982,7 @@
       </p:grpSpPr>
       <p:sp>
         <p:nvSpPr>
-          <p:cNvPr id="63490" name="슬라이드 이미지 개체 틀 1"/>
+          <p:cNvPr id="61442" name="슬라이드 이미지 개체 틀 1"/>
           <p:cNvSpPr>
             <a:spLocks noGrp="1" noRot="1" noChangeAspect="1" noTextEdit="1"/>
           </p:cNvSpPr>
@@ -6901,7 +6996,7 @@
       </p:sp>
       <p:sp>
         <p:nvSpPr>
-          <p:cNvPr id="63491" name="슬라이드 노트 개체 틀 2"/>
+          <p:cNvPr id="61443" name="슬라이드 노트 개체 틀 2"/>
           <p:cNvSpPr>
             <a:spLocks noGrp="1"/>
           </p:cNvSpPr>
@@ -6936,13 +7031,13 @@
           <a:bodyPr/>
           <a:lstStyle/>
           <a:p>
-            <a:endParaRPr lang="ko-KR" altLang="en-US" smtClean="0"/>
+            <a:endParaRPr lang="ko-KR" altLang="en-US"/>
           </a:p>
         </p:txBody>
       </p:sp>
       <p:sp>
         <p:nvSpPr>
-          <p:cNvPr id="63492" name="머리글 개체 틀 3"/>
+          <p:cNvPr id="61444" name="머리글 개체 틀 3"/>
           <p:cNvSpPr>
             <a:spLocks noGrp="1"/>
           </p:cNvSpPr>
@@ -7084,12 +7179,12 @@
           </a:lstStyle>
           <a:p>
             <a:r>
-              <a:rPr lang="ko-KR" altLang="en-US" sz="1400" i="0" smtClean="0">
+              <a:rPr lang="ko-KR" altLang="en-US" sz="1400" i="0">
                 <a:latin typeface="Times New Roman" panose="02020603050405020304" pitchFamily="18" charset="0"/>
               </a:rPr>
               <a:t>EE141</a:t>
             </a:r>
-            <a:endParaRPr lang="en-US" altLang="ko-KR" sz="1400" i="0" smtClean="0">
+            <a:endParaRPr lang="en-US" altLang="ko-KR" sz="1400" i="0">
               <a:latin typeface="Times New Roman" panose="02020603050405020304" pitchFamily="18" charset="0"/>
             </a:endParaRPr>
           </a:p>
@@ -7097,7 +7192,7 @@
       </p:sp>
       <p:sp>
         <p:nvSpPr>
-          <p:cNvPr id="63493" name="슬라이드 번호 개체 틀 4"/>
+          <p:cNvPr id="61445" name="슬라이드 번호 개체 틀 4"/>
           <p:cNvSpPr>
             <a:spLocks noGrp="1"/>
           </p:cNvSpPr>
@@ -7238,12 +7333,12 @@
             </a:lvl9pPr>
           </a:lstStyle>
           <a:p>
-            <a:fld id="{2FB1B096-FBF8-4D15-A31D-207BD44F0BC2}" type="slidenum">
+            <a:fld id="{F5E2136D-1C46-473B-BBCB-2551EE6E3DA4}" type="slidenum">
               <a:rPr lang="ko-KR" altLang="en-US" sz="1400" i="0">
                 <a:latin typeface="Times New Roman" panose="02020603050405020304" pitchFamily="18" charset="0"/>
               </a:rPr>
               <a:pPr/>
-              <a:t>12</a:t>
+              <a:t>11</a:t>
             </a:fld>
             <a:endParaRPr lang="en-US" altLang="ko-KR" sz="1400" i="0">
               <a:latin typeface="Times New Roman" panose="02020603050405020304" pitchFamily="18" charset="0"/>
@@ -7254,7 +7349,7 @@
     </p:spTree>
     <p:extLst>
       <p:ext uri="{BB962C8B-B14F-4D97-AF65-F5344CB8AC3E}">
-        <p14:creationId xmlns:p14="http://schemas.microsoft.com/office/powerpoint/2010/main" val="3790799891"/>
+        <p14:creationId xmlns:p14="http://schemas.microsoft.com/office/powerpoint/2010/main" val="2756944012"/>
       </p:ext>
     </p:extLst>
   </p:cSld>
@@ -7332,7 +7427,7 @@
           <a:bodyPr/>
           <a:lstStyle/>
           <a:p>
-            <a:endParaRPr lang="ko-KR" altLang="en-US" smtClean="0"/>
+            <a:endParaRPr lang="ko-KR" altLang="en-US"/>
           </a:p>
         </p:txBody>
       </p:sp>
@@ -7480,12 +7575,12 @@
           </a:lstStyle>
           <a:p>
             <a:r>
-              <a:rPr lang="ko-KR" altLang="en-US" sz="1400" i="0" smtClean="0">
+              <a:rPr lang="ko-KR" altLang="en-US" sz="1400" i="0">
                 <a:latin typeface="Times New Roman" panose="02020603050405020304" pitchFamily="18" charset="0"/>
               </a:rPr>
               <a:t>EE141</a:t>
             </a:r>
-            <a:endParaRPr lang="en-US" altLang="ko-KR" sz="1400" i="0" smtClean="0">
+            <a:endParaRPr lang="en-US" altLang="ko-KR" sz="1400" i="0">
               <a:latin typeface="Times New Roman" panose="02020603050405020304" pitchFamily="18" charset="0"/>
             </a:endParaRPr>
           </a:p>
@@ -7639,7 +7734,7 @@
                 <a:latin typeface="Times New Roman" panose="02020603050405020304" pitchFamily="18" charset="0"/>
               </a:rPr>
               <a:pPr/>
-              <a:t>13</a:t>
+              <a:t>12</a:t>
             </a:fld>
             <a:endParaRPr lang="en-US" altLang="ko-KR" sz="1400" i="0">
               <a:latin typeface="Times New Roman" panose="02020603050405020304" pitchFamily="18" charset="0"/>
@@ -7650,7 +7745,7 @@
     </p:spTree>
     <p:extLst>
       <p:ext uri="{BB962C8B-B14F-4D97-AF65-F5344CB8AC3E}">
-        <p14:creationId xmlns:p14="http://schemas.microsoft.com/office/powerpoint/2010/main" val="2160428315"/>
+        <p14:creationId xmlns:p14="http://schemas.microsoft.com/office/powerpoint/2010/main" val="3790799891"/>
       </p:ext>
     </p:extLst>
   </p:cSld>
@@ -7728,7 +7823,7 @@
           <a:bodyPr/>
           <a:lstStyle/>
           <a:p>
-            <a:endParaRPr lang="ko-KR" altLang="en-US" smtClean="0"/>
+            <a:endParaRPr lang="ko-KR" altLang="en-US"/>
           </a:p>
         </p:txBody>
       </p:sp>
@@ -7876,12 +7971,12 @@
           </a:lstStyle>
           <a:p>
             <a:r>
-              <a:rPr lang="ko-KR" altLang="en-US" sz="1400" i="0" smtClean="0">
+              <a:rPr lang="ko-KR" altLang="en-US" sz="1400" i="0">
                 <a:latin typeface="Times New Roman" panose="02020603050405020304" pitchFamily="18" charset="0"/>
               </a:rPr>
               <a:t>EE141</a:t>
             </a:r>
-            <a:endParaRPr lang="en-US" altLang="ko-KR" sz="1400" i="0" smtClean="0">
+            <a:endParaRPr lang="en-US" altLang="ko-KR" sz="1400" i="0">
               <a:latin typeface="Times New Roman" panose="02020603050405020304" pitchFamily="18" charset="0"/>
             </a:endParaRPr>
           </a:p>
@@ -8035,7 +8130,7 @@
                 <a:latin typeface="Times New Roman" panose="02020603050405020304" pitchFamily="18" charset="0"/>
               </a:rPr>
               <a:pPr/>
-              <a:t>14</a:t>
+              <a:t>13</a:t>
             </a:fld>
             <a:endParaRPr lang="en-US" altLang="ko-KR" sz="1400" i="0">
               <a:latin typeface="Times New Roman" panose="02020603050405020304" pitchFamily="18" charset="0"/>
@@ -8046,7 +8141,7 @@
     </p:spTree>
     <p:extLst>
       <p:ext uri="{BB962C8B-B14F-4D97-AF65-F5344CB8AC3E}">
-        <p14:creationId xmlns:p14="http://schemas.microsoft.com/office/powerpoint/2010/main" val="555170073"/>
+        <p14:creationId xmlns:p14="http://schemas.microsoft.com/office/powerpoint/2010/main" val="2160428315"/>
       </p:ext>
     </p:extLst>
   </p:cSld>
@@ -8124,7 +8219,7 @@
           <a:bodyPr/>
           <a:lstStyle/>
           <a:p>
-            <a:endParaRPr lang="ko-KR" altLang="en-US" smtClean="0"/>
+            <a:endParaRPr lang="ko-KR" altLang="en-US"/>
           </a:p>
         </p:txBody>
       </p:sp>
@@ -8272,12 +8367,12 @@
           </a:lstStyle>
           <a:p>
             <a:r>
-              <a:rPr lang="ko-KR" altLang="en-US" sz="1400" i="0" smtClean="0">
+              <a:rPr lang="ko-KR" altLang="en-US" sz="1400" i="0">
                 <a:latin typeface="Times New Roman" panose="02020603050405020304" pitchFamily="18" charset="0"/>
               </a:rPr>
               <a:t>EE141</a:t>
             </a:r>
-            <a:endParaRPr lang="en-US" altLang="ko-KR" sz="1400" i="0" smtClean="0">
+            <a:endParaRPr lang="en-US" altLang="ko-KR" sz="1400" i="0">
               <a:latin typeface="Times New Roman" panose="02020603050405020304" pitchFamily="18" charset="0"/>
             </a:endParaRPr>
           </a:p>
@@ -8431,7 +8526,7 @@
                 <a:latin typeface="Times New Roman" panose="02020603050405020304" pitchFamily="18" charset="0"/>
               </a:rPr>
               <a:pPr/>
-              <a:t>15</a:t>
+              <a:t>14</a:t>
             </a:fld>
             <a:endParaRPr lang="en-US" altLang="ko-KR" sz="1400" i="0">
               <a:latin typeface="Times New Roman" panose="02020603050405020304" pitchFamily="18" charset="0"/>
@@ -8442,7 +8537,7 @@
     </p:spTree>
     <p:extLst>
       <p:ext uri="{BB962C8B-B14F-4D97-AF65-F5344CB8AC3E}">
-        <p14:creationId xmlns:p14="http://schemas.microsoft.com/office/powerpoint/2010/main" val="950000393"/>
+        <p14:creationId xmlns:p14="http://schemas.microsoft.com/office/powerpoint/2010/main" val="555170073"/>
       </p:ext>
     </p:extLst>
   </p:cSld>
@@ -8471,7 +8566,7 @@
       </p:grpSpPr>
       <p:sp>
         <p:nvSpPr>
-          <p:cNvPr id="72706" name="슬라이드 이미지 개체 틀 1"/>
+          <p:cNvPr id="63490" name="슬라이드 이미지 개체 틀 1"/>
           <p:cNvSpPr>
             <a:spLocks noGrp="1" noRot="1" noChangeAspect="1" noTextEdit="1"/>
           </p:cNvSpPr>
@@ -8485,7 +8580,7 @@
       </p:sp>
       <p:sp>
         <p:nvSpPr>
-          <p:cNvPr id="72707" name="슬라이드 노트 개체 틀 2"/>
+          <p:cNvPr id="63491" name="슬라이드 노트 개체 틀 2"/>
           <p:cNvSpPr>
             <a:spLocks noGrp="1"/>
           </p:cNvSpPr>
@@ -8520,13 +8615,13 @@
           <a:bodyPr/>
           <a:lstStyle/>
           <a:p>
-            <a:endParaRPr lang="ko-KR" altLang="en-US" smtClean="0"/>
+            <a:endParaRPr lang="ko-KR" altLang="en-US"/>
           </a:p>
         </p:txBody>
       </p:sp>
       <p:sp>
         <p:nvSpPr>
-          <p:cNvPr id="72708" name="머리글 개체 틀 3"/>
+          <p:cNvPr id="63492" name="머리글 개체 틀 3"/>
           <p:cNvSpPr>
             <a:spLocks noGrp="1"/>
           </p:cNvSpPr>
@@ -8668,12 +8763,12 @@
           </a:lstStyle>
           <a:p>
             <a:r>
-              <a:rPr lang="ko-KR" altLang="en-US" sz="1400" i="0" smtClean="0">
+              <a:rPr lang="ko-KR" altLang="en-US" sz="1400" i="0">
                 <a:latin typeface="Times New Roman" panose="02020603050405020304" pitchFamily="18" charset="0"/>
               </a:rPr>
               <a:t>EE141</a:t>
             </a:r>
-            <a:endParaRPr lang="en-US" altLang="ko-KR" sz="1400" i="0" smtClean="0">
+            <a:endParaRPr lang="en-US" altLang="ko-KR" sz="1400" i="0">
               <a:latin typeface="Times New Roman" panose="02020603050405020304" pitchFamily="18" charset="0"/>
             </a:endParaRPr>
           </a:p>
@@ -8681,7 +8776,7 @@
       </p:sp>
       <p:sp>
         <p:nvSpPr>
-          <p:cNvPr id="72709" name="슬라이드 번호 개체 틀 4"/>
+          <p:cNvPr id="63493" name="슬라이드 번호 개체 틀 4"/>
           <p:cNvSpPr>
             <a:spLocks noGrp="1"/>
           </p:cNvSpPr>
@@ -8822,12 +8917,12 @@
             </a:lvl9pPr>
           </a:lstStyle>
           <a:p>
-            <a:fld id="{6BD783DB-E97E-43E8-9614-A723E5875D49}" type="slidenum">
+            <a:fld id="{2FB1B096-FBF8-4D15-A31D-207BD44F0BC2}" type="slidenum">
               <a:rPr lang="ko-KR" altLang="en-US" sz="1400" i="0">
                 <a:latin typeface="Times New Roman" panose="02020603050405020304" pitchFamily="18" charset="0"/>
               </a:rPr>
               <a:pPr/>
-              <a:t>16</a:t>
+              <a:t>15</a:t>
             </a:fld>
             <a:endParaRPr lang="en-US" altLang="ko-KR" sz="1400" i="0">
               <a:latin typeface="Times New Roman" panose="02020603050405020304" pitchFamily="18" charset="0"/>
@@ -8838,7 +8933,7 @@
     </p:spTree>
     <p:extLst>
       <p:ext uri="{BB962C8B-B14F-4D97-AF65-F5344CB8AC3E}">
-        <p14:creationId xmlns:p14="http://schemas.microsoft.com/office/powerpoint/2010/main" val="263302793"/>
+        <p14:creationId xmlns:p14="http://schemas.microsoft.com/office/powerpoint/2010/main" val="950000393"/>
       </p:ext>
     </p:extLst>
   </p:cSld>
@@ -9013,7 +9108,7 @@
             <a:pPr eaLnBrk="1" latinLnBrk="1" hangingPunct="1">
               <a:defRPr/>
             </a:pPr>
-            <a:endParaRPr lang="ko-KR" altLang="ko-KR" sz="1800" smtClean="0">
+            <a:endParaRPr lang="ko-KR" altLang="ko-KR" sz="1800">
               <a:solidFill>
                 <a:schemeClr val="bg1"/>
               </a:solidFill>
@@ -9338,14 +9433,14 @@
               <a:defRPr/>
             </a:pPr>
             <a:r>
-              <a:rPr lang="en-US" altLang="ko-KR" sz="1600" i="1" smtClean="0">
+              <a:rPr lang="en-US" altLang="ko-KR" sz="1600" i="1">
                 <a:solidFill>
                   <a:schemeClr val="bg1"/>
                 </a:solidFill>
               </a:rPr>
               <a:t>Pusan National University </a:t>
             </a:r>
-            <a:endParaRPr lang="en-US" altLang="ko-KR" sz="1000" smtClean="0">
+            <a:endParaRPr lang="en-US" altLang="ko-KR" sz="1000">
               <a:solidFill>
                 <a:schemeClr val="bg1"/>
               </a:solidFill>
@@ -9832,7 +9927,7 @@
               <a:defRPr/>
             </a:pPr>
             <a:r>
-              <a:rPr lang="en-US" altLang="ko-KR" sz="3400" i="1" smtClean="0">
+              <a:rPr lang="en-US" altLang="ko-KR" sz="3400" i="1">
                 <a:solidFill>
                   <a:srgbClr val="99CC00"/>
                 </a:solidFill>
@@ -9999,7 +10094,7 @@
               <a:defRPr/>
             </a:pPr>
             <a:r>
-              <a:rPr lang="en-US" altLang="ko-KR" sz="4600" i="1" smtClean="0">
+              <a:rPr lang="en-US" altLang="ko-KR" sz="4600" i="1">
                 <a:latin typeface="Arial Black" pitchFamily="34" charset="0"/>
               </a:rPr>
               <a:t>PNU</a:t>
@@ -10163,7 +10258,7 @@
               <a:defRPr/>
             </a:pPr>
             <a:r>
-              <a:rPr lang="en-US" altLang="ko-KR" sz="1600" i="1" smtClean="0">
+              <a:rPr lang="en-US" altLang="ko-KR" sz="1600" i="1">
                 <a:solidFill>
                   <a:schemeClr val="bg2"/>
                 </a:solidFill>
@@ -10172,7 +10267,7 @@
               <a:t> </a:t>
             </a:r>
             <a:r>
-              <a:rPr lang="ko-KR" altLang="en-US" sz="1600" i="1" smtClean="0">
+              <a:rPr lang="ko-KR" altLang="en-US" sz="1600" i="1">
                 <a:solidFill>
                   <a:schemeClr val="bg2"/>
                 </a:solidFill>
@@ -10296,7 +10391,18 @@
   <p:clrMapOvr>
     <a:masterClrMapping/>
   </p:clrMapOvr>
-  <p:transition spd="med"/>
+  <mc:AlternateContent xmlns:mc="http://schemas.openxmlformats.org/markup-compatibility/2006">
+    <mc:Choice xmlns:p159="http://schemas.microsoft.com/office/powerpoint/2015/09/main" Requires="p159">
+      <p:transition>
+        <p159:morph option="byChar"/>
+      </p:transition>
+    </mc:Choice>
+    <mc:Fallback>
+      <p:transition>
+        <p:fade/>
+      </p:transition>
+    </mc:Fallback>
+  </mc:AlternateContent>
 </p:sldLayout>
 </file>
 
@@ -10338,10 +10444,9 @@
           <a:lstStyle/>
           <a:p>
             <a:r>
-              <a:rPr lang="ko-KR" altLang="en-US" smtClean="0"/>
+              <a:rPr lang="ko-KR" altLang="en-US"/>
               <a:t>마스터 제목 스타일 편집</a:t>
             </a:r>
-            <a:endParaRPr lang="ko-KR" altLang="en-US"/>
           </a:p>
         </p:txBody>
       </p:sp>
@@ -10367,38 +10472,37 @@
           <a:p>
             <a:pPr lvl="0"/>
             <a:r>
-              <a:rPr lang="ko-KR" altLang="en-US" smtClean="0"/>
+              <a:rPr lang="ko-KR" altLang="en-US"/>
               <a:t>마스터 텍스트 스타일을 편집합니다</a:t>
             </a:r>
           </a:p>
           <a:p>
             <a:pPr lvl="1"/>
             <a:r>
-              <a:rPr lang="ko-KR" altLang="en-US" smtClean="0"/>
+              <a:rPr lang="ko-KR" altLang="en-US"/>
               <a:t>둘째 수준</a:t>
             </a:r>
           </a:p>
           <a:p>
             <a:pPr lvl="2"/>
             <a:r>
-              <a:rPr lang="ko-KR" altLang="en-US" smtClean="0"/>
+              <a:rPr lang="ko-KR" altLang="en-US"/>
               <a:t>셋째 수준</a:t>
             </a:r>
           </a:p>
           <a:p>
             <a:pPr lvl="3"/>
             <a:r>
-              <a:rPr lang="ko-KR" altLang="en-US" smtClean="0"/>
+              <a:rPr lang="ko-KR" altLang="en-US"/>
               <a:t>넷째 수준</a:t>
             </a:r>
           </a:p>
           <a:p>
             <a:pPr lvl="4"/>
             <a:r>
-              <a:rPr lang="ko-KR" altLang="en-US" smtClean="0"/>
+              <a:rPr lang="ko-KR" altLang="en-US"/>
               <a:t>다섯째 수준</a:t>
             </a:r>
-            <a:endParaRPr lang="ko-KR" altLang="en-US"/>
           </a:p>
         </p:txBody>
       </p:sp>
@@ -10412,7 +10516,18 @@
   <p:clrMapOvr>
     <a:masterClrMapping/>
   </p:clrMapOvr>
-  <p:transition spd="med"/>
+  <mc:AlternateContent xmlns:mc="http://schemas.openxmlformats.org/markup-compatibility/2006">
+    <mc:Choice xmlns:p159="http://schemas.microsoft.com/office/powerpoint/2015/09/main" Requires="p159">
+      <p:transition>
+        <p159:morph option="byChar"/>
+      </p:transition>
+    </mc:Choice>
+    <mc:Fallback>
+      <p:transition>
+        <p:fade/>
+      </p:transition>
+    </mc:Fallback>
+  </mc:AlternateContent>
 </p:sldLayout>
 </file>
 
@@ -10454,10 +10569,9 @@
           <a:lstStyle/>
           <a:p>
             <a:r>
-              <a:rPr lang="ko-KR" altLang="en-US" smtClean="0"/>
+              <a:rPr lang="ko-KR" altLang="en-US"/>
               <a:t>마스터 제목 스타일 편집</a:t>
             </a:r>
-            <a:endParaRPr lang="ko-KR" altLang="en-US"/>
           </a:p>
         </p:txBody>
       </p:sp>
@@ -10483,38 +10597,37 @@
           <a:p>
             <a:pPr lvl="0"/>
             <a:r>
-              <a:rPr lang="ko-KR" altLang="en-US" smtClean="0"/>
+              <a:rPr lang="ko-KR" altLang="en-US"/>
               <a:t>마스터 텍스트 스타일을 편집합니다</a:t>
             </a:r>
           </a:p>
           <a:p>
             <a:pPr lvl="1"/>
             <a:r>
-              <a:rPr lang="ko-KR" altLang="en-US" smtClean="0"/>
+              <a:rPr lang="ko-KR" altLang="en-US"/>
               <a:t>둘째 수준</a:t>
             </a:r>
           </a:p>
           <a:p>
             <a:pPr lvl="2"/>
             <a:r>
-              <a:rPr lang="ko-KR" altLang="en-US" smtClean="0"/>
+              <a:rPr lang="ko-KR" altLang="en-US"/>
               <a:t>셋째 수준</a:t>
             </a:r>
           </a:p>
           <a:p>
             <a:pPr lvl="3"/>
             <a:r>
-              <a:rPr lang="ko-KR" altLang="en-US" smtClean="0"/>
+              <a:rPr lang="ko-KR" altLang="en-US"/>
               <a:t>넷째 수준</a:t>
             </a:r>
           </a:p>
           <a:p>
             <a:pPr lvl="4"/>
             <a:r>
-              <a:rPr lang="ko-KR" altLang="en-US" smtClean="0"/>
+              <a:rPr lang="ko-KR" altLang="en-US"/>
               <a:t>다섯째 수준</a:t>
             </a:r>
-            <a:endParaRPr lang="ko-KR" altLang="en-US"/>
           </a:p>
         </p:txBody>
       </p:sp>
@@ -10540,38 +10653,37 @@
           <a:p>
             <a:pPr lvl="0"/>
             <a:r>
-              <a:rPr lang="ko-KR" altLang="en-US" smtClean="0"/>
+              <a:rPr lang="ko-KR" altLang="en-US"/>
               <a:t>마스터 텍스트 스타일을 편집합니다</a:t>
             </a:r>
           </a:p>
           <a:p>
             <a:pPr lvl="1"/>
             <a:r>
-              <a:rPr lang="ko-KR" altLang="en-US" smtClean="0"/>
+              <a:rPr lang="ko-KR" altLang="en-US"/>
               <a:t>둘째 수준</a:t>
             </a:r>
           </a:p>
           <a:p>
             <a:pPr lvl="2"/>
             <a:r>
-              <a:rPr lang="ko-KR" altLang="en-US" smtClean="0"/>
+              <a:rPr lang="ko-KR" altLang="en-US"/>
               <a:t>셋째 수준</a:t>
             </a:r>
           </a:p>
           <a:p>
             <a:pPr lvl="3"/>
             <a:r>
-              <a:rPr lang="ko-KR" altLang="en-US" smtClean="0"/>
+              <a:rPr lang="ko-KR" altLang="en-US"/>
               <a:t>넷째 수준</a:t>
             </a:r>
           </a:p>
           <a:p>
             <a:pPr lvl="4"/>
             <a:r>
-              <a:rPr lang="ko-KR" altLang="en-US" smtClean="0"/>
+              <a:rPr lang="ko-KR" altLang="en-US"/>
               <a:t>다섯째 수준</a:t>
             </a:r>
-            <a:endParaRPr lang="ko-KR" altLang="en-US"/>
           </a:p>
         </p:txBody>
       </p:sp>
@@ -10585,7 +10697,18 @@
   <p:clrMapOvr>
     <a:masterClrMapping/>
   </p:clrMapOvr>
-  <p:transition spd="med"/>
+  <mc:AlternateContent xmlns:mc="http://schemas.openxmlformats.org/markup-compatibility/2006">
+    <mc:Choice xmlns:p159="http://schemas.microsoft.com/office/powerpoint/2015/09/main" Requires="p159">
+      <p:transition>
+        <p159:morph option="byChar"/>
+      </p:transition>
+    </mc:Choice>
+    <mc:Fallback>
+      <p:transition>
+        <p:fade/>
+      </p:transition>
+    </mc:Fallback>
+  </mc:AlternateContent>
 </p:sldLayout>
 </file>
 
@@ -10627,10 +10750,9 @@
           <a:lstStyle/>
           <a:p>
             <a:r>
-              <a:rPr lang="ko-KR" altLang="en-US" smtClean="0"/>
+              <a:rPr lang="ko-KR" altLang="en-US"/>
               <a:t>마스터 제목 스타일 편집</a:t>
             </a:r>
-            <a:endParaRPr lang="ko-KR" altLang="en-US"/>
           </a:p>
         </p:txBody>
       </p:sp>
@@ -10656,38 +10778,37 @@
           <a:p>
             <a:pPr lvl="0"/>
             <a:r>
-              <a:rPr lang="ko-KR" altLang="en-US" smtClean="0"/>
+              <a:rPr lang="ko-KR" altLang="en-US"/>
               <a:t>마스터 텍스트 스타일을 편집합니다</a:t>
             </a:r>
           </a:p>
           <a:p>
             <a:pPr lvl="1"/>
             <a:r>
-              <a:rPr lang="ko-KR" altLang="en-US" smtClean="0"/>
+              <a:rPr lang="ko-KR" altLang="en-US"/>
               <a:t>둘째 수준</a:t>
             </a:r>
           </a:p>
           <a:p>
             <a:pPr lvl="2"/>
             <a:r>
-              <a:rPr lang="ko-KR" altLang="en-US" smtClean="0"/>
+              <a:rPr lang="ko-KR" altLang="en-US"/>
               <a:t>셋째 수준</a:t>
             </a:r>
           </a:p>
           <a:p>
             <a:pPr lvl="3"/>
             <a:r>
-              <a:rPr lang="ko-KR" altLang="en-US" smtClean="0"/>
+              <a:rPr lang="ko-KR" altLang="en-US"/>
               <a:t>넷째 수준</a:t>
             </a:r>
           </a:p>
           <a:p>
             <a:pPr lvl="4"/>
             <a:r>
-              <a:rPr lang="ko-KR" altLang="en-US" smtClean="0"/>
+              <a:rPr lang="ko-KR" altLang="en-US"/>
               <a:t>다섯째 수준</a:t>
             </a:r>
-            <a:endParaRPr lang="ko-KR" altLang="en-US"/>
           </a:p>
         </p:txBody>
       </p:sp>
@@ -10713,38 +10834,37 @@
           <a:p>
             <a:pPr lvl="0"/>
             <a:r>
-              <a:rPr lang="ko-KR" altLang="en-US" smtClean="0"/>
+              <a:rPr lang="ko-KR" altLang="en-US"/>
               <a:t>마스터 텍스트 스타일을 편집합니다</a:t>
             </a:r>
           </a:p>
           <a:p>
             <a:pPr lvl="1"/>
             <a:r>
-              <a:rPr lang="ko-KR" altLang="en-US" smtClean="0"/>
+              <a:rPr lang="ko-KR" altLang="en-US"/>
               <a:t>둘째 수준</a:t>
             </a:r>
           </a:p>
           <a:p>
             <a:pPr lvl="2"/>
             <a:r>
-              <a:rPr lang="ko-KR" altLang="en-US" smtClean="0"/>
+              <a:rPr lang="ko-KR" altLang="en-US"/>
               <a:t>셋째 수준</a:t>
             </a:r>
           </a:p>
           <a:p>
             <a:pPr lvl="3"/>
             <a:r>
-              <a:rPr lang="ko-KR" altLang="en-US" smtClean="0"/>
+              <a:rPr lang="ko-KR" altLang="en-US"/>
               <a:t>넷째 수준</a:t>
             </a:r>
           </a:p>
           <a:p>
             <a:pPr lvl="4"/>
             <a:r>
-              <a:rPr lang="ko-KR" altLang="en-US" smtClean="0"/>
+              <a:rPr lang="ko-KR" altLang="en-US"/>
               <a:t>다섯째 수준</a:t>
             </a:r>
-            <a:endParaRPr lang="ko-KR" altLang="en-US"/>
           </a:p>
         </p:txBody>
       </p:sp>
@@ -10770,38 +10890,37 @@
           <a:p>
             <a:pPr lvl="0"/>
             <a:r>
-              <a:rPr lang="ko-KR" altLang="en-US" smtClean="0"/>
+              <a:rPr lang="ko-KR" altLang="en-US"/>
               <a:t>마스터 텍스트 스타일을 편집합니다</a:t>
             </a:r>
           </a:p>
           <a:p>
             <a:pPr lvl="1"/>
             <a:r>
-              <a:rPr lang="ko-KR" altLang="en-US" smtClean="0"/>
+              <a:rPr lang="ko-KR" altLang="en-US"/>
               <a:t>둘째 수준</a:t>
             </a:r>
           </a:p>
           <a:p>
             <a:pPr lvl="2"/>
             <a:r>
-              <a:rPr lang="ko-KR" altLang="en-US" smtClean="0"/>
+              <a:rPr lang="ko-KR" altLang="en-US"/>
               <a:t>셋째 수준</a:t>
             </a:r>
           </a:p>
           <a:p>
             <a:pPr lvl="3"/>
             <a:r>
-              <a:rPr lang="ko-KR" altLang="en-US" smtClean="0"/>
+              <a:rPr lang="ko-KR" altLang="en-US"/>
               <a:t>넷째 수준</a:t>
             </a:r>
           </a:p>
           <a:p>
             <a:pPr lvl="4"/>
             <a:r>
-              <a:rPr lang="ko-KR" altLang="en-US" smtClean="0"/>
+              <a:rPr lang="ko-KR" altLang="en-US"/>
               <a:t>다섯째 수준</a:t>
             </a:r>
-            <a:endParaRPr lang="ko-KR" altLang="en-US"/>
           </a:p>
         </p:txBody>
       </p:sp>
@@ -10815,7 +10934,18 @@
   <p:clrMapOvr>
     <a:masterClrMapping/>
   </p:clrMapOvr>
-  <p:transition spd="med"/>
+  <mc:AlternateContent xmlns:mc="http://schemas.openxmlformats.org/markup-compatibility/2006">
+    <mc:Choice xmlns:p159="http://schemas.microsoft.com/office/powerpoint/2015/09/main" Requires="p159">
+      <p:transition>
+        <p159:morph option="byChar"/>
+      </p:transition>
+    </mc:Choice>
+    <mc:Fallback>
+      <p:transition>
+        <p:fade/>
+      </p:transition>
+    </mc:Fallback>
+  </mc:AlternateContent>
 </p:sldLayout>
 </file>
 
@@ -10857,10 +10987,9 @@
           <a:lstStyle/>
           <a:p>
             <a:r>
-              <a:rPr lang="ko-KR" altLang="en-US" smtClean="0"/>
+              <a:rPr lang="ko-KR" altLang="en-US"/>
               <a:t>마스터 제목 스타일 편집</a:t>
             </a:r>
-            <a:endParaRPr lang="ko-KR" altLang="en-US"/>
           </a:p>
         </p:txBody>
       </p:sp>
@@ -10922,10 +11051,9 @@
           </a:lstStyle>
           <a:p>
             <a:r>
-              <a:rPr lang="ko-KR" altLang="en-US" smtClean="0"/>
+              <a:rPr lang="ko-KR" altLang="en-US"/>
               <a:t>마스터 부제목 스타일 편집</a:t>
             </a:r>
-            <a:endParaRPr lang="ko-KR" altLang="en-US"/>
           </a:p>
         </p:txBody>
       </p:sp>
@@ -10939,7 +11067,18 @@
   <p:clrMapOvr>
     <a:masterClrMapping/>
   </p:clrMapOvr>
-  <p:transition spd="med"/>
+  <mc:AlternateContent xmlns:mc="http://schemas.openxmlformats.org/markup-compatibility/2006">
+    <mc:Choice xmlns:p159="http://schemas.microsoft.com/office/powerpoint/2015/09/main" Requires="p159">
+      <p:transition>
+        <p159:morph option="byChar"/>
+      </p:transition>
+    </mc:Choice>
+    <mc:Fallback>
+      <p:transition>
+        <p:fade/>
+      </p:transition>
+    </mc:Fallback>
+  </mc:AlternateContent>
 </p:sldLayout>
 </file>
 
@@ -10976,10 +11115,9 @@
           <a:lstStyle/>
           <a:p>
             <a:r>
-              <a:rPr lang="ko-KR" altLang="en-US" smtClean="0"/>
+              <a:rPr lang="ko-KR" altLang="en-US"/>
               <a:t>마스터 제목 스타일 편집</a:t>
             </a:r>
-            <a:endParaRPr lang="ko-KR" altLang="en-US"/>
           </a:p>
         </p:txBody>
       </p:sp>
@@ -11000,38 +11138,37 @@
           <a:p>
             <a:pPr lvl="0"/>
             <a:r>
-              <a:rPr lang="ko-KR" altLang="en-US" smtClean="0"/>
+              <a:rPr lang="ko-KR" altLang="en-US"/>
               <a:t>마스터 텍스트 스타일을 편집합니다</a:t>
             </a:r>
           </a:p>
           <a:p>
             <a:pPr lvl="1"/>
             <a:r>
-              <a:rPr lang="ko-KR" altLang="en-US" smtClean="0"/>
+              <a:rPr lang="ko-KR" altLang="en-US"/>
               <a:t>둘째 수준</a:t>
             </a:r>
           </a:p>
           <a:p>
             <a:pPr lvl="2"/>
             <a:r>
-              <a:rPr lang="ko-KR" altLang="en-US" smtClean="0"/>
+              <a:rPr lang="ko-KR" altLang="en-US"/>
               <a:t>셋째 수준</a:t>
             </a:r>
           </a:p>
           <a:p>
             <a:pPr lvl="3"/>
             <a:r>
-              <a:rPr lang="ko-KR" altLang="en-US" smtClean="0"/>
+              <a:rPr lang="ko-KR" altLang="en-US"/>
               <a:t>넷째 수준</a:t>
             </a:r>
           </a:p>
           <a:p>
             <a:pPr lvl="4"/>
             <a:r>
-              <a:rPr lang="ko-KR" altLang="en-US" smtClean="0"/>
+              <a:rPr lang="ko-KR" altLang="en-US"/>
               <a:t>다섯째 수준</a:t>
             </a:r>
-            <a:endParaRPr lang="ko-KR" altLang="en-US"/>
           </a:p>
         </p:txBody>
       </p:sp>
@@ -11045,7 +11182,18 @@
   <p:clrMapOvr>
     <a:masterClrMapping/>
   </p:clrMapOvr>
-  <p:transition spd="med"/>
+  <mc:AlternateContent xmlns:mc="http://schemas.openxmlformats.org/markup-compatibility/2006">
+    <mc:Choice xmlns:p159="http://schemas.microsoft.com/office/powerpoint/2015/09/main" Requires="p159">
+      <p:transition>
+        <p159:morph option="byChar"/>
+      </p:transition>
+    </mc:Choice>
+    <mc:Fallback>
+      <p:transition>
+        <p:fade/>
+      </p:transition>
+    </mc:Fallback>
+  </mc:AlternateContent>
 </p:sldLayout>
 </file>
 
@@ -11091,10 +11239,9 @@
           </a:lstStyle>
           <a:p>
             <a:r>
-              <a:rPr lang="ko-KR" altLang="en-US" smtClean="0"/>
+              <a:rPr lang="ko-KR" altLang="en-US"/>
               <a:t>마스터 제목 스타일 편집</a:t>
             </a:r>
-            <a:endParaRPr lang="ko-KR" altLang="en-US"/>
           </a:p>
         </p:txBody>
       </p:sp>
@@ -11157,7 +11304,7 @@
           <a:p>
             <a:pPr lvl="0"/>
             <a:r>
-              <a:rPr lang="ko-KR" altLang="en-US" smtClean="0"/>
+              <a:rPr lang="ko-KR" altLang="en-US"/>
               <a:t>마스터 텍스트 스타일을 편집합니다</a:t>
             </a:r>
           </a:p>
@@ -11173,7 +11320,18 @@
   <p:clrMapOvr>
     <a:masterClrMapping/>
   </p:clrMapOvr>
-  <p:transition spd="med"/>
+  <mc:AlternateContent xmlns:mc="http://schemas.openxmlformats.org/markup-compatibility/2006">
+    <mc:Choice xmlns:p159="http://schemas.microsoft.com/office/powerpoint/2015/09/main" Requires="p159">
+      <p:transition>
+        <p159:morph option="byChar"/>
+      </p:transition>
+    </mc:Choice>
+    <mc:Fallback>
+      <p:transition>
+        <p:fade/>
+      </p:transition>
+    </mc:Fallback>
+  </mc:AlternateContent>
 </p:sldLayout>
 </file>
 
@@ -11210,10 +11368,9 @@
           <a:lstStyle/>
           <a:p>
             <a:r>
-              <a:rPr lang="ko-KR" altLang="en-US" smtClean="0"/>
+              <a:rPr lang="ko-KR" altLang="en-US"/>
               <a:t>마스터 제목 스타일 편집</a:t>
             </a:r>
-            <a:endParaRPr lang="ko-KR" altLang="en-US"/>
           </a:p>
         </p:txBody>
       </p:sp>
@@ -11267,38 +11424,37 @@
           <a:p>
             <a:pPr lvl="0"/>
             <a:r>
-              <a:rPr lang="ko-KR" altLang="en-US" smtClean="0"/>
+              <a:rPr lang="ko-KR" altLang="en-US"/>
               <a:t>마스터 텍스트 스타일을 편집합니다</a:t>
             </a:r>
           </a:p>
           <a:p>
             <a:pPr lvl="1"/>
             <a:r>
-              <a:rPr lang="ko-KR" altLang="en-US" smtClean="0"/>
+              <a:rPr lang="ko-KR" altLang="en-US"/>
               <a:t>둘째 수준</a:t>
             </a:r>
           </a:p>
           <a:p>
             <a:pPr lvl="2"/>
             <a:r>
-              <a:rPr lang="ko-KR" altLang="en-US" smtClean="0"/>
+              <a:rPr lang="ko-KR" altLang="en-US"/>
               <a:t>셋째 수준</a:t>
             </a:r>
           </a:p>
           <a:p>
             <a:pPr lvl="3"/>
             <a:r>
-              <a:rPr lang="ko-KR" altLang="en-US" smtClean="0"/>
+              <a:rPr lang="ko-KR" altLang="en-US"/>
               <a:t>넷째 수준</a:t>
             </a:r>
           </a:p>
           <a:p>
             <a:pPr lvl="4"/>
             <a:r>
-              <a:rPr lang="ko-KR" altLang="en-US" smtClean="0"/>
+              <a:rPr lang="ko-KR" altLang="en-US"/>
               <a:t>다섯째 수준</a:t>
             </a:r>
-            <a:endParaRPr lang="ko-KR" altLang="en-US"/>
           </a:p>
         </p:txBody>
       </p:sp>
@@ -11352,38 +11508,37 @@
           <a:p>
             <a:pPr lvl="0"/>
             <a:r>
-              <a:rPr lang="ko-KR" altLang="en-US" smtClean="0"/>
+              <a:rPr lang="ko-KR" altLang="en-US"/>
               <a:t>마스터 텍스트 스타일을 편집합니다</a:t>
             </a:r>
           </a:p>
           <a:p>
             <a:pPr lvl="1"/>
             <a:r>
-              <a:rPr lang="ko-KR" altLang="en-US" smtClean="0"/>
+              <a:rPr lang="ko-KR" altLang="en-US"/>
               <a:t>둘째 수준</a:t>
             </a:r>
           </a:p>
           <a:p>
             <a:pPr lvl="2"/>
             <a:r>
-              <a:rPr lang="ko-KR" altLang="en-US" smtClean="0"/>
+              <a:rPr lang="ko-KR" altLang="en-US"/>
               <a:t>셋째 수준</a:t>
             </a:r>
           </a:p>
           <a:p>
             <a:pPr lvl="3"/>
             <a:r>
-              <a:rPr lang="ko-KR" altLang="en-US" smtClean="0"/>
+              <a:rPr lang="ko-KR" altLang="en-US"/>
               <a:t>넷째 수준</a:t>
             </a:r>
           </a:p>
           <a:p>
             <a:pPr lvl="4"/>
             <a:r>
-              <a:rPr lang="ko-KR" altLang="en-US" smtClean="0"/>
+              <a:rPr lang="ko-KR" altLang="en-US"/>
               <a:t>다섯째 수준</a:t>
             </a:r>
-            <a:endParaRPr lang="ko-KR" altLang="en-US"/>
           </a:p>
         </p:txBody>
       </p:sp>
@@ -11397,7 +11552,18 @@
   <p:clrMapOvr>
     <a:masterClrMapping/>
   </p:clrMapOvr>
-  <p:transition spd="med"/>
+  <mc:AlternateContent xmlns:mc="http://schemas.openxmlformats.org/markup-compatibility/2006">
+    <mc:Choice xmlns:p159="http://schemas.microsoft.com/office/powerpoint/2015/09/main" Requires="p159">
+      <p:transition>
+        <p159:morph option="byChar"/>
+      </p:transition>
+    </mc:Choice>
+    <mc:Fallback>
+      <p:transition>
+        <p:fade/>
+      </p:transition>
+    </mc:Fallback>
+  </mc:AlternateContent>
 </p:sldLayout>
 </file>
 
@@ -11443,10 +11609,9 @@
           </a:lstStyle>
           <a:p>
             <a:r>
-              <a:rPr lang="ko-KR" altLang="en-US" smtClean="0"/>
+              <a:rPr lang="ko-KR" altLang="en-US"/>
               <a:t>마스터 제목 스타일 편집</a:t>
             </a:r>
-            <a:endParaRPr lang="ko-KR" altLang="en-US"/>
           </a:p>
         </p:txBody>
       </p:sp>
@@ -11509,7 +11674,7 @@
           <a:p>
             <a:pPr lvl="0"/>
             <a:r>
-              <a:rPr lang="ko-KR" altLang="en-US" smtClean="0"/>
+              <a:rPr lang="ko-KR" altLang="en-US"/>
               <a:t>마스터 텍스트 스타일을 편집합니다</a:t>
             </a:r>
           </a:p>
@@ -11565,38 +11730,37 @@
           <a:p>
             <a:pPr lvl="0"/>
             <a:r>
-              <a:rPr lang="ko-KR" altLang="en-US" smtClean="0"/>
+              <a:rPr lang="ko-KR" altLang="en-US"/>
               <a:t>마스터 텍스트 스타일을 편집합니다</a:t>
             </a:r>
           </a:p>
           <a:p>
             <a:pPr lvl="1"/>
             <a:r>
-              <a:rPr lang="ko-KR" altLang="en-US" smtClean="0"/>
+              <a:rPr lang="ko-KR" altLang="en-US"/>
               <a:t>둘째 수준</a:t>
             </a:r>
           </a:p>
           <a:p>
             <a:pPr lvl="2"/>
             <a:r>
-              <a:rPr lang="ko-KR" altLang="en-US" smtClean="0"/>
+              <a:rPr lang="ko-KR" altLang="en-US"/>
               <a:t>셋째 수준</a:t>
             </a:r>
           </a:p>
           <a:p>
             <a:pPr lvl="3"/>
             <a:r>
-              <a:rPr lang="ko-KR" altLang="en-US" smtClean="0"/>
+              <a:rPr lang="ko-KR" altLang="en-US"/>
               <a:t>넷째 수준</a:t>
             </a:r>
           </a:p>
           <a:p>
             <a:pPr lvl="4"/>
             <a:r>
-              <a:rPr lang="ko-KR" altLang="en-US" smtClean="0"/>
+              <a:rPr lang="ko-KR" altLang="en-US"/>
               <a:t>다섯째 수준</a:t>
             </a:r>
-            <a:endParaRPr lang="ko-KR" altLang="en-US"/>
           </a:p>
         </p:txBody>
       </p:sp>
@@ -11659,7 +11823,7 @@
           <a:p>
             <a:pPr lvl="0"/>
             <a:r>
-              <a:rPr lang="ko-KR" altLang="en-US" smtClean="0"/>
+              <a:rPr lang="ko-KR" altLang="en-US"/>
               <a:t>마스터 텍스트 스타일을 편집합니다</a:t>
             </a:r>
           </a:p>
@@ -11715,38 +11879,37 @@
           <a:p>
             <a:pPr lvl="0"/>
             <a:r>
-              <a:rPr lang="ko-KR" altLang="en-US" smtClean="0"/>
+              <a:rPr lang="ko-KR" altLang="en-US"/>
               <a:t>마스터 텍스트 스타일을 편집합니다</a:t>
             </a:r>
           </a:p>
           <a:p>
             <a:pPr lvl="1"/>
             <a:r>
-              <a:rPr lang="ko-KR" altLang="en-US" smtClean="0"/>
+              <a:rPr lang="ko-KR" altLang="en-US"/>
               <a:t>둘째 수준</a:t>
             </a:r>
           </a:p>
           <a:p>
             <a:pPr lvl="2"/>
             <a:r>
-              <a:rPr lang="ko-KR" altLang="en-US" smtClean="0"/>
+              <a:rPr lang="ko-KR" altLang="en-US"/>
               <a:t>셋째 수준</a:t>
             </a:r>
           </a:p>
           <a:p>
             <a:pPr lvl="3"/>
             <a:r>
-              <a:rPr lang="ko-KR" altLang="en-US" smtClean="0"/>
+              <a:rPr lang="ko-KR" altLang="en-US"/>
               <a:t>넷째 수준</a:t>
             </a:r>
           </a:p>
           <a:p>
             <a:pPr lvl="4"/>
             <a:r>
-              <a:rPr lang="ko-KR" altLang="en-US" smtClean="0"/>
+              <a:rPr lang="ko-KR" altLang="en-US"/>
               <a:t>다섯째 수준</a:t>
             </a:r>
-            <a:endParaRPr lang="ko-KR" altLang="en-US"/>
           </a:p>
         </p:txBody>
       </p:sp>
@@ -11760,7 +11923,18 @@
   <p:clrMapOvr>
     <a:masterClrMapping/>
   </p:clrMapOvr>
-  <p:transition spd="med"/>
+  <mc:AlternateContent xmlns:mc="http://schemas.openxmlformats.org/markup-compatibility/2006">
+    <mc:Choice xmlns:p159="http://schemas.microsoft.com/office/powerpoint/2015/09/main" Requires="p159">
+      <p:transition>
+        <p159:morph option="byChar"/>
+      </p:transition>
+    </mc:Choice>
+    <mc:Fallback>
+      <p:transition>
+        <p:fade/>
+      </p:transition>
+    </mc:Fallback>
+  </mc:AlternateContent>
 </p:sldLayout>
 </file>
 
@@ -11797,10 +11971,9 @@
           <a:lstStyle/>
           <a:p>
             <a:r>
-              <a:rPr lang="ko-KR" altLang="en-US" smtClean="0"/>
+              <a:rPr lang="ko-KR" altLang="en-US"/>
               <a:t>마스터 제목 스타일 편집</a:t>
             </a:r>
-            <a:endParaRPr lang="ko-KR" altLang="en-US"/>
           </a:p>
         </p:txBody>
       </p:sp>
@@ -11814,7 +11987,18 @@
   <p:clrMapOvr>
     <a:masterClrMapping/>
   </p:clrMapOvr>
-  <p:transition spd="med"/>
+  <mc:AlternateContent xmlns:mc="http://schemas.openxmlformats.org/markup-compatibility/2006">
+    <mc:Choice xmlns:p159="http://schemas.microsoft.com/office/powerpoint/2015/09/main" Requires="p159">
+      <p:transition>
+        <p159:morph option="byChar"/>
+      </p:transition>
+    </mc:Choice>
+    <mc:Fallback>
+      <p:transition>
+        <p:fade/>
+      </p:transition>
+    </mc:Fallback>
+  </mc:AlternateContent>
 </p:sldLayout>
 </file>
 
@@ -11845,7 +12029,18 @@
   <p:clrMapOvr>
     <a:masterClrMapping/>
   </p:clrMapOvr>
-  <p:transition spd="med"/>
+  <mc:AlternateContent xmlns:mc="http://schemas.openxmlformats.org/markup-compatibility/2006">
+    <mc:Choice xmlns:p159="http://schemas.microsoft.com/office/powerpoint/2015/09/main" Requires="p159">
+      <p:transition>
+        <p159:morph option="byChar"/>
+      </p:transition>
+    </mc:Choice>
+    <mc:Fallback>
+      <p:transition>
+        <p:fade/>
+      </p:transition>
+    </mc:Fallback>
+  </mc:AlternateContent>
 </p:sldLayout>
 </file>
 
@@ -11922,10 +12117,9 @@
           </a:lstStyle>
           <a:p>
             <a:r>
-              <a:rPr lang="ko-KR" altLang="en-US" smtClean="0"/>
+              <a:rPr lang="ko-KR" altLang="en-US"/>
               <a:t>마스터 제목 스타일 편집</a:t>
             </a:r>
-            <a:endParaRPr lang="ko-KR" altLang="en-US"/>
           </a:p>
         </p:txBody>
       </p:sp>
@@ -11982,38 +12176,37 @@
           <a:p>
             <a:pPr lvl="0"/>
             <a:r>
-              <a:rPr lang="ko-KR" altLang="en-US" dirty="0" smtClean="0"/>
+              <a:rPr lang="ko-KR" altLang="en-US" dirty="0"/>
               <a:t>마스터 텍스트 스타일을 편집합니다</a:t>
             </a:r>
           </a:p>
           <a:p>
             <a:pPr lvl="1"/>
             <a:r>
-              <a:rPr lang="ko-KR" altLang="en-US" dirty="0" smtClean="0"/>
+              <a:rPr lang="ko-KR" altLang="en-US" dirty="0"/>
               <a:t>둘째 수준</a:t>
             </a:r>
           </a:p>
           <a:p>
             <a:pPr lvl="2"/>
             <a:r>
-              <a:rPr lang="ko-KR" altLang="en-US" dirty="0" smtClean="0"/>
+              <a:rPr lang="ko-KR" altLang="en-US" dirty="0"/>
               <a:t>셋째 수준</a:t>
             </a:r>
           </a:p>
           <a:p>
             <a:pPr lvl="3"/>
             <a:r>
-              <a:rPr lang="ko-KR" altLang="en-US" dirty="0" smtClean="0"/>
+              <a:rPr lang="ko-KR" altLang="en-US" dirty="0"/>
               <a:t>넷째 수준</a:t>
             </a:r>
           </a:p>
           <a:p>
             <a:pPr lvl="4"/>
             <a:r>
-              <a:rPr lang="ko-KR" altLang="en-US" dirty="0" smtClean="0"/>
+              <a:rPr lang="ko-KR" altLang="en-US" dirty="0"/>
               <a:t>다섯째 수준</a:t>
             </a:r>
-            <a:endParaRPr lang="ko-KR" altLang="en-US" dirty="0"/>
           </a:p>
         </p:txBody>
       </p:sp>
@@ -12027,7 +12220,18 @@
   <p:clrMapOvr>
     <a:masterClrMapping/>
   </p:clrMapOvr>
-  <p:transition spd="med"/>
+  <mc:AlternateContent xmlns:mc="http://schemas.openxmlformats.org/markup-compatibility/2006">
+    <mc:Choice xmlns:p159="http://schemas.microsoft.com/office/powerpoint/2015/09/main" Requires="p159">
+      <p:transition>
+        <p159:morph option="byChar"/>
+      </p:transition>
+    </mc:Choice>
+    <mc:Fallback>
+      <p:transition>
+        <p:fade/>
+      </p:transition>
+    </mc:Fallback>
+  </mc:AlternateContent>
 </p:sldLayout>
 </file>
 
@@ -12073,10 +12277,9 @@
           </a:lstStyle>
           <a:p>
             <a:r>
-              <a:rPr lang="ko-KR" altLang="en-US" smtClean="0"/>
+              <a:rPr lang="ko-KR" altLang="en-US"/>
               <a:t>마스터 제목 스타일 편집</a:t>
             </a:r>
-            <a:endParaRPr lang="ko-KR" altLang="en-US"/>
           </a:p>
         </p:txBody>
       </p:sp>
@@ -12130,38 +12333,37 @@
           <a:p>
             <a:pPr lvl="0"/>
             <a:r>
-              <a:rPr lang="ko-KR" altLang="en-US" smtClean="0"/>
+              <a:rPr lang="ko-KR" altLang="en-US"/>
               <a:t>마스터 텍스트 스타일을 편집합니다</a:t>
             </a:r>
           </a:p>
           <a:p>
             <a:pPr lvl="1"/>
             <a:r>
-              <a:rPr lang="ko-KR" altLang="en-US" smtClean="0"/>
+              <a:rPr lang="ko-KR" altLang="en-US"/>
               <a:t>둘째 수준</a:t>
             </a:r>
           </a:p>
           <a:p>
             <a:pPr lvl="2"/>
             <a:r>
-              <a:rPr lang="ko-KR" altLang="en-US" smtClean="0"/>
+              <a:rPr lang="ko-KR" altLang="en-US"/>
               <a:t>셋째 수준</a:t>
             </a:r>
           </a:p>
           <a:p>
             <a:pPr lvl="3"/>
             <a:r>
-              <a:rPr lang="ko-KR" altLang="en-US" smtClean="0"/>
+              <a:rPr lang="ko-KR" altLang="en-US"/>
               <a:t>넷째 수준</a:t>
             </a:r>
           </a:p>
           <a:p>
             <a:pPr lvl="4"/>
             <a:r>
-              <a:rPr lang="ko-KR" altLang="en-US" smtClean="0"/>
+              <a:rPr lang="ko-KR" altLang="en-US"/>
               <a:t>다섯째 수준</a:t>
             </a:r>
-            <a:endParaRPr lang="ko-KR" altLang="en-US"/>
           </a:p>
         </p:txBody>
       </p:sp>
@@ -12224,7 +12426,7 @@
           <a:p>
             <a:pPr lvl="0"/>
             <a:r>
-              <a:rPr lang="ko-KR" altLang="en-US" smtClean="0"/>
+              <a:rPr lang="ko-KR" altLang="en-US"/>
               <a:t>마스터 텍스트 스타일을 편집합니다</a:t>
             </a:r>
           </a:p>
@@ -12240,7 +12442,18 @@
   <p:clrMapOvr>
     <a:masterClrMapping/>
   </p:clrMapOvr>
-  <p:transition spd="med"/>
+  <mc:AlternateContent xmlns:mc="http://schemas.openxmlformats.org/markup-compatibility/2006">
+    <mc:Choice xmlns:p159="http://schemas.microsoft.com/office/powerpoint/2015/09/main" Requires="p159">
+      <p:transition>
+        <p159:morph option="byChar"/>
+      </p:transition>
+    </mc:Choice>
+    <mc:Fallback>
+      <p:transition>
+        <p:fade/>
+      </p:transition>
+    </mc:Fallback>
+  </mc:AlternateContent>
 </p:sldLayout>
 </file>
 
@@ -12286,10 +12499,9 @@
           </a:lstStyle>
           <a:p>
             <a:r>
-              <a:rPr lang="ko-KR" altLang="en-US" smtClean="0"/>
+              <a:rPr lang="ko-KR" altLang="en-US"/>
               <a:t>마스터 제목 스타일 편집</a:t>
             </a:r>
-            <a:endParaRPr lang="ko-KR" altLang="en-US"/>
           </a:p>
         </p:txBody>
       </p:sp>
@@ -12351,7 +12563,7 @@
           </a:lstStyle>
           <a:p>
             <a:pPr lvl="0"/>
-            <a:endParaRPr lang="ko-KR" altLang="en-US" noProof="0" smtClean="0"/>
+            <a:endParaRPr lang="ko-KR" altLang="en-US" noProof="0"/>
           </a:p>
         </p:txBody>
       </p:sp>
@@ -12414,7 +12626,7 @@
           <a:p>
             <a:pPr lvl="0"/>
             <a:r>
-              <a:rPr lang="ko-KR" altLang="en-US" smtClean="0"/>
+              <a:rPr lang="ko-KR" altLang="en-US"/>
               <a:t>마스터 텍스트 스타일을 편집합니다</a:t>
             </a:r>
           </a:p>
@@ -12430,7 +12642,18 @@
   <p:clrMapOvr>
     <a:masterClrMapping/>
   </p:clrMapOvr>
-  <p:transition spd="med"/>
+  <mc:AlternateContent xmlns:mc="http://schemas.openxmlformats.org/markup-compatibility/2006">
+    <mc:Choice xmlns:p159="http://schemas.microsoft.com/office/powerpoint/2015/09/main" Requires="p159">
+      <p:transition>
+        <p159:morph option="byChar"/>
+      </p:transition>
+    </mc:Choice>
+    <mc:Fallback>
+      <p:transition>
+        <p:fade/>
+      </p:transition>
+    </mc:Fallback>
+  </mc:AlternateContent>
 </p:sldLayout>
 </file>
 
@@ -12467,10 +12690,9 @@
           <a:lstStyle/>
           <a:p>
             <a:r>
-              <a:rPr lang="ko-KR" altLang="en-US" smtClean="0"/>
+              <a:rPr lang="ko-KR" altLang="en-US"/>
               <a:t>마스터 제목 스타일 편집</a:t>
             </a:r>
-            <a:endParaRPr lang="ko-KR" altLang="en-US"/>
           </a:p>
         </p:txBody>
       </p:sp>
@@ -12491,38 +12713,37 @@
           <a:p>
             <a:pPr lvl="0"/>
             <a:r>
-              <a:rPr lang="ko-KR" altLang="en-US" smtClean="0"/>
+              <a:rPr lang="ko-KR" altLang="en-US"/>
               <a:t>마스터 텍스트 스타일을 편집합니다</a:t>
             </a:r>
           </a:p>
           <a:p>
             <a:pPr lvl="1"/>
             <a:r>
-              <a:rPr lang="ko-KR" altLang="en-US" smtClean="0"/>
+              <a:rPr lang="ko-KR" altLang="en-US"/>
               <a:t>둘째 수준</a:t>
             </a:r>
           </a:p>
           <a:p>
             <a:pPr lvl="2"/>
             <a:r>
-              <a:rPr lang="ko-KR" altLang="en-US" smtClean="0"/>
+              <a:rPr lang="ko-KR" altLang="en-US"/>
               <a:t>셋째 수준</a:t>
             </a:r>
           </a:p>
           <a:p>
             <a:pPr lvl="3"/>
             <a:r>
-              <a:rPr lang="ko-KR" altLang="en-US" smtClean="0"/>
+              <a:rPr lang="ko-KR" altLang="en-US"/>
               <a:t>넷째 수준</a:t>
             </a:r>
           </a:p>
           <a:p>
             <a:pPr lvl="4"/>
             <a:r>
-              <a:rPr lang="ko-KR" altLang="en-US" smtClean="0"/>
+              <a:rPr lang="ko-KR" altLang="en-US"/>
               <a:t>다섯째 수준</a:t>
             </a:r>
-            <a:endParaRPr lang="ko-KR" altLang="en-US"/>
           </a:p>
         </p:txBody>
       </p:sp>
@@ -12536,7 +12757,18 @@
   <p:clrMapOvr>
     <a:masterClrMapping/>
   </p:clrMapOvr>
-  <p:transition spd="med"/>
+  <mc:AlternateContent xmlns:mc="http://schemas.openxmlformats.org/markup-compatibility/2006">
+    <mc:Choice xmlns:p159="http://schemas.microsoft.com/office/powerpoint/2015/09/main" Requires="p159">
+      <p:transition>
+        <p159:morph option="byChar"/>
+      </p:transition>
+    </mc:Choice>
+    <mc:Fallback>
+      <p:transition>
+        <p:fade/>
+      </p:transition>
+    </mc:Fallback>
+  </mc:AlternateContent>
 </p:sldLayout>
 </file>
 
@@ -12578,10 +12810,9 @@
           <a:lstStyle/>
           <a:p>
             <a:r>
-              <a:rPr lang="ko-KR" altLang="en-US" smtClean="0"/>
+              <a:rPr lang="ko-KR" altLang="en-US"/>
               <a:t>마스터 제목 스타일 편집</a:t>
             </a:r>
-            <a:endParaRPr lang="ko-KR" altLang="en-US"/>
           </a:p>
         </p:txBody>
       </p:sp>
@@ -12607,38 +12838,37 @@
           <a:p>
             <a:pPr lvl="0"/>
             <a:r>
-              <a:rPr lang="ko-KR" altLang="en-US" smtClean="0"/>
+              <a:rPr lang="ko-KR" altLang="en-US"/>
               <a:t>마스터 텍스트 스타일을 편집합니다</a:t>
             </a:r>
           </a:p>
           <a:p>
             <a:pPr lvl="1"/>
             <a:r>
-              <a:rPr lang="ko-KR" altLang="en-US" smtClean="0"/>
+              <a:rPr lang="ko-KR" altLang="en-US"/>
               <a:t>둘째 수준</a:t>
             </a:r>
           </a:p>
           <a:p>
             <a:pPr lvl="2"/>
             <a:r>
-              <a:rPr lang="ko-KR" altLang="en-US" smtClean="0"/>
+              <a:rPr lang="ko-KR" altLang="en-US"/>
               <a:t>셋째 수준</a:t>
             </a:r>
           </a:p>
           <a:p>
             <a:pPr lvl="3"/>
             <a:r>
-              <a:rPr lang="ko-KR" altLang="en-US" smtClean="0"/>
+              <a:rPr lang="ko-KR" altLang="en-US"/>
               <a:t>넷째 수준</a:t>
             </a:r>
           </a:p>
           <a:p>
             <a:pPr lvl="4"/>
             <a:r>
-              <a:rPr lang="ko-KR" altLang="en-US" smtClean="0"/>
+              <a:rPr lang="ko-KR" altLang="en-US"/>
               <a:t>다섯째 수준</a:t>
             </a:r>
-            <a:endParaRPr lang="ko-KR" altLang="en-US"/>
           </a:p>
         </p:txBody>
       </p:sp>
@@ -12652,7 +12882,18 @@
   <p:clrMapOvr>
     <a:masterClrMapping/>
   </p:clrMapOvr>
-  <p:transition spd="med"/>
+  <mc:AlternateContent xmlns:mc="http://schemas.openxmlformats.org/markup-compatibility/2006">
+    <mc:Choice xmlns:p159="http://schemas.microsoft.com/office/powerpoint/2015/09/main" Requires="p159">
+      <p:transition>
+        <p159:morph option="byChar"/>
+      </p:transition>
+    </mc:Choice>
+    <mc:Fallback>
+      <p:transition>
+        <p:fade/>
+      </p:transition>
+    </mc:Fallback>
+  </mc:AlternateContent>
 </p:sldLayout>
 </file>
 
@@ -12698,10 +12939,9 @@
           </a:lstStyle>
           <a:p>
             <a:r>
-              <a:rPr lang="ko-KR" altLang="en-US" smtClean="0"/>
+              <a:rPr lang="ko-KR" altLang="en-US"/>
               <a:t>마스터 제목 스타일 편집</a:t>
             </a:r>
-            <a:endParaRPr lang="ko-KR" altLang="en-US"/>
           </a:p>
         </p:txBody>
       </p:sp>
@@ -12764,7 +13004,7 @@
           <a:p>
             <a:pPr lvl="0"/>
             <a:r>
-              <a:rPr lang="ko-KR" altLang="en-US" smtClean="0"/>
+              <a:rPr lang="ko-KR" altLang="en-US"/>
               <a:t>마스터 텍스트 스타일을 편집합니다</a:t>
             </a:r>
           </a:p>
@@ -12780,7 +13020,18 @@
   <p:clrMapOvr>
     <a:masterClrMapping/>
   </p:clrMapOvr>
-  <p:transition spd="med"/>
+  <mc:AlternateContent xmlns:mc="http://schemas.openxmlformats.org/markup-compatibility/2006">
+    <mc:Choice xmlns:p159="http://schemas.microsoft.com/office/powerpoint/2015/09/main" Requires="p159">
+      <p:transition>
+        <p159:morph option="byChar"/>
+      </p:transition>
+    </mc:Choice>
+    <mc:Fallback>
+      <p:transition>
+        <p:fade/>
+      </p:transition>
+    </mc:Fallback>
+  </mc:AlternateContent>
 </p:sldLayout>
 </file>
 
@@ -12817,10 +13068,9 @@
           <a:lstStyle/>
           <a:p>
             <a:r>
-              <a:rPr lang="ko-KR" altLang="en-US" smtClean="0"/>
+              <a:rPr lang="ko-KR" altLang="en-US"/>
               <a:t>마스터 제목 스타일 편집</a:t>
             </a:r>
-            <a:endParaRPr lang="ko-KR" altLang="en-US"/>
           </a:p>
         </p:txBody>
       </p:sp>
@@ -12874,38 +13124,37 @@
           <a:p>
             <a:pPr lvl="0"/>
             <a:r>
-              <a:rPr lang="ko-KR" altLang="en-US" smtClean="0"/>
+              <a:rPr lang="ko-KR" altLang="en-US"/>
               <a:t>마스터 텍스트 스타일을 편집합니다</a:t>
             </a:r>
           </a:p>
           <a:p>
             <a:pPr lvl="1"/>
             <a:r>
-              <a:rPr lang="ko-KR" altLang="en-US" smtClean="0"/>
+              <a:rPr lang="ko-KR" altLang="en-US"/>
               <a:t>둘째 수준</a:t>
             </a:r>
           </a:p>
           <a:p>
             <a:pPr lvl="2"/>
             <a:r>
-              <a:rPr lang="ko-KR" altLang="en-US" smtClean="0"/>
+              <a:rPr lang="ko-KR" altLang="en-US"/>
               <a:t>셋째 수준</a:t>
             </a:r>
           </a:p>
           <a:p>
             <a:pPr lvl="3"/>
             <a:r>
-              <a:rPr lang="ko-KR" altLang="en-US" smtClean="0"/>
+              <a:rPr lang="ko-KR" altLang="en-US"/>
               <a:t>넷째 수준</a:t>
             </a:r>
           </a:p>
           <a:p>
             <a:pPr lvl="4"/>
             <a:r>
-              <a:rPr lang="ko-KR" altLang="en-US" smtClean="0"/>
+              <a:rPr lang="ko-KR" altLang="en-US"/>
               <a:t>다섯째 수준</a:t>
             </a:r>
-            <a:endParaRPr lang="ko-KR" altLang="en-US"/>
           </a:p>
         </p:txBody>
       </p:sp>
@@ -12959,38 +13208,37 @@
           <a:p>
             <a:pPr lvl="0"/>
             <a:r>
-              <a:rPr lang="ko-KR" altLang="en-US" smtClean="0"/>
+              <a:rPr lang="ko-KR" altLang="en-US"/>
               <a:t>마스터 텍스트 스타일을 편집합니다</a:t>
             </a:r>
           </a:p>
           <a:p>
             <a:pPr lvl="1"/>
             <a:r>
-              <a:rPr lang="ko-KR" altLang="en-US" smtClean="0"/>
+              <a:rPr lang="ko-KR" altLang="en-US"/>
               <a:t>둘째 수준</a:t>
             </a:r>
           </a:p>
           <a:p>
             <a:pPr lvl="2"/>
             <a:r>
-              <a:rPr lang="ko-KR" altLang="en-US" smtClean="0"/>
+              <a:rPr lang="ko-KR" altLang="en-US"/>
               <a:t>셋째 수준</a:t>
             </a:r>
           </a:p>
           <a:p>
             <a:pPr lvl="3"/>
             <a:r>
-              <a:rPr lang="ko-KR" altLang="en-US" smtClean="0"/>
+              <a:rPr lang="ko-KR" altLang="en-US"/>
               <a:t>넷째 수준</a:t>
             </a:r>
           </a:p>
           <a:p>
             <a:pPr lvl="4"/>
             <a:r>
-              <a:rPr lang="ko-KR" altLang="en-US" smtClean="0"/>
+              <a:rPr lang="ko-KR" altLang="en-US"/>
               <a:t>다섯째 수준</a:t>
             </a:r>
-            <a:endParaRPr lang="ko-KR" altLang="en-US"/>
           </a:p>
         </p:txBody>
       </p:sp>
@@ -13004,7 +13252,18 @@
   <p:clrMapOvr>
     <a:masterClrMapping/>
   </p:clrMapOvr>
-  <p:transition spd="med"/>
+  <mc:AlternateContent xmlns:mc="http://schemas.openxmlformats.org/markup-compatibility/2006">
+    <mc:Choice xmlns:p159="http://schemas.microsoft.com/office/powerpoint/2015/09/main" Requires="p159">
+      <p:transition>
+        <p159:morph option="byChar"/>
+      </p:transition>
+    </mc:Choice>
+    <mc:Fallback>
+      <p:transition>
+        <p:fade/>
+      </p:transition>
+    </mc:Fallback>
+  </mc:AlternateContent>
 </p:sldLayout>
 </file>
 
@@ -13041,10 +13300,9 @@
           <a:lstStyle/>
           <a:p>
             <a:r>
-              <a:rPr lang="ko-KR" altLang="en-US" smtClean="0"/>
+              <a:rPr lang="ko-KR" altLang="en-US"/>
               <a:t>마스터 제목 스타일 편집</a:t>
             </a:r>
-            <a:endParaRPr lang="ko-KR" altLang="en-US"/>
           </a:p>
         </p:txBody>
       </p:sp>
@@ -13058,7 +13316,18 @@
   <p:clrMapOvr>
     <a:masterClrMapping/>
   </p:clrMapOvr>
-  <p:transition spd="med"/>
+  <mc:AlternateContent xmlns:mc="http://schemas.openxmlformats.org/markup-compatibility/2006">
+    <mc:Choice xmlns:p159="http://schemas.microsoft.com/office/powerpoint/2015/09/main" Requires="p159">
+      <p:transition>
+        <p159:morph option="byChar"/>
+      </p:transition>
+    </mc:Choice>
+    <mc:Fallback>
+      <p:transition>
+        <p:fade/>
+      </p:transition>
+    </mc:Fallback>
+  </mc:AlternateContent>
 </p:sldLayout>
 </file>
 
@@ -13089,7 +13358,18 @@
   <p:clrMapOvr>
     <a:masterClrMapping/>
   </p:clrMapOvr>
-  <p:transition spd="med"/>
+  <mc:AlternateContent xmlns:mc="http://schemas.openxmlformats.org/markup-compatibility/2006">
+    <mc:Choice xmlns:p159="http://schemas.microsoft.com/office/powerpoint/2015/09/main" Requires="p159">
+      <p:transition>
+        <p159:morph option="byChar"/>
+      </p:transition>
+    </mc:Choice>
+    <mc:Fallback>
+      <p:transition>
+        <p:fade/>
+      </p:transition>
+    </mc:Fallback>
+  </mc:AlternateContent>
 </p:sldLayout>
 </file>
 
@@ -13135,10 +13415,9 @@
           </a:lstStyle>
           <a:p>
             <a:r>
-              <a:rPr lang="ko-KR" altLang="en-US" smtClean="0"/>
+              <a:rPr lang="ko-KR" altLang="en-US"/>
               <a:t>마스터 제목 스타일 편집</a:t>
             </a:r>
-            <a:endParaRPr lang="ko-KR" altLang="en-US"/>
           </a:p>
         </p:txBody>
       </p:sp>
@@ -13192,38 +13471,37 @@
           <a:p>
             <a:pPr lvl="0"/>
             <a:r>
-              <a:rPr lang="ko-KR" altLang="en-US" smtClean="0"/>
+              <a:rPr lang="ko-KR" altLang="en-US"/>
               <a:t>마스터 텍스트 스타일을 편집합니다</a:t>
             </a:r>
           </a:p>
           <a:p>
             <a:pPr lvl="1"/>
             <a:r>
-              <a:rPr lang="ko-KR" altLang="en-US" smtClean="0"/>
+              <a:rPr lang="ko-KR" altLang="en-US"/>
               <a:t>둘째 수준</a:t>
             </a:r>
           </a:p>
           <a:p>
             <a:pPr lvl="2"/>
             <a:r>
-              <a:rPr lang="ko-KR" altLang="en-US" smtClean="0"/>
+              <a:rPr lang="ko-KR" altLang="en-US"/>
               <a:t>셋째 수준</a:t>
             </a:r>
           </a:p>
           <a:p>
             <a:pPr lvl="3"/>
             <a:r>
-              <a:rPr lang="ko-KR" altLang="en-US" smtClean="0"/>
+              <a:rPr lang="ko-KR" altLang="en-US"/>
               <a:t>넷째 수준</a:t>
             </a:r>
           </a:p>
           <a:p>
             <a:pPr lvl="4"/>
             <a:r>
-              <a:rPr lang="ko-KR" altLang="en-US" smtClean="0"/>
+              <a:rPr lang="ko-KR" altLang="en-US"/>
               <a:t>다섯째 수준</a:t>
             </a:r>
-            <a:endParaRPr lang="ko-KR" altLang="en-US"/>
           </a:p>
         </p:txBody>
       </p:sp>
@@ -13286,7 +13564,7 @@
           <a:p>
             <a:pPr lvl="0"/>
             <a:r>
-              <a:rPr lang="ko-KR" altLang="en-US" smtClean="0"/>
+              <a:rPr lang="ko-KR" altLang="en-US"/>
               <a:t>마스터 텍스트 스타일을 편집합니다</a:t>
             </a:r>
           </a:p>
@@ -13302,7 +13580,18 @@
   <p:clrMapOvr>
     <a:masterClrMapping/>
   </p:clrMapOvr>
-  <p:transition spd="med"/>
+  <mc:AlternateContent xmlns:mc="http://schemas.openxmlformats.org/markup-compatibility/2006">
+    <mc:Choice xmlns:p159="http://schemas.microsoft.com/office/powerpoint/2015/09/main" Requires="p159">
+      <p:transition>
+        <p159:morph option="byChar"/>
+      </p:transition>
+    </mc:Choice>
+    <mc:Fallback>
+      <p:transition>
+        <p:fade/>
+      </p:transition>
+    </mc:Fallback>
+  </mc:AlternateContent>
 </p:sldLayout>
 </file>
 
@@ -13348,10 +13637,9 @@
           </a:lstStyle>
           <a:p>
             <a:r>
-              <a:rPr lang="ko-KR" altLang="en-US" smtClean="0"/>
+              <a:rPr lang="ko-KR" altLang="en-US"/>
               <a:t>마스터 제목 스타일 편집</a:t>
             </a:r>
-            <a:endParaRPr lang="ko-KR" altLang="en-US"/>
           </a:p>
         </p:txBody>
       </p:sp>
@@ -13413,7 +13701,7 @@
           </a:lstStyle>
           <a:p>
             <a:pPr lvl="0"/>
-            <a:endParaRPr lang="ko-KR" altLang="en-US" noProof="0" smtClean="0"/>
+            <a:endParaRPr lang="ko-KR" altLang="en-US" noProof="0"/>
           </a:p>
         </p:txBody>
       </p:sp>
@@ -13476,7 +13764,7 @@
           <a:p>
             <a:pPr lvl="0"/>
             <a:r>
-              <a:rPr lang="ko-KR" altLang="en-US" smtClean="0"/>
+              <a:rPr lang="ko-KR" altLang="en-US"/>
               <a:t>마스터 텍스트 스타일을 편집합니다</a:t>
             </a:r>
           </a:p>
@@ -13492,7 +13780,18 @@
   <p:clrMapOvr>
     <a:masterClrMapping/>
   </p:clrMapOvr>
-  <p:transition spd="med"/>
+  <mc:AlternateContent xmlns:mc="http://schemas.openxmlformats.org/markup-compatibility/2006">
+    <mc:Choice xmlns:p159="http://schemas.microsoft.com/office/powerpoint/2015/09/main" Requires="p159">
+      <p:transition>
+        <p159:morph option="byChar"/>
+      </p:transition>
+    </mc:Choice>
+    <mc:Fallback>
+      <p:transition>
+        <p:fade/>
+      </p:transition>
+    </mc:Fallback>
+  </mc:AlternateContent>
 </p:sldLayout>
 </file>
 
@@ -13534,10 +13833,9 @@
           <a:lstStyle/>
           <a:p>
             <a:r>
-              <a:rPr lang="ko-KR" altLang="en-US" smtClean="0"/>
+              <a:rPr lang="ko-KR" altLang="en-US"/>
               <a:t>마스터 제목 스타일 편집</a:t>
             </a:r>
-            <a:endParaRPr lang="ko-KR" altLang="en-US"/>
           </a:p>
         </p:txBody>
       </p:sp>
@@ -13558,38 +13856,37 @@
           <a:p>
             <a:pPr lvl="0"/>
             <a:r>
-              <a:rPr lang="ko-KR" altLang="en-US" smtClean="0"/>
+              <a:rPr lang="ko-KR" altLang="en-US"/>
               <a:t>마스터 텍스트 스타일을 편집합니다</a:t>
             </a:r>
           </a:p>
           <a:p>
             <a:pPr lvl="1"/>
             <a:r>
-              <a:rPr lang="ko-KR" altLang="en-US" smtClean="0"/>
+              <a:rPr lang="ko-KR" altLang="en-US"/>
               <a:t>둘째 수준</a:t>
             </a:r>
           </a:p>
           <a:p>
             <a:pPr lvl="2"/>
             <a:r>
-              <a:rPr lang="ko-KR" altLang="en-US" smtClean="0"/>
+              <a:rPr lang="ko-KR" altLang="en-US"/>
               <a:t>셋째 수준</a:t>
             </a:r>
           </a:p>
           <a:p>
             <a:pPr lvl="3"/>
             <a:r>
-              <a:rPr lang="ko-KR" altLang="en-US" smtClean="0"/>
+              <a:rPr lang="ko-KR" altLang="en-US"/>
               <a:t>넷째 수준</a:t>
             </a:r>
           </a:p>
           <a:p>
             <a:pPr lvl="4"/>
             <a:r>
-              <a:rPr lang="ko-KR" altLang="en-US" smtClean="0"/>
+              <a:rPr lang="ko-KR" altLang="en-US"/>
               <a:t>다섯째 수준</a:t>
             </a:r>
-            <a:endParaRPr lang="ko-KR" altLang="en-US"/>
           </a:p>
         </p:txBody>
       </p:sp>
@@ -13603,7 +13900,18 @@
   <p:clrMapOvr>
     <a:masterClrMapping/>
   </p:clrMapOvr>
-  <p:transition spd="med"/>
+  <mc:AlternateContent xmlns:mc="http://schemas.openxmlformats.org/markup-compatibility/2006">
+    <mc:Choice xmlns:p159="http://schemas.microsoft.com/office/powerpoint/2015/09/main" Requires="p159">
+      <p:transition>
+        <p159:morph option="byChar"/>
+      </p:transition>
+    </mc:Choice>
+    <mc:Fallback>
+      <p:transition>
+        <p:fade/>
+      </p:transition>
+    </mc:Fallback>
+  </mc:AlternateContent>
 </p:sldLayout>
 </file>
 
@@ -13780,7 +14088,7 @@
             <a:pPr algn="ctr" eaLnBrk="1" latinLnBrk="1" hangingPunct="1">
               <a:defRPr/>
             </a:pPr>
-            <a:endParaRPr lang="ko-KR" altLang="ko-KR" sz="1800" smtClean="0">
+            <a:endParaRPr lang="ko-KR" altLang="ko-KR" sz="1800">
               <a:solidFill>
                 <a:schemeClr val="bg1"/>
               </a:solidFill>
@@ -13840,7 +14148,7 @@
           <a:p>
             <a:pPr lvl="0"/>
             <a:r>
-              <a:rPr lang="ko-KR" altLang="en-US" smtClean="0"/>
+              <a:rPr lang="ko-KR" altLang="en-US"/>
               <a:t>마스터 제목 스타일 편집</a:t>
             </a:r>
           </a:p>
@@ -13898,42 +14206,42 @@
           <a:p>
             <a:pPr lvl="0"/>
             <a:r>
-              <a:rPr lang="en-US" altLang="ko-KR" smtClean="0"/>
+              <a:rPr lang="en-US" altLang="ko-KR"/>
               <a:t>1</a:t>
             </a:r>
-            <a:endParaRPr lang="ko-KR" altLang="en-US" smtClean="0"/>
+            <a:endParaRPr lang="ko-KR" altLang="en-US"/>
           </a:p>
           <a:p>
             <a:pPr lvl="1"/>
             <a:r>
-              <a:rPr lang="en-US" altLang="ko-KR" smtClean="0"/>
+              <a:rPr lang="en-US" altLang="ko-KR"/>
               <a:t>2</a:t>
             </a:r>
-            <a:endParaRPr lang="ko-KR" altLang="en-US" smtClean="0"/>
+            <a:endParaRPr lang="ko-KR" altLang="en-US"/>
           </a:p>
           <a:p>
             <a:pPr lvl="2"/>
             <a:r>
-              <a:rPr lang="en-US" altLang="ko-KR" smtClean="0"/>
+              <a:rPr lang="en-US" altLang="ko-KR"/>
               <a:t>3</a:t>
             </a:r>
-            <a:endParaRPr lang="ko-KR" altLang="en-US" smtClean="0"/>
+            <a:endParaRPr lang="ko-KR" altLang="en-US"/>
           </a:p>
           <a:p>
             <a:pPr lvl="3"/>
             <a:r>
-              <a:rPr lang="en-US" altLang="ko-KR" smtClean="0"/>
+              <a:rPr lang="en-US" altLang="ko-KR"/>
               <a:t>4</a:t>
             </a:r>
-            <a:endParaRPr lang="ko-KR" altLang="en-US" smtClean="0"/>
+            <a:endParaRPr lang="ko-KR" altLang="en-US"/>
           </a:p>
           <a:p>
             <a:pPr lvl="4"/>
             <a:r>
-              <a:rPr lang="en-US" altLang="ko-KR" smtClean="0"/>
+              <a:rPr lang="en-US" altLang="ko-KR"/>
               <a:t>5</a:t>
             </a:r>
-            <a:endParaRPr lang="ko-KR" altLang="en-US" smtClean="0"/>
+            <a:endParaRPr lang="ko-KR" altLang="en-US"/>
           </a:p>
         </p:txBody>
       </p:sp>
@@ -14086,7 +14394,7 @@
               <a:defRPr/>
             </a:pPr>
             <a:r>
-              <a:rPr lang="en-US" altLang="ko-KR" sz="1200" smtClean="0">
+              <a:rPr lang="en-US" altLang="ko-KR" sz="1200">
                 <a:solidFill>
                   <a:schemeClr val="bg1"/>
                 </a:solidFill>
@@ -14095,7 +14403,7 @@
               </a:rPr>
               <a:t>      Advanced Broadcasting &amp; Communications Lab.</a:t>
             </a:r>
-            <a:endParaRPr lang="en-US" altLang="ko-KR" sz="1800" smtClean="0">
+            <a:endParaRPr lang="en-US" altLang="ko-KR" sz="1800">
               <a:solidFill>
                 <a:schemeClr val="bg1"/>
               </a:solidFill>
@@ -14272,7 +14580,7 @@
               </a:pPr>
               <a:t>‹#›</a:t>
             </a:fld>
-            <a:endParaRPr lang="en-US" altLang="ko-KR" sz="1200" smtClean="0">
+            <a:endParaRPr lang="en-US" altLang="ko-KR" sz="1200">
               <a:solidFill>
                 <a:schemeClr val="bg1"/>
               </a:solidFill>
@@ -14765,7 +15073,7 @@
                 <a:defRPr/>
               </a:pPr>
               <a:r>
-                <a:rPr lang="en-US" altLang="ko-KR" sz="1600" i="1" smtClean="0">
+                <a:rPr lang="en-US" altLang="ko-KR" sz="1600" i="1">
                   <a:solidFill>
                     <a:srgbClr val="99CC00"/>
                   </a:solidFill>
@@ -14932,7 +15240,7 @@
                 <a:defRPr/>
               </a:pPr>
               <a:r>
-                <a:rPr lang="en-US" altLang="ko-KR" sz="2200" i="1" smtClean="0">
+                <a:rPr lang="en-US" altLang="ko-KR" sz="2200" i="1">
                   <a:solidFill>
                     <a:schemeClr val="bg1"/>
                   </a:solidFill>
@@ -15099,7 +15407,7 @@
                 <a:defRPr/>
               </a:pPr>
               <a:r>
-                <a:rPr lang="ko-KR" altLang="en-US" sz="900" i="1" smtClean="0">
+                <a:rPr lang="ko-KR" altLang="en-US" sz="900" i="1">
                   <a:solidFill>
                     <a:schemeClr val="bg1"/>
                   </a:solidFill>
@@ -15108,7 +15416,7 @@
                 <a:t>세계로</a:t>
               </a:r>
               <a:r>
-                <a:rPr lang="ko-KR" altLang="en-US" sz="900" i="1" smtClean="0">
+                <a:rPr lang="ko-KR" altLang="en-US" sz="900" i="1">
                   <a:solidFill>
                     <a:schemeClr val="bg2"/>
                   </a:solidFill>
@@ -15117,7 +15425,7 @@
                 <a:t> </a:t>
               </a:r>
               <a:r>
-                <a:rPr lang="ko-KR" altLang="en-US" sz="900" i="1" smtClean="0">
+                <a:rPr lang="ko-KR" altLang="en-US" sz="900" i="1">
                   <a:solidFill>
                     <a:schemeClr val="bg1"/>
                   </a:solidFill>
@@ -15146,14 +15454,18 @@
     <p:sldLayoutId id="2147484488" r:id="rId11"/>
     <p:sldLayoutId id="2147484489" r:id="rId12"/>
   </p:sldLayoutIdLst>
-  <p:transition spd="med"/>
-  <p:timing>
-    <p:tnLst>
-      <p:par>
-        <p:cTn id="1" dur="indefinite" restart="never" nodeType="tmRoot"/>
-      </p:par>
-    </p:tnLst>
-  </p:timing>
+  <mc:AlternateContent xmlns:mc="http://schemas.openxmlformats.org/markup-compatibility/2006">
+    <mc:Choice xmlns:p159="http://schemas.microsoft.com/office/powerpoint/2015/09/main" Requires="p159">
+      <p:transition>
+        <p159:morph option="byChar"/>
+      </p:transition>
+    </mc:Choice>
+    <mc:Fallback>
+      <p:transition>
+        <p:fade/>
+      </p:transition>
+    </mc:Fallback>
+  </mc:AlternateContent>
   <p:txStyles>
     <p:titleStyle>
       <a:lvl1pPr algn="r" rtl="0" eaLnBrk="0" fontAlgn="base" latinLnBrk="1" hangingPunct="0">
@@ -15721,14 +16033,14 @@
               <a:defRPr/>
             </a:pPr>
             <a:r>
-              <a:rPr lang="en-US" altLang="ko-KR" sz="1200" smtClean="0">
+              <a:rPr lang="en-US" altLang="ko-KR" sz="1200">
                 <a:solidFill>
                   <a:schemeClr val="bg1"/>
                 </a:solidFill>
               </a:rPr>
               <a:t>Broadcasting &amp; Communication Systems Lab.</a:t>
             </a:r>
-            <a:endParaRPr lang="en-US" altLang="ko-KR" sz="1800" smtClean="0">
+            <a:endParaRPr lang="en-US" altLang="ko-KR" sz="1800">
               <a:solidFill>
                 <a:schemeClr val="bg1"/>
               </a:solidFill>
@@ -15903,7 +16215,7 @@
               </a:pPr>
               <a:t>‹#›</a:t>
             </a:fld>
-            <a:endParaRPr lang="en-US" altLang="ko-KR" sz="1200" smtClean="0">
+            <a:endParaRPr lang="en-US" altLang="ko-KR" sz="1200">
               <a:solidFill>
                 <a:schemeClr val="bg1"/>
               </a:solidFill>
@@ -16145,7 +16457,7 @@
             <a:pPr algn="r" eaLnBrk="1" latinLnBrk="1" hangingPunct="1">
               <a:defRPr/>
             </a:pPr>
-            <a:endParaRPr lang="ko-KR" altLang="ko-KR" sz="1000" smtClean="0">
+            <a:endParaRPr lang="ko-KR" altLang="ko-KR" sz="1000">
               <a:solidFill>
                 <a:schemeClr val="bg1"/>
               </a:solidFill>
@@ -16474,42 +16786,42 @@
           <a:p>
             <a:pPr lvl="0"/>
             <a:r>
-              <a:rPr lang="ko-KR" altLang="en-US" smtClean="0"/>
+              <a:rPr lang="ko-KR" altLang="en-US"/>
               <a:t>마스터 텍스트 스타일을 편집합니다</a:t>
             </a:r>
           </a:p>
           <a:p>
             <a:pPr lvl="1"/>
             <a:r>
-              <a:rPr lang="ko-KR" altLang="en-US" smtClean="0"/>
+              <a:rPr lang="ko-KR" altLang="en-US"/>
               <a:t>둘째 수준</a:t>
             </a:r>
           </a:p>
           <a:p>
             <a:pPr lvl="2"/>
             <a:r>
-              <a:rPr lang="ko-KR" altLang="en-US" smtClean="0"/>
+              <a:rPr lang="ko-KR" altLang="en-US"/>
               <a:t>셋째 수준</a:t>
             </a:r>
           </a:p>
           <a:p>
             <a:pPr lvl="3"/>
             <a:r>
-              <a:rPr lang="ko-KR" altLang="en-US" smtClean="0"/>
+              <a:rPr lang="ko-KR" altLang="en-US"/>
               <a:t>넷째 수준</a:t>
             </a:r>
           </a:p>
           <a:p>
             <a:pPr lvl="4"/>
             <a:r>
-              <a:rPr lang="ko-KR" altLang="en-US" smtClean="0"/>
+              <a:rPr lang="ko-KR" altLang="en-US"/>
               <a:t>다섯째 수준</a:t>
             </a:r>
             <a:r>
-              <a:rPr lang="en-US" altLang="ko-KR" smtClean="0"/>
+              <a:rPr lang="en-US" altLang="ko-KR"/>
               <a:t>z</a:t>
             </a:r>
-            <a:endParaRPr lang="ko-KR" altLang="en-US" smtClean="0"/>
+            <a:endParaRPr lang="ko-KR" altLang="en-US"/>
           </a:p>
         </p:txBody>
       </p:sp>
@@ -16565,7 +16877,7 @@
           <a:p>
             <a:pPr lvl="0"/>
             <a:r>
-              <a:rPr lang="en-US" altLang="ko-KR" smtClean="0"/>
+              <a:rPr lang="en-US" altLang="ko-KR"/>
               <a:t>Contents</a:t>
             </a:r>
           </a:p>
@@ -16733,7 +17045,7 @@
               <a:defRPr/>
             </a:pPr>
             <a:r>
-              <a:rPr lang="ko-KR" altLang="en-US" sz="2000" i="0" smtClean="0">
+              <a:rPr lang="ko-KR" altLang="en-US" sz="2000" i="0">
                 <a:solidFill>
                   <a:schemeClr val="bg1"/>
                 </a:solidFill>
@@ -16742,13 +17054,6 @@
               </a:rPr>
               <a:t>마스터 제목 스타일 편집</a:t>
             </a:r>
-            <a:endParaRPr lang="ko-KR" altLang="en-US" sz="2000" i="0">
-              <a:solidFill>
-                <a:schemeClr val="bg1"/>
-              </a:solidFill>
-              <a:latin typeface="Arial Black" pitchFamily="34" charset="0"/>
-              <a:ea typeface="HY견고딕" pitchFamily="18" charset="-127"/>
-            </a:endParaRPr>
           </a:p>
         </p:txBody>
       </p:sp>
@@ -16924,7 +17229,7 @@
                 <a:defRPr/>
               </a:pPr>
               <a:r>
-                <a:rPr lang="en-US" altLang="ko-KR" sz="1600" i="1" smtClean="0">
+                <a:rPr lang="en-US" altLang="ko-KR" sz="1600" i="1">
                   <a:solidFill>
                     <a:srgbClr val="99CC00"/>
                   </a:solidFill>
@@ -17091,7 +17396,7 @@
                 <a:defRPr/>
               </a:pPr>
               <a:r>
-                <a:rPr lang="en-US" altLang="ko-KR" sz="2200" i="1" smtClean="0">
+                <a:rPr lang="en-US" altLang="ko-KR" sz="2200" i="1">
                   <a:solidFill>
                     <a:schemeClr val="bg1"/>
                   </a:solidFill>
@@ -17258,7 +17563,7 @@
                 <a:defRPr/>
               </a:pPr>
               <a:r>
-                <a:rPr lang="ko-KR" altLang="en-US" sz="900" i="1" smtClean="0">
+                <a:rPr lang="ko-KR" altLang="en-US" sz="900" i="1">
                   <a:solidFill>
                     <a:schemeClr val="bg1"/>
                   </a:solidFill>
@@ -17267,7 +17572,7 @@
                 <a:t>세계로</a:t>
               </a:r>
               <a:r>
-                <a:rPr lang="ko-KR" altLang="en-US" sz="900" i="1" smtClean="0">
+                <a:rPr lang="ko-KR" altLang="en-US" sz="900" i="1">
                   <a:solidFill>
                     <a:schemeClr val="bg2"/>
                   </a:solidFill>
@@ -17276,7 +17581,7 @@
                 <a:t> </a:t>
               </a:r>
               <a:r>
-                <a:rPr lang="ko-KR" altLang="en-US" sz="900" i="1" smtClean="0">
+                <a:rPr lang="ko-KR" altLang="en-US" sz="900" i="1">
                   <a:solidFill>
                     <a:schemeClr val="bg1"/>
                   </a:solidFill>
@@ -17304,14 +17609,18 @@
     <p:sldLayoutId id="2147484499" r:id="rId10"/>
     <p:sldLayoutId id="2147484500" r:id="rId11"/>
   </p:sldLayoutIdLst>
-  <p:transition spd="med"/>
-  <p:timing>
-    <p:tnLst>
-      <p:par>
-        <p:cTn id="1" dur="indefinite" restart="never" nodeType="tmRoot"/>
-      </p:par>
-    </p:tnLst>
-  </p:timing>
+  <mc:AlternateContent xmlns:mc="http://schemas.openxmlformats.org/markup-compatibility/2006">
+    <mc:Choice xmlns:p159="http://schemas.microsoft.com/office/powerpoint/2015/09/main" Requires="p159">
+      <p:transition>
+        <p159:morph option="byChar"/>
+      </p:transition>
+    </mc:Choice>
+    <mc:Fallback>
+      <p:transition>
+        <p:fade/>
+      </p:transition>
+    </mc:Fallback>
+  </mc:AlternateContent>
   <p:txStyles>
     <p:titleStyle>
       <a:lvl1pPr algn="l" rtl="0" eaLnBrk="0" fontAlgn="base" latinLnBrk="1" hangingPunct="0">
@@ -17778,7 +18087,7 @@
                 <a:latin typeface="Arial Black" panose="020B0A04020102020204" pitchFamily="34" charset="0"/>
               </a:rPr>
             </a:br>
-            <a:endParaRPr lang="en-US" altLang="ko-KR" sz="2800" b="0" dirty="0" smtClean="0">
+            <a:endParaRPr lang="en-US" altLang="ko-KR" sz="2800" b="0" dirty="0">
               <a:solidFill>
                 <a:srgbClr val="A50021"/>
               </a:solidFill>
@@ -17815,16 +18124,8 @@
               </a:lnSpc>
             </a:pPr>
             <a:r>
-              <a:rPr lang="en-US" altLang="ko-KR" dirty="0" smtClean="0"/>
-              <a:t>Chapter </a:t>
-            </a:r>
-            <a:r>
-              <a:rPr lang="en-US" altLang="ko-KR" dirty="0" smtClean="0"/>
-              <a:t>11 </a:t>
-            </a:r>
-            <a:r>
-              <a:rPr lang="en-US" altLang="ko-KR" dirty="0" smtClean="0"/>
-              <a:t>– </a:t>
+              <a:rPr lang="en-US" altLang="ko-KR" dirty="0"/>
+              <a:t>Chapter 11 – </a:t>
             </a:r>
           </a:p>
           <a:p>
@@ -17834,10 +18135,9 @@
               </a:lnSpc>
             </a:pPr>
             <a:r>
-              <a:rPr lang="en-US" altLang="ko-KR" dirty="0" smtClean="0"/>
+              <a:rPr lang="en-US" altLang="ko-KR" dirty="0"/>
               <a:t>Analog Electronics</a:t>
             </a:r>
-            <a:endParaRPr lang="en-US" altLang="ko-KR" dirty="0" smtClean="0"/>
           </a:p>
         </p:txBody>
       </p:sp>
@@ -17846,14 +18146,18 @@
   <p:clrMapOvr>
     <a:masterClrMapping/>
   </p:clrMapOvr>
-  <p:transition spd="med"/>
-  <p:timing>
-    <p:tnLst>
-      <p:par>
-        <p:cTn id="1" dur="indefinite" restart="never" nodeType="tmRoot"/>
-      </p:par>
-    </p:tnLst>
-  </p:timing>
+  <mc:AlternateContent xmlns:mc="http://schemas.openxmlformats.org/markup-compatibility/2006">
+    <mc:Choice xmlns:p159="http://schemas.microsoft.com/office/powerpoint/2015/09/main" Requires="p159">
+      <p:transition>
+        <p159:morph option="byChar"/>
+      </p:transition>
+    </mc:Choice>
+    <mc:Fallback>
+      <p:transition>
+        <p:fade/>
+      </p:transition>
+    </mc:Fallback>
+  </mc:AlternateContent>
 </p:sld>
 </file>
 
@@ -17890,10 +18194,10 @@
           <a:lstStyle/>
           <a:p>
             <a:r>
-              <a:rPr lang="en-US" altLang="ko-KR" dirty="0" smtClean="0"/>
+              <a:rPr lang="en-US" altLang="ko-KR" dirty="0"/>
               <a:t>MOSFET</a:t>
             </a:r>
-            <a:endParaRPr lang="ko-KR" altLang="en-US" dirty="0" smtClean="0"/>
+            <a:endParaRPr lang="ko-KR" altLang="en-US" dirty="0"/>
           </a:p>
         </p:txBody>
       </p:sp>
@@ -17921,7 +18225,7 @@
               <a:buNone/>
             </a:pPr>
             <a:r>
-              <a:rPr lang="en-US" altLang="ko-KR" sz="2800" b="1" dirty="0" smtClean="0">
+              <a:rPr lang="en-US" altLang="ko-KR" sz="2800" b="1" dirty="0">
                 <a:solidFill>
                   <a:srgbClr val="0070C0"/>
                 </a:solidFill>
@@ -17931,43 +18235,35 @@
           </a:p>
           <a:p>
             <a:r>
-              <a:rPr lang="en-US" altLang="ko-KR" b="1" dirty="0" err="1" smtClean="0"/>
+              <a:rPr lang="en-US" altLang="ko-KR" b="1" dirty="0" err="1"/>
               <a:t>ohmic</a:t>
             </a:r>
             <a:r>
-              <a:rPr lang="en-US" altLang="ko-KR" b="1" dirty="0" smtClean="0"/>
+              <a:rPr lang="en-US" altLang="ko-KR" b="1" dirty="0"/>
               <a:t> region</a:t>
             </a:r>
             <a:br>
-              <a:rPr lang="en-US" altLang="ko-KR" b="1" dirty="0" smtClean="0"/>
+              <a:rPr lang="en-US" altLang="ko-KR" b="1" dirty="0"/>
             </a:br>
-            <a:r>
-              <a:rPr lang="en-US" altLang="ko-KR" b="1" dirty="0" smtClean="0"/>
-              <a:t/>
-            </a:r>
             <a:br>
-              <a:rPr lang="en-US" altLang="ko-KR" b="1" dirty="0" smtClean="0"/>
+              <a:rPr lang="en-US" altLang="ko-KR" b="1" dirty="0"/>
             </a:br>
-            <a:endParaRPr lang="en-US" altLang="ko-KR" b="1" dirty="0" smtClean="0"/>
-          </a:p>
-          <a:p>
-            <a:endParaRPr lang="en-US" altLang="ko-KR" b="1" dirty="0" smtClean="0"/>
-          </a:p>
-          <a:p>
-            <a:r>
-              <a:rPr lang="en-US" altLang="ko-KR" b="1" dirty="0" smtClean="0"/>
-              <a:t>Saturation </a:t>
-            </a:r>
-            <a:r>
-              <a:rPr lang="en-US" altLang="ko-KR" b="1" dirty="0" smtClean="0"/>
-              <a:t>region </a:t>
-            </a:r>
-          </a:p>
-          <a:p>
-            <a:endParaRPr lang="en-US" altLang="ko-KR" b="1" dirty="0" smtClean="0"/>
-          </a:p>
-          <a:p>
-            <a:endParaRPr lang="en-US" altLang="ko-KR" b="1" dirty="0" smtClean="0"/>
+            <a:endParaRPr lang="en-US" altLang="ko-KR" b="1" dirty="0"/>
+          </a:p>
+          <a:p>
+            <a:endParaRPr lang="en-US" altLang="ko-KR" b="1" dirty="0"/>
+          </a:p>
+          <a:p>
+            <a:r>
+              <a:rPr lang="en-US" altLang="ko-KR" b="1" dirty="0"/>
+              <a:t>Saturation region </a:t>
+            </a:r>
+          </a:p>
+          <a:p>
+            <a:endParaRPr lang="en-US" altLang="ko-KR" b="1" dirty="0"/>
+          </a:p>
+          <a:p>
+            <a:endParaRPr lang="en-US" altLang="ko-KR" b="1" dirty="0"/>
           </a:p>
           <a:p>
             <a:pPr>
@@ -17976,13 +18272,13 @@
               </a:lnSpc>
             </a:pPr>
             <a:r>
-              <a:rPr lang="en-US" altLang="ko-KR" b="1" dirty="0" smtClean="0"/>
+              <a:rPr lang="en-US" altLang="ko-KR" b="1" dirty="0"/>
               <a:t>Cutoff region</a:t>
             </a:r>
           </a:p>
           <a:p>
             <a:pPr lvl="1"/>
-            <a:endParaRPr lang="en-US" altLang="ko-KR" b="1" dirty="0" smtClean="0"/>
+            <a:endParaRPr lang="en-US" altLang="ko-KR" b="1" dirty="0"/>
           </a:p>
         </p:txBody>
       </p:sp>
@@ -18008,12 +18304,12 @@
           <a:graphicData uri="http://schemas.openxmlformats.org/presentationml/2006/ole">
             <mc:AlternateContent xmlns:mc="http://schemas.openxmlformats.org/markup-compatibility/2006">
               <mc:Choice xmlns:v="urn:schemas-microsoft-com:vml" Requires="v">
-                <p:oleObj spid="_x0000_s88110" name="Equation" r:id="rId4" imgW="990170" imgH="253890" progId="Equation.3">
+                <p:oleObj name="Equation" r:id="rId3" imgW="990170" imgH="253890" progId="Equation.3">
                   <p:embed/>
                 </p:oleObj>
               </mc:Choice>
               <mc:Fallback>
-                <p:oleObj name="Equation" r:id="rId4" imgW="990170" imgH="253890" progId="Equation.3">
+                <p:oleObj name="Equation" r:id="rId3" imgW="990170" imgH="253890" progId="Equation.3">
                   <p:embed/>
                   <p:pic>
                     <p:nvPicPr>
@@ -18024,7 +18320,7 @@
                       <p:nvPr/>
                     </p:nvPicPr>
                     <p:blipFill>
-                      <a:blip r:embed="rId5">
+                      <a:blip r:embed="rId4">
                         <a:extLst>
                           <a:ext uri="{28A0092B-C50C-407E-A947-70E740481C1C}">
                             <a14:useLocalDpi xmlns:a14="http://schemas.microsoft.com/office/drawing/2010/main" val="0"/>
@@ -18079,12 +18375,12 @@
           <a:graphicData uri="http://schemas.openxmlformats.org/presentationml/2006/ole">
             <mc:AlternateContent xmlns:mc="http://schemas.openxmlformats.org/markup-compatibility/2006">
               <mc:Choice xmlns:v="urn:schemas-microsoft-com:vml" Requires="v">
-                <p:oleObj spid="_x0000_s88111" name="Equation" r:id="rId6" imgW="990170" imgH="253890" progId="Equation.3">
+                <p:oleObj name="Equation" r:id="rId5" imgW="990170" imgH="253890" progId="Equation.3">
                   <p:embed/>
                 </p:oleObj>
               </mc:Choice>
               <mc:Fallback>
-                <p:oleObj name="Equation" r:id="rId6" imgW="990170" imgH="253890" progId="Equation.3">
+                <p:oleObj name="Equation" r:id="rId5" imgW="990170" imgH="253890" progId="Equation.3">
                   <p:embed/>
                   <p:pic>
                     <p:nvPicPr>
@@ -18095,7 +18391,7 @@
                       <p:nvPr/>
                     </p:nvPicPr>
                     <p:blipFill>
-                      <a:blip r:embed="rId7">
+                      <a:blip r:embed="rId6">
                         <a:extLst>
                           <a:ext uri="{28A0092B-C50C-407E-A947-70E740481C1C}">
                             <a14:useLocalDpi xmlns:a14="http://schemas.microsoft.com/office/drawing/2010/main" val="0"/>
@@ -18150,12 +18446,12 @@
           <a:graphicData uri="http://schemas.openxmlformats.org/presentationml/2006/ole">
             <mc:AlternateContent xmlns:mc="http://schemas.openxmlformats.org/markup-compatibility/2006">
               <mc:Choice xmlns:v="urn:schemas-microsoft-com:vml" Requires="v">
-                <p:oleObj spid="_x0000_s88112" name="Equation" r:id="rId8" imgW="634725" imgH="253890" progId="Equation.3">
+                <p:oleObj name="Equation" r:id="rId7" imgW="634725" imgH="253890" progId="Equation.3">
                   <p:embed/>
                 </p:oleObj>
               </mc:Choice>
               <mc:Fallback>
-                <p:oleObj name="Equation" r:id="rId8" imgW="634725" imgH="253890" progId="Equation.3">
+                <p:oleObj name="Equation" r:id="rId7" imgW="634725" imgH="253890" progId="Equation.3">
                   <p:embed/>
                   <p:pic>
                     <p:nvPicPr>
@@ -18166,7 +18462,7 @@
                       <p:nvPr/>
                     </p:nvPicPr>
                     <p:blipFill>
-                      <a:blip r:embed="rId9">
+                      <a:blip r:embed="rId8">
                         <a:extLst>
                           <a:ext uri="{28A0092B-C50C-407E-A947-70E740481C1C}">
                             <a14:useLocalDpi xmlns:a14="http://schemas.microsoft.com/office/drawing/2010/main" val="0"/>
@@ -18221,12 +18517,12 @@
           <a:graphicData uri="http://schemas.openxmlformats.org/presentationml/2006/ole">
             <mc:AlternateContent xmlns:mc="http://schemas.openxmlformats.org/markup-compatibility/2006">
               <mc:Choice xmlns:v="urn:schemas-microsoft-com:vml" Requires="v">
-                <p:oleObj spid="_x0000_s88113" name="Equation" r:id="rId10" imgW="1803400" imgH="241300" progId="Equation.3">
+                <p:oleObj name="Equation" r:id="rId9" imgW="1803400" imgH="241300" progId="Equation.3">
                   <p:embed/>
                 </p:oleObj>
               </mc:Choice>
               <mc:Fallback>
-                <p:oleObj name="Equation" r:id="rId10" imgW="1803400" imgH="241300" progId="Equation.3">
+                <p:oleObj name="Equation" r:id="rId9" imgW="1803400" imgH="241300" progId="Equation.3">
                   <p:embed/>
                   <p:pic>
                     <p:nvPicPr>
@@ -18237,7 +18533,7 @@
                       <p:nvPr/>
                     </p:nvPicPr>
                     <p:blipFill>
-                      <a:blip r:embed="rId11">
+                      <a:blip r:embed="rId10">
                         <a:extLst>
                           <a:ext uri="{28A0092B-C50C-407E-A947-70E740481C1C}">
                             <a14:useLocalDpi xmlns:a14="http://schemas.microsoft.com/office/drawing/2010/main" val="0"/>
@@ -18292,12 +18588,12 @@
           <a:graphicData uri="http://schemas.openxmlformats.org/presentationml/2006/ole">
             <mc:AlternateContent xmlns:mc="http://schemas.openxmlformats.org/markup-compatibility/2006">
               <mc:Choice xmlns:v="urn:schemas-microsoft-com:vml" Requires="v">
-                <p:oleObj spid="_x0000_s88114" name="Equation" r:id="rId12" imgW="2159000" imgH="241300" progId="Equation.3">
+                <p:oleObj name="Equation" r:id="rId11" imgW="2159000" imgH="241300" progId="Equation.3">
                   <p:embed/>
                 </p:oleObj>
               </mc:Choice>
               <mc:Fallback>
-                <p:oleObj name="Equation" r:id="rId12" imgW="2159000" imgH="241300" progId="Equation.3">
+                <p:oleObj name="Equation" r:id="rId11" imgW="2159000" imgH="241300" progId="Equation.3">
                   <p:embed/>
                   <p:pic>
                     <p:nvPicPr>
@@ -18308,7 +18604,7 @@
                       <p:nvPr/>
                     </p:nvPicPr>
                     <p:blipFill>
-                      <a:blip r:embed="rId13">
+                      <a:blip r:embed="rId12">
                         <a:extLst>
                           <a:ext uri="{28A0092B-C50C-407E-A947-70E740481C1C}">
                             <a14:useLocalDpi xmlns:a14="http://schemas.microsoft.com/office/drawing/2010/main" val="0"/>
@@ -18363,12 +18659,12 @@
           <a:graphicData uri="http://schemas.openxmlformats.org/presentationml/2006/ole">
             <mc:AlternateContent xmlns:mc="http://schemas.openxmlformats.org/markup-compatibility/2006">
               <mc:Choice xmlns:v="urn:schemas-microsoft-com:vml" Requires="v">
-                <p:oleObj spid="_x0000_s88115" name="Equation" r:id="rId14" imgW="431613" imgH="215806" progId="Equation.3">
+                <p:oleObj name="Equation" r:id="rId13" imgW="431613" imgH="215806" progId="Equation.3">
                   <p:embed/>
                 </p:oleObj>
               </mc:Choice>
               <mc:Fallback>
-                <p:oleObj name="Equation" r:id="rId14" imgW="431613" imgH="215806" progId="Equation.3">
+                <p:oleObj name="Equation" r:id="rId13" imgW="431613" imgH="215806" progId="Equation.3">
                   <p:embed/>
                   <p:pic>
                     <p:nvPicPr>
@@ -18379,7 +18675,7 @@
                       <p:nvPr/>
                     </p:nvPicPr>
                     <p:blipFill>
-                      <a:blip r:embed="rId15">
+                      <a:blip r:embed="rId14">
                         <a:extLst>
                           <a:ext uri="{28A0092B-C50C-407E-A947-70E740481C1C}">
                             <a14:useLocalDpi xmlns:a14="http://schemas.microsoft.com/office/drawing/2010/main" val="0"/>
@@ -18434,12 +18730,12 @@
           <a:graphicData uri="http://schemas.openxmlformats.org/presentationml/2006/ole">
             <mc:AlternateContent xmlns:mc="http://schemas.openxmlformats.org/markup-compatibility/2006">
               <mc:Choice xmlns:v="urn:schemas-microsoft-com:vml" Requires="v">
-                <p:oleObj spid="_x0000_s88116" name="Equation" r:id="rId16" imgW="3403600" imgH="914400" progId="Equation.3">
+                <p:oleObj name="Equation" r:id="rId15" imgW="3403600" imgH="914400" progId="Equation.3">
                   <p:embed/>
                 </p:oleObj>
               </mc:Choice>
               <mc:Fallback>
-                <p:oleObj name="Equation" r:id="rId16" imgW="3403600" imgH="914400" progId="Equation.3">
+                <p:oleObj name="Equation" r:id="rId15" imgW="3403600" imgH="914400" progId="Equation.3">
                   <p:embed/>
                   <p:pic>
                     <p:nvPicPr>
@@ -18450,7 +18746,7 @@
                       <p:nvPr/>
                     </p:nvPicPr>
                     <p:blipFill>
-                      <a:blip r:embed="rId17">
+                      <a:blip r:embed="rId16">
                         <a:extLst>
                           <a:ext uri="{28A0092B-C50C-407E-A947-70E740481C1C}">
                             <a14:useLocalDpi xmlns:a14="http://schemas.microsoft.com/office/drawing/2010/main" val="0"/>
@@ -18521,14 +18817,18 @@
   <p:clrMapOvr>
     <a:masterClrMapping/>
   </p:clrMapOvr>
-  <p:transition spd="med"/>
-  <p:timing>
-    <p:tnLst>
-      <p:par>
-        <p:cTn id="1" dur="indefinite" restart="never" nodeType="tmRoot"/>
-      </p:par>
-    </p:tnLst>
-  </p:timing>
+  <mc:AlternateContent xmlns:mc="http://schemas.openxmlformats.org/markup-compatibility/2006">
+    <mc:Choice xmlns:p159="http://schemas.microsoft.com/office/powerpoint/2015/09/main" Requires="p159">
+      <p:transition>
+        <p159:morph option="byChar"/>
+      </p:transition>
+    </mc:Choice>
+    <mc:Fallback>
+      <p:transition>
+        <p:fade/>
+      </p:transition>
+    </mc:Fallback>
+  </mc:AlternateContent>
 </p:sld>
 </file>
 
@@ -18565,10 +18865,10 @@
           <a:lstStyle/>
           <a:p>
             <a:r>
-              <a:rPr lang="en-US" altLang="ko-KR" dirty="0" smtClean="0"/>
+              <a:rPr lang="en-US" altLang="ko-KR" dirty="0"/>
               <a:t> MOSFET</a:t>
             </a:r>
-            <a:endParaRPr lang="ko-KR" altLang="en-US" dirty="0" smtClean="0"/>
+            <a:endParaRPr lang="ko-KR" altLang="en-US" dirty="0"/>
           </a:p>
         </p:txBody>
       </p:sp>
@@ -18597,32 +18897,27 @@
               <a:buNone/>
             </a:pPr>
             <a:r>
-              <a:rPr lang="en-US" altLang="ko-KR" sz="2800" b="1" dirty="0" smtClean="0"/>
+              <a:rPr lang="en-US" altLang="ko-KR" sz="2800" b="1" dirty="0"/>
               <a:t> </a:t>
             </a:r>
             <a:r>
-              <a:rPr lang="en-US" altLang="ko-KR" sz="2800" b="1" dirty="0" smtClean="0">
+              <a:rPr lang="en-US" altLang="ko-KR" sz="2800" b="1" dirty="0">
                 <a:solidFill>
                   <a:srgbClr val="0070C0"/>
                 </a:solidFill>
               </a:rPr>
               <a:t>Biasing Techniques</a:t>
             </a:r>
-            <a:endParaRPr lang="en-US" altLang="ko-KR" sz="2800" b="1" dirty="0" smtClean="0">
-              <a:solidFill>
-                <a:srgbClr val="0070C0"/>
-              </a:solidFill>
-            </a:endParaRPr>
-          </a:p>
-          <a:p>
-            <a:r>
-              <a:rPr lang="en-US" altLang="ko-KR" b="1" dirty="0" smtClean="0"/>
+          </a:p>
+          <a:p>
+            <a:r>
+              <a:rPr lang="en-US" altLang="ko-KR" b="1" dirty="0"/>
               <a:t>Lode line</a:t>
             </a:r>
           </a:p>
           <a:p>
             <a:r>
-              <a:rPr lang="en-US" altLang="ko-KR" b="1" dirty="0" smtClean="0"/>
+              <a:rPr lang="en-US" altLang="ko-KR" b="1" dirty="0"/>
               <a:t>Q-point</a:t>
             </a:r>
           </a:p>
@@ -18805,14 +19100,18 @@
   <p:clrMapOvr>
     <a:masterClrMapping/>
   </p:clrMapOvr>
-  <p:transition spd="med"/>
-  <p:timing>
-    <p:tnLst>
-      <p:par>
-        <p:cTn id="1" dur="indefinite" restart="never" nodeType="tmRoot"/>
-      </p:par>
-    </p:tnLst>
-  </p:timing>
+  <mc:AlternateContent xmlns:mc="http://schemas.openxmlformats.org/markup-compatibility/2006">
+    <mc:Choice xmlns:p159="http://schemas.microsoft.com/office/powerpoint/2015/09/main" Requires="p159">
+      <p:transition>
+        <p159:morph option="byChar"/>
+      </p:transition>
+    </mc:Choice>
+    <mc:Fallback>
+      <p:transition>
+        <p:fade/>
+      </p:transition>
+    </mc:Fallback>
+  </mc:AlternateContent>
 </p:sld>
 </file>
 
@@ -18849,10 +19148,10 @@
           <a:lstStyle/>
           <a:p>
             <a:r>
-              <a:rPr lang="en-US" altLang="ko-KR" dirty="0" smtClean="0"/>
+              <a:rPr lang="en-US" altLang="ko-KR" dirty="0"/>
               <a:t> MOSFET</a:t>
             </a:r>
-            <a:endParaRPr lang="ko-KR" altLang="en-US" dirty="0" smtClean="0"/>
+            <a:endParaRPr lang="ko-KR" altLang="en-US" dirty="0"/>
           </a:p>
         </p:txBody>
       </p:sp>
@@ -18881,26 +19180,21 @@
               <a:buNone/>
             </a:pPr>
             <a:r>
-              <a:rPr lang="en-US" altLang="ko-KR" sz="2800" b="1" dirty="0" smtClean="0"/>
+              <a:rPr lang="en-US" altLang="ko-KR" sz="2800" b="1" dirty="0"/>
               <a:t> </a:t>
             </a:r>
             <a:r>
-              <a:rPr lang="en-US" altLang="ko-KR" sz="2800" b="1" dirty="0" smtClean="0">
+              <a:rPr lang="en-US" altLang="ko-KR" sz="2800" b="1" dirty="0">
                 <a:solidFill>
                   <a:srgbClr val="0070C0"/>
                 </a:solidFill>
               </a:rPr>
               <a:t>Example 11.1</a:t>
             </a:r>
-            <a:endParaRPr lang="en-US" altLang="ko-KR" sz="2800" b="1" dirty="0" smtClean="0">
-              <a:solidFill>
-                <a:srgbClr val="0070C0"/>
-              </a:solidFill>
-            </a:endParaRPr>
-          </a:p>
-          <a:p>
-            <a:r>
-              <a:rPr lang="en-US" altLang="ko-KR" b="1" dirty="0" smtClean="0"/>
+          </a:p>
+          <a:p>
+            <a:r>
+              <a:rPr lang="en-US" altLang="ko-KR" b="1" dirty="0"/>
               <a:t>Determine Q-point</a:t>
             </a:r>
           </a:p>
@@ -19157,14 +19451,18 @@
   <p:clrMapOvr>
     <a:masterClrMapping/>
   </p:clrMapOvr>
-  <p:transition spd="med"/>
-  <p:timing>
-    <p:tnLst>
-      <p:par>
-        <p:cTn id="1" dur="indefinite" restart="never" nodeType="tmRoot"/>
-      </p:par>
-    </p:tnLst>
-  </p:timing>
+  <mc:AlternateContent xmlns:mc="http://schemas.openxmlformats.org/markup-compatibility/2006">
+    <mc:Choice xmlns:p159="http://schemas.microsoft.com/office/powerpoint/2015/09/main" Requires="p159">
+      <p:transition>
+        <p159:morph option="byChar"/>
+      </p:transition>
+    </mc:Choice>
+    <mc:Fallback>
+      <p:transition>
+        <p:fade/>
+      </p:transition>
+    </mc:Fallback>
+  </mc:AlternateContent>
 </p:sld>
 </file>
 
@@ -19201,10 +19499,10 @@
           <a:lstStyle/>
           <a:p>
             <a:r>
-              <a:rPr lang="en-US" altLang="ko-KR" dirty="0" smtClean="0"/>
+              <a:rPr lang="en-US" altLang="ko-KR" dirty="0"/>
               <a:t>MOSFET</a:t>
             </a:r>
-            <a:endParaRPr lang="ko-KR" altLang="en-US" dirty="0" smtClean="0"/>
+            <a:endParaRPr lang="ko-KR" altLang="en-US" dirty="0"/>
           </a:p>
         </p:txBody>
       </p:sp>
@@ -19233,98 +19531,90 @@
               <a:buNone/>
             </a:pPr>
             <a:r>
-              <a:rPr lang="en-US" altLang="ko-KR" sz="2800" b="1" dirty="0" smtClean="0">
+              <a:rPr lang="en-US" altLang="ko-KR" sz="2800" b="1" dirty="0">
                 <a:solidFill>
                   <a:srgbClr val="0070C0"/>
                 </a:solidFill>
               </a:rPr>
-              <a:t>The </a:t>
-            </a:r>
-            <a:r>
-              <a:rPr lang="en-US" altLang="ko-KR" sz="2800" b="1" dirty="0">
-                <a:solidFill>
-                  <a:srgbClr val="0070C0"/>
-                </a:solidFill>
-              </a:rPr>
-              <a:t>NOT Gate: MOSFET Implementation</a:t>
-            </a:r>
-          </a:p>
-          <a:p>
-            <a:r>
-              <a:rPr lang="en-US" altLang="ko-KR" dirty="0" smtClean="0"/>
+              <a:t>The NOT Gate: MOSFET Implementation</a:t>
+            </a:r>
+          </a:p>
+          <a:p>
+            <a:r>
+              <a:rPr lang="en-US" altLang="ko-KR" dirty="0"/>
               <a:t>NOT Gate(Inverter)</a:t>
             </a:r>
           </a:p>
           <a:p>
             <a:pPr lvl="1"/>
             <a:r>
-              <a:rPr lang="en-US" altLang="ko-KR" dirty="0" smtClean="0"/>
+              <a:rPr lang="en-US" altLang="ko-KR" dirty="0"/>
               <a:t>Low input → High output</a:t>
             </a:r>
           </a:p>
           <a:p>
             <a:pPr lvl="1"/>
             <a:r>
-              <a:rPr lang="en-US" altLang="ko-KR" dirty="0" smtClean="0"/>
+              <a:rPr lang="en-US" altLang="ko-KR" dirty="0"/>
               <a:t>High input → Low output</a:t>
             </a:r>
           </a:p>
           <a:p>
             <a:r>
-              <a:rPr lang="en-US" altLang="ko-KR" dirty="0" smtClean="0"/>
+              <a:rPr lang="en-US" altLang="ko-KR" dirty="0"/>
               <a:t>Load line</a:t>
             </a:r>
           </a:p>
           <a:p>
-            <a:endParaRPr lang="en-US" altLang="ko-KR" dirty="0" smtClean="0"/>
-          </a:p>
-          <a:p>
-            <a:endParaRPr lang="en-US" altLang="ko-KR" dirty="0" smtClean="0"/>
-          </a:p>
-          <a:p>
-            <a:endParaRPr lang="en-US" altLang="ko-KR" dirty="0" smtClean="0"/>
-          </a:p>
-          <a:p>
-            <a:r>
-              <a:rPr lang="en-US" altLang="ko-KR" dirty="0" smtClean="0"/>
+            <a:endParaRPr lang="en-US" altLang="ko-KR" dirty="0"/>
+          </a:p>
+          <a:p>
+            <a:endParaRPr lang="en-US" altLang="ko-KR" dirty="0"/>
+          </a:p>
+          <a:p>
+            <a:endParaRPr lang="en-US" altLang="ko-KR" dirty="0"/>
+          </a:p>
+          <a:p>
+            <a:r>
+              <a:rPr lang="en-US" altLang="ko-KR" dirty="0"/>
               <a:t>From load line</a:t>
             </a:r>
           </a:p>
           <a:p>
-            <a:endParaRPr lang="en-US" altLang="ko-KR" dirty="0" smtClean="0"/>
-          </a:p>
-          <a:p>
-            <a:endParaRPr lang="en-US" altLang="ko-KR" dirty="0" smtClean="0"/>
-          </a:p>
-          <a:p>
-            <a:endParaRPr lang="en-US" altLang="ko-KR" dirty="0" smtClean="0"/>
-          </a:p>
-          <a:p>
-            <a:endParaRPr lang="en-US" altLang="ko-KR" dirty="0" smtClean="0"/>
-          </a:p>
-          <a:p>
-            <a:endParaRPr lang="en-US" altLang="ko-KR" dirty="0" smtClean="0"/>
-          </a:p>
-          <a:p>
-            <a:endParaRPr lang="en-US" altLang="ko-KR" dirty="0" smtClean="0"/>
-          </a:p>
-          <a:p>
-            <a:endParaRPr lang="en-US" altLang="ko-KR" dirty="0" smtClean="0"/>
-          </a:p>
-          <a:p>
-            <a:endParaRPr lang="en-US" altLang="ko-KR" dirty="0" smtClean="0"/>
-          </a:p>
-          <a:p>
-            <a:endParaRPr lang="en-US" altLang="ko-KR" dirty="0" smtClean="0"/>
-          </a:p>
-          <a:p>
-            <a:endParaRPr lang="en-US" altLang="ko-KR" dirty="0" smtClean="0"/>
-          </a:p>
-          <a:p>
-            <a:endParaRPr lang="en-US" altLang="ko-KR" dirty="0" smtClean="0"/>
-          </a:p>
-          <a:p>
-            <a:endParaRPr lang="ko-KR" altLang="en-US" dirty="0" smtClean="0"/>
+            <a:endParaRPr lang="en-US" altLang="ko-KR" dirty="0"/>
+          </a:p>
+          <a:p>
+            <a:endParaRPr lang="en-US" altLang="ko-KR" dirty="0"/>
+          </a:p>
+          <a:p>
+            <a:endParaRPr lang="en-US" altLang="ko-KR" dirty="0"/>
+          </a:p>
+          <a:p>
+            <a:endParaRPr lang="en-US" altLang="ko-KR" dirty="0"/>
+          </a:p>
+          <a:p>
+            <a:endParaRPr lang="en-US" altLang="ko-KR" dirty="0"/>
+          </a:p>
+          <a:p>
+            <a:endParaRPr lang="en-US" altLang="ko-KR" dirty="0"/>
+          </a:p>
+          <a:p>
+            <a:endParaRPr lang="en-US" altLang="ko-KR" dirty="0"/>
+          </a:p>
+          <a:p>
+            <a:endParaRPr lang="en-US" altLang="ko-KR" dirty="0"/>
+          </a:p>
+          <a:p>
+            <a:endParaRPr lang="en-US" altLang="ko-KR" dirty="0"/>
+          </a:p>
+          <a:p>
+            <a:endParaRPr lang="en-US" altLang="ko-KR" dirty="0"/>
+          </a:p>
+          <a:p>
+            <a:endParaRPr lang="en-US" altLang="ko-KR" dirty="0"/>
+          </a:p>
+          <a:p>
+            <a:endParaRPr lang="ko-KR" altLang="en-US" dirty="0"/>
           </a:p>
         </p:txBody>
       </p:sp>
@@ -19350,12 +19640,12 @@
           <a:graphicData uri="http://schemas.openxmlformats.org/presentationml/2006/ole">
             <mc:AlternateContent xmlns:mc="http://schemas.openxmlformats.org/markup-compatibility/2006">
               <mc:Choice xmlns:v="urn:schemas-microsoft-com:vml" Requires="v">
-                <p:oleObj spid="_x0000_s89100" name="Equation" r:id="rId4" imgW="1625600" imgH="685800" progId="Equation.3">
+                <p:oleObj name="Equation" r:id="rId3" imgW="1625600" imgH="685800" progId="Equation.3">
                   <p:embed/>
                 </p:oleObj>
               </mc:Choice>
               <mc:Fallback>
-                <p:oleObj name="Equation" r:id="rId4" imgW="1625600" imgH="685800" progId="Equation.3">
+                <p:oleObj name="Equation" r:id="rId3" imgW="1625600" imgH="685800" progId="Equation.3">
                   <p:embed/>
                   <p:pic>
                     <p:nvPicPr>
@@ -19366,7 +19656,7 @@
                       <p:nvPr/>
                     </p:nvPicPr>
                     <p:blipFill>
-                      <a:blip r:embed="rId5">
+                      <a:blip r:embed="rId4">
                         <a:extLst>
                           <a:ext uri="{28A0092B-C50C-407E-A947-70E740481C1C}">
                             <a14:useLocalDpi xmlns:a14="http://schemas.microsoft.com/office/drawing/2010/main" val="0"/>
@@ -19449,12 +19739,12 @@
           <a:graphicData uri="http://schemas.openxmlformats.org/presentationml/2006/ole">
             <mc:AlternateContent xmlns:mc="http://schemas.openxmlformats.org/markup-compatibility/2006">
               <mc:Choice xmlns:v="urn:schemas-microsoft-com:vml" Requires="v">
-                <p:oleObj spid="_x0000_s89101" name="Equation" r:id="rId6" imgW="1777229" imgH="482391" progId="Equation.3">
+                <p:oleObj name="Equation" r:id="rId5" imgW="1777229" imgH="482391" progId="Equation.3">
                   <p:embed/>
                 </p:oleObj>
               </mc:Choice>
               <mc:Fallback>
-                <p:oleObj name="Equation" r:id="rId6" imgW="1777229" imgH="482391" progId="Equation.3">
+                <p:oleObj name="Equation" r:id="rId5" imgW="1777229" imgH="482391" progId="Equation.3">
                   <p:embed/>
                   <p:pic>
                     <p:nvPicPr>
@@ -19465,7 +19755,7 @@
                       <p:nvPr/>
                     </p:nvPicPr>
                     <p:blipFill>
-                      <a:blip r:embed="rId7">
+                      <a:blip r:embed="rId6">
                         <a:extLst>
                           <a:ext uri="{28A0092B-C50C-407E-A947-70E740481C1C}">
                             <a14:useLocalDpi xmlns:a14="http://schemas.microsoft.com/office/drawing/2010/main" val="0"/>
@@ -19535,7 +19825,7 @@
           <p:nvPr/>
         </p:nvPicPr>
         <p:blipFill>
-          <a:blip r:embed="rId8">
+          <a:blip r:embed="rId7">
             <a:extLst>
               <a:ext uri="{28A0092B-C50C-407E-A947-70E740481C1C}">
                 <a14:useLocalDpi xmlns:a14="http://schemas.microsoft.com/office/drawing/2010/main" val="0"/>
@@ -19589,7 +19879,7 @@
           <p:nvPr/>
         </p:nvPicPr>
         <p:blipFill>
-          <a:blip r:embed="rId9"/>
+          <a:blip r:embed="rId8"/>
           <a:stretch>
             <a:fillRect/>
           </a:stretch>
@@ -19614,14 +19904,18 @@
   <p:clrMapOvr>
     <a:masterClrMapping/>
   </p:clrMapOvr>
-  <p:transition spd="med"/>
-  <p:timing>
-    <p:tnLst>
-      <p:par>
-        <p:cTn id="1" dur="indefinite" restart="never" nodeType="tmRoot"/>
-      </p:par>
-    </p:tnLst>
-  </p:timing>
+  <mc:AlternateContent xmlns:mc="http://schemas.openxmlformats.org/markup-compatibility/2006">
+    <mc:Choice xmlns:p159="http://schemas.microsoft.com/office/powerpoint/2015/09/main" Requires="p159">
+      <p:transition>
+        <p159:morph option="byChar"/>
+      </p:transition>
+    </mc:Choice>
+    <mc:Fallback>
+      <p:transition>
+        <p:fade/>
+      </p:transition>
+    </mc:Fallback>
+  </mc:AlternateContent>
 </p:sld>
 </file>
 
@@ -19658,10 +19952,10 @@
           <a:lstStyle/>
           <a:p>
             <a:r>
-              <a:rPr lang="en-US" altLang="ko-KR" dirty="0" smtClean="0"/>
+              <a:rPr lang="en-US" altLang="ko-KR" dirty="0"/>
               <a:t>MOSFET</a:t>
             </a:r>
-            <a:endParaRPr lang="ko-KR" altLang="en-US" dirty="0" smtClean="0"/>
+            <a:endParaRPr lang="ko-KR" altLang="en-US" dirty="0"/>
           </a:p>
         </p:txBody>
       </p:sp>
@@ -19690,54 +19984,49 @@
               <a:buNone/>
             </a:pPr>
             <a:r>
-              <a:rPr lang="en-US" altLang="ko-KR" sz="2800" b="1" dirty="0" smtClean="0">
+              <a:rPr lang="en-US" altLang="ko-KR" sz="2800" b="1" dirty="0">
                 <a:solidFill>
                   <a:srgbClr val="0070C0"/>
                 </a:solidFill>
               </a:rPr>
               <a:t>Small-signal analysis of MODFET circuits</a:t>
             </a:r>
-            <a:endParaRPr lang="en-US" altLang="ko-KR" sz="2800" b="1" dirty="0">
-              <a:solidFill>
-                <a:srgbClr val="0070C0"/>
-              </a:solidFill>
-            </a:endParaRPr>
-          </a:p>
-          <a:p>
-            <a:endParaRPr lang="en-US" altLang="ko-KR" dirty="0" smtClean="0"/>
-          </a:p>
-          <a:p>
-            <a:endParaRPr lang="en-US" altLang="ko-KR" dirty="0" smtClean="0"/>
-          </a:p>
-          <a:p>
-            <a:endParaRPr lang="en-US" altLang="ko-KR" dirty="0" smtClean="0"/>
-          </a:p>
-          <a:p>
-            <a:endParaRPr lang="en-US" altLang="ko-KR" dirty="0" smtClean="0"/>
-          </a:p>
-          <a:p>
-            <a:endParaRPr lang="en-US" altLang="ko-KR" dirty="0" smtClean="0"/>
-          </a:p>
-          <a:p>
-            <a:endParaRPr lang="en-US" altLang="ko-KR" dirty="0" smtClean="0"/>
-          </a:p>
-          <a:p>
-            <a:endParaRPr lang="en-US" altLang="ko-KR" dirty="0" smtClean="0"/>
-          </a:p>
-          <a:p>
-            <a:endParaRPr lang="en-US" altLang="ko-KR" dirty="0" smtClean="0"/>
-          </a:p>
-          <a:p>
-            <a:endParaRPr lang="en-US" altLang="ko-KR" dirty="0" smtClean="0"/>
-          </a:p>
-          <a:p>
-            <a:endParaRPr lang="en-US" altLang="ko-KR" dirty="0" smtClean="0"/>
-          </a:p>
-          <a:p>
-            <a:endParaRPr lang="en-US" altLang="ko-KR" dirty="0" smtClean="0"/>
-          </a:p>
-          <a:p>
-            <a:endParaRPr lang="ko-KR" altLang="en-US" dirty="0" smtClean="0"/>
+          </a:p>
+          <a:p>
+            <a:endParaRPr lang="en-US" altLang="ko-KR" dirty="0"/>
+          </a:p>
+          <a:p>
+            <a:endParaRPr lang="en-US" altLang="ko-KR" dirty="0"/>
+          </a:p>
+          <a:p>
+            <a:endParaRPr lang="en-US" altLang="ko-KR" dirty="0"/>
+          </a:p>
+          <a:p>
+            <a:endParaRPr lang="en-US" altLang="ko-KR" dirty="0"/>
+          </a:p>
+          <a:p>
+            <a:endParaRPr lang="en-US" altLang="ko-KR" dirty="0"/>
+          </a:p>
+          <a:p>
+            <a:endParaRPr lang="en-US" altLang="ko-KR" dirty="0"/>
+          </a:p>
+          <a:p>
+            <a:endParaRPr lang="en-US" altLang="ko-KR" dirty="0"/>
+          </a:p>
+          <a:p>
+            <a:endParaRPr lang="en-US" altLang="ko-KR" dirty="0"/>
+          </a:p>
+          <a:p>
+            <a:endParaRPr lang="en-US" altLang="ko-KR" dirty="0"/>
+          </a:p>
+          <a:p>
+            <a:endParaRPr lang="en-US" altLang="ko-KR" dirty="0"/>
+          </a:p>
+          <a:p>
+            <a:endParaRPr lang="en-US" altLang="ko-KR" dirty="0"/>
+          </a:p>
+          <a:p>
+            <a:endParaRPr lang="ko-KR" altLang="en-US" dirty="0"/>
           </a:p>
         </p:txBody>
       </p:sp>
@@ -20163,14 +20452,18 @@
   <p:clrMapOvr>
     <a:masterClrMapping/>
   </p:clrMapOvr>
-  <p:transition spd="med"/>
-  <p:timing>
-    <p:tnLst>
-      <p:par>
-        <p:cTn id="1" dur="indefinite" restart="never" nodeType="tmRoot"/>
-      </p:par>
-    </p:tnLst>
-  </p:timing>
+  <mc:AlternateContent xmlns:mc="http://schemas.openxmlformats.org/markup-compatibility/2006">
+    <mc:Choice xmlns:p159="http://schemas.microsoft.com/office/powerpoint/2015/09/main" Requires="p159">
+      <p:transition>
+        <p159:morph option="byChar"/>
+      </p:transition>
+    </mc:Choice>
+    <mc:Fallback>
+      <p:transition>
+        <p:fade/>
+      </p:transition>
+    </mc:Fallback>
+  </mc:AlternateContent>
 </p:sld>
 </file>
 
@@ -20207,10 +20500,10 @@
           <a:lstStyle/>
           <a:p>
             <a:r>
-              <a:rPr lang="en-US" altLang="ko-KR" dirty="0" smtClean="0"/>
+              <a:rPr lang="en-US" altLang="ko-KR" dirty="0"/>
               <a:t>MOSFET</a:t>
             </a:r>
-            <a:endParaRPr lang="ko-KR" altLang="en-US" dirty="0" smtClean="0"/>
+            <a:endParaRPr lang="ko-KR" altLang="en-US" dirty="0"/>
           </a:p>
         </p:txBody>
       </p:sp>
@@ -20239,55 +20532,49 @@
               <a:buNone/>
             </a:pPr>
             <a:r>
-              <a:rPr lang="en-US" altLang="ko-KR" sz="2800" b="1" dirty="0" smtClean="0">
+              <a:rPr lang="en-US" altLang="ko-KR" sz="2800" b="1" dirty="0">
                 <a:solidFill>
                   <a:srgbClr val="0070C0"/>
                 </a:solidFill>
               </a:rPr>
               <a:t>Example 11.3</a:t>
             </a:r>
-            <a:endParaRPr lang="en-US" altLang="ko-KR" sz="2800" b="1" dirty="0">
-              <a:solidFill>
-                <a:srgbClr val="0070C0"/>
-              </a:solidFill>
-            </a:endParaRPr>
-          </a:p>
-          <a:p>
-            <a:r>
-              <a:rPr lang="en-US" altLang="ko-KR" dirty="0" smtClean="0"/>
+          </a:p>
+          <a:p>
+            <a:r>
+              <a:rPr lang="en-US" altLang="ko-KR" dirty="0"/>
               <a:t>Find </a:t>
             </a:r>
-            <a:endParaRPr lang="en-US" altLang="ko-KR" dirty="0" smtClean="0"/>
-          </a:p>
-          <a:p>
-            <a:endParaRPr lang="en-US" altLang="ko-KR" dirty="0" smtClean="0"/>
-          </a:p>
-          <a:p>
-            <a:endParaRPr lang="en-US" altLang="ko-KR" dirty="0" smtClean="0"/>
-          </a:p>
-          <a:p>
-            <a:endParaRPr lang="en-US" altLang="ko-KR" dirty="0" smtClean="0"/>
-          </a:p>
-          <a:p>
-            <a:endParaRPr lang="en-US" altLang="ko-KR" dirty="0" smtClean="0"/>
-          </a:p>
-          <a:p>
-            <a:endParaRPr lang="en-US" altLang="ko-KR" dirty="0" smtClean="0"/>
-          </a:p>
-          <a:p>
-            <a:endParaRPr lang="en-US" altLang="ko-KR" dirty="0" smtClean="0"/>
-          </a:p>
-          <a:p>
-            <a:endParaRPr lang="en-US" altLang="ko-KR" dirty="0" smtClean="0"/>
-          </a:p>
-          <a:p>
-            <a:endParaRPr lang="en-US" altLang="ko-KR" dirty="0" smtClean="0"/>
-          </a:p>
-          <a:p>
-            <a:endParaRPr lang="en-US" altLang="ko-KR" dirty="0" smtClean="0"/>
-          </a:p>
-          <a:p>
-            <a:endParaRPr lang="ko-KR" altLang="en-US" dirty="0" smtClean="0"/>
+          </a:p>
+          <a:p>
+            <a:endParaRPr lang="en-US" altLang="ko-KR" dirty="0"/>
+          </a:p>
+          <a:p>
+            <a:endParaRPr lang="en-US" altLang="ko-KR" dirty="0"/>
+          </a:p>
+          <a:p>
+            <a:endParaRPr lang="en-US" altLang="ko-KR" dirty="0"/>
+          </a:p>
+          <a:p>
+            <a:endParaRPr lang="en-US" altLang="ko-KR" dirty="0"/>
+          </a:p>
+          <a:p>
+            <a:endParaRPr lang="en-US" altLang="ko-KR" dirty="0"/>
+          </a:p>
+          <a:p>
+            <a:endParaRPr lang="en-US" altLang="ko-KR" dirty="0"/>
+          </a:p>
+          <a:p>
+            <a:endParaRPr lang="en-US" altLang="ko-KR" dirty="0"/>
+          </a:p>
+          <a:p>
+            <a:endParaRPr lang="en-US" altLang="ko-KR" dirty="0"/>
+          </a:p>
+          <a:p>
+            <a:endParaRPr lang="en-US" altLang="ko-KR" dirty="0"/>
+          </a:p>
+          <a:p>
+            <a:endParaRPr lang="ko-KR" altLang="en-US" dirty="0"/>
           </a:p>
         </p:txBody>
       </p:sp>
@@ -20895,14 +21182,18 @@
   <p:clrMapOvr>
     <a:masterClrMapping/>
   </p:clrMapOvr>
-  <p:transition spd="med"/>
-  <p:timing>
-    <p:tnLst>
-      <p:par>
-        <p:cTn id="1" dur="indefinite" restart="never" nodeType="tmRoot"/>
-      </p:par>
-    </p:tnLst>
-  </p:timing>
+  <mc:AlternateContent xmlns:mc="http://schemas.openxmlformats.org/markup-compatibility/2006">
+    <mc:Choice xmlns:p159="http://schemas.microsoft.com/office/powerpoint/2015/09/main" Requires="p159">
+      <p:transition>
+        <p159:morph option="byChar"/>
+      </p:transition>
+    </mc:Choice>
+    <mc:Fallback>
+      <p:transition>
+        <p:fade/>
+      </p:transition>
+    </mc:Fallback>
+  </mc:AlternateContent>
 </p:sld>
 </file>
 
@@ -20939,10 +21230,10 @@
           <a:lstStyle/>
           <a:p>
             <a:r>
-              <a:rPr lang="en-US" altLang="ko-KR" dirty="0" smtClean="0"/>
+              <a:rPr lang="en-US" altLang="ko-KR" dirty="0"/>
               <a:t>MOSFET</a:t>
             </a:r>
-            <a:endParaRPr lang="ko-KR" altLang="en-US" dirty="0" smtClean="0"/>
+            <a:endParaRPr lang="ko-KR" altLang="en-US" dirty="0"/>
           </a:p>
         </p:txBody>
       </p:sp>
@@ -20971,48 +21262,43 @@
               <a:buNone/>
             </a:pPr>
             <a:r>
-              <a:rPr lang="en-US" altLang="ko-KR" sz="3200" b="1" dirty="0" smtClean="0">
+              <a:rPr lang="en-US" altLang="ko-KR" sz="3200" b="1" dirty="0">
                 <a:solidFill>
                   <a:srgbClr val="0070C0"/>
                 </a:solidFill>
               </a:rPr>
               <a:t>Common source amplifier</a:t>
             </a:r>
-            <a:endParaRPr lang="en-US" altLang="ko-KR" sz="3200" b="1" dirty="0">
-              <a:solidFill>
-                <a:srgbClr val="0070C0"/>
-              </a:solidFill>
-            </a:endParaRPr>
-          </a:p>
-          <a:p>
-            <a:endParaRPr lang="en-US" altLang="ko-KR" dirty="0" smtClean="0"/>
-          </a:p>
-          <a:p>
-            <a:endParaRPr lang="en-US" altLang="ko-KR" dirty="0" smtClean="0"/>
-          </a:p>
-          <a:p>
-            <a:endParaRPr lang="en-US" altLang="ko-KR" dirty="0" smtClean="0"/>
-          </a:p>
-          <a:p>
-            <a:endParaRPr lang="en-US" altLang="ko-KR" dirty="0" smtClean="0"/>
-          </a:p>
-          <a:p>
-            <a:endParaRPr lang="en-US" altLang="ko-KR" dirty="0" smtClean="0"/>
-          </a:p>
-          <a:p>
-            <a:endParaRPr lang="en-US" altLang="ko-KR" dirty="0" smtClean="0"/>
-          </a:p>
-          <a:p>
-            <a:endParaRPr lang="en-US" altLang="ko-KR" dirty="0" smtClean="0"/>
-          </a:p>
-          <a:p>
-            <a:endParaRPr lang="en-US" altLang="ko-KR" dirty="0" smtClean="0"/>
-          </a:p>
-          <a:p>
-            <a:endParaRPr lang="en-US" altLang="ko-KR" dirty="0" smtClean="0"/>
-          </a:p>
-          <a:p>
-            <a:endParaRPr lang="ko-KR" altLang="en-US" dirty="0" smtClean="0"/>
+          </a:p>
+          <a:p>
+            <a:endParaRPr lang="en-US" altLang="ko-KR" dirty="0"/>
+          </a:p>
+          <a:p>
+            <a:endParaRPr lang="en-US" altLang="ko-KR" dirty="0"/>
+          </a:p>
+          <a:p>
+            <a:endParaRPr lang="en-US" altLang="ko-KR" dirty="0"/>
+          </a:p>
+          <a:p>
+            <a:endParaRPr lang="en-US" altLang="ko-KR" dirty="0"/>
+          </a:p>
+          <a:p>
+            <a:endParaRPr lang="en-US" altLang="ko-KR" dirty="0"/>
+          </a:p>
+          <a:p>
+            <a:endParaRPr lang="en-US" altLang="ko-KR" dirty="0"/>
+          </a:p>
+          <a:p>
+            <a:endParaRPr lang="en-US" altLang="ko-KR" dirty="0"/>
+          </a:p>
+          <a:p>
+            <a:endParaRPr lang="en-US" altLang="ko-KR" dirty="0"/>
+          </a:p>
+          <a:p>
+            <a:endParaRPr lang="en-US" altLang="ko-KR" dirty="0"/>
+          </a:p>
+          <a:p>
+            <a:endParaRPr lang="ko-KR" altLang="en-US" dirty="0"/>
           </a:p>
         </p:txBody>
       </p:sp>
@@ -21894,14 +22180,18 @@
   <p:clrMapOvr>
     <a:masterClrMapping/>
   </p:clrMapOvr>
-  <p:transition spd="med"/>
-  <p:timing>
-    <p:tnLst>
-      <p:par>
-        <p:cTn id="1" dur="indefinite" restart="never" nodeType="tmRoot"/>
-      </p:par>
-    </p:tnLst>
-  </p:timing>
+  <mc:AlternateContent xmlns:mc="http://schemas.openxmlformats.org/markup-compatibility/2006">
+    <mc:Choice xmlns:p159="http://schemas.microsoft.com/office/powerpoint/2015/09/main" Requires="p159">
+      <p:transition>
+        <p159:morph option="byChar"/>
+      </p:transition>
+    </mc:Choice>
+    <mc:Fallback>
+      <p:transition>
+        <p:fade/>
+      </p:transition>
+    </mc:Fallback>
+  </mc:AlternateContent>
 </p:sld>
 </file>
 
@@ -21938,10 +22228,10 @@
           <a:lstStyle/>
           <a:p>
             <a:r>
-              <a:rPr lang="en-US" altLang="ko-KR" dirty="0" smtClean="0"/>
+              <a:rPr lang="en-US" altLang="ko-KR" dirty="0"/>
               <a:t>MOSFET</a:t>
             </a:r>
-            <a:endParaRPr lang="ko-KR" altLang="en-US" dirty="0" smtClean="0"/>
+            <a:endParaRPr lang="ko-KR" altLang="en-US" dirty="0"/>
           </a:p>
         </p:txBody>
       </p:sp>
@@ -21965,22 +22255,14 @@
               <a:buNone/>
             </a:pPr>
             <a:r>
-              <a:rPr lang="en-US" altLang="ko-KR" sz="2800" b="1" dirty="0" smtClean="0">
+              <a:rPr lang="en-US" altLang="ko-KR" sz="2800" b="1" dirty="0">
                 <a:solidFill>
                   <a:srgbClr val="0070C0"/>
                 </a:solidFill>
               </a:rPr>
-              <a:t>Other </a:t>
-            </a:r>
-            <a:r>
-              <a:rPr lang="en-US" altLang="ko-KR" sz="2800" b="1" dirty="0" smtClean="0">
-                <a:solidFill>
-                  <a:srgbClr val="0070C0"/>
-                </a:solidFill>
-              </a:rPr>
-              <a:t>FET Amplifier Configurations</a:t>
-            </a:r>
-            <a:endParaRPr lang="ko-KR" altLang="en-US" sz="2800" b="1" dirty="0" smtClean="0">
+              <a:t>Other FET Amplifier Configurations</a:t>
+            </a:r>
+            <a:endParaRPr lang="ko-KR" altLang="en-US" sz="2800" b="1" dirty="0">
               <a:solidFill>
                 <a:srgbClr val="0070C0"/>
               </a:solidFill>
@@ -22022,7 +22304,18 @@
   <p:clrMapOvr>
     <a:masterClrMapping/>
   </p:clrMapOvr>
-  <p:transition spd="med"/>
+  <mc:AlternateContent xmlns:mc="http://schemas.openxmlformats.org/markup-compatibility/2006">
+    <mc:Choice xmlns:p159="http://schemas.microsoft.com/office/powerpoint/2015/09/main" Requires="p159">
+      <p:transition>
+        <p159:morph option="byChar"/>
+      </p:transition>
+    </mc:Choice>
+    <mc:Fallback>
+      <p:transition>
+        <p:fade/>
+      </p:transition>
+    </mc:Fallback>
+  </mc:AlternateContent>
 </p:sld>
 </file>
 
@@ -22059,10 +22352,10 @@
           <a:lstStyle/>
           <a:p>
             <a:r>
-              <a:rPr lang="en-US" altLang="ko-KR" dirty="0" smtClean="0"/>
+              <a:rPr lang="en-US" altLang="ko-KR" dirty="0"/>
               <a:t>BJT</a:t>
             </a:r>
-            <a:endParaRPr lang="ko-KR" altLang="en-US" dirty="0" smtClean="0"/>
+            <a:endParaRPr lang="ko-KR" altLang="en-US" dirty="0"/>
           </a:p>
         </p:txBody>
       </p:sp>
@@ -22087,7 +22380,7 @@
               <a:defRPr/>
             </a:pPr>
             <a:r>
-              <a:rPr lang="en-US" altLang="ko-KR" sz="2800" b="1" dirty="0" smtClean="0">
+              <a:rPr lang="en-US" altLang="ko-KR" sz="2800" b="1" dirty="0">
                 <a:solidFill>
                   <a:srgbClr val="0070C0"/>
                 </a:solidFill>
@@ -22102,20 +22395,12 @@
               <a:defRPr/>
             </a:pPr>
             <a:r>
-              <a:rPr lang="en-US" altLang="ko-KR" b="1" dirty="0" smtClean="0">
+              <a:rPr lang="en-US" altLang="ko-KR" b="1" dirty="0">
                 <a:solidFill>
                   <a:srgbClr val="A50021"/>
                 </a:solidFill>
               </a:rPr>
-              <a:t>BJT </a:t>
-            </a:r>
-            <a:r>
-              <a:rPr lang="en-US" altLang="ko-KR" b="1" dirty="0" smtClean="0">
-                <a:solidFill>
-                  <a:srgbClr val="A50021"/>
-                </a:solidFill>
-              </a:rPr>
-              <a:t>Structure</a:t>
+              <a:t>BJT Structure</a:t>
             </a:r>
           </a:p>
           <a:p>
@@ -22123,7 +22408,7 @@
               <a:defRPr/>
             </a:pPr>
             <a:r>
-              <a:rPr lang="en-US" altLang="ko-KR" sz="2000" b="1" i="1" dirty="0" smtClean="0"/>
+              <a:rPr lang="en-US" altLang="ko-KR" sz="2000" b="1" i="1" dirty="0"/>
               <a:t>bipolar junction transistor</a:t>
             </a:r>
           </a:p>
@@ -22132,15 +22417,15 @@
               <a:defRPr/>
             </a:pPr>
             <a:r>
-              <a:rPr lang="en-US" altLang="ko-KR" sz="2000" b="1" dirty="0" smtClean="0"/>
+              <a:rPr lang="en-US" altLang="ko-KR" sz="2000" b="1" dirty="0"/>
               <a:t>two </a:t>
             </a:r>
             <a:r>
-              <a:rPr lang="en-US" altLang="ko-KR" sz="2000" b="1" i="1" dirty="0" smtClean="0"/>
+              <a:rPr lang="en-US" altLang="ko-KR" sz="2000" b="1" i="1" dirty="0"/>
               <a:t>p-n</a:t>
             </a:r>
             <a:r>
-              <a:rPr lang="en-US" altLang="ko-KR" sz="2000" b="1" dirty="0" smtClean="0"/>
+              <a:rPr lang="en-US" altLang="ko-KR" sz="2000" b="1" dirty="0"/>
               <a:t> junction diodes fabricated very close</a:t>
             </a:r>
           </a:p>
@@ -22149,19 +22434,19 @@
               <a:defRPr/>
             </a:pPr>
             <a:r>
-              <a:rPr lang="en-US" altLang="ko-KR" sz="2000" b="1" i="1" dirty="0" smtClean="0"/>
+              <a:rPr lang="en-US" altLang="ko-KR" sz="2000" b="1" i="1" dirty="0"/>
               <a:t>PNP</a:t>
             </a:r>
             <a:r>
-              <a:rPr lang="en-US" altLang="ko-KR" sz="2000" b="1" dirty="0" smtClean="0"/>
+              <a:rPr lang="en-US" altLang="ko-KR" sz="2000" b="1" dirty="0"/>
               <a:t> transistor and </a:t>
             </a:r>
             <a:r>
-              <a:rPr lang="en-US" altLang="ko-KR" sz="2000" b="1" i="1" dirty="0" smtClean="0"/>
+              <a:rPr lang="en-US" altLang="ko-KR" sz="2000" b="1" i="1" dirty="0"/>
               <a:t>NPN</a:t>
             </a:r>
             <a:r>
-              <a:rPr lang="en-US" altLang="ko-KR" sz="2000" b="1" dirty="0" smtClean="0"/>
+              <a:rPr lang="en-US" altLang="ko-KR" sz="2000" b="1" dirty="0"/>
               <a:t> transistor</a:t>
             </a:r>
           </a:p>
@@ -22170,7 +22455,7 @@
               <a:defRPr/>
             </a:pPr>
             <a:r>
-              <a:rPr lang="en-US" altLang="ko-KR" sz="2000" b="1" i="1" dirty="0" smtClean="0">
+              <a:rPr lang="en-US" altLang="ko-KR" sz="2000" b="1" i="1" dirty="0">
                 <a:solidFill>
                   <a:srgbClr val="A50021"/>
                 </a:solidFill>
@@ -22178,7 +22463,7 @@
               <a:t>base</a:t>
             </a:r>
             <a:r>
-              <a:rPr lang="en-US" altLang="ko-KR" sz="2000" b="1" dirty="0" smtClean="0">
+              <a:rPr lang="en-US" altLang="ko-KR" sz="2000" b="1" dirty="0">
                 <a:solidFill>
                   <a:srgbClr val="A50021"/>
                 </a:solidFill>
@@ -22186,7 +22471,7 @@
               <a:t> </a:t>
             </a:r>
             <a:r>
-              <a:rPr lang="en-US" altLang="ko-KR" sz="2000" b="1" dirty="0" smtClean="0"/>
+              <a:rPr lang="en-US" altLang="ko-KR" sz="2000" b="1" dirty="0"/>
               <a:t>(B) : center region of BJT</a:t>
             </a:r>
           </a:p>
@@ -22195,7 +22480,7 @@
               <a:defRPr/>
             </a:pPr>
             <a:r>
-              <a:rPr lang="en-US" altLang="ko-KR" sz="2000" b="1" i="1" dirty="0" smtClean="0">
+              <a:rPr lang="en-US" altLang="ko-KR" sz="2000" b="1" i="1" dirty="0">
                 <a:solidFill>
                   <a:srgbClr val="A50021"/>
                 </a:solidFill>
@@ -22203,7 +22488,7 @@
               <a:t>emitter</a:t>
             </a:r>
             <a:r>
-              <a:rPr lang="en-US" altLang="ko-KR" sz="2000" b="1" dirty="0" smtClean="0"/>
+              <a:rPr lang="en-US" altLang="ko-KR" sz="2000" b="1" dirty="0"/>
               <a:t> (E) : emitting carriers</a:t>
             </a:r>
           </a:p>
@@ -22212,7 +22497,7 @@
               <a:defRPr/>
             </a:pPr>
             <a:r>
-              <a:rPr lang="en-US" altLang="ko-KR" sz="2000" b="1" i="1" dirty="0" smtClean="0">
+              <a:rPr lang="en-US" altLang="ko-KR" sz="2000" b="1" i="1" dirty="0">
                 <a:solidFill>
                   <a:srgbClr val="A50021"/>
                 </a:solidFill>
@@ -22220,7 +22505,7 @@
               <a:t>collector</a:t>
             </a:r>
             <a:r>
-              <a:rPr lang="en-US" altLang="ko-KR" sz="2000" b="1" dirty="0" smtClean="0"/>
+              <a:rPr lang="en-US" altLang="ko-KR" sz="2000" b="1" dirty="0"/>
               <a:t> (C) : collecting carriers</a:t>
             </a:r>
             <a:endParaRPr lang="ko-KR" altLang="en-US" sz="2000" b="1" dirty="0"/>
@@ -22345,7 +22630,18 @@
   <p:clrMapOvr>
     <a:masterClrMapping/>
   </p:clrMapOvr>
-  <p:transition spd="med"/>
+  <mc:AlternateContent xmlns:mc="http://schemas.openxmlformats.org/markup-compatibility/2006">
+    <mc:Choice xmlns:p159="http://schemas.microsoft.com/office/powerpoint/2015/09/main" Requires="p159">
+      <p:transition>
+        <p159:morph option="byChar"/>
+      </p:transition>
+    </mc:Choice>
+    <mc:Fallback>
+      <p:transition>
+        <p:fade/>
+      </p:transition>
+    </mc:Fallback>
+  </mc:AlternateContent>
 </p:sld>
 </file>
 
@@ -22382,10 +22678,10 @@
           <a:lstStyle/>
           <a:p>
             <a:r>
-              <a:rPr lang="en-US" altLang="ko-KR" dirty="0" smtClean="0"/>
+              <a:rPr lang="en-US" altLang="ko-KR" dirty="0"/>
               <a:t>BJT</a:t>
             </a:r>
-            <a:endParaRPr lang="ko-KR" altLang="en-US" dirty="0" smtClean="0"/>
+            <a:endParaRPr lang="ko-KR" altLang="en-US" dirty="0"/>
           </a:p>
         </p:txBody>
       </p:sp>
@@ -22415,25 +22711,20 @@
               <a:defRPr/>
             </a:pPr>
             <a:r>
-              <a:rPr lang="en-US" altLang="ko-KR" sz="2800" b="1" dirty="0" smtClean="0">
+              <a:rPr lang="en-US" altLang="ko-KR" sz="2800" b="1" dirty="0">
                 <a:solidFill>
                   <a:srgbClr val="0070C0"/>
                 </a:solidFill>
               </a:rPr>
               <a:t>BJT Device operation</a:t>
             </a:r>
-            <a:endParaRPr lang="en-US" altLang="ko-KR" sz="2800" b="1" dirty="0" smtClean="0">
-              <a:solidFill>
-                <a:srgbClr val="0070C0"/>
-              </a:solidFill>
-            </a:endParaRPr>
           </a:p>
           <a:p>
             <a:pPr>
               <a:defRPr/>
             </a:pPr>
             <a:r>
-              <a:rPr lang="en-US" altLang="ko-KR" b="1" dirty="0" smtClean="0"/>
+              <a:rPr lang="en-US" altLang="ko-KR" b="1" dirty="0"/>
               <a:t>four possible bias conditions</a:t>
             </a:r>
           </a:p>
@@ -22442,7 +22733,7 @@
               <a:defRPr/>
             </a:pPr>
             <a:r>
-              <a:rPr lang="en-US" altLang="ko-KR" b="1" dirty="0" smtClean="0"/>
+              <a:rPr lang="en-US" altLang="ko-KR" b="1" dirty="0"/>
               <a:t>emitter junction</a:t>
             </a:r>
           </a:p>
@@ -22451,7 +22742,7 @@
               <a:defRPr/>
             </a:pPr>
             <a:r>
-              <a:rPr lang="en-US" altLang="ko-KR" b="1" dirty="0" smtClean="0"/>
+              <a:rPr lang="en-US" altLang="ko-KR" b="1" dirty="0"/>
               <a:t>collector junction</a:t>
             </a:r>
           </a:p>
@@ -22460,7 +22751,7 @@
               <a:defRPr/>
             </a:pPr>
             <a:r>
-              <a:rPr lang="en-US" altLang="ko-KR" b="1" i="1" dirty="0" smtClean="0">
+              <a:rPr lang="en-US" altLang="ko-KR" b="1" i="1" dirty="0">
                 <a:solidFill>
                   <a:srgbClr val="A50021"/>
                 </a:solidFill>
@@ -22468,11 +22759,11 @@
               <a:t>cutoff</a:t>
             </a:r>
             <a:r>
-              <a:rPr lang="en-US" altLang="ko-KR" b="1" dirty="0" smtClean="0"/>
+              <a:rPr lang="en-US" altLang="ko-KR" b="1" dirty="0"/>
               <a:t> or </a:t>
             </a:r>
             <a:r>
-              <a:rPr lang="en-US" altLang="ko-KR" b="1" i="1" dirty="0" smtClean="0">
+              <a:rPr lang="en-US" altLang="ko-KR" b="1" i="1" dirty="0">
                 <a:solidFill>
                   <a:srgbClr val="A50021"/>
                 </a:solidFill>
@@ -22480,7 +22771,7 @@
               <a:t>off</a:t>
             </a:r>
             <a:r>
-              <a:rPr lang="en-US" altLang="ko-KR" b="1" dirty="0" smtClean="0"/>
+              <a:rPr lang="en-US" altLang="ko-KR" b="1" dirty="0"/>
               <a:t> : open switch</a:t>
             </a:r>
           </a:p>
@@ -22489,7 +22780,7 @@
               <a:defRPr/>
             </a:pPr>
             <a:r>
-              <a:rPr lang="en-US" altLang="ko-KR" b="1" i="1" dirty="0" smtClean="0">
+              <a:rPr lang="en-US" altLang="ko-KR" b="1" i="1" dirty="0">
                 <a:solidFill>
                   <a:srgbClr val="A50021"/>
                 </a:solidFill>
@@ -22497,11 +22788,11 @@
               <a:t>on</a:t>
             </a:r>
             <a:r>
-              <a:rPr lang="en-US" altLang="ko-KR" b="1" dirty="0" smtClean="0"/>
+              <a:rPr lang="en-US" altLang="ko-KR" b="1" dirty="0"/>
               <a:t> or </a:t>
             </a:r>
             <a:r>
-              <a:rPr lang="en-US" altLang="ko-KR" b="1" i="1" dirty="0" smtClean="0">
+              <a:rPr lang="en-US" altLang="ko-KR" b="1" i="1" dirty="0">
                 <a:solidFill>
                   <a:srgbClr val="A50021"/>
                 </a:solidFill>
@@ -22509,7 +22800,7 @@
               <a:t>saturated</a:t>
             </a:r>
             <a:r>
-              <a:rPr lang="en-US" altLang="ko-KR" b="1" dirty="0" smtClean="0"/>
+              <a:rPr lang="en-US" altLang="ko-KR" b="1" dirty="0"/>
               <a:t> : closed switch</a:t>
             </a:r>
             <a:endParaRPr lang="ko-KR" altLang="en-US" b="1" dirty="0"/>
@@ -22550,7 +22841,18 @@
   <p:clrMapOvr>
     <a:masterClrMapping/>
   </p:clrMapOvr>
-  <p:transition spd="med"/>
+  <mc:AlternateContent xmlns:mc="http://schemas.openxmlformats.org/markup-compatibility/2006">
+    <mc:Choice xmlns:p159="http://schemas.microsoft.com/office/powerpoint/2015/09/main" Requires="p159">
+      <p:transition>
+        <p159:morph option="byChar"/>
+      </p:transition>
+    </mc:Choice>
+    <mc:Fallback>
+      <p:transition>
+        <p:fade/>
+      </p:transition>
+    </mc:Fallback>
+  </mc:AlternateContent>
 </p:sld>
 </file>
 
@@ -22591,7 +22893,7 @@
               <a:rPr lang="en-US" altLang="ko-KR" sz="2400" dirty="0"/>
               <a:t>Learning Objectives</a:t>
             </a:r>
-            <a:endParaRPr lang="ko-KR" altLang="en-US" sz="2400" dirty="0" smtClean="0"/>
+            <a:endParaRPr lang="ko-KR" altLang="en-US" sz="2400" dirty="0"/>
           </a:p>
         </p:txBody>
       </p:sp>
@@ -22620,22 +22922,13 @@
               <a:defRPr/>
             </a:pPr>
             <a:r>
-              <a:rPr lang="en-US" altLang="ko-KR" sz="2800" b="1" dirty="0" smtClean="0">
+              <a:rPr lang="en-US" altLang="ko-KR" sz="2800" b="1" dirty="0">
                 <a:solidFill>
                   <a:srgbClr val="0070C0"/>
                 </a:solidFill>
                 <a:ea typeface="Microsoft Sans Serif" panose="020B0604020202020204" pitchFamily="34" charset="0"/>
               </a:rPr>
-              <a:t>Learning </a:t>
-            </a:r>
-            <a:r>
-              <a:rPr lang="en-US" altLang="ko-KR" sz="2800" b="1" dirty="0">
-                <a:solidFill>
-                  <a:srgbClr val="0070C0"/>
-                </a:solidFill>
-                <a:ea typeface="Microsoft Sans Serif" panose="020B0604020202020204" pitchFamily="34" charset="0"/>
-              </a:rPr>
-              <a:t>Objectives </a:t>
+              <a:t>Learning Objectives </a:t>
             </a:r>
           </a:p>
           <a:p>
@@ -22646,16 +22939,10 @@
               <a:defRPr/>
             </a:pPr>
             <a:r>
-              <a:rPr lang="en-US" altLang="ko-KR" b="1" dirty="0" smtClean="0">
+              <a:rPr lang="en-US" altLang="ko-KR" b="1" dirty="0">
                 <a:ea typeface="Microsoft Sans Serif" panose="020B0604020202020204" pitchFamily="34" charset="0"/>
               </a:rPr>
-              <a:t>To </a:t>
-            </a:r>
-            <a:r>
-              <a:rPr lang="en-US" altLang="ko-KR" b="1" dirty="0" smtClean="0">
-                <a:ea typeface="Microsoft Sans Serif" panose="020B0604020202020204" pitchFamily="34" charset="0"/>
-              </a:rPr>
-              <a:t>recognize the impact on society of transistors and integrated circuits </a:t>
+              <a:t>To recognize the impact on society of transistors and integrated circuits </a:t>
             </a:r>
           </a:p>
           <a:p>
@@ -22666,13 +22953,13 @@
               <a:defRPr/>
             </a:pPr>
             <a:r>
-              <a:rPr lang="en-US" altLang="ko-KR" b="1" dirty="0" smtClean="0">
+              <a:rPr lang="en-US" altLang="ko-KR" b="1" dirty="0">
                 <a:ea typeface="Microsoft Sans Serif" panose="020B0604020202020204" pitchFamily="34" charset="0"/>
               </a:rPr>
               <a:t>To gain a understanding of the </a:t>
             </a:r>
             <a:r>
-              <a:rPr lang="en-US" altLang="ko-KR" b="1" dirty="0" smtClean="0">
+              <a:rPr lang="en-US" altLang="ko-KR" b="1" dirty="0">
                 <a:solidFill>
                   <a:srgbClr val="A50021"/>
                 </a:solidFill>
@@ -22689,13 +22976,13 @@
               <a:defRPr/>
             </a:pPr>
             <a:r>
-              <a:rPr lang="en-US" altLang="ko-KR" b="1" dirty="0" smtClean="0">
+              <a:rPr lang="en-US" altLang="ko-KR" b="1" dirty="0">
                 <a:ea typeface="Microsoft Sans Serif" panose="020B0604020202020204" pitchFamily="34" charset="0"/>
               </a:rPr>
               <a:t>To develop an understanding of </a:t>
             </a:r>
             <a:r>
-              <a:rPr lang="en-US" altLang="ko-KR" b="1" dirty="0" smtClean="0">
+              <a:rPr lang="en-US" altLang="ko-KR" b="1" dirty="0">
                 <a:solidFill>
                   <a:srgbClr val="A50021"/>
                 </a:solidFill>
@@ -22712,13 +22999,13 @@
               <a:defRPr/>
             </a:pPr>
             <a:r>
-              <a:rPr lang="en-US" altLang="ko-KR" b="1" dirty="0" smtClean="0">
+              <a:rPr lang="en-US" altLang="ko-KR" b="1" dirty="0">
                 <a:ea typeface="Microsoft Sans Serif" panose="020B0604020202020204" pitchFamily="34" charset="0"/>
               </a:rPr>
               <a:t>To learn </a:t>
             </a:r>
             <a:r>
-              <a:rPr lang="en-US" altLang="ko-KR" b="1" dirty="0" smtClean="0">
+              <a:rPr lang="en-US" altLang="ko-KR" b="1" dirty="0">
                 <a:solidFill>
                   <a:srgbClr val="A50021"/>
                 </a:solidFill>
@@ -22735,13 +23022,13 @@
               <a:defRPr/>
             </a:pPr>
             <a:r>
-              <a:rPr lang="en-US" altLang="ko-KR" b="1" dirty="0" smtClean="0">
+              <a:rPr lang="en-US" altLang="ko-KR" b="1" dirty="0">
                 <a:ea typeface="Microsoft Sans Serif" panose="020B0604020202020204" pitchFamily="34" charset="0"/>
               </a:rPr>
               <a:t>To understand </a:t>
             </a:r>
             <a:r>
-              <a:rPr lang="en-US" altLang="ko-KR" b="1" dirty="0" smtClean="0">
+              <a:rPr lang="en-US" altLang="ko-KR" b="1" dirty="0">
                 <a:solidFill>
                   <a:srgbClr val="A50021"/>
                 </a:solidFill>
@@ -22750,13 +23037,13 @@
               <a:t>large-signal analysis</a:t>
             </a:r>
             <a:r>
-              <a:rPr lang="en-US" altLang="ko-KR" b="1" dirty="0" smtClean="0">
+              <a:rPr lang="en-US" altLang="ko-KR" b="1" dirty="0">
                 <a:ea typeface="Microsoft Sans Serif" panose="020B0604020202020204" pitchFamily="34" charset="0"/>
               </a:rPr>
               <a:t> with </a:t>
             </a:r>
             <a:r>
-              <a:rPr lang="en-US" altLang="ko-KR" b="1" dirty="0" smtClean="0">
+              <a:rPr lang="en-US" altLang="ko-KR" b="1" dirty="0">
                 <a:solidFill>
                   <a:srgbClr val="A50021"/>
                 </a:solidFill>
@@ -22765,13 +23052,13 @@
               <a:t>load lines</a:t>
             </a:r>
             <a:r>
-              <a:rPr lang="en-US" altLang="ko-KR" b="1" dirty="0" smtClean="0">
+              <a:rPr lang="en-US" altLang="ko-KR" b="1" dirty="0">
                 <a:ea typeface="Microsoft Sans Serif" panose="020B0604020202020204" pitchFamily="34" charset="0"/>
               </a:rPr>
               <a:t>, integrated with </a:t>
             </a:r>
             <a:r>
-              <a:rPr lang="en-US" altLang="ko-KR" b="1" dirty="0" smtClean="0">
+              <a:rPr lang="en-US" altLang="ko-KR" b="1" dirty="0">
                 <a:solidFill>
                   <a:srgbClr val="A50021"/>
                 </a:solidFill>
@@ -22787,14 +23074,18 @@
   <p:clrMapOvr>
     <a:masterClrMapping/>
   </p:clrMapOvr>
-  <p:transition spd="med"/>
-  <p:timing>
-    <p:tnLst>
-      <p:par>
-        <p:cTn id="1" dur="indefinite" restart="never" nodeType="tmRoot"/>
-      </p:par>
-    </p:tnLst>
-  </p:timing>
+  <mc:AlternateContent xmlns:mc="http://schemas.openxmlformats.org/markup-compatibility/2006">
+    <mc:Choice xmlns:p159="http://schemas.microsoft.com/office/powerpoint/2015/09/main" Requires="p159">
+      <p:transition>
+        <p159:morph option="byChar"/>
+      </p:transition>
+    </mc:Choice>
+    <mc:Fallback>
+      <p:transition>
+        <p:fade/>
+      </p:transition>
+    </mc:Fallback>
+  </mc:AlternateContent>
 </p:sld>
 </file>
 
@@ -22831,10 +23122,10 @@
           <a:lstStyle/>
           <a:p>
             <a:r>
-              <a:rPr lang="en-US" altLang="ko-KR" dirty="0" smtClean="0"/>
+              <a:rPr lang="en-US" altLang="ko-KR" dirty="0"/>
               <a:t>BJT</a:t>
             </a:r>
-            <a:endParaRPr lang="ko-KR" altLang="en-US" dirty="0" smtClean="0"/>
+            <a:endParaRPr lang="ko-KR" altLang="en-US" dirty="0"/>
           </a:p>
         </p:txBody>
       </p:sp>
@@ -22863,25 +23154,17 @@
               <a:buNone/>
             </a:pPr>
             <a:r>
-              <a:rPr lang="en-US" altLang="ko-KR" b="1" dirty="0" smtClean="0">
+              <a:rPr lang="en-US" altLang="ko-KR" b="1" dirty="0">
                 <a:solidFill>
                   <a:srgbClr val="A50021"/>
                 </a:solidFill>
               </a:rPr>
-              <a:t>BJT </a:t>
-            </a:r>
-            <a:r>
-              <a:rPr lang="en-US" altLang="ko-KR" b="1" dirty="0" smtClean="0">
-                <a:solidFill>
-                  <a:srgbClr val="A50021"/>
-                </a:solidFill>
-              </a:rPr>
-              <a:t>in the Active Region</a:t>
-            </a:r>
-          </a:p>
-          <a:p>
-            <a:r>
-              <a:rPr lang="en-US" altLang="ko-KR" sz="2000" b="1" dirty="0" smtClean="0"/>
+              <a:t>BJT in the Active Region</a:t>
+            </a:r>
+          </a:p>
+          <a:p>
+            <a:r>
+              <a:rPr lang="en-US" altLang="ko-KR" sz="2000" b="1" dirty="0"/>
               <a:t>two diodes are extremely close together</a:t>
             </a:r>
           </a:p>
@@ -22893,22 +23176,22 @@
           </a:p>
           <a:p>
             <a:pPr lvl="1"/>
-            <a:endParaRPr lang="en-US" altLang="ko-KR" sz="1800" b="1" dirty="0" smtClean="0"/>
-          </a:p>
-          <a:p>
-            <a:endParaRPr lang="en-US" altLang="ko-KR" sz="2200" b="1" dirty="0" smtClean="0"/>
-          </a:p>
-          <a:p>
-            <a:endParaRPr lang="en-US" altLang="ko-KR" sz="2200" b="1" dirty="0" smtClean="0"/>
-          </a:p>
-          <a:p>
-            <a:endParaRPr lang="en-US" altLang="ko-KR" sz="2200" b="1" dirty="0" smtClean="0"/>
+            <a:endParaRPr lang="en-US" altLang="ko-KR" sz="1800" b="1" dirty="0"/>
           </a:p>
           <a:p>
             <a:endParaRPr lang="en-US" altLang="ko-KR" sz="2200" b="1" dirty="0"/>
           </a:p>
           <a:p>
-            <a:endParaRPr lang="en-US" altLang="ko-KR" sz="2200" b="1" dirty="0" smtClean="0"/>
+            <a:endParaRPr lang="en-US" altLang="ko-KR" sz="2200" b="1" dirty="0"/>
+          </a:p>
+          <a:p>
+            <a:endParaRPr lang="en-US" altLang="ko-KR" sz="2200" b="1" dirty="0"/>
+          </a:p>
+          <a:p>
+            <a:endParaRPr lang="en-US" altLang="ko-KR" sz="2200" b="1" dirty="0"/>
+          </a:p>
+          <a:p>
+            <a:endParaRPr lang="en-US" altLang="ko-KR" sz="2200" b="1" dirty="0"/>
           </a:p>
           <a:p>
             <a:pPr>
@@ -22917,27 +23200,15 @@
               </a:lnSpc>
             </a:pPr>
             <a:r>
-              <a:rPr lang="en-US" altLang="ko-KR" sz="2200" b="1" dirty="0" smtClean="0"/>
-              <a:t>Forward </a:t>
-            </a:r>
-            <a:r>
-              <a:rPr lang="en-US" altLang="ko-KR" sz="2200" b="1" dirty="0" smtClean="0"/>
-              <a:t>common base (CB) </a:t>
-            </a:r>
-            <a:r>
-              <a:rPr lang="en-US" altLang="ko-KR" sz="2200" b="1" dirty="0" smtClean="0"/>
-              <a:t/>
+              <a:rPr lang="en-US" altLang="ko-KR" sz="2200" b="1" dirty="0"/>
+              <a:t>Forward common base (CB) </a:t>
             </a:r>
             <a:br>
-              <a:rPr lang="en-US" altLang="ko-KR" sz="2200" b="1" dirty="0" smtClean="0"/>
+              <a:rPr lang="en-US" altLang="ko-KR" sz="2200" b="1" dirty="0"/>
             </a:br>
             <a:r>
-              <a:rPr lang="en-US" altLang="ko-KR" sz="2200" b="1" dirty="0" smtClean="0"/>
-              <a:t>current </a:t>
-            </a:r>
-            <a:r>
-              <a:rPr lang="en-US" altLang="ko-KR" sz="2200" b="1" dirty="0" smtClean="0"/>
-              <a:t>transfer ratio </a:t>
+              <a:rPr lang="en-US" altLang="ko-KR" sz="2200" b="1" dirty="0"/>
+              <a:t>current transfer ratio </a:t>
             </a:r>
           </a:p>
         </p:txBody>
@@ -22964,12 +23235,12 @@
           <a:graphicData uri="http://schemas.openxmlformats.org/presentationml/2006/ole">
             <mc:AlternateContent xmlns:mc="http://schemas.openxmlformats.org/markup-compatibility/2006">
               <mc:Choice xmlns:v="urn:schemas-microsoft-com:vml" Requires="v">
-                <p:oleObj spid="_x0000_s94222" name="Equation" r:id="rId4" imgW="1041400" imgH="508000" progId="Equation.3">
+                <p:oleObj name="Equation" r:id="rId3" imgW="1041400" imgH="508000" progId="Equation.3">
                   <p:embed/>
                 </p:oleObj>
               </mc:Choice>
               <mc:Fallback>
-                <p:oleObj name="Equation" r:id="rId4" imgW="1041400" imgH="508000" progId="Equation.3">
+                <p:oleObj name="Equation" r:id="rId3" imgW="1041400" imgH="508000" progId="Equation.3">
                   <p:embed/>
                   <p:pic>
                     <p:nvPicPr>
@@ -22980,7 +23251,7 @@
                       <p:nvPr/>
                     </p:nvPicPr>
                     <p:blipFill>
-                      <a:blip r:embed="rId5">
+                      <a:blip r:embed="rId4">
                         <a:extLst>
                           <a:ext uri="{28A0092B-C50C-407E-A947-70E740481C1C}">
                             <a14:useLocalDpi xmlns:a14="http://schemas.microsoft.com/office/drawing/2010/main" val="0"/>
@@ -23022,7 +23293,7 @@
           <p:nvPr/>
         </p:nvPicPr>
         <p:blipFill>
-          <a:blip r:embed="rId6" cstate="print">
+          <a:blip r:embed="rId5" cstate="print">
             <a:extLst>
               <a:ext uri="{28A0092B-C50C-407E-A947-70E740481C1C}">
                 <a14:useLocalDpi xmlns:a14="http://schemas.microsoft.com/office/drawing/2010/main" val="0"/>
@@ -23052,7 +23323,7 @@
           <p:nvPr/>
         </p:nvPicPr>
         <p:blipFill>
-          <a:blip r:embed="rId7" cstate="print">
+          <a:blip r:embed="rId6" cstate="print">
             <a:extLst>
               <a:ext uri="{28A0092B-C50C-407E-A947-70E740481C1C}">
                 <a14:useLocalDpi xmlns:a14="http://schemas.microsoft.com/office/drawing/2010/main" val="0"/>
@@ -23083,7 +23354,18 @@
   <p:clrMapOvr>
     <a:masterClrMapping/>
   </p:clrMapOvr>
-  <p:transition spd="med"/>
+  <mc:AlternateContent xmlns:mc="http://schemas.openxmlformats.org/markup-compatibility/2006">
+    <mc:Choice xmlns:p159="http://schemas.microsoft.com/office/powerpoint/2015/09/main" Requires="p159">
+      <p:transition>
+        <p159:morph option="byChar"/>
+      </p:transition>
+    </mc:Choice>
+    <mc:Fallback>
+      <p:transition>
+        <p:fade/>
+      </p:transition>
+    </mc:Fallback>
+  </mc:AlternateContent>
 </p:sld>
 </file>
 
@@ -23120,10 +23402,10 @@
           <a:lstStyle/>
           <a:p>
             <a:r>
-              <a:rPr lang="en-US" altLang="ko-KR" dirty="0" smtClean="0"/>
+              <a:rPr lang="en-US" altLang="ko-KR" dirty="0"/>
               <a:t>BJT</a:t>
             </a:r>
-            <a:endParaRPr lang="ko-KR" altLang="en-US" dirty="0" smtClean="0"/>
+            <a:endParaRPr lang="ko-KR" altLang="en-US" dirty="0"/>
           </a:p>
         </p:txBody>
       </p:sp>
@@ -23152,38 +23434,17 @@
               <a:buNone/>
             </a:pPr>
             <a:r>
-              <a:rPr lang="en-US" altLang="ko-KR" b="1" dirty="0" smtClean="0">
+              <a:rPr lang="en-US" altLang="ko-KR" b="1" dirty="0">
                 <a:solidFill>
                   <a:srgbClr val="A50021"/>
                 </a:solidFill>
               </a:rPr>
-              <a:t>BJT </a:t>
-            </a:r>
-            <a:r>
-              <a:rPr lang="en-US" altLang="ko-KR" b="1" dirty="0" smtClean="0">
-                <a:solidFill>
-                  <a:srgbClr val="A50021"/>
-                </a:solidFill>
-              </a:rPr>
-              <a:t>in the Active </a:t>
-            </a:r>
-            <a:r>
-              <a:rPr lang="en-US" altLang="ko-KR" b="1" dirty="0" smtClean="0">
-                <a:solidFill>
-                  <a:srgbClr val="A50021"/>
-                </a:solidFill>
-              </a:rPr>
-              <a:t>Region (continue)</a:t>
-            </a:r>
-            <a:endParaRPr lang="en-US" altLang="ko-KR" b="1" dirty="0" smtClean="0">
-              <a:solidFill>
-                <a:srgbClr val="A50021"/>
-              </a:solidFill>
-            </a:endParaRPr>
+              <a:t>BJT in the Active Region (continue)</a:t>
+            </a:r>
           </a:p>
           <a:p>
             <a:pPr lvl="1"/>
-            <a:endParaRPr lang="en-US" altLang="ko-KR" sz="1800" b="1" dirty="0" smtClean="0"/>
+            <a:endParaRPr lang="en-US" altLang="ko-KR" sz="1800" b="1" dirty="0"/>
           </a:p>
           <a:p>
             <a:pPr>
@@ -23192,7 +23453,7 @@
               </a:lnSpc>
             </a:pPr>
             <a:r>
-              <a:rPr lang="en-US" altLang="ko-KR" sz="2200" b="1" dirty="0" smtClean="0"/>
+              <a:rPr lang="en-US" altLang="ko-KR" sz="2200" b="1" dirty="0"/>
               <a:t>Turn-on voltage</a:t>
             </a:r>
           </a:p>
@@ -23203,7 +23464,7 @@
               </a:lnSpc>
             </a:pPr>
             <a:r>
-              <a:rPr lang="en-US" altLang="ko-KR" sz="2200" b="1" dirty="0" smtClean="0"/>
+              <a:rPr lang="en-US" altLang="ko-KR" sz="2200" b="1" dirty="0"/>
               <a:t>Emitter current</a:t>
             </a:r>
           </a:p>
@@ -23214,7 +23475,7 @@
               </a:lnSpc>
             </a:pPr>
             <a:r>
-              <a:rPr lang="en-US" altLang="ko-KR" sz="2200" b="1" dirty="0" smtClean="0"/>
+              <a:rPr lang="en-US" altLang="ko-KR" sz="2200" b="1" dirty="0"/>
               <a:t>Collect current </a:t>
             </a:r>
           </a:p>
@@ -23233,7 +23494,7 @@
               </a:lnSpc>
             </a:pPr>
             <a:r>
-              <a:rPr lang="en-US" altLang="ko-KR" sz="2200" b="1" dirty="0" smtClean="0"/>
+              <a:rPr lang="en-US" altLang="ko-KR" sz="2200" b="1" dirty="0"/>
               <a:t>Common emitter current gain</a:t>
             </a:r>
           </a:p>
@@ -23243,7 +23504,7 @@
                 <a:spcPct val="150000"/>
               </a:lnSpc>
             </a:pPr>
-            <a:endParaRPr lang="en-US" altLang="ko-KR" sz="1800" b="1" dirty="0" smtClean="0"/>
+            <a:endParaRPr lang="en-US" altLang="ko-KR" sz="1800" b="1" dirty="0"/>
           </a:p>
         </p:txBody>
       </p:sp>
@@ -23269,12 +23530,12 @@
           <a:graphicData uri="http://schemas.openxmlformats.org/presentationml/2006/ole">
             <mc:AlternateContent xmlns:mc="http://schemas.openxmlformats.org/markup-compatibility/2006">
               <mc:Choice xmlns:v="urn:schemas-microsoft-com:vml" Requires="v">
-                <p:oleObj spid="_x0000_s175119" name="Equation" r:id="rId4" imgW="901309" imgH="228501" progId="Equation.3">
+                <p:oleObj name="Equation" r:id="rId3" imgW="901309" imgH="228501" progId="Equation.3">
                   <p:embed/>
                 </p:oleObj>
               </mc:Choice>
               <mc:Fallback>
-                <p:oleObj name="Equation" r:id="rId4" imgW="901309" imgH="228501" progId="Equation.3">
+                <p:oleObj name="Equation" r:id="rId3" imgW="901309" imgH="228501" progId="Equation.3">
                   <p:embed/>
                   <p:pic>
                     <p:nvPicPr>
@@ -23285,7 +23546,7 @@
                       <p:nvPr/>
                     </p:nvPicPr>
                     <p:blipFill>
-                      <a:blip r:embed="rId5">
+                      <a:blip r:embed="rId4">
                         <a:extLst>
                           <a:ext uri="{28A0092B-C50C-407E-A947-70E740481C1C}">
                             <a14:useLocalDpi xmlns:a14="http://schemas.microsoft.com/office/drawing/2010/main" val="0"/>
@@ -23368,12 +23629,12 @@
           <a:graphicData uri="http://schemas.openxmlformats.org/presentationml/2006/ole">
             <mc:AlternateContent xmlns:mc="http://schemas.openxmlformats.org/markup-compatibility/2006">
               <mc:Choice xmlns:v="urn:schemas-microsoft-com:vml" Requires="v">
-                <p:oleObj spid="_x0000_s175120" name="Equation" r:id="rId6" imgW="761669" imgH="228501" progId="Equation.3">
+                <p:oleObj name="Equation" r:id="rId5" imgW="761669" imgH="228501" progId="Equation.3">
                   <p:embed/>
                 </p:oleObj>
               </mc:Choice>
               <mc:Fallback>
-                <p:oleObj name="Equation" r:id="rId6" imgW="761669" imgH="228501" progId="Equation.3">
+                <p:oleObj name="Equation" r:id="rId5" imgW="761669" imgH="228501" progId="Equation.3">
                   <p:embed/>
                   <p:pic>
                     <p:nvPicPr>
@@ -23384,7 +23645,7 @@
                       <p:nvPr/>
                     </p:nvPicPr>
                     <p:blipFill>
-                      <a:blip r:embed="rId7">
+                      <a:blip r:embed="rId6">
                         <a:extLst>
                           <a:ext uri="{28A0092B-C50C-407E-A947-70E740481C1C}">
                             <a14:useLocalDpi xmlns:a14="http://schemas.microsoft.com/office/drawing/2010/main" val="0"/>
@@ -23454,7 +23715,7 @@
           <p:nvPr/>
         </p:nvPicPr>
         <p:blipFill>
-          <a:blip r:embed="rId8" cstate="print">
+          <a:blip r:embed="rId7" cstate="print">
             <a:extLst>
               <a:ext uri="{28A0092B-C50C-407E-A947-70E740481C1C}">
                 <a14:useLocalDpi xmlns:a14="http://schemas.microsoft.com/office/drawing/2010/main" val="0"/>
@@ -23610,7 +23871,7 @@
           <p:nvPr/>
         </p:nvPicPr>
         <p:blipFill>
-          <a:blip r:embed="rId9">
+          <a:blip r:embed="rId8">
             <a:extLst>
               <a:ext uri="{28A0092B-C50C-407E-A947-70E740481C1C}">
                 <a14:useLocalDpi xmlns:a14="http://schemas.microsoft.com/office/drawing/2010/main" val="0"/>
@@ -23714,7 +23975,7 @@
           <p:nvPr/>
         </p:nvPicPr>
         <p:blipFill>
-          <a:blip r:embed="rId10">
+          <a:blip r:embed="rId9">
             <a:extLst>
               <a:ext uri="{28A0092B-C50C-407E-A947-70E740481C1C}">
                 <a14:useLocalDpi xmlns:a14="http://schemas.microsoft.com/office/drawing/2010/main" val="0"/>
@@ -23756,7 +24017,18 @@
   <p:clrMapOvr>
     <a:masterClrMapping/>
   </p:clrMapOvr>
-  <p:transition spd="med"/>
+  <mc:AlternateContent xmlns:mc="http://schemas.openxmlformats.org/markup-compatibility/2006">
+    <mc:Choice xmlns:p159="http://schemas.microsoft.com/office/powerpoint/2015/09/main" Requires="p159">
+      <p:transition>
+        <p159:morph option="byChar"/>
+      </p:transition>
+    </mc:Choice>
+    <mc:Fallback>
+      <p:transition>
+        <p:fade/>
+      </p:transition>
+    </mc:Fallback>
+  </mc:AlternateContent>
 </p:sld>
 </file>
 
@@ -23793,10 +24065,10 @@
           <a:lstStyle/>
           <a:p>
             <a:r>
-              <a:rPr lang="en-US" altLang="ko-KR" dirty="0" smtClean="0"/>
+              <a:rPr lang="en-US" altLang="ko-KR" dirty="0"/>
               <a:t>BJT</a:t>
             </a:r>
-            <a:endParaRPr lang="ko-KR" altLang="en-US" dirty="0" smtClean="0"/>
+            <a:endParaRPr lang="ko-KR" altLang="en-US" dirty="0"/>
           </a:p>
         </p:txBody>
       </p:sp>
@@ -23825,29 +24097,24 @@
               <a:buNone/>
             </a:pPr>
             <a:r>
-              <a:rPr lang="en-US" altLang="ko-KR" sz="2800" b="1" dirty="0" smtClean="0">
+              <a:rPr lang="en-US" altLang="ko-KR" sz="2800" b="1" dirty="0">
                 <a:solidFill>
                   <a:srgbClr val="A50021"/>
                 </a:solidFill>
               </a:rPr>
               <a:t>Output characteristic curves</a:t>
             </a:r>
-            <a:endParaRPr lang="en-US" altLang="ko-KR" sz="2800" b="1" dirty="0">
-              <a:solidFill>
-                <a:srgbClr val="A50021"/>
-              </a:solidFill>
-            </a:endParaRPr>
-          </a:p>
-          <a:p>
-            <a:r>
-              <a:rPr lang="en-US" altLang="ko-KR" b="1" dirty="0" smtClean="0"/>
+          </a:p>
+          <a:p>
+            <a:r>
+              <a:rPr lang="en-US" altLang="ko-KR" b="1" dirty="0"/>
               <a:t>There are three regions in BJT output curves</a:t>
             </a:r>
           </a:p>
           <a:p>
             <a:pPr lvl="1"/>
             <a:r>
-              <a:rPr lang="en-US" altLang="ko-KR" b="1" dirty="0" smtClean="0"/>
+              <a:rPr lang="en-US" altLang="ko-KR" b="1" dirty="0"/>
               <a:t>cut-off region, saturation region, active region</a:t>
             </a:r>
           </a:p>
@@ -23917,7 +24184,18 @@
   <p:clrMapOvr>
     <a:masterClrMapping/>
   </p:clrMapOvr>
-  <p:transition spd="med"/>
+  <mc:AlternateContent xmlns:mc="http://schemas.openxmlformats.org/markup-compatibility/2006">
+    <mc:Choice xmlns:p159="http://schemas.microsoft.com/office/powerpoint/2015/09/main" Requires="p159">
+      <p:transition>
+        <p159:morph option="byChar"/>
+      </p:transition>
+    </mc:Choice>
+    <mc:Fallback>
+      <p:transition>
+        <p:fade/>
+      </p:transition>
+    </mc:Fallback>
+  </mc:AlternateContent>
 </p:sld>
 </file>
 
@@ -23954,10 +24232,10 @@
           <a:lstStyle/>
           <a:p>
             <a:r>
-              <a:rPr lang="en-US" altLang="ko-KR" dirty="0" smtClean="0"/>
+              <a:rPr lang="en-US" altLang="ko-KR" dirty="0"/>
               <a:t>BJT</a:t>
             </a:r>
-            <a:endParaRPr lang="ko-KR" altLang="en-US" dirty="0" smtClean="0"/>
+            <a:endParaRPr lang="ko-KR" altLang="en-US" dirty="0"/>
           </a:p>
         </p:txBody>
       </p:sp>
@@ -23986,14 +24264,14 @@
               <a:buNone/>
             </a:pPr>
             <a:r>
-              <a:rPr lang="en-US" altLang="ko-KR" b="1" dirty="0" smtClean="0">
+              <a:rPr lang="en-US" altLang="ko-KR" b="1" dirty="0">
                 <a:solidFill>
                   <a:srgbClr val="0070C0"/>
                 </a:solidFill>
               </a:rPr>
               <a:t>Example 11.6 (Q-point)</a:t>
             </a:r>
-            <a:endParaRPr lang="en-US" altLang="ko-KR" b="1" dirty="0" smtClean="0"/>
+            <a:endParaRPr lang="en-US" altLang="ko-KR" b="1" dirty="0"/>
           </a:p>
         </p:txBody>
       </p:sp>
@@ -24079,7 +24357,18 @@
   <p:clrMapOvr>
     <a:masterClrMapping/>
   </p:clrMapOvr>
-  <p:transition spd="med"/>
+  <mc:AlternateContent xmlns:mc="http://schemas.openxmlformats.org/markup-compatibility/2006">
+    <mc:Choice xmlns:p159="http://schemas.microsoft.com/office/powerpoint/2015/09/main" Requires="p159">
+      <p:transition>
+        <p159:morph option="byChar"/>
+      </p:transition>
+    </mc:Choice>
+    <mc:Fallback>
+      <p:transition>
+        <p:fade/>
+      </p:transition>
+    </mc:Fallback>
+  </mc:AlternateContent>
 </p:sld>
 </file>
 
@@ -24116,10 +24405,10 @@
           <a:lstStyle/>
           <a:p>
             <a:r>
-              <a:rPr lang="en-US" altLang="ko-KR" dirty="0" smtClean="0"/>
+              <a:rPr lang="en-US" altLang="ko-KR" dirty="0"/>
               <a:t>BJT</a:t>
             </a:r>
-            <a:endParaRPr lang="ko-KR" altLang="en-US" dirty="0" smtClean="0"/>
+            <a:endParaRPr lang="ko-KR" altLang="en-US" dirty="0"/>
           </a:p>
         </p:txBody>
       </p:sp>
@@ -24148,14 +24437,14 @@
               <a:buNone/>
             </a:pPr>
             <a:r>
-              <a:rPr lang="en-US" altLang="ko-KR" sz="2800" b="1" dirty="0" smtClean="0">
+              <a:rPr lang="en-US" altLang="ko-KR" sz="2800" b="1" dirty="0">
                 <a:solidFill>
                   <a:srgbClr val="0070C0"/>
                 </a:solidFill>
               </a:rPr>
               <a:t>Small signal analysis</a:t>
             </a:r>
-            <a:endParaRPr lang="en-US" altLang="ko-KR" sz="2800" b="1" dirty="0" smtClean="0"/>
+            <a:endParaRPr lang="en-US" altLang="ko-KR" sz="2800" b="1" dirty="0"/>
           </a:p>
         </p:txBody>
       </p:sp>
@@ -24212,7 +24501,7 @@
           <a:lstStyle/>
           <a:p>
             <a:r>
-              <a:rPr lang="en-US" altLang="ko-KR" sz="2000" dirty="0" smtClean="0"/>
+              <a:rPr lang="en-US" altLang="ko-KR" sz="2000" dirty="0"/>
               <a:t>Equivalent Circuit</a:t>
             </a:r>
             <a:endParaRPr lang="ko-KR" altLang="en-US" sz="2000" dirty="0"/>
@@ -24357,7 +24646,18 @@
   <p:clrMapOvr>
     <a:masterClrMapping/>
   </p:clrMapOvr>
-  <p:transition spd="med"/>
+  <mc:AlternateContent xmlns:mc="http://schemas.openxmlformats.org/markup-compatibility/2006">
+    <mc:Choice xmlns:p159="http://schemas.microsoft.com/office/powerpoint/2015/09/main" Requires="p159">
+      <p:transition>
+        <p159:morph option="byChar"/>
+      </p:transition>
+    </mc:Choice>
+    <mc:Fallback>
+      <p:transition>
+        <p:fade/>
+      </p:transition>
+    </mc:Fallback>
+  </mc:AlternateContent>
 </p:sld>
 </file>
 
@@ -24394,10 +24694,10 @@
           <a:lstStyle/>
           <a:p>
             <a:r>
-              <a:rPr lang="en-US" altLang="ko-KR" dirty="0" smtClean="0"/>
+              <a:rPr lang="en-US" altLang="ko-KR" dirty="0"/>
               <a:t>BJT</a:t>
             </a:r>
-            <a:endParaRPr lang="ko-KR" altLang="en-US" dirty="0" smtClean="0"/>
+            <a:endParaRPr lang="ko-KR" altLang="en-US" dirty="0"/>
           </a:p>
         </p:txBody>
       </p:sp>
@@ -24426,25 +24726,17 @@
               <a:buNone/>
             </a:pPr>
             <a:r>
-              <a:rPr lang="en-US" altLang="ko-KR" b="1" dirty="0" smtClean="0">
+              <a:rPr lang="en-US" altLang="ko-KR" b="1" dirty="0">
                 <a:solidFill>
                   <a:srgbClr val="A50021"/>
                 </a:solidFill>
               </a:rPr>
-              <a:t>Common </a:t>
-            </a:r>
-            <a:r>
-              <a:rPr lang="en-US" altLang="ko-KR" b="1" dirty="0" smtClean="0">
-                <a:solidFill>
-                  <a:srgbClr val="A50021"/>
-                </a:solidFill>
-              </a:rPr>
-              <a:t>Emitter (CE) Configuration</a:t>
+              <a:t>Common Emitter (CE) Configuration</a:t>
             </a:r>
           </a:p>
           <a:p>
             <a:pPr lvl="1"/>
-            <a:endParaRPr lang="en-US" altLang="ko-KR" b="1" dirty="0" smtClean="0"/>
+            <a:endParaRPr lang="en-US" altLang="ko-KR" b="1" dirty="0"/>
           </a:p>
           <a:p>
             <a:pPr lvl="1">
@@ -24452,7 +24744,7 @@
               <a:buNone/>
             </a:pPr>
             <a:r>
-              <a:rPr lang="en-US" altLang="ko-KR" b="1" dirty="0" smtClean="0"/>
+              <a:rPr lang="en-US" altLang="ko-KR" b="1" dirty="0"/>
               <a:t>                                                     </a:t>
             </a:r>
           </a:p>
@@ -24462,13 +24754,13 @@
               <a:buNone/>
             </a:pPr>
             <a:r>
-              <a:rPr lang="en-US" altLang="ko-KR" b="1" dirty="0" smtClean="0"/>
+              <a:rPr lang="en-US" altLang="ko-KR" b="1" dirty="0"/>
               <a:t>                                                     ⇒</a:t>
             </a:r>
           </a:p>
           <a:p>
             <a:pPr lvl="1"/>
-            <a:endParaRPr lang="en-US" altLang="ko-KR" b="1" dirty="0" smtClean="0"/>
+            <a:endParaRPr lang="en-US" altLang="ko-KR" b="1" dirty="0"/>
           </a:p>
           <a:p>
             <a:pPr lvl="1">
@@ -24476,38 +24768,27 @@
               <a:buNone/>
             </a:pPr>
             <a:r>
-              <a:rPr lang="en-US" altLang="ko-KR" sz="1800" b="1" dirty="0" smtClean="0"/>
-              <a:t>                      </a:t>
-            </a:r>
-            <a:r>
               <a:rPr lang="en-US" altLang="ko-KR" sz="1800" b="1" dirty="0"/>
-              <a:t>CE configuration                  equivalent circuit</a:t>
-            </a:r>
-          </a:p>
-          <a:p>
-            <a:r>
-              <a:rPr lang="en-US" altLang="ko-KR" b="1" dirty="0" smtClean="0"/>
+              <a:t>                      CE configuration                  equivalent circuit</a:t>
+            </a:r>
+          </a:p>
+          <a:p>
+            <a:r>
+              <a:rPr lang="en-US" altLang="ko-KR" b="1" dirty="0"/>
               <a:t>collector current</a:t>
             </a:r>
           </a:p>
           <a:p>
             <a:pPr lvl="1"/>
-            <a:endParaRPr lang="en-US" altLang="ko-KR" b="1" dirty="0" smtClean="0"/>
+            <a:endParaRPr lang="en-US" altLang="ko-KR" b="1" dirty="0"/>
           </a:p>
           <a:p>
             <a:pPr lvl="1"/>
-            <a:endParaRPr lang="en-US" altLang="ko-KR" b="1" dirty="0" smtClean="0"/>
+            <a:endParaRPr lang="en-US" altLang="ko-KR" b="1" dirty="0"/>
           </a:p>
           <a:p>
             <a:pPr lvl="1"/>
-            <a:endParaRPr lang="en-US" altLang="ko-KR" b="1" dirty="0" smtClean="0"/>
-          </a:p>
-          <a:p>
-            <a:pPr lvl="1">
-              <a:buFontTx/>
-              <a:buNone/>
-            </a:pPr>
-            <a:endParaRPr lang="en-US" altLang="ko-KR" b="1" dirty="0" smtClean="0"/>
+            <a:endParaRPr lang="en-US" altLang="ko-KR" b="1" dirty="0"/>
           </a:p>
           <a:p>
             <a:pPr lvl="1">
@@ -24521,23 +24802,30 @@
               <a:buFontTx/>
               <a:buNone/>
             </a:pPr>
-            <a:r>
-              <a:rPr lang="en-US" altLang="ko-KR" b="1" dirty="0" smtClean="0"/>
+            <a:endParaRPr lang="en-US" altLang="ko-KR" b="1" dirty="0"/>
+          </a:p>
+          <a:p>
+            <a:pPr lvl="1">
+              <a:buFontTx/>
+              <a:buNone/>
+            </a:pPr>
+            <a:r>
+              <a:rPr lang="en-US" altLang="ko-KR" b="1" dirty="0"/>
               <a:t>       </a:t>
             </a:r>
             <a:r>
               <a:rPr lang="en-US" altLang="ko-KR" sz="1800" b="1" dirty="0"/>
               <a:t>here        is forward CE current transfer ratio    </a:t>
             </a:r>
-            <a:endParaRPr lang="en-US" altLang="ko-KR" b="1" dirty="0" smtClean="0"/>
+            <a:endParaRPr lang="en-US" altLang="ko-KR" b="1" dirty="0"/>
           </a:p>
           <a:p>
             <a:pPr lvl="1"/>
-            <a:endParaRPr lang="en-US" altLang="ko-KR" b="1" dirty="0" smtClean="0"/>
+            <a:endParaRPr lang="en-US" altLang="ko-KR" b="1" dirty="0"/>
           </a:p>
           <a:p>
             <a:pPr lvl="1"/>
-            <a:endParaRPr lang="en-US" altLang="ko-KR" b="1" dirty="0" smtClean="0"/>
+            <a:endParaRPr lang="en-US" altLang="ko-KR" b="1" dirty="0"/>
           </a:p>
         </p:txBody>
       </p:sp>
@@ -24550,7 +24838,7 @@
           <p:nvPr/>
         </p:nvPicPr>
         <p:blipFill>
-          <a:blip r:embed="rId4">
+          <a:blip r:embed="rId3">
             <a:extLst>
               <a:ext uri="{28A0092B-C50C-407E-A947-70E740481C1C}">
                 <a14:useLocalDpi xmlns:a14="http://schemas.microsoft.com/office/drawing/2010/main" val="0"/>
@@ -24604,7 +24892,7 @@
           <p:nvPr/>
         </p:nvPicPr>
         <p:blipFill>
-          <a:blip r:embed="rId5">
+          <a:blip r:embed="rId4">
             <a:extLst>
               <a:ext uri="{28A0092B-C50C-407E-A947-70E740481C1C}">
                 <a14:useLocalDpi xmlns:a14="http://schemas.microsoft.com/office/drawing/2010/main" val="0"/>
@@ -24671,12 +24959,12 @@
           <a:graphicData uri="http://schemas.openxmlformats.org/presentationml/2006/ole">
             <mc:AlternateContent xmlns:mc="http://schemas.openxmlformats.org/markup-compatibility/2006">
               <mc:Choice xmlns:v="urn:schemas-microsoft-com:vml" Requires="v">
-                <p:oleObj spid="_x0000_s96266" name="Equation" r:id="rId6" imgW="1600200" imgH="1447800" progId="Equation.3">
+                <p:oleObj name="Equation" r:id="rId5" imgW="1600200" imgH="1447800" progId="Equation.3">
                   <p:embed/>
                 </p:oleObj>
               </mc:Choice>
               <mc:Fallback>
-                <p:oleObj name="Equation" r:id="rId6" imgW="1600200" imgH="1447800" progId="Equation.3">
+                <p:oleObj name="Equation" r:id="rId5" imgW="1600200" imgH="1447800" progId="Equation.3">
                   <p:embed/>
                   <p:pic>
                     <p:nvPicPr>
@@ -24687,7 +24975,7 @@
                       <p:nvPr/>
                     </p:nvPicPr>
                     <p:blipFill>
-                      <a:blip r:embed="rId7">
+                      <a:blip r:embed="rId6">
                         <a:extLst>
                           <a:ext uri="{28A0092B-C50C-407E-A947-70E740481C1C}">
                             <a14:useLocalDpi xmlns:a14="http://schemas.microsoft.com/office/drawing/2010/main" val="0"/>
@@ -24742,12 +25030,12 @@
           <a:graphicData uri="http://schemas.openxmlformats.org/presentationml/2006/ole">
             <mc:AlternateContent xmlns:mc="http://schemas.openxmlformats.org/markup-compatibility/2006">
               <mc:Choice xmlns:v="urn:schemas-microsoft-com:vml" Requires="v">
-                <p:oleObj spid="_x0000_s96267" name="Equation" r:id="rId8" imgW="215619" imgH="215619" progId="Equation.3">
+                <p:oleObj name="Equation" r:id="rId7" imgW="215619" imgH="215619" progId="Equation.3">
                   <p:embed/>
                 </p:oleObj>
               </mc:Choice>
               <mc:Fallback>
-                <p:oleObj name="Equation" r:id="rId8" imgW="215619" imgH="215619" progId="Equation.3">
+                <p:oleObj name="Equation" r:id="rId7" imgW="215619" imgH="215619" progId="Equation.3">
                   <p:embed/>
                   <p:pic>
                     <p:nvPicPr>
@@ -24758,7 +25046,7 @@
                       <p:nvPr/>
                     </p:nvPicPr>
                     <p:blipFill>
-                      <a:blip r:embed="rId9">
+                      <a:blip r:embed="rId8">
                         <a:extLst>
                           <a:ext uri="{28A0092B-C50C-407E-A947-70E740481C1C}">
                             <a14:useLocalDpi xmlns:a14="http://schemas.microsoft.com/office/drawing/2010/main" val="0"/>
@@ -24829,7 +25117,18 @@
   <p:clrMapOvr>
     <a:masterClrMapping/>
   </p:clrMapOvr>
-  <p:transition spd="med"/>
+  <mc:AlternateContent xmlns:mc="http://schemas.openxmlformats.org/markup-compatibility/2006">
+    <mc:Choice xmlns:p159="http://schemas.microsoft.com/office/powerpoint/2015/09/main" Requires="p159">
+      <p:transition>
+        <p159:morph option="byChar"/>
+      </p:transition>
+    </mc:Choice>
+    <mc:Fallback>
+      <p:transition>
+        <p:fade/>
+      </p:transition>
+    </mc:Fallback>
+  </mc:AlternateContent>
 </p:sld>
 </file>
 
@@ -24866,10 +25165,10 @@
           <a:lstStyle/>
           <a:p>
             <a:r>
-              <a:rPr lang="en-US" altLang="ko-KR" dirty="0" smtClean="0"/>
+              <a:rPr lang="en-US" altLang="ko-KR" dirty="0"/>
               <a:t>BJT</a:t>
             </a:r>
-            <a:endParaRPr lang="ko-KR" altLang="en-US" dirty="0" smtClean="0"/>
+            <a:endParaRPr lang="ko-KR" altLang="en-US" dirty="0"/>
           </a:p>
         </p:txBody>
       </p:sp>
@@ -24899,20 +25198,12 @@
               <a:defRPr/>
             </a:pPr>
             <a:r>
-              <a:rPr lang="en-US" altLang="ko-KR" b="1" dirty="0" smtClean="0">
+              <a:rPr lang="en-US" altLang="ko-KR" b="1" dirty="0">
                 <a:solidFill>
                   <a:srgbClr val="A50021"/>
                 </a:solidFill>
               </a:rPr>
-              <a:t>Other </a:t>
-            </a:r>
-            <a:r>
-              <a:rPr lang="en-US" altLang="ko-KR" b="1" dirty="0" smtClean="0">
-                <a:solidFill>
-                  <a:srgbClr val="A50021"/>
-                </a:solidFill>
-              </a:rPr>
-              <a:t>BJT Amp Configurations</a:t>
+              <a:t>Other BJT Amp Configurations</a:t>
             </a:r>
           </a:p>
           <a:p>
@@ -24922,13 +25213,13 @@
               </a:lnSpc>
               <a:defRPr/>
             </a:pPr>
-            <a:endParaRPr lang="en-US" altLang="ko-KR" dirty="0" smtClean="0"/>
+            <a:endParaRPr lang="en-US" altLang="ko-KR" dirty="0"/>
           </a:p>
           <a:p>
             <a:pPr lvl="1">
               <a:defRPr/>
             </a:pPr>
-            <a:endParaRPr lang="en-US" altLang="ko-KR" i="1" dirty="0" smtClean="0">
+            <a:endParaRPr lang="en-US" altLang="ko-KR" i="1" dirty="0">
               <a:latin typeface="+mj-lt"/>
             </a:endParaRPr>
           </a:p>
@@ -24981,7 +25272,7 @@
           <a:lstStyle/>
           <a:p>
             <a:r>
-              <a:rPr lang="en-US" altLang="ko-KR" sz="2000" dirty="0" smtClean="0"/>
+              <a:rPr lang="en-US" altLang="ko-KR" sz="2000" dirty="0"/>
               <a:t>BJT Circuit configuration</a:t>
             </a:r>
             <a:endParaRPr lang="ko-KR" altLang="en-US" sz="2000" dirty="0"/>
@@ -24998,7 +25289,18 @@
   <p:clrMapOvr>
     <a:masterClrMapping/>
   </p:clrMapOvr>
-  <p:transition spd="med"/>
+  <mc:AlternateContent xmlns:mc="http://schemas.openxmlformats.org/markup-compatibility/2006">
+    <mc:Choice xmlns:p159="http://schemas.microsoft.com/office/powerpoint/2015/09/main" Requires="p159">
+      <p:transition>
+        <p159:morph option="byChar"/>
+      </p:transition>
+    </mc:Choice>
+    <mc:Fallback>
+      <p:transition>
+        <p:fade/>
+      </p:transition>
+    </mc:Fallback>
+  </mc:AlternateContent>
 </p:sld>
 </file>
 
@@ -25035,14 +25337,14 @@
           <a:lstStyle/>
           <a:p>
             <a:r>
-              <a:rPr lang="en-US" altLang="ko-KR" dirty="0" err="1" smtClean="0"/>
+              <a:rPr lang="en-US" altLang="ko-KR" dirty="0" err="1"/>
               <a:t>Thyristors</a:t>
             </a:r>
             <a:r>
-              <a:rPr lang="en-US" altLang="ko-KR" dirty="0" smtClean="0"/>
+              <a:rPr lang="en-US" altLang="ko-KR" dirty="0"/>
               <a:t>, SCRs and Motor Control</a:t>
             </a:r>
-            <a:endParaRPr lang="ko-KR" altLang="en-US" dirty="0" smtClean="0"/>
+            <a:endParaRPr lang="ko-KR" altLang="en-US" dirty="0"/>
           </a:p>
         </p:txBody>
       </p:sp>
@@ -25072,7 +25374,7 @@
               <a:defRPr/>
             </a:pPr>
             <a:r>
-              <a:rPr lang="en-US" altLang="ko-KR" sz="2800" b="1" dirty="0" err="1" smtClean="0">
+              <a:rPr lang="en-US" altLang="ko-KR" sz="2800" b="1" dirty="0" err="1">
                 <a:solidFill>
                   <a:srgbClr val="0070C0"/>
                 </a:solidFill>
@@ -25093,11 +25395,11 @@
               <a:defRPr/>
             </a:pPr>
             <a:r>
-              <a:rPr lang="en-US" altLang="ko-KR" b="1" dirty="0" err="1" smtClean="0"/>
+              <a:rPr lang="en-US" altLang="ko-KR" b="1" dirty="0" err="1"/>
               <a:t>Thyristors</a:t>
             </a:r>
             <a:r>
-              <a:rPr lang="en-US" altLang="ko-KR" b="1" dirty="0" smtClean="0"/>
+              <a:rPr lang="en-US" altLang="ko-KR" b="1" dirty="0"/>
               <a:t> and SCRs</a:t>
             </a:r>
           </a:p>
@@ -25106,19 +25408,19 @@
               <a:defRPr/>
             </a:pPr>
             <a:r>
-              <a:rPr lang="en-US" altLang="ko-KR" b="1" i="1" dirty="0" smtClean="0"/>
+              <a:rPr lang="en-US" altLang="ko-KR" b="1" i="1" dirty="0"/>
               <a:t>four layer </a:t>
             </a:r>
             <a:r>
-              <a:rPr lang="en-US" altLang="ko-KR" b="1" dirty="0" smtClean="0"/>
+              <a:rPr lang="en-US" altLang="ko-KR" b="1" dirty="0"/>
               <a:t>structure  (</a:t>
             </a:r>
             <a:r>
-              <a:rPr lang="en-US" altLang="ko-KR" b="1" i="1" dirty="0" err="1" smtClean="0"/>
+              <a:rPr lang="en-US" altLang="ko-KR" b="1" i="1" dirty="0" err="1"/>
               <a:t>pnpn</a:t>
             </a:r>
             <a:r>
-              <a:rPr lang="en-US" altLang="ko-KR" b="1" dirty="0" smtClean="0"/>
+              <a:rPr lang="en-US" altLang="ko-KR" b="1" dirty="0"/>
               <a:t>)</a:t>
             </a:r>
           </a:p>
@@ -25127,7 +25429,7 @@
               <a:defRPr/>
             </a:pPr>
             <a:r>
-              <a:rPr lang="en-US" altLang="ko-KR" b="1" dirty="0" smtClean="0"/>
+              <a:rPr lang="en-US" altLang="ko-KR" b="1" dirty="0"/>
               <a:t>Control large amount of power with only a small amount of control energy.</a:t>
             </a:r>
           </a:p>
@@ -25135,7 +25437,7 @@
             <a:pPr lvl="1">
               <a:defRPr/>
             </a:pPr>
-            <a:endParaRPr lang="en-US" altLang="ko-KR" b="1" dirty="0" smtClean="0"/>
+            <a:endParaRPr lang="en-US" altLang="ko-KR" b="1" dirty="0"/>
           </a:p>
         </p:txBody>
       </p:sp>
@@ -25173,7 +25475,18 @@
   <p:clrMapOvr>
     <a:masterClrMapping/>
   </p:clrMapOvr>
-  <p:transition spd="med"/>
+  <mc:AlternateContent xmlns:mc="http://schemas.openxmlformats.org/markup-compatibility/2006">
+    <mc:Choice xmlns:p159="http://schemas.microsoft.com/office/powerpoint/2015/09/main" Requires="p159">
+      <p:transition>
+        <p159:morph option="byChar"/>
+      </p:transition>
+    </mc:Choice>
+    <mc:Fallback>
+      <p:transition>
+        <p:fade/>
+      </p:transition>
+    </mc:Fallback>
+  </mc:AlternateContent>
 </p:sld>
 </file>
 
@@ -25210,14 +25523,14 @@
           <a:lstStyle/>
           <a:p>
             <a:r>
-              <a:rPr lang="en-US" altLang="ko-KR" dirty="0" err="1" smtClean="0"/>
+              <a:rPr lang="en-US" altLang="ko-KR" dirty="0" err="1"/>
               <a:t>Thyristors</a:t>
             </a:r>
             <a:r>
-              <a:rPr lang="en-US" altLang="ko-KR" dirty="0" smtClean="0"/>
+              <a:rPr lang="en-US" altLang="ko-KR" dirty="0"/>
               <a:t>, SCRs and Motor Control</a:t>
             </a:r>
-            <a:endParaRPr lang="ko-KR" altLang="en-US" dirty="0" smtClean="0"/>
+            <a:endParaRPr lang="ko-KR" altLang="en-US" dirty="0"/>
           </a:p>
         </p:txBody>
       </p:sp>
@@ -25247,14 +25560,14 @@
               <a:defRPr/>
             </a:pPr>
             <a:r>
-              <a:rPr lang="en-US" altLang="ko-KR" b="1" dirty="0" err="1" smtClean="0">
+              <a:rPr lang="en-US" altLang="ko-KR" b="1" dirty="0" err="1">
                 <a:solidFill>
                   <a:srgbClr val="A50021"/>
                 </a:solidFill>
               </a:rPr>
               <a:t>Thyristors</a:t>
             </a:r>
-            <a:endParaRPr lang="en-US" altLang="ko-KR" b="1" dirty="0" smtClean="0">
+            <a:endParaRPr lang="en-US" altLang="ko-KR" b="1" dirty="0">
               <a:solidFill>
                 <a:srgbClr val="A50021"/>
               </a:solidFill>
@@ -25265,11 +25578,11 @@
               <a:defRPr/>
             </a:pPr>
             <a:r>
-              <a:rPr lang="en-US" altLang="ko-KR" b="1" i="1" dirty="0" err="1" smtClean="0"/>
+              <a:rPr lang="en-US" altLang="ko-KR" b="1" i="1" dirty="0" err="1"/>
               <a:t>Breakover</a:t>
             </a:r>
             <a:r>
-              <a:rPr lang="en-US" altLang="ko-KR" b="1" i="1" dirty="0" smtClean="0"/>
+              <a:rPr lang="en-US" altLang="ko-KR" b="1" i="1" dirty="0"/>
               <a:t>  voltage</a:t>
             </a:r>
           </a:p>
@@ -25277,7 +25590,7 @@
             <a:pPr lvl="1">
               <a:defRPr/>
             </a:pPr>
-            <a:endParaRPr lang="en-US" altLang="ko-KR" b="1" i="1" dirty="0" smtClean="0"/>
+            <a:endParaRPr lang="en-US" altLang="ko-KR" b="1" i="1" dirty="0"/>
           </a:p>
           <a:p>
             <a:pPr>
@@ -25286,25 +25599,20 @@
               <a:defRPr/>
             </a:pPr>
             <a:r>
-              <a:rPr lang="en-US" altLang="ko-KR" b="1" dirty="0" smtClean="0">
+              <a:rPr lang="en-US" altLang="ko-KR" b="1" dirty="0">
                 <a:solidFill>
                   <a:srgbClr val="A50021"/>
                 </a:solidFill>
               </a:rPr>
               <a:t>SCRs</a:t>
             </a:r>
-            <a:endParaRPr lang="en-US" altLang="ko-KR" b="1" dirty="0" smtClean="0">
-              <a:solidFill>
-                <a:srgbClr val="A50021"/>
-              </a:solidFill>
-            </a:endParaRPr>
           </a:p>
           <a:p>
             <a:pPr lvl="1">
               <a:defRPr/>
             </a:pPr>
             <a:r>
-              <a:rPr lang="en-US" altLang="ko-KR" b="1" i="1" dirty="0" smtClean="0"/>
+              <a:rPr lang="en-US" altLang="ko-KR" b="1" i="1" dirty="0"/>
               <a:t>Silicon-controlled rectifiers</a:t>
             </a:r>
           </a:p>
@@ -25313,11 +25621,11 @@
               <a:defRPr/>
             </a:pPr>
             <a:r>
-              <a:rPr lang="en-US" altLang="ko-KR" b="1" dirty="0" smtClean="0"/>
+              <a:rPr lang="en-US" altLang="ko-KR" b="1" dirty="0"/>
               <a:t>Control connection </a:t>
             </a:r>
             <a:r>
-              <a:rPr lang="en-US" altLang="ko-KR" b="1" i="1" dirty="0" smtClean="0"/>
+              <a:rPr lang="en-US" altLang="ko-KR" b="1" i="1" dirty="0"/>
               <a:t>G</a:t>
             </a:r>
           </a:p>
@@ -25325,7 +25633,7 @@
             <a:pPr lvl="1">
               <a:defRPr/>
             </a:pPr>
-            <a:endParaRPr lang="en-US" altLang="ko-KR" b="1" dirty="0" smtClean="0"/>
+            <a:endParaRPr lang="en-US" altLang="ko-KR" b="1" dirty="0"/>
           </a:p>
         </p:txBody>
       </p:sp>
@@ -25411,7 +25719,18 @@
   <p:clrMapOvr>
     <a:masterClrMapping/>
   </p:clrMapOvr>
-  <p:transition spd="med"/>
+  <mc:AlternateContent xmlns:mc="http://schemas.openxmlformats.org/markup-compatibility/2006">
+    <mc:Choice xmlns:p159="http://schemas.microsoft.com/office/powerpoint/2015/09/main" Requires="p159">
+      <p:transition>
+        <p159:morph option="byChar"/>
+      </p:transition>
+    </mc:Choice>
+    <mc:Fallback>
+      <p:transition>
+        <p:fade/>
+      </p:transition>
+    </mc:Fallback>
+  </mc:AlternateContent>
 </p:sld>
 </file>
 
@@ -25448,10 +25767,10 @@
           <a:lstStyle/>
           <a:p>
             <a:r>
-              <a:rPr lang="en-US" altLang="ko-KR" sz="2400" smtClean="0"/>
+              <a:rPr lang="en-US" altLang="ko-KR" sz="2400"/>
               <a:t>Homework</a:t>
             </a:r>
-            <a:endParaRPr lang="ko-KR" altLang="en-US" sz="2400" smtClean="0"/>
+            <a:endParaRPr lang="ko-KR" altLang="en-US" sz="2400"/>
           </a:p>
         </p:txBody>
       </p:sp>
@@ -25484,7 +25803,7 @@
               <a:defRPr/>
             </a:pPr>
             <a:r>
-              <a:rPr lang="en-US" altLang="ko-KR" sz="3200" dirty="0" smtClean="0">
+              <a:rPr lang="en-US" altLang="ko-KR" sz="3200" dirty="0">
                 <a:solidFill>
                   <a:srgbClr val="0070C0"/>
                 </a:solidFill>
@@ -25501,10 +25820,9 @@
               <a:defRPr/>
             </a:pPr>
             <a:r>
-              <a:rPr lang="en-US" altLang="ko-KR" sz="2000" b="1" dirty="0" smtClean="0"/>
+              <a:rPr lang="en-US" altLang="ko-KR" sz="2000" b="1" dirty="0"/>
               <a:t>Solve Problem 11.2, 11.4, 11.7, 11.28, 11.38</a:t>
             </a:r>
-            <a:endParaRPr lang="en-US" altLang="ko-KR" sz="2000" b="1" dirty="0" smtClean="0"/>
           </a:p>
           <a:p>
             <a:pPr eaLnBrk="1" hangingPunct="1">
@@ -25514,20 +25832,15 @@
               <a:defRPr/>
             </a:pPr>
             <a:r>
-              <a:rPr lang="en-US" altLang="ko-KR" sz="2000" b="1" dirty="0" smtClean="0"/>
-              <a:t>Prepare </a:t>
-            </a:r>
-            <a:r>
-              <a:rPr lang="en-US" altLang="ko-KR" sz="2000" b="1" dirty="0" smtClean="0"/>
-              <a:t>Final Exam.</a:t>
-            </a:r>
-            <a:endParaRPr lang="en-US" altLang="ko-KR" sz="2000" b="1" dirty="0" smtClean="0"/>
+              <a:rPr lang="en-US" altLang="ko-KR" sz="2000" b="1" dirty="0"/>
+              <a:t>Prepare Final Exam.</a:t>
+            </a:r>
           </a:p>
           <a:p>
             <a:pPr>
               <a:defRPr/>
             </a:pPr>
-            <a:endParaRPr lang="ko-KR" altLang="en-US" sz="2000" dirty="0" smtClean="0"/>
+            <a:endParaRPr lang="ko-KR" altLang="en-US" sz="2000" dirty="0"/>
           </a:p>
         </p:txBody>
       </p:sp>
@@ -25536,14 +25849,18 @@
   <p:clrMapOvr>
     <a:masterClrMapping/>
   </p:clrMapOvr>
-  <p:transition spd="med"/>
-  <p:timing>
-    <p:tnLst>
-      <p:par>
-        <p:cTn id="1" dur="indefinite" restart="never" nodeType="tmRoot"/>
-      </p:par>
-    </p:tnLst>
-  </p:timing>
+  <mc:AlternateContent xmlns:mc="http://schemas.openxmlformats.org/markup-compatibility/2006">
+    <mc:Choice xmlns:p159="http://schemas.microsoft.com/office/powerpoint/2015/09/main" Requires="p159">
+      <p:transition>
+        <p159:morph option="byChar"/>
+      </p:transition>
+    </mc:Choice>
+    <mc:Fallback>
+      <p:transition>
+        <p:fade/>
+      </p:transition>
+    </mc:Fallback>
+  </mc:AlternateContent>
 </p:sld>
 </file>
 
@@ -25580,10 +25897,10 @@
           <a:lstStyle/>
           <a:p>
             <a:r>
-              <a:rPr lang="en-US" altLang="ko-KR" dirty="0" smtClean="0"/>
+              <a:rPr lang="en-US" altLang="ko-KR" dirty="0"/>
               <a:t>Introduction</a:t>
             </a:r>
-            <a:endParaRPr lang="ko-KR" altLang="en-US" dirty="0" smtClean="0"/>
+            <a:endParaRPr lang="ko-KR" altLang="en-US" dirty="0"/>
           </a:p>
         </p:txBody>
       </p:sp>
@@ -25612,83 +25929,57 @@
               <a:buNone/>
             </a:pPr>
             <a:r>
-              <a:rPr lang="en-US" altLang="ko-KR" sz="2800" b="1" dirty="0" smtClean="0">
+              <a:rPr lang="en-US" altLang="ko-KR" sz="2800" b="1" dirty="0">
                 <a:solidFill>
                   <a:srgbClr val="0070C0"/>
                 </a:solidFill>
               </a:rPr>
               <a:t>Introduction </a:t>
             </a:r>
-            <a:endParaRPr lang="en-US" altLang="ko-KR" sz="2800" b="1" dirty="0">
-              <a:solidFill>
-                <a:srgbClr val="0070C0"/>
-              </a:solidFill>
-            </a:endParaRPr>
-          </a:p>
-          <a:p>
-            <a:r>
-              <a:rPr lang="en-US" altLang="ko-KR" b="1" dirty="0" smtClean="0"/>
+          </a:p>
+          <a:p>
+            <a:r>
+              <a:rPr lang="en-US" altLang="ko-KR" b="1" dirty="0"/>
               <a:t>The functions of a transistor</a:t>
             </a:r>
           </a:p>
           <a:p>
             <a:pPr lvl="1"/>
             <a:r>
-              <a:rPr lang="en-US" altLang="ko-KR" b="1" dirty="0" smtClean="0"/>
-              <a:t>electronically controlled switch in </a:t>
-            </a:r>
-            <a:r>
-              <a:rPr lang="en-US" altLang="ko-KR" b="1" dirty="0" smtClean="0"/>
-              <a:t>digital </a:t>
-            </a:r>
-            <a:r>
-              <a:rPr lang="en-US" altLang="ko-KR" b="1" dirty="0" smtClean="0"/>
-              <a:t>circuits</a:t>
+              <a:rPr lang="en-US" altLang="ko-KR" b="1" dirty="0"/>
+              <a:t>electronically controlled switch in digital circuits</a:t>
             </a:r>
           </a:p>
           <a:p>
             <a:pPr lvl="1"/>
             <a:r>
-              <a:rPr lang="en-US" altLang="ko-KR" b="1" dirty="0" smtClean="0"/>
+              <a:rPr lang="en-US" altLang="ko-KR" b="1" dirty="0"/>
               <a:t>electronic amp in analog circuits</a:t>
             </a:r>
           </a:p>
           <a:p>
             <a:r>
-              <a:rPr lang="en-US" altLang="ko-KR" b="1" dirty="0" smtClean="0"/>
+              <a:rPr lang="en-US" altLang="ko-KR" b="1" dirty="0"/>
               <a:t>Types of transistors</a:t>
             </a:r>
           </a:p>
           <a:p>
             <a:pPr lvl="1"/>
             <a:r>
-              <a:rPr lang="en-US" altLang="ko-KR" b="1" dirty="0" smtClean="0"/>
-              <a:t>FET : field effect </a:t>
-            </a:r>
-            <a:r>
-              <a:rPr lang="en-US" altLang="ko-KR" b="1" dirty="0" smtClean="0"/>
-              <a:t>transistor, controls current by voltage</a:t>
-            </a:r>
-            <a:endParaRPr lang="en-US" altLang="ko-KR" b="1" dirty="0" smtClean="0"/>
+              <a:rPr lang="en-US" altLang="ko-KR" b="1" dirty="0"/>
+              <a:t>FET : field effect transistor, controls current by voltage</a:t>
+            </a:r>
           </a:p>
           <a:p>
             <a:pPr lvl="1"/>
             <a:r>
-              <a:rPr lang="en-US" altLang="ko-KR" b="1" dirty="0" smtClean="0"/>
-              <a:t>BJT : bipolar junction </a:t>
-            </a:r>
-            <a:r>
-              <a:rPr lang="en-US" altLang="ko-KR" b="1" dirty="0" smtClean="0"/>
-              <a:t>transistor, </a:t>
-            </a:r>
-            <a:r>
               <a:rPr lang="en-US" altLang="ko-KR" b="1" dirty="0"/>
-              <a:t>controls current by voltage</a:t>
+              <a:t>BJT : bipolar junction transistor, controls current by voltage</a:t>
             </a:r>
           </a:p>
           <a:p>
             <a:pPr lvl="1"/>
-            <a:endParaRPr lang="en-US" altLang="ko-KR" b="1" dirty="0" smtClean="0"/>
+            <a:endParaRPr lang="en-US" altLang="ko-KR" b="1" dirty="0"/>
           </a:p>
         </p:txBody>
       </p:sp>
@@ -25762,14 +26053,18 @@
   <p:clrMapOvr>
     <a:masterClrMapping/>
   </p:clrMapOvr>
-  <p:transition spd="med"/>
-  <p:timing>
-    <p:tnLst>
-      <p:par>
-        <p:cTn id="1" dur="indefinite" restart="never" nodeType="tmRoot"/>
-      </p:par>
-    </p:tnLst>
-  </p:timing>
+  <mc:AlternateContent xmlns:mc="http://schemas.openxmlformats.org/markup-compatibility/2006">
+    <mc:Choice xmlns:p159="http://schemas.microsoft.com/office/powerpoint/2015/09/main" Requires="p159">
+      <p:transition>
+        <p159:morph option="byChar"/>
+      </p:transition>
+    </mc:Choice>
+    <mc:Fallback>
+      <p:transition>
+        <p:fade/>
+      </p:transition>
+    </mc:Fallback>
+  </mc:AlternateContent>
 </p:sld>
 </file>
 
@@ -25806,10 +26101,10 @@
           <a:lstStyle/>
           <a:p>
             <a:r>
-              <a:rPr lang="en-US" altLang="ko-KR" dirty="0" smtClean="0"/>
+              <a:rPr lang="en-US" altLang="ko-KR" dirty="0"/>
               <a:t>Introduction</a:t>
             </a:r>
-            <a:endParaRPr lang="ko-KR" altLang="en-US" dirty="0" smtClean="0"/>
+            <a:endParaRPr lang="ko-KR" altLang="en-US" dirty="0"/>
           </a:p>
         </p:txBody>
       </p:sp>
@@ -25829,14 +26124,14 @@
           <a:lstStyle/>
           <a:p>
             <a:r>
-              <a:rPr lang="en-US" altLang="ko-KR" b="1" dirty="0" smtClean="0"/>
+              <a:rPr lang="en-US" altLang="ko-KR" b="1" dirty="0"/>
               <a:t>Amplifiers</a:t>
             </a:r>
           </a:p>
           <a:p>
             <a:pPr lvl="1"/>
             <a:r>
-              <a:rPr lang="en-US" altLang="ko-KR" b="1" dirty="0" smtClean="0"/>
+              <a:rPr lang="en-US" altLang="ko-KR" b="1" dirty="0"/>
               <a:t>Smaller-signal amplifiers</a:t>
             </a:r>
           </a:p>
@@ -25868,7 +26163,7 @@
           <a:p>
             <a:pPr lvl="1"/>
             <a:r>
-              <a:rPr lang="en-US" altLang="ko-KR" b="1" dirty="0" smtClean="0"/>
+              <a:rPr lang="en-US" altLang="ko-KR" b="1" dirty="0"/>
               <a:t>Large-signal amplifiers</a:t>
             </a:r>
           </a:p>
@@ -25913,14 +26208,18 @@
   <p:clrMapOvr>
     <a:masterClrMapping/>
   </p:clrMapOvr>
-  <p:transition spd="med"/>
-  <p:timing>
-    <p:tnLst>
-      <p:par>
-        <p:cTn id="1" dur="indefinite" restart="never" nodeType="tmRoot"/>
-      </p:par>
-    </p:tnLst>
-  </p:timing>
+  <mc:AlternateContent xmlns:mc="http://schemas.openxmlformats.org/markup-compatibility/2006">
+    <mc:Choice xmlns:p159="http://schemas.microsoft.com/office/powerpoint/2015/09/main" Requires="p159">
+      <p:transition>
+        <p159:morph option="byChar"/>
+      </p:transition>
+    </mc:Choice>
+    <mc:Fallback>
+      <p:transition>
+        <p:fade/>
+      </p:transition>
+    </mc:Fallback>
+  </mc:AlternateContent>
 </p:sld>
 </file>
 
@@ -25957,10 +26256,10 @@
           <a:lstStyle/>
           <a:p>
             <a:r>
-              <a:rPr lang="en-US" altLang="ko-KR" dirty="0" smtClean="0"/>
+              <a:rPr lang="en-US" altLang="ko-KR" dirty="0"/>
               <a:t>MOSFET</a:t>
             </a:r>
-            <a:endParaRPr lang="ko-KR" altLang="en-US" dirty="0" smtClean="0"/>
+            <a:endParaRPr lang="ko-KR" altLang="en-US" dirty="0"/>
           </a:p>
         </p:txBody>
       </p:sp>
@@ -25992,7 +26291,7 @@
               <a:buNone/>
             </a:pPr>
             <a:r>
-              <a:rPr lang="en-US" altLang="ko-KR" sz="2800" b="1" dirty="0" smtClean="0">
+              <a:rPr lang="en-US" altLang="ko-KR" sz="2800" b="1" dirty="0">
                 <a:solidFill>
                   <a:srgbClr val="0070C0"/>
                 </a:solidFill>
@@ -26007,7 +26306,7 @@
               </a:spcBef>
             </a:pPr>
             <a:r>
-              <a:rPr lang="en-US" altLang="ko-KR" b="1" dirty="0" smtClean="0"/>
+              <a:rPr lang="en-US" altLang="ko-KR" b="1" dirty="0"/>
               <a:t>MOSFET : metal-oxide-semiconductor FET</a:t>
             </a:r>
           </a:p>
@@ -26018,12 +26317,8 @@
               </a:spcBef>
             </a:pPr>
             <a:r>
-              <a:rPr lang="en-US" altLang="ko-KR" sz="2200" b="1" dirty="0" smtClean="0"/>
-              <a:t>most </a:t>
-            </a:r>
-            <a:r>
               <a:rPr lang="en-US" altLang="ko-KR" sz="2200" b="1" dirty="0"/>
-              <a:t>commonly used</a:t>
+              <a:t>most commonly used</a:t>
             </a:r>
           </a:p>
           <a:p>
@@ -26034,11 +26329,7 @@
             </a:pPr>
             <a:r>
               <a:rPr lang="en-US" altLang="ko-KR" sz="2200" b="1" dirty="0"/>
-              <a:t>MOS </a:t>
-            </a:r>
-            <a:r>
-              <a:rPr lang="en-US" altLang="ko-KR" sz="2200" b="1" dirty="0" smtClean="0"/>
-              <a:t>transistor</a:t>
+              <a:t>MOS transistor</a:t>
             </a:r>
           </a:p>
           <a:p>
@@ -26048,7 +26339,7 @@
               </a:spcBef>
             </a:pPr>
             <a:r>
-              <a:rPr lang="en-US" altLang="ko-KR" b="1" dirty="0" smtClean="0"/>
+              <a:rPr lang="en-US" altLang="ko-KR" b="1" dirty="0"/>
               <a:t>Types of MOSFET</a:t>
             </a:r>
           </a:p>
@@ -26059,7 +26350,7 @@
               </a:spcBef>
             </a:pPr>
             <a:r>
-              <a:rPr lang="en-US" altLang="ko-KR" b="1" dirty="0" smtClean="0">
+              <a:rPr lang="en-US" altLang="ko-KR" b="1" dirty="0">
                 <a:solidFill>
                   <a:srgbClr val="A50021"/>
                 </a:solidFill>
@@ -26067,7 +26358,7 @@
               <a:t>n-channel</a:t>
             </a:r>
             <a:r>
-              <a:rPr lang="en-US" altLang="ko-KR" b="1" dirty="0" smtClean="0"/>
+              <a:rPr lang="en-US" altLang="ko-KR" b="1" dirty="0"/>
               <a:t> and p-channel</a:t>
             </a:r>
           </a:p>
@@ -26078,7 +26369,7 @@
               </a:spcBef>
             </a:pPr>
             <a:r>
-              <a:rPr lang="en-US" altLang="ko-KR" b="1" dirty="0" smtClean="0">
+              <a:rPr lang="en-US" altLang="ko-KR" b="1" dirty="0">
                 <a:solidFill>
                   <a:srgbClr val="A50021"/>
                 </a:solidFill>
@@ -26086,17 +26377,16 @@
               <a:t>Enhancement mode </a:t>
             </a:r>
             <a:r>
-              <a:rPr lang="en-US" altLang="ko-KR" b="1" dirty="0" smtClean="0"/>
+              <a:rPr lang="en-US" altLang="ko-KR" b="1" dirty="0"/>
               <a:t>and </a:t>
             </a:r>
             <a:br>
-              <a:rPr lang="en-US" altLang="ko-KR" b="1" dirty="0" smtClean="0"/>
+              <a:rPr lang="en-US" altLang="ko-KR" b="1" dirty="0"/>
             </a:br>
             <a:r>
-              <a:rPr lang="en-US" altLang="ko-KR" b="1" dirty="0" smtClean="0"/>
+              <a:rPr lang="en-US" altLang="ko-KR" b="1" dirty="0"/>
               <a:t>depletion mode</a:t>
             </a:r>
-            <a:endParaRPr lang="en-US" altLang="ko-KR" b="1" dirty="0" smtClean="0"/>
           </a:p>
         </p:txBody>
       </p:sp>
@@ -26140,14 +26430,18 @@
   <p:clrMapOvr>
     <a:masterClrMapping/>
   </p:clrMapOvr>
-  <p:transition spd="med"/>
-  <p:timing>
-    <p:tnLst>
-      <p:par>
-        <p:cTn id="1" dur="indefinite" restart="never" nodeType="tmRoot"/>
-      </p:par>
-    </p:tnLst>
-  </p:timing>
+  <mc:AlternateContent xmlns:mc="http://schemas.openxmlformats.org/markup-compatibility/2006">
+    <mc:Choice xmlns:p159="http://schemas.microsoft.com/office/powerpoint/2015/09/main" Requires="p159">
+      <p:transition>
+        <p159:morph option="byChar"/>
+      </p:transition>
+    </mc:Choice>
+    <mc:Fallback>
+      <p:transition>
+        <p:fade/>
+      </p:transition>
+    </mc:Fallback>
+  </mc:AlternateContent>
 </p:sld>
 </file>
 
@@ -26184,10 +26478,10 @@
           <a:lstStyle/>
           <a:p>
             <a:r>
-              <a:rPr lang="en-US" altLang="ko-KR" dirty="0" smtClean="0"/>
+              <a:rPr lang="en-US" altLang="ko-KR" dirty="0"/>
               <a:t>MOSFET</a:t>
             </a:r>
-            <a:endParaRPr lang="ko-KR" altLang="en-US" dirty="0" smtClean="0"/>
+            <a:endParaRPr lang="ko-KR" altLang="en-US" dirty="0"/>
           </a:p>
         </p:txBody>
       </p:sp>
@@ -26211,20 +26505,12 @@
               <a:buNone/>
             </a:pPr>
             <a:r>
-              <a:rPr lang="en-US" altLang="ko-KR" b="1" dirty="0" smtClean="0">
+              <a:rPr lang="en-US" altLang="ko-KR" b="1" dirty="0">
                 <a:solidFill>
                   <a:srgbClr val="A50021"/>
                 </a:solidFill>
               </a:rPr>
-              <a:t>MOSFET </a:t>
-            </a:r>
-            <a:r>
-              <a:rPr lang="en-US" altLang="ko-KR" b="1" dirty="0" smtClean="0">
-                <a:solidFill>
-                  <a:srgbClr val="A50021"/>
-                </a:solidFill>
-              </a:rPr>
-              <a:t>Structure and Symbols</a:t>
+              <a:t>MOSFET Structure and Symbols</a:t>
             </a:r>
           </a:p>
         </p:txBody>
@@ -26299,14 +26585,18 @@
   <p:clrMapOvr>
     <a:masterClrMapping/>
   </p:clrMapOvr>
-  <p:transition spd="med"/>
-  <p:timing>
-    <p:tnLst>
-      <p:par>
-        <p:cTn id="1" dur="indefinite" restart="never" nodeType="tmRoot"/>
-      </p:par>
-    </p:tnLst>
-  </p:timing>
+  <mc:AlternateContent xmlns:mc="http://schemas.openxmlformats.org/markup-compatibility/2006">
+    <mc:Choice xmlns:p159="http://schemas.microsoft.com/office/powerpoint/2015/09/main" Requires="p159">
+      <p:transition>
+        <p159:morph option="byChar"/>
+      </p:transition>
+    </mc:Choice>
+    <mc:Fallback>
+      <p:transition>
+        <p:fade/>
+      </p:transition>
+    </mc:Fallback>
+  </mc:AlternateContent>
 </p:sld>
 </file>
 
@@ -26343,10 +26633,10 @@
           <a:lstStyle/>
           <a:p>
             <a:r>
-              <a:rPr lang="en-US" altLang="ko-KR" dirty="0" smtClean="0"/>
+              <a:rPr lang="en-US" altLang="ko-KR" dirty="0"/>
               <a:t>MOSFET</a:t>
             </a:r>
-            <a:endParaRPr lang="ko-KR" altLang="en-US" b="0" dirty="0" smtClean="0"/>
+            <a:endParaRPr lang="ko-KR" altLang="en-US" b="0" dirty="0"/>
           </a:p>
         </p:txBody>
       </p:sp>
@@ -26376,20 +26666,12 @@
               <a:defRPr/>
             </a:pPr>
             <a:r>
-              <a:rPr lang="en-US" altLang="ko-KR" b="1" dirty="0" smtClean="0">
+              <a:rPr lang="en-US" altLang="ko-KR" b="1" dirty="0">
                 <a:solidFill>
                   <a:srgbClr val="A50021"/>
                 </a:solidFill>
               </a:rPr>
-              <a:t>MOSFET </a:t>
-            </a:r>
-            <a:r>
-              <a:rPr lang="en-US" altLang="ko-KR" b="1" dirty="0" smtClean="0">
-                <a:solidFill>
-                  <a:srgbClr val="A50021"/>
-                </a:solidFill>
-              </a:rPr>
-              <a:t>Device Operation</a:t>
+              <a:t>MOSFET Device Operation</a:t>
             </a:r>
           </a:p>
           <a:p>
@@ -26397,15 +26679,15 @@
               <a:defRPr/>
             </a:pPr>
             <a:r>
-              <a:rPr lang="en-US" altLang="ko-KR" b="1" i="1" dirty="0" err="1" smtClean="0"/>
+              <a:rPr lang="en-US" altLang="ko-KR" b="1" i="1" dirty="0" err="1"/>
               <a:t>i</a:t>
             </a:r>
             <a:r>
-              <a:rPr lang="en-US" altLang="ko-KR" b="1" i="1" baseline="-25000" dirty="0" err="1" smtClean="0"/>
+              <a:rPr lang="en-US" altLang="ko-KR" b="1" i="1" baseline="-25000" dirty="0" err="1"/>
               <a:t>D</a:t>
             </a:r>
             <a:r>
-              <a:rPr lang="en-US" altLang="ko-KR" b="1" dirty="0" smtClean="0"/>
+              <a:rPr lang="en-US" altLang="ko-KR" b="1" dirty="0"/>
               <a:t> : drain current </a:t>
             </a:r>
           </a:p>
@@ -26426,15 +26708,11 @@
               <a:rPr lang="en-US" altLang="ko-KR" sz="2200" b="1" dirty="0"/>
               <a:t>controlled by gate-to-source </a:t>
             </a:r>
-            <a:r>
-              <a:rPr lang="en-US" altLang="ko-KR" sz="2200" b="1" dirty="0" smtClean="0"/>
-              <a:t/>
-            </a:r>
             <a:br>
-              <a:rPr lang="en-US" altLang="ko-KR" sz="2200" b="1" dirty="0" smtClean="0"/>
+              <a:rPr lang="en-US" altLang="ko-KR" sz="2200" b="1" dirty="0"/>
             </a:br>
             <a:r>
-              <a:rPr lang="en-US" altLang="ko-KR" sz="2200" b="1" dirty="0" smtClean="0"/>
+              <a:rPr lang="en-US" altLang="ko-KR" sz="2200" b="1" dirty="0"/>
               <a:t>voltage </a:t>
             </a:r>
             <a:r>
@@ -26451,15 +26729,15 @@
               <a:defRPr/>
             </a:pPr>
             <a:r>
-              <a:rPr lang="en-US" altLang="ko-KR" b="1" i="1" dirty="0" smtClean="0"/>
+              <a:rPr lang="en-US" altLang="ko-KR" b="1" i="1" dirty="0"/>
               <a:t>V</a:t>
             </a:r>
             <a:r>
-              <a:rPr lang="en-US" altLang="ko-KR" b="1" i="1" baseline="-25000" dirty="0" smtClean="0"/>
+              <a:rPr lang="en-US" altLang="ko-KR" b="1" i="1" baseline="-25000" dirty="0"/>
               <a:t>T</a:t>
             </a:r>
             <a:r>
-              <a:rPr lang="en-US" altLang="ko-KR" b="1" dirty="0" smtClean="0"/>
+              <a:rPr lang="en-US" altLang="ko-KR" b="1" dirty="0"/>
               <a:t> : threshold voltage</a:t>
             </a:r>
           </a:p>
@@ -26555,14 +26833,18 @@
   <p:clrMapOvr>
     <a:masterClrMapping/>
   </p:clrMapOvr>
-  <p:transition spd="med"/>
-  <p:timing>
-    <p:tnLst>
-      <p:par>
-        <p:cTn id="1" dur="indefinite" restart="never" nodeType="tmRoot"/>
-      </p:par>
-    </p:tnLst>
-  </p:timing>
+  <mc:AlternateContent xmlns:mc="http://schemas.openxmlformats.org/markup-compatibility/2006">
+    <mc:Choice xmlns:p159="http://schemas.microsoft.com/office/powerpoint/2015/09/main" Requires="p159">
+      <p:transition>
+        <p159:morph option="byChar"/>
+      </p:transition>
+    </mc:Choice>
+    <mc:Fallback>
+      <p:transition>
+        <p:fade/>
+      </p:transition>
+    </mc:Fallback>
+  </mc:AlternateContent>
 </p:sld>
 </file>
 
@@ -26599,10 +26881,10 @@
           <a:lstStyle/>
           <a:p>
             <a:r>
-              <a:rPr lang="en-US" altLang="ko-KR" dirty="0" smtClean="0"/>
+              <a:rPr lang="en-US" altLang="ko-KR" dirty="0"/>
               <a:t> MOSFET</a:t>
             </a:r>
-            <a:endParaRPr lang="ko-KR" altLang="en-US" dirty="0" smtClean="0"/>
+            <a:endParaRPr lang="ko-KR" altLang="en-US" dirty="0"/>
           </a:p>
         </p:txBody>
       </p:sp>
@@ -26632,30 +26914,21 @@
               <a:defRPr/>
             </a:pPr>
             <a:r>
-              <a:rPr lang="en-US" altLang="ko-KR" sz="2800" b="1" spc="-100" dirty="0" smtClean="0">
+              <a:rPr lang="en-US" altLang="ko-KR" sz="2800" b="1" spc="-100" dirty="0">
                 <a:solidFill>
                   <a:srgbClr val="0070C0"/>
                 </a:solidFill>
               </a:rPr>
               <a:t>Output characteristic curves</a:t>
             </a:r>
-            <a:endParaRPr lang="en-US" altLang="ko-KR" sz="2800" b="1" spc="-100" dirty="0">
-              <a:solidFill>
-                <a:srgbClr val="0070C0"/>
-              </a:solidFill>
-            </a:endParaRPr>
           </a:p>
           <a:p>
             <a:pPr>
               <a:defRPr/>
             </a:pPr>
             <a:r>
-              <a:rPr lang="en-US" altLang="ko-KR" b="1" dirty="0" smtClean="0"/>
-              <a:t>V-I </a:t>
-            </a:r>
-            <a:r>
-              <a:rPr lang="en-US" altLang="ko-KR" b="1" dirty="0" smtClean="0"/>
-              <a:t>curves of transistors</a:t>
+              <a:rPr lang="en-US" altLang="ko-KR" b="1" dirty="0"/>
+              <a:t>V-I curves of transistors</a:t>
             </a:r>
           </a:p>
           <a:p>
@@ -26663,39 +26936,39 @@
               <a:defRPr/>
             </a:pPr>
             <a:r>
-              <a:rPr lang="en-US" altLang="ko-KR" b="1" dirty="0" smtClean="0"/>
+              <a:rPr lang="en-US" altLang="ko-KR" b="1" dirty="0"/>
               <a:t>Given </a:t>
             </a:r>
             <a:r>
-              <a:rPr lang="en-US" altLang="ko-KR" b="1" i="1" dirty="0" smtClean="0"/>
+              <a:rPr lang="en-US" altLang="ko-KR" b="1" i="1" dirty="0"/>
               <a:t>V</a:t>
             </a:r>
             <a:r>
-              <a:rPr lang="en-US" altLang="ko-KR" b="1" i="1" baseline="-25000" dirty="0" smtClean="0"/>
+              <a:rPr lang="en-US" altLang="ko-KR" b="1" i="1" baseline="-25000" dirty="0"/>
               <a:t>GS</a:t>
             </a:r>
             <a:r>
-              <a:rPr lang="en-US" altLang="ko-KR" b="1" dirty="0" smtClean="0"/>
+              <a:rPr lang="en-US" altLang="ko-KR" b="1" dirty="0"/>
               <a:t>, sweeping </a:t>
             </a:r>
             <a:r>
-              <a:rPr lang="en-US" altLang="ko-KR" b="1" i="1" dirty="0" smtClean="0"/>
+              <a:rPr lang="en-US" altLang="ko-KR" b="1" i="1" dirty="0"/>
               <a:t>V</a:t>
             </a:r>
             <a:r>
-              <a:rPr lang="en-US" altLang="ko-KR" b="1" i="1" baseline="-25000" dirty="0" smtClean="0"/>
+              <a:rPr lang="en-US" altLang="ko-KR" b="1" i="1" baseline="-25000" dirty="0"/>
               <a:t>DS</a:t>
             </a:r>
             <a:r>
-              <a:rPr lang="en-US" altLang="ko-KR" b="1" dirty="0" smtClean="0"/>
+              <a:rPr lang="en-US" altLang="ko-KR" b="1" dirty="0"/>
               <a:t>, and output </a:t>
             </a:r>
             <a:r>
-              <a:rPr lang="en-US" altLang="ko-KR" b="1" i="1" dirty="0" smtClean="0"/>
+              <a:rPr lang="en-US" altLang="ko-KR" b="1" i="1" dirty="0"/>
               <a:t>I</a:t>
             </a:r>
             <a:r>
-              <a:rPr lang="en-US" altLang="ko-KR" b="1" i="1" baseline="-25000" dirty="0" smtClean="0"/>
+              <a:rPr lang="en-US" altLang="ko-KR" b="1" i="1" baseline="-25000" dirty="0"/>
               <a:t>D</a:t>
             </a:r>
           </a:p>
@@ -26704,19 +26977,19 @@
               <a:defRPr/>
             </a:pPr>
             <a:r>
-              <a:rPr lang="en-US" altLang="ko-KR" b="1" i="1" dirty="0" smtClean="0"/>
+              <a:rPr lang="en-US" altLang="ko-KR" b="1" i="1" dirty="0"/>
               <a:t>I</a:t>
             </a:r>
             <a:r>
-              <a:rPr lang="en-US" altLang="ko-KR" b="1" i="1" baseline="-25000" dirty="0" smtClean="0"/>
+              <a:rPr lang="en-US" altLang="ko-KR" b="1" i="1" baseline="-25000" dirty="0"/>
               <a:t>S</a:t>
             </a:r>
             <a:r>
-              <a:rPr lang="en-US" altLang="ko-KR" b="1" i="1" dirty="0" smtClean="0"/>
+              <a:rPr lang="en-US" altLang="ko-KR" b="1" i="1" dirty="0"/>
               <a:t> = I</a:t>
             </a:r>
             <a:r>
-              <a:rPr lang="en-US" altLang="ko-KR" b="1" i="1" baseline="-25000" dirty="0" smtClean="0"/>
+              <a:rPr lang="en-US" altLang="ko-KR" b="1" i="1" baseline="-25000" dirty="0"/>
               <a:t>D</a:t>
             </a:r>
           </a:p>
@@ -26724,7 +26997,7 @@
             <a:pPr lvl="1">
               <a:defRPr/>
             </a:pPr>
-            <a:endParaRPr lang="en-US" altLang="ko-KR" b="1" dirty="0" smtClean="0"/>
+            <a:endParaRPr lang="en-US" altLang="ko-KR" b="1" dirty="0"/>
           </a:p>
           <a:p>
             <a:pPr lvl="1">
@@ -26732,21 +27005,13 @@
               <a:buNone/>
               <a:defRPr/>
             </a:pPr>
-            <a:r>
-              <a:rPr lang="en-US" altLang="ko-KR" b="1" dirty="0" smtClean="0"/>
-              <a:t/>
-            </a:r>
             <a:br>
-              <a:rPr lang="en-US" altLang="ko-KR" b="1" dirty="0" smtClean="0"/>
+              <a:rPr lang="en-US" altLang="ko-KR" b="1" dirty="0"/>
             </a:br>
-            <a:r>
-              <a:rPr lang="en-US" altLang="ko-KR" b="1" dirty="0" smtClean="0"/>
-              <a:t/>
-            </a:r>
             <a:br>
-              <a:rPr lang="en-US" altLang="ko-KR" b="1" dirty="0" smtClean="0"/>
+              <a:rPr lang="en-US" altLang="ko-KR" b="1" dirty="0"/>
             </a:br>
-            <a:endParaRPr lang="en-US" altLang="ko-KR" b="1" dirty="0" smtClean="0"/>
+            <a:endParaRPr lang="en-US" altLang="ko-KR" b="1" dirty="0"/>
           </a:p>
         </p:txBody>
       </p:sp>
@@ -26790,14 +27055,18 @@
   <p:clrMapOvr>
     <a:masterClrMapping/>
   </p:clrMapOvr>
-  <p:transition spd="med"/>
-  <p:timing>
-    <p:tnLst>
-      <p:par>
-        <p:cTn id="1" dur="indefinite" restart="never" nodeType="tmRoot"/>
-      </p:par>
-    </p:tnLst>
-  </p:timing>
+  <mc:AlternateContent xmlns:mc="http://schemas.openxmlformats.org/markup-compatibility/2006">
+    <mc:Choice xmlns:p159="http://schemas.microsoft.com/office/powerpoint/2015/09/main" Requires="p159">
+      <p:transition>
+        <p159:morph option="byChar"/>
+      </p:transition>
+    </mc:Choice>
+    <mc:Fallback>
+      <p:transition>
+        <p:fade/>
+      </p:transition>
+    </mc:Fallback>
+  </mc:AlternateContent>
 </p:sld>
 </file>
 
@@ -26834,10 +27103,10 @@
           <a:lstStyle/>
           <a:p>
             <a:r>
-              <a:rPr lang="en-US" altLang="ko-KR" dirty="0" smtClean="0"/>
+              <a:rPr lang="en-US" altLang="ko-KR" dirty="0"/>
               <a:t> MOSFET</a:t>
             </a:r>
-            <a:endParaRPr lang="ko-KR" altLang="en-US" dirty="0" smtClean="0"/>
+            <a:endParaRPr lang="ko-KR" altLang="en-US" dirty="0"/>
           </a:p>
         </p:txBody>
       </p:sp>
@@ -26866,11 +27135,11 @@
               <a:buNone/>
             </a:pPr>
             <a:r>
-              <a:rPr lang="en-US" altLang="ko-KR" b="1" dirty="0" smtClean="0"/>
+              <a:rPr lang="en-US" altLang="ko-KR" b="1" dirty="0"/>
               <a:t> </a:t>
             </a:r>
             <a:r>
-              <a:rPr lang="en-US" altLang="ko-KR" sz="2800" b="1" dirty="0" smtClean="0">
+              <a:rPr lang="en-US" altLang="ko-KR" sz="2800" b="1" dirty="0">
                 <a:solidFill>
                   <a:srgbClr val="0070C0"/>
                 </a:solidFill>
@@ -26878,7 +27147,7 @@
               <a:t>Regions</a:t>
             </a:r>
             <a:r>
-              <a:rPr lang="en-US" altLang="ko-KR" b="1" dirty="0" smtClean="0">
+              <a:rPr lang="en-US" altLang="ko-KR" b="1" dirty="0">
                 <a:solidFill>
                   <a:srgbClr val="0070C0"/>
                 </a:solidFill>
@@ -26889,11 +27158,11 @@
           <a:p>
             <a:pPr lvl="1"/>
             <a:r>
-              <a:rPr lang="en-US" altLang="ko-KR" b="1" dirty="0" err="1" smtClean="0"/>
+              <a:rPr lang="en-US" altLang="ko-KR" b="1" dirty="0" err="1"/>
               <a:t>ohmic</a:t>
             </a:r>
             <a:r>
-              <a:rPr lang="en-US" altLang="ko-KR" b="1" dirty="0" smtClean="0"/>
+              <a:rPr lang="en-US" altLang="ko-KR" b="1" dirty="0"/>
               <a:t> region : </a:t>
             </a:r>
             <a:r>
@@ -26905,7 +27174,7 @@
               <a:t>D</a:t>
             </a:r>
             <a:r>
-              <a:rPr lang="en-US" altLang="ko-KR" b="1" dirty="0" smtClean="0"/>
+              <a:rPr lang="en-US" altLang="ko-KR" b="1" dirty="0"/>
               <a:t> rise with increasing </a:t>
             </a:r>
             <a:r>
@@ -26917,26 +27186,26 @@
               <a:t>DS</a:t>
             </a:r>
             <a:r>
-              <a:rPr lang="en-US" altLang="ko-KR" b="1" dirty="0" smtClean="0"/>
+              <a:rPr lang="en-US" altLang="ko-KR" b="1" dirty="0"/>
               <a:t> </a:t>
             </a:r>
           </a:p>
           <a:p>
             <a:pPr lvl="1"/>
             <a:r>
-              <a:rPr lang="en-US" altLang="ko-KR" b="1" dirty="0" smtClean="0"/>
+              <a:rPr lang="en-US" altLang="ko-KR" b="1" dirty="0"/>
               <a:t>active or saturation region : </a:t>
             </a:r>
             <a:r>
-              <a:rPr lang="en-US" altLang="ko-KR" b="1" i="1" dirty="0" smtClean="0"/>
+              <a:rPr lang="en-US" altLang="ko-KR" b="1" i="1" dirty="0"/>
               <a:t>I</a:t>
             </a:r>
             <a:r>
-              <a:rPr lang="en-US" altLang="ko-KR" b="1" i="1" baseline="-25000" dirty="0" smtClean="0"/>
+              <a:rPr lang="en-US" altLang="ko-KR" b="1" i="1" baseline="-25000" dirty="0"/>
               <a:t>D  </a:t>
             </a:r>
             <a:r>
-              <a:rPr lang="en-US" altLang="ko-KR" b="1" dirty="0" smtClean="0"/>
+              <a:rPr lang="en-US" altLang="ko-KR" b="1" dirty="0"/>
               <a:t>remains almost constant with increasing </a:t>
             </a:r>
             <a:r>
@@ -26948,26 +27217,26 @@
               <a:t>DS</a:t>
             </a:r>
             <a:r>
-              <a:rPr lang="en-US" altLang="ko-KR" b="1" dirty="0" smtClean="0"/>
+              <a:rPr lang="en-US" altLang="ko-KR" b="1" dirty="0"/>
               <a:t> </a:t>
             </a:r>
           </a:p>
           <a:p>
             <a:pPr lvl="1"/>
             <a:r>
-              <a:rPr lang="en-US" altLang="ko-KR" b="1" dirty="0" smtClean="0"/>
+              <a:rPr lang="en-US" altLang="ko-KR" b="1" dirty="0"/>
               <a:t>cutoff region : </a:t>
             </a:r>
             <a:r>
-              <a:rPr lang="en-US" altLang="ko-KR" b="1" i="1" dirty="0" smtClean="0"/>
+              <a:rPr lang="en-US" altLang="ko-KR" b="1" i="1" dirty="0"/>
               <a:t>I</a:t>
             </a:r>
             <a:r>
-              <a:rPr lang="en-US" altLang="ko-KR" b="1" i="1" baseline="-25000" dirty="0" smtClean="0"/>
+              <a:rPr lang="en-US" altLang="ko-KR" b="1" i="1" baseline="-25000" dirty="0"/>
               <a:t>D </a:t>
             </a:r>
             <a:r>
-              <a:rPr lang="en-US" altLang="ko-KR" b="1" dirty="0" smtClean="0"/>
+              <a:rPr lang="en-US" altLang="ko-KR" b="1" dirty="0"/>
               <a:t>= 0, </a:t>
             </a:r>
             <a:r>
@@ -26979,7 +27248,7 @@
               <a:t>GS  </a:t>
             </a:r>
             <a:r>
-              <a:rPr lang="en-US" altLang="ko-KR" b="1" dirty="0" smtClean="0"/>
+              <a:rPr lang="en-US" altLang="ko-KR" b="1" dirty="0"/>
               <a:t>&lt; </a:t>
             </a:r>
             <a:r>
@@ -26990,7 +27259,7 @@
               <a:rPr lang="en-US" altLang="ko-KR" sz="1800" b="1" i="1" baseline="-25000" dirty="0"/>
               <a:t>T</a:t>
             </a:r>
-            <a:endParaRPr lang="ko-KR" altLang="en-US" b="1" dirty="0" smtClean="0"/>
+            <a:endParaRPr lang="ko-KR" altLang="en-US" b="1" dirty="0"/>
           </a:p>
         </p:txBody>
       </p:sp>
@@ -27034,14 +27303,18 @@
   <p:clrMapOvr>
     <a:masterClrMapping/>
   </p:clrMapOvr>
-  <p:transition spd="med"/>
-  <p:timing>
-    <p:tnLst>
-      <p:par>
-        <p:cTn id="1" dur="indefinite" restart="never" nodeType="tmRoot"/>
-      </p:par>
-    </p:tnLst>
-  </p:timing>
+  <mc:AlternateContent xmlns:mc="http://schemas.openxmlformats.org/markup-compatibility/2006">
+    <mc:Choice xmlns:p159="http://schemas.microsoft.com/office/powerpoint/2015/09/main" Requires="p159">
+      <p:transition>
+        <p159:morph option="byChar"/>
+      </p:transition>
+    </mc:Choice>
+    <mc:Fallback>
+      <p:transition>
+        <p:fade/>
+      </p:transition>
+    </mc:Fallback>
+  </mc:AlternateContent>
 </p:sld>
 </file>
 
